--- a/doc/team7_presentation.pptx
+++ b/doc/team7_presentation.pptx
@@ -10,11 +10,11 @@
   <p:sldIdLst>
     <p:sldId id="256" r:id="rId2"/>
     <p:sldId id="258" r:id="rId3"/>
-    <p:sldId id="259" r:id="rId4"/>
-    <p:sldId id="260" r:id="rId5"/>
-    <p:sldId id="261" r:id="rId6"/>
-    <p:sldId id="262" r:id="rId7"/>
-    <p:sldId id="257" r:id="rId8"/>
+    <p:sldId id="260" r:id="rId4"/>
+    <p:sldId id="259" r:id="rId5"/>
+    <p:sldId id="263" r:id="rId6"/>
+    <p:sldId id="261" r:id="rId7"/>
+    <p:sldId id="262" r:id="rId8"/>
   </p:sldIdLst>
   <p:sldSz cx="12192000" cy="6858000"/>
   <p:notesSz cx="6858000" cy="9144000"/>
@@ -455,6 +455,72 @@
 </p:notesMaster>
 </file>
 
+<file path=ppt/notesSlides/notesSlide1.xml><?xml version="1.0" encoding="utf-8"?>
+<p:notes xmlns:a="http://schemas.openxmlformats.org/drawingml/2006/main" xmlns:r="http://schemas.openxmlformats.org/officeDocument/2006/relationships" xmlns:p="http://schemas.openxmlformats.org/presentationml/2006/main">
+  <p:cSld>
+    <p:spTree>
+      <p:nvGrpSpPr>
+        <p:cNvPr id="1" name=""/>
+        <p:cNvGrpSpPr/>
+        <p:nvPr/>
+      </p:nvGrpSpPr>
+      <p:grpSpPr>
+        <a:xfrm>
+          <a:off x="0" y="0"/>
+          <a:ext cx="0" cy="0"/>
+          <a:chOff x="0" y="0"/>
+          <a:chExt cx="0" cy="0"/>
+        </a:xfrm>
+      </p:grpSpPr>
+      <p:sp>
+        <p:nvSpPr>
+          <p:cNvPr id="2" name="Slide Image Placeholder 1"/>
+          <p:cNvSpPr>
+            <a:spLocks noGrp="1" noRot="1" noChangeAspect="1"/>
+          </p:cNvSpPr>
+          <p:nvPr>
+            <p:ph type="sldImg"/>
+          </p:nvPr>
+        </p:nvSpPr>
+        <p:spPr>
+          <a:xfrm>
+            <a:off x="381000" y="685800"/>
+            <a:ext cx="6096000" cy="3429000"/>
+          </a:xfrm>
+        </p:spPr>
+      </p:sp>
+      <p:sp>
+        <p:nvSpPr>
+          <p:cNvPr id="3" name="Notes Placeholder 2"/>
+          <p:cNvSpPr>
+            <a:spLocks noGrp="1"/>
+          </p:cNvSpPr>
+          <p:nvPr>
+            <p:ph type="body" idx="1"/>
+          </p:nvPr>
+        </p:nvSpPr>
+        <p:spPr/>
+        <p:txBody>
+          <a:bodyPr/>
+          <a:lstStyle/>
+          <a:p>
+            <a:endParaRPr lang="en-US" dirty="0"/>
+          </a:p>
+        </p:txBody>
+      </p:sp>
+    </p:spTree>
+    <p:extLst>
+      <p:ext uri="{BB962C8B-B14F-4D97-AF65-F5344CB8AC3E}">
+        <p14:creationId xmlns:p14="http://schemas.microsoft.com/office/powerpoint/2010/main" val="1911299918"/>
+      </p:ext>
+    </p:extLst>
+  </p:cSld>
+  <p:clrMapOvr>
+    <a:masterClrMapping/>
+  </p:clrMapOvr>
+</p:notes>
+</file>
+
 <file path=ppt/slideLayouts/slideLayout1.xml><?xml version="1.0" encoding="utf-8"?>
 <p:sldLayout xmlns:a="http://schemas.openxmlformats.org/drawingml/2006/main" xmlns:r="http://schemas.openxmlformats.org/officeDocument/2006/relationships" xmlns:p="http://schemas.openxmlformats.org/presentationml/2006/main" type="title" preserve="1">
   <p:cSld name="Title Slide">
@@ -497,7 +563,7 @@
           </a:lstStyle>
           <a:p>
             <a:r>
-              <a:rPr lang="en-US" smtClean="0"/>
+              <a:rPr lang="en-US"/>
               <a:t>Click to edit Master title style</a:t>
             </a:r>
             <a:endParaRPr lang="en-US" dirty="0"/>
@@ -562,7 +628,7 @@
           </a:lstStyle>
           <a:p>
             <a:r>
-              <a:rPr lang="en-US" smtClean="0"/>
+              <a:rPr lang="en-US"/>
               <a:t>Click to edit Master subtitle style</a:t>
             </a:r>
             <a:endParaRPr lang="en-US" dirty="0"/>
@@ -586,7 +652,7 @@
           <a:p>
             <a:fld id="{784D0E34-2524-4EE5-9D39-68EB489638CE}" type="datetimeFigureOut">
               <a:rPr lang="en-US" smtClean="0"/>
-              <a:t>10/31/2017</a:t>
+              <a:t>11/1/2017</a:t>
             </a:fld>
             <a:endParaRPr lang="en-US"/>
           </a:p>
@@ -680,7 +746,7 @@
           <a:lstStyle/>
           <a:p>
             <a:r>
-              <a:rPr lang="en-US" smtClean="0"/>
+              <a:rPr lang="en-US"/>
               <a:t>Click to edit Master title style</a:t>
             </a:r>
             <a:endParaRPr lang="en-US" dirty="0"/>
@@ -704,35 +770,35 @@
           <a:p>
             <a:pPr lvl="0"/>
             <a:r>
-              <a:rPr lang="en-US" smtClean="0"/>
+              <a:rPr lang="en-US"/>
               <a:t>Edit Master text styles</a:t>
             </a:r>
           </a:p>
           <a:p>
             <a:pPr lvl="1"/>
             <a:r>
-              <a:rPr lang="en-US" smtClean="0"/>
+              <a:rPr lang="en-US"/>
               <a:t>Second level</a:t>
             </a:r>
           </a:p>
           <a:p>
             <a:pPr lvl="2"/>
             <a:r>
-              <a:rPr lang="en-US" smtClean="0"/>
+              <a:rPr lang="en-US"/>
               <a:t>Third level</a:t>
             </a:r>
           </a:p>
           <a:p>
             <a:pPr lvl="3"/>
             <a:r>
-              <a:rPr lang="en-US" smtClean="0"/>
+              <a:rPr lang="en-US"/>
               <a:t>Fourth level</a:t>
             </a:r>
           </a:p>
           <a:p>
             <a:pPr lvl="4"/>
             <a:r>
-              <a:rPr lang="en-US" smtClean="0"/>
+              <a:rPr lang="en-US"/>
               <a:t>Fifth level</a:t>
             </a:r>
             <a:endParaRPr lang="en-US" dirty="0"/>
@@ -756,7 +822,7 @@
           <a:p>
             <a:fld id="{784D0E34-2524-4EE5-9D39-68EB489638CE}" type="datetimeFigureOut">
               <a:rPr lang="en-US" smtClean="0"/>
-              <a:t>10/31/2017</a:t>
+              <a:t>11/1/2017</a:t>
             </a:fld>
             <a:endParaRPr lang="en-US"/>
           </a:p>
@@ -856,7 +922,7 @@
           <a:lstStyle/>
           <a:p>
             <a:r>
-              <a:rPr lang="en-US" smtClean="0"/>
+              <a:rPr lang="en-US"/>
               <a:t>Click to edit Master title style</a:t>
             </a:r>
             <a:endParaRPr lang="en-US" dirty="0"/>
@@ -885,35 +951,35 @@
           <a:p>
             <a:pPr lvl="0"/>
             <a:r>
-              <a:rPr lang="en-US" smtClean="0"/>
+              <a:rPr lang="en-US"/>
               <a:t>Edit Master text styles</a:t>
             </a:r>
           </a:p>
           <a:p>
             <a:pPr lvl="1"/>
             <a:r>
-              <a:rPr lang="en-US" smtClean="0"/>
+              <a:rPr lang="en-US"/>
               <a:t>Second level</a:t>
             </a:r>
           </a:p>
           <a:p>
             <a:pPr lvl="2"/>
             <a:r>
-              <a:rPr lang="en-US" smtClean="0"/>
+              <a:rPr lang="en-US"/>
               <a:t>Third level</a:t>
             </a:r>
           </a:p>
           <a:p>
             <a:pPr lvl="3"/>
             <a:r>
-              <a:rPr lang="en-US" smtClean="0"/>
+              <a:rPr lang="en-US"/>
               <a:t>Fourth level</a:t>
             </a:r>
           </a:p>
           <a:p>
             <a:pPr lvl="4"/>
             <a:r>
-              <a:rPr lang="en-US" smtClean="0"/>
+              <a:rPr lang="en-US"/>
               <a:t>Fifth level</a:t>
             </a:r>
             <a:endParaRPr lang="en-US" dirty="0"/>
@@ -937,7 +1003,7 @@
           <a:p>
             <a:fld id="{784D0E34-2524-4EE5-9D39-68EB489638CE}" type="datetimeFigureOut">
               <a:rPr lang="en-US" smtClean="0"/>
-              <a:t>10/31/2017</a:t>
+              <a:t>11/1/2017</a:t>
             </a:fld>
             <a:endParaRPr lang="en-US"/>
           </a:p>
@@ -1032,7 +1098,7 @@
           <a:lstStyle/>
           <a:p>
             <a:r>
-              <a:rPr lang="en-US" smtClean="0"/>
+              <a:rPr lang="en-US"/>
               <a:t>Click to edit Master title style</a:t>
             </a:r>
             <a:endParaRPr lang="en-US" dirty="0"/>
@@ -1056,35 +1122,35 @@
           <a:p>
             <a:pPr lvl="0"/>
             <a:r>
-              <a:rPr lang="en-US" smtClean="0"/>
+              <a:rPr lang="en-US"/>
               <a:t>Edit Master text styles</a:t>
             </a:r>
           </a:p>
           <a:p>
             <a:pPr lvl="1"/>
             <a:r>
-              <a:rPr lang="en-US" smtClean="0"/>
+              <a:rPr lang="en-US"/>
               <a:t>Second level</a:t>
             </a:r>
           </a:p>
           <a:p>
             <a:pPr lvl="2"/>
             <a:r>
-              <a:rPr lang="en-US" smtClean="0"/>
+              <a:rPr lang="en-US"/>
               <a:t>Third level</a:t>
             </a:r>
           </a:p>
           <a:p>
             <a:pPr lvl="3"/>
             <a:r>
-              <a:rPr lang="en-US" smtClean="0"/>
+              <a:rPr lang="en-US"/>
               <a:t>Fourth level</a:t>
             </a:r>
           </a:p>
           <a:p>
             <a:pPr lvl="4"/>
             <a:r>
-              <a:rPr lang="en-US" smtClean="0"/>
+              <a:rPr lang="en-US"/>
               <a:t>Fifth level</a:t>
             </a:r>
             <a:endParaRPr lang="en-US" dirty="0"/>
@@ -1108,7 +1174,7 @@
           <a:p>
             <a:fld id="{784D0E34-2524-4EE5-9D39-68EB489638CE}" type="datetimeFigureOut">
               <a:rPr lang="en-US" smtClean="0"/>
-              <a:t>10/31/2017</a:t>
+              <a:t>11/1/2017</a:t>
             </a:fld>
             <a:endParaRPr lang="en-US"/>
           </a:p>
@@ -1212,7 +1278,7 @@
           </a:lstStyle>
           <a:p>
             <a:r>
-              <a:rPr lang="en-US" smtClean="0"/>
+              <a:rPr lang="en-US"/>
               <a:t>Click to edit Master title style</a:t>
             </a:r>
             <a:endParaRPr lang="en-US" dirty="0"/>
@@ -1332,7 +1398,7 @@
           <a:p>
             <a:pPr lvl="0"/>
             <a:r>
-              <a:rPr lang="en-US" smtClean="0"/>
+              <a:rPr lang="en-US"/>
               <a:t>Edit Master text styles</a:t>
             </a:r>
           </a:p>
@@ -1355,7 +1421,7 @@
           <a:p>
             <a:fld id="{784D0E34-2524-4EE5-9D39-68EB489638CE}" type="datetimeFigureOut">
               <a:rPr lang="en-US" smtClean="0"/>
-              <a:t>10/31/2017</a:t>
+              <a:t>11/1/2017</a:t>
             </a:fld>
             <a:endParaRPr lang="en-US"/>
           </a:p>
@@ -1450,7 +1516,7 @@
           <a:lstStyle/>
           <a:p>
             <a:r>
-              <a:rPr lang="en-US" smtClean="0"/>
+              <a:rPr lang="en-US"/>
               <a:t>Click to edit Master title style</a:t>
             </a:r>
             <a:endParaRPr lang="en-US" dirty="0"/>
@@ -1479,35 +1545,35 @@
           <a:p>
             <a:pPr lvl="0"/>
             <a:r>
-              <a:rPr lang="en-US" smtClean="0"/>
+              <a:rPr lang="en-US"/>
               <a:t>Edit Master text styles</a:t>
             </a:r>
           </a:p>
           <a:p>
             <a:pPr lvl="1"/>
             <a:r>
-              <a:rPr lang="en-US" smtClean="0"/>
+              <a:rPr lang="en-US"/>
               <a:t>Second level</a:t>
             </a:r>
           </a:p>
           <a:p>
             <a:pPr lvl="2"/>
             <a:r>
-              <a:rPr lang="en-US" smtClean="0"/>
+              <a:rPr lang="en-US"/>
               <a:t>Third level</a:t>
             </a:r>
           </a:p>
           <a:p>
             <a:pPr lvl="3"/>
             <a:r>
-              <a:rPr lang="en-US" smtClean="0"/>
+              <a:rPr lang="en-US"/>
               <a:t>Fourth level</a:t>
             </a:r>
           </a:p>
           <a:p>
             <a:pPr lvl="4"/>
             <a:r>
-              <a:rPr lang="en-US" smtClean="0"/>
+              <a:rPr lang="en-US"/>
               <a:t>Fifth level</a:t>
             </a:r>
             <a:endParaRPr lang="en-US" dirty="0"/>
@@ -1536,35 +1602,35 @@
           <a:p>
             <a:pPr lvl="0"/>
             <a:r>
-              <a:rPr lang="en-US" smtClean="0"/>
+              <a:rPr lang="en-US"/>
               <a:t>Edit Master text styles</a:t>
             </a:r>
           </a:p>
           <a:p>
             <a:pPr lvl="1"/>
             <a:r>
-              <a:rPr lang="en-US" smtClean="0"/>
+              <a:rPr lang="en-US"/>
               <a:t>Second level</a:t>
             </a:r>
           </a:p>
           <a:p>
             <a:pPr lvl="2"/>
             <a:r>
-              <a:rPr lang="en-US" smtClean="0"/>
+              <a:rPr lang="en-US"/>
               <a:t>Third level</a:t>
             </a:r>
           </a:p>
           <a:p>
             <a:pPr lvl="3"/>
             <a:r>
-              <a:rPr lang="en-US" smtClean="0"/>
+              <a:rPr lang="en-US"/>
               <a:t>Fourth level</a:t>
             </a:r>
           </a:p>
           <a:p>
             <a:pPr lvl="4"/>
             <a:r>
-              <a:rPr lang="en-US" smtClean="0"/>
+              <a:rPr lang="en-US"/>
               <a:t>Fifth level</a:t>
             </a:r>
             <a:endParaRPr lang="en-US" dirty="0"/>
@@ -1588,7 +1654,7 @@
           <a:p>
             <a:fld id="{784D0E34-2524-4EE5-9D39-68EB489638CE}" type="datetimeFigureOut">
               <a:rPr lang="en-US" smtClean="0"/>
-              <a:t>10/31/2017</a:t>
+              <a:t>11/1/2017</a:t>
             </a:fld>
             <a:endParaRPr lang="en-US"/>
           </a:p>
@@ -1688,7 +1754,7 @@
           <a:lstStyle/>
           <a:p>
             <a:r>
-              <a:rPr lang="en-US" smtClean="0"/>
+              <a:rPr lang="en-US"/>
               <a:t>Click to edit Master title style</a:t>
             </a:r>
             <a:endParaRPr lang="en-US" dirty="0"/>
@@ -1754,7 +1820,7 @@
           <a:p>
             <a:pPr lvl="0"/>
             <a:r>
-              <a:rPr lang="en-US" smtClean="0"/>
+              <a:rPr lang="en-US"/>
               <a:t>Edit Master text styles</a:t>
             </a:r>
           </a:p>
@@ -1782,35 +1848,35 @@
           <a:p>
             <a:pPr lvl="0"/>
             <a:r>
-              <a:rPr lang="en-US" smtClean="0"/>
+              <a:rPr lang="en-US"/>
               <a:t>Edit Master text styles</a:t>
             </a:r>
           </a:p>
           <a:p>
             <a:pPr lvl="1"/>
             <a:r>
-              <a:rPr lang="en-US" smtClean="0"/>
+              <a:rPr lang="en-US"/>
               <a:t>Second level</a:t>
             </a:r>
           </a:p>
           <a:p>
             <a:pPr lvl="2"/>
             <a:r>
-              <a:rPr lang="en-US" smtClean="0"/>
+              <a:rPr lang="en-US"/>
               <a:t>Third level</a:t>
             </a:r>
           </a:p>
           <a:p>
             <a:pPr lvl="3"/>
             <a:r>
-              <a:rPr lang="en-US" smtClean="0"/>
+              <a:rPr lang="en-US"/>
               <a:t>Fourth level</a:t>
             </a:r>
           </a:p>
           <a:p>
             <a:pPr lvl="4"/>
             <a:r>
-              <a:rPr lang="en-US" smtClean="0"/>
+              <a:rPr lang="en-US"/>
               <a:t>Fifth level</a:t>
             </a:r>
             <a:endParaRPr lang="en-US" dirty="0"/>
@@ -1876,7 +1942,7 @@
           <a:p>
             <a:pPr lvl="0"/>
             <a:r>
-              <a:rPr lang="en-US" smtClean="0"/>
+              <a:rPr lang="en-US"/>
               <a:t>Edit Master text styles</a:t>
             </a:r>
           </a:p>
@@ -1904,35 +1970,35 @@
           <a:p>
             <a:pPr lvl="0"/>
             <a:r>
-              <a:rPr lang="en-US" smtClean="0"/>
+              <a:rPr lang="en-US"/>
               <a:t>Edit Master text styles</a:t>
             </a:r>
           </a:p>
           <a:p>
             <a:pPr lvl="1"/>
             <a:r>
-              <a:rPr lang="en-US" smtClean="0"/>
+              <a:rPr lang="en-US"/>
               <a:t>Second level</a:t>
             </a:r>
           </a:p>
           <a:p>
             <a:pPr lvl="2"/>
             <a:r>
-              <a:rPr lang="en-US" smtClean="0"/>
+              <a:rPr lang="en-US"/>
               <a:t>Third level</a:t>
             </a:r>
           </a:p>
           <a:p>
             <a:pPr lvl="3"/>
             <a:r>
-              <a:rPr lang="en-US" smtClean="0"/>
+              <a:rPr lang="en-US"/>
               <a:t>Fourth level</a:t>
             </a:r>
           </a:p>
           <a:p>
             <a:pPr lvl="4"/>
             <a:r>
-              <a:rPr lang="en-US" smtClean="0"/>
+              <a:rPr lang="en-US"/>
               <a:t>Fifth level</a:t>
             </a:r>
             <a:endParaRPr lang="en-US" dirty="0"/>
@@ -1956,7 +2022,7 @@
           <a:p>
             <a:fld id="{784D0E34-2524-4EE5-9D39-68EB489638CE}" type="datetimeFigureOut">
               <a:rPr lang="en-US" smtClean="0"/>
-              <a:t>10/31/2017</a:t>
+              <a:t>11/1/2017</a:t>
             </a:fld>
             <a:endParaRPr lang="en-US"/>
           </a:p>
@@ -2051,7 +2117,7 @@
           <a:lstStyle/>
           <a:p>
             <a:r>
-              <a:rPr lang="en-US" smtClean="0"/>
+              <a:rPr lang="en-US"/>
               <a:t>Click to edit Master title style</a:t>
             </a:r>
             <a:endParaRPr lang="en-US" dirty="0"/>
@@ -2075,7 +2141,7 @@
           <a:p>
             <a:fld id="{784D0E34-2524-4EE5-9D39-68EB489638CE}" type="datetimeFigureOut">
               <a:rPr lang="en-US" smtClean="0"/>
-              <a:t>10/31/2017</a:t>
+              <a:t>11/1/2017</a:t>
             </a:fld>
             <a:endParaRPr lang="en-US"/>
           </a:p>
@@ -2171,7 +2237,7 @@
           <a:p>
             <a:fld id="{784D0E34-2524-4EE5-9D39-68EB489638CE}" type="datetimeFigureOut">
               <a:rPr lang="en-US" smtClean="0"/>
-              <a:t>10/31/2017</a:t>
+              <a:t>11/1/2017</a:t>
             </a:fld>
             <a:endParaRPr lang="en-US"/>
           </a:p>
@@ -2275,7 +2341,7 @@
           </a:lstStyle>
           <a:p>
             <a:r>
-              <a:rPr lang="en-US" smtClean="0"/>
+              <a:rPr lang="en-US"/>
               <a:t>Click to edit Master title style</a:t>
             </a:r>
             <a:endParaRPr lang="en-US" dirty="0"/>
@@ -2332,35 +2398,35 @@
           <a:p>
             <a:pPr lvl="0"/>
             <a:r>
-              <a:rPr lang="en-US" smtClean="0"/>
+              <a:rPr lang="en-US"/>
               <a:t>Edit Master text styles</a:t>
             </a:r>
           </a:p>
           <a:p>
             <a:pPr lvl="1"/>
             <a:r>
-              <a:rPr lang="en-US" smtClean="0"/>
+              <a:rPr lang="en-US"/>
               <a:t>Second level</a:t>
             </a:r>
           </a:p>
           <a:p>
             <a:pPr lvl="2"/>
             <a:r>
-              <a:rPr lang="en-US" smtClean="0"/>
+              <a:rPr lang="en-US"/>
               <a:t>Third level</a:t>
             </a:r>
           </a:p>
           <a:p>
             <a:pPr lvl="3"/>
             <a:r>
-              <a:rPr lang="en-US" smtClean="0"/>
+              <a:rPr lang="en-US"/>
               <a:t>Fourth level</a:t>
             </a:r>
           </a:p>
           <a:p>
             <a:pPr lvl="4"/>
             <a:r>
-              <a:rPr lang="en-US" smtClean="0"/>
+              <a:rPr lang="en-US"/>
               <a:t>Fifth level</a:t>
             </a:r>
             <a:endParaRPr lang="en-US" dirty="0"/>
@@ -2426,7 +2492,7 @@
           <a:p>
             <a:pPr lvl="0"/>
             <a:r>
-              <a:rPr lang="en-US" smtClean="0"/>
+              <a:rPr lang="en-US"/>
               <a:t>Edit Master text styles</a:t>
             </a:r>
           </a:p>
@@ -2449,7 +2515,7 @@
           <a:p>
             <a:fld id="{784D0E34-2524-4EE5-9D39-68EB489638CE}" type="datetimeFigureOut">
               <a:rPr lang="en-US" smtClean="0"/>
-              <a:t>10/31/2017</a:t>
+              <a:t>11/1/2017</a:t>
             </a:fld>
             <a:endParaRPr lang="en-US"/>
           </a:p>
@@ -2553,7 +2619,7 @@
           </a:lstStyle>
           <a:p>
             <a:r>
-              <a:rPr lang="en-US" smtClean="0"/>
+              <a:rPr lang="en-US"/>
               <a:t>Click to edit Master title style</a:t>
             </a:r>
             <a:endParaRPr lang="en-US" dirty="0"/>
@@ -2618,7 +2684,7 @@
           </a:lstStyle>
           <a:p>
             <a:r>
-              <a:rPr lang="en-US" smtClean="0"/>
+              <a:rPr lang="en-US"/>
               <a:t>Click icon to add picture</a:t>
             </a:r>
             <a:endParaRPr lang="en-US" dirty="0"/>
@@ -2684,7 +2750,7 @@
           <a:p>
             <a:pPr lvl="0"/>
             <a:r>
-              <a:rPr lang="en-US" smtClean="0"/>
+              <a:rPr lang="en-US"/>
               <a:t>Edit Master text styles</a:t>
             </a:r>
           </a:p>
@@ -2707,7 +2773,7 @@
           <a:p>
             <a:fld id="{784D0E34-2524-4EE5-9D39-68EB489638CE}" type="datetimeFigureOut">
               <a:rPr lang="en-US" smtClean="0"/>
-              <a:t>10/31/2017</a:t>
+              <a:t>11/1/2017</a:t>
             </a:fld>
             <a:endParaRPr lang="en-US"/>
           </a:p>
@@ -2817,7 +2883,7 @@
           <a:lstStyle/>
           <a:p>
             <a:r>
-              <a:rPr lang="en-US" smtClean="0"/>
+              <a:rPr lang="en-US"/>
               <a:t>Click to edit Master title style</a:t>
             </a:r>
             <a:endParaRPr lang="en-US" dirty="0"/>
@@ -2851,35 +2917,35 @@
           <a:p>
             <a:pPr lvl="0"/>
             <a:r>
-              <a:rPr lang="en-US" smtClean="0"/>
+              <a:rPr lang="en-US"/>
               <a:t>Edit Master text styles</a:t>
             </a:r>
           </a:p>
           <a:p>
             <a:pPr lvl="1"/>
             <a:r>
-              <a:rPr lang="en-US" smtClean="0"/>
+              <a:rPr lang="en-US"/>
               <a:t>Second level</a:t>
             </a:r>
           </a:p>
           <a:p>
             <a:pPr lvl="2"/>
             <a:r>
-              <a:rPr lang="en-US" smtClean="0"/>
+              <a:rPr lang="en-US"/>
               <a:t>Third level</a:t>
             </a:r>
           </a:p>
           <a:p>
             <a:pPr lvl="3"/>
             <a:r>
-              <a:rPr lang="en-US" smtClean="0"/>
+              <a:rPr lang="en-US"/>
               <a:t>Fourth level</a:t>
             </a:r>
           </a:p>
           <a:p>
             <a:pPr lvl="4"/>
             <a:r>
-              <a:rPr lang="en-US" smtClean="0"/>
+              <a:rPr lang="en-US"/>
               <a:t>Fifth level</a:t>
             </a:r>
             <a:endParaRPr lang="en-US" dirty="0"/>
@@ -2921,7 +2987,7 @@
           <a:p>
             <a:fld id="{784D0E34-2524-4EE5-9D39-68EB489638CE}" type="datetimeFigureOut">
               <a:rPr lang="en-US" smtClean="0"/>
-              <a:t>10/31/2017</a:t>
+              <a:t>11/1/2017</a:t>
             </a:fld>
             <a:endParaRPr lang="en-US"/>
           </a:p>
@@ -3349,24 +3415,12 @@
           </a:bodyPr>
           <a:lstStyle/>
           <a:p>
-            <a:r>
-              <a:rPr lang="en-US" b="1" dirty="0"/>
-              <a:t/>
-            </a:r>
             <a:br>
               <a:rPr lang="en-US" b="1" dirty="0"/>
             </a:br>
             <a:r>
-              <a:rPr lang="en-US" sz="4000" b="1" dirty="0" smtClean="0"/>
-              <a:t>Selection of the best predictive model to classify dogs, fried chicken and blueberry </a:t>
-            </a:r>
-            <a:r>
               <a:rPr lang="en-US" sz="4000" b="1" dirty="0"/>
-              <a:t>muffins</a:t>
-            </a:r>
-            <a:r>
-              <a:rPr lang="en-US" b="1" dirty="0"/>
-              <a:t/>
+              <a:t>Selection of the best predictive model to classify dogs, fried chicken and blueberry muffins</a:t>
             </a:r>
             <a:br>
               <a:rPr lang="en-US" b="1" dirty="0"/>
@@ -3398,11 +3452,11 @@
           <a:lstStyle/>
           <a:p>
             <a:r>
-              <a:rPr lang="en-US" dirty="0" smtClean="0"/>
+              <a:rPr lang="en-US" dirty="0"/>
               <a:t>Team 7:  </a:t>
             </a:r>
             <a:r>
-              <a:rPr lang="en-US" dirty="0" err="1" smtClean="0"/>
+              <a:rPr lang="en-US" dirty="0" err="1"/>
               <a:t>Carantino</a:t>
             </a:r>
             <a:r>
@@ -3410,36 +3464,20 @@
               <a:t>, </a:t>
             </a:r>
             <a:r>
-              <a:rPr lang="en-US" dirty="0" err="1" smtClean="0"/>
+              <a:rPr lang="en-US" dirty="0" err="1"/>
               <a:t>Vassily</a:t>
             </a:r>
             <a:r>
-              <a:rPr lang="en-US" dirty="0" smtClean="0"/>
-              <a:t> / Gao, Xin / </a:t>
-            </a:r>
-            <a:r>
               <a:rPr lang="en-US" dirty="0"/>
-              <a:t>Han, </a:t>
-            </a:r>
-            <a:r>
-              <a:rPr lang="en-US" dirty="0" smtClean="0"/>
-              <a:t>Lin /  </a:t>
+              <a:t> / Gao, Xin / Han, Lin /  Li, </a:t>
+            </a:r>
+            <a:r>
+              <a:rPr lang="en-US" dirty="0" err="1"/>
+              <a:t>Yijia</a:t>
             </a:r>
             <a:r>
               <a:rPr lang="en-US" dirty="0"/>
-              <a:t>Li, </a:t>
-            </a:r>
-            <a:r>
-              <a:rPr lang="en-US" dirty="0" err="1" smtClean="0"/>
-              <a:t>Yijia</a:t>
-            </a:r>
-            <a:r>
-              <a:rPr lang="en-US" dirty="0" smtClean="0"/>
-              <a:t> / Shi</a:t>
-            </a:r>
-            <a:r>
-              <a:rPr lang="en-US" dirty="0"/>
-              <a:t>, Qian</a:t>
+              <a:t> / Shi, Qian</a:t>
             </a:r>
           </a:p>
           <a:p>
@@ -3486,7 +3524,7 @@
         <p:spPr>
           <a:xfrm>
             <a:off x="532262" y="2463835"/>
-            <a:ext cx="6136511" cy="4278094"/>
+            <a:ext cx="6136511" cy="4832092"/>
           </a:xfrm>
           <a:prstGeom prst="rect">
             <a:avLst/>
@@ -3500,88 +3538,8 @@
           <a:lstStyle/>
           <a:p>
             <a:r>
-              <a:rPr lang="en-US" sz="2000" u="sng" dirty="0" smtClean="0"/>
+              <a:rPr lang="en-US" sz="2000" u="sng" dirty="0"/>
               <a:t>Presentation Layout:</a:t>
-            </a:r>
-          </a:p>
-          <a:p>
-            <a:pPr marL="342900" indent="-342900">
-              <a:buAutoNum type="arabicParenR"/>
-            </a:pPr>
-            <a:endParaRPr lang="en-US" dirty="0" smtClean="0"/>
-          </a:p>
-          <a:p>
-            <a:pPr marL="342900" indent="-342900">
-              <a:buAutoNum type="arabicParenR"/>
-            </a:pPr>
-            <a:r>
-              <a:rPr lang="en-US" dirty="0" smtClean="0"/>
-              <a:t>Specifying the objective </a:t>
-            </a:r>
-            <a:r>
-              <a:rPr lang="en-US" dirty="0"/>
-              <a:t>of the study:</a:t>
-            </a:r>
-            <a:r>
-              <a:rPr lang="en-US" b="1" dirty="0"/>
-              <a:t> </a:t>
-            </a:r>
-            <a:r>
-              <a:rPr lang="en-US" dirty="0"/>
-              <a:t>finding the best predictive model to classify dogs, fried chicken and blueberry </a:t>
-            </a:r>
-            <a:r>
-              <a:rPr lang="en-US" dirty="0" smtClean="0"/>
-              <a:t>muffins</a:t>
-            </a:r>
-          </a:p>
-          <a:p>
-            <a:pPr marL="342900" indent="-342900">
-              <a:buAutoNum type="arabicParenR"/>
-            </a:pPr>
-            <a:endParaRPr lang="en-US" dirty="0" smtClean="0"/>
-          </a:p>
-          <a:p>
-            <a:pPr marL="342900" indent="-342900">
-              <a:buAutoNum type="arabicParenR"/>
-            </a:pPr>
-            <a:r>
-              <a:rPr lang="en-US" dirty="0" smtClean="0"/>
-              <a:t>Improvement strategies for classification using SIFT features</a:t>
-            </a:r>
-          </a:p>
-          <a:p>
-            <a:pPr marL="342900" indent="-342900">
-              <a:buAutoNum type="arabicParenR"/>
-            </a:pPr>
-            <a:endParaRPr lang="en-US" dirty="0" smtClean="0"/>
-          </a:p>
-          <a:p>
-            <a:pPr marL="342900" indent="-342900">
-              <a:buAutoNum type="arabicParenR"/>
-            </a:pPr>
-            <a:r>
-              <a:rPr lang="en-US" dirty="0" smtClean="0"/>
-              <a:t>Exploring other options for feature extraction</a:t>
-            </a:r>
-          </a:p>
-          <a:p>
-            <a:pPr marL="342900" indent="-342900">
-              <a:buAutoNum type="arabicParenR"/>
-            </a:pPr>
-            <a:endParaRPr lang="en-US" dirty="0" smtClean="0"/>
-          </a:p>
-          <a:p>
-            <a:pPr marL="342900" indent="-342900">
-              <a:buAutoNum type="arabicParenR"/>
-            </a:pPr>
-            <a:r>
-              <a:rPr lang="en-US" dirty="0" smtClean="0"/>
-              <a:t>Comparison of different </a:t>
-            </a:r>
-            <a:r>
-              <a:rPr lang="en-US" dirty="0" smtClean="0"/>
-              <a:t>strategies combination</a:t>
             </a:r>
           </a:p>
           <a:p>
@@ -3595,16 +3553,98 @@
               <a:buAutoNum type="arabicParenR"/>
             </a:pPr>
             <a:r>
-              <a:rPr lang="en-US" dirty="0" smtClean="0"/>
-              <a:t>Recommendation</a:t>
-            </a:r>
-            <a:endParaRPr lang="en-US" dirty="0" smtClean="0"/>
+              <a:rPr lang="en-US" dirty="0"/>
+              <a:t>Specifying the objective of the study:</a:t>
+            </a:r>
+            <a:r>
+              <a:rPr lang="en-US" b="1" dirty="0"/>
+              <a:t> </a:t>
+            </a:r>
+            <a:r>
+              <a:rPr lang="en-US" dirty="0"/>
+              <a:t>finding the best predictive model to classify dogs, fried chicken and blueberry muffins</a:t>
+            </a:r>
           </a:p>
           <a:p>
             <a:pPr marL="342900" indent="-342900">
               <a:buAutoNum type="arabicParenR"/>
             </a:pPr>
-            <a:endParaRPr lang="en-US" dirty="0" smtClean="0"/>
+            <a:endParaRPr lang="en-US" dirty="0"/>
+          </a:p>
+          <a:p>
+            <a:pPr marL="342900" indent="-342900">
+              <a:buAutoNum type="arabicParenR"/>
+            </a:pPr>
+            <a:r>
+              <a:rPr lang="en-US" dirty="0"/>
+              <a:t>Analysis of the current model’s performance</a:t>
+            </a:r>
+          </a:p>
+          <a:p>
+            <a:pPr marL="342900" indent="-342900">
+              <a:buAutoNum type="arabicParenR"/>
+            </a:pPr>
+            <a:endParaRPr lang="en-US" dirty="0"/>
+          </a:p>
+          <a:p>
+            <a:pPr marL="342900" indent="-342900">
+              <a:buAutoNum type="arabicParenR"/>
+            </a:pPr>
+            <a:r>
+              <a:rPr lang="en-US" dirty="0"/>
+              <a:t>Improvement strategies for classification using SIFT features</a:t>
+            </a:r>
+          </a:p>
+          <a:p>
+            <a:pPr marL="342900" indent="-342900">
+              <a:buAutoNum type="arabicParenR"/>
+            </a:pPr>
+            <a:endParaRPr lang="en-US" dirty="0"/>
+          </a:p>
+          <a:p>
+            <a:pPr marL="342900" indent="-342900">
+              <a:buAutoNum type="arabicParenR"/>
+            </a:pPr>
+            <a:r>
+              <a:rPr lang="en-US" dirty="0"/>
+              <a:t>Exploring other options for feature extraction</a:t>
+            </a:r>
+          </a:p>
+          <a:p>
+            <a:pPr marL="342900" indent="-342900">
+              <a:buAutoNum type="arabicParenR"/>
+            </a:pPr>
+            <a:endParaRPr lang="en-US" dirty="0"/>
+          </a:p>
+          <a:p>
+            <a:pPr marL="342900" indent="-342900">
+              <a:buAutoNum type="arabicParenR"/>
+            </a:pPr>
+            <a:r>
+              <a:rPr lang="en-US" dirty="0"/>
+              <a:t>Comparison of different strategies combination</a:t>
+            </a:r>
+          </a:p>
+          <a:p>
+            <a:pPr marL="342900" indent="-342900">
+              <a:buAutoNum type="arabicParenR"/>
+            </a:pPr>
+            <a:endParaRPr lang="en-US" dirty="0"/>
+          </a:p>
+          <a:p>
+            <a:pPr marL="342900" indent="-342900">
+              <a:buAutoNum type="arabicParenR"/>
+            </a:pPr>
+            <a:r>
+              <a:rPr lang="en-US" dirty="0"/>
+              <a:t>Recommendation</a:t>
+            </a:r>
+          </a:p>
+          <a:p>
+            <a:pPr marL="342900" indent="-342900">
+              <a:buAutoNum type="arabicParenR"/>
+            </a:pPr>
+            <a:endParaRPr lang="en-US" dirty="0"/>
           </a:p>
           <a:p>
             <a:pPr marL="342900" indent="-342900">
@@ -3624,13 +3664,6 @@
   <p:clrMapOvr>
     <a:masterClrMapping/>
   </p:clrMapOvr>
-  <p:timing>
-    <p:tnLst>
-      <p:par>
-        <p:cTn id="1" dur="indefinite" restart="never" nodeType="tmRoot"/>
-      </p:par>
-    </p:tnLst>
-  </p:timing>
 </p:sld>
 </file>
 
@@ -3674,15 +3707,11 @@
           <a:lstStyle/>
           <a:p>
             <a:r>
-              <a:rPr lang="en-US" sz="3200" dirty="0" smtClean="0"/>
-              <a:t>1) Objective </a:t>
-            </a:r>
-            <a:r>
-              <a:rPr lang="en-US" sz="3200" dirty="0" smtClean="0"/>
-              <a:t>of the study:</a:t>
-            </a:r>
-            <a:r>
-              <a:rPr lang="en-US" sz="3200" b="1" dirty="0" smtClean="0"/>
+              <a:rPr lang="en-US" sz="3200" dirty="0"/>
+              <a:t>1) Objective of the study:</a:t>
+            </a:r>
+            <a:r>
+              <a:rPr lang="en-US" sz="3200" b="1" dirty="0"/>
               <a:t> </a:t>
             </a:r>
             <a:r>
@@ -3744,14 +3773,14 @@
             <a:bodyPr rtlCol="0" anchor="ctr"/>
             <a:lstStyle/>
             <a:p>
-              <a:endParaRPr lang="en-US" dirty="0" smtClean="0">
+              <a:endParaRPr lang="en-US" dirty="0">
                 <a:solidFill>
                   <a:schemeClr val="tx1"/>
                 </a:solidFill>
               </a:endParaRPr>
             </a:p>
             <a:p>
-              <a:endParaRPr lang="en-US" dirty="0" smtClean="0">
+              <a:endParaRPr lang="en-US" dirty="0">
                 <a:solidFill>
                   <a:schemeClr val="tx1"/>
                 </a:solidFill>
@@ -3759,7 +3788,7 @@
             </a:p>
             <a:p>
               <a:r>
-                <a:rPr lang="en-US" dirty="0" smtClean="0">
+                <a:rPr lang="en-US" dirty="0">
                   <a:solidFill>
                     <a:schemeClr val="tx1"/>
                   </a:solidFill>
@@ -3778,15 +3807,7 @@
                     <a:schemeClr val="tx1"/>
                   </a:solidFill>
                 </a:rPr>
-                <a:t>t</a:t>
-              </a:r>
-              <a:r>
-                <a:rPr lang="en-US" dirty="0" smtClean="0">
-                  <a:solidFill>
-                    <a:schemeClr val="tx1"/>
-                  </a:solidFill>
-                </a:rPr>
-                <a:t>he ease of reproducibility</a:t>
+                <a:t>the ease of reproducibility</a:t>
               </a:r>
             </a:p>
             <a:p>
@@ -3800,15 +3821,7 @@
                     <a:schemeClr val="tx1"/>
                   </a:solidFill>
                 </a:rPr>
-                <a:t>t</a:t>
-              </a:r>
-              <a:r>
-                <a:rPr lang="en-US" dirty="0" smtClean="0">
-                  <a:solidFill>
-                    <a:schemeClr val="tx1"/>
-                  </a:solidFill>
-                </a:rPr>
-                <a:t>he portability of the strategy:</a:t>
+                <a:t>the portability of the strategy:</a:t>
               </a:r>
             </a:p>
             <a:p>
@@ -3817,7 +3830,7 @@
                 <a:buChar char="o"/>
               </a:pPr>
               <a:r>
-                <a:rPr lang="en-US" dirty="0" smtClean="0">
+                <a:rPr lang="en-US" dirty="0">
                   <a:solidFill>
                     <a:schemeClr val="tx1"/>
                   </a:solidFill>
@@ -3831,7 +3844,7 @@
                 <a:buChar char="o"/>
               </a:pPr>
               <a:r>
-                <a:rPr lang="en-US" dirty="0" smtClean="0">
+                <a:rPr lang="en-US" dirty="0">
                   <a:solidFill>
                     <a:schemeClr val="tx1"/>
                   </a:solidFill>
@@ -3844,7 +3857,7 @@
                 <a:buFont typeface="Courier New" panose="02070309020205020404" pitchFamily="49" charset="0"/>
                 <a:buChar char="o"/>
               </a:pPr>
-              <a:endParaRPr lang="en-US" dirty="0" smtClean="0">
+              <a:endParaRPr lang="en-US" dirty="0">
                 <a:solidFill>
                   <a:schemeClr val="tx1"/>
                 </a:solidFill>
@@ -3852,7 +3865,7 @@
             </a:p>
             <a:p>
               <a:r>
-                <a:rPr lang="en-US" dirty="0" smtClean="0">
+                <a:rPr lang="en-US" dirty="0">
                   <a:solidFill>
                     <a:schemeClr val="tx1"/>
                   </a:solidFill>
@@ -3866,7 +3879,7 @@
                 <a:buChar char="§"/>
               </a:pPr>
               <a:r>
-                <a:rPr lang="en-US" dirty="0" smtClean="0">
+                <a:rPr lang="en-US" dirty="0">
                   <a:solidFill>
                     <a:schemeClr val="tx1"/>
                   </a:solidFill>
@@ -3885,19 +3898,11 @@
                     <a:schemeClr val="tx1"/>
                   </a:solidFill>
                 </a:rPr>
-                <a:t>t</a:t>
-              </a:r>
-              <a:r>
-                <a:rPr lang="en-US" dirty="0" smtClean="0">
-                  <a:solidFill>
-                    <a:schemeClr val="tx1"/>
-                  </a:solidFill>
-                </a:rPr>
-                <a:t>he classification model</a:t>
+                <a:t>the classification model</a:t>
               </a:r>
             </a:p>
             <a:p>
-              <a:endParaRPr lang="en-US" dirty="0" smtClean="0">
+              <a:endParaRPr lang="en-US" dirty="0">
                 <a:solidFill>
                   <a:schemeClr val="tx1"/>
                 </a:solidFill>
@@ -3953,7 +3958,7 @@
             <a:p>
               <a:pPr algn="ctr"/>
               <a:r>
-                <a:rPr lang="en-US" sz="2400" dirty="0" smtClean="0"/>
+                <a:rPr lang="en-US" sz="2400" dirty="0"/>
                 <a:t>What is the “best” predictive model ?</a:t>
               </a:r>
             </a:p>
@@ -4017,34 +4022,10 @@
               <a:buChar char="à"/>
             </a:pPr>
             <a:r>
-              <a:rPr lang="en-US" dirty="0" smtClean="0">
-                <a:sym typeface="Wingdings" panose="05000000000000000000" pitchFamily="2" charset="2"/>
-              </a:rPr>
-              <a:t>We are going to find strategies to improve the current model –</a:t>
-            </a:r>
-            <a:r>
               <a:rPr lang="en-US" dirty="0">
                 <a:sym typeface="Wingdings" panose="05000000000000000000" pitchFamily="2" charset="2"/>
               </a:rPr>
-              <a:t>using </a:t>
-            </a:r>
-            <a:r>
-              <a:rPr lang="en-US" dirty="0" smtClean="0">
-                <a:sym typeface="Wingdings" panose="05000000000000000000" pitchFamily="2" charset="2"/>
-              </a:rPr>
-              <a:t>boosted </a:t>
-            </a:r>
-            <a:r>
-              <a:rPr lang="en-US" dirty="0">
-                <a:sym typeface="Wingdings" panose="05000000000000000000" pitchFamily="2" charset="2"/>
-              </a:rPr>
-              <a:t>decision stumps on SIFT </a:t>
-            </a:r>
-            <a:r>
-              <a:rPr lang="en-US" dirty="0" smtClean="0">
-                <a:sym typeface="Wingdings" panose="05000000000000000000" pitchFamily="2" charset="2"/>
-              </a:rPr>
-              <a:t>features – with a reasonable reproducibility and portability.</a:t>
+              <a:t>We are going to find strategies to improve the current model –using boosted decision stumps on SIFT features – with a reasonable reproducibility and portability.</a:t>
             </a:r>
           </a:p>
         </p:txBody>
@@ -4059,13 +4040,6 @@
   <p:clrMapOvr>
     <a:masterClrMapping/>
   </p:clrMapOvr>
-  <p:timing>
-    <p:tnLst>
-      <p:par>
-        <p:cTn id="1" dur="indefinite" restart="never" nodeType="tmRoot"/>
-      </p:par>
-    </p:tnLst>
-  </p:timing>
 </p:sld>
 </file>
 
@@ -4110,15 +4084,7 @@
           <a:p>
             <a:r>
               <a:rPr lang="en-US" sz="3200" dirty="0"/>
-              <a:t>2) </a:t>
-            </a:r>
-            <a:r>
-              <a:rPr lang="en-US" sz="3200" dirty="0" smtClean="0"/>
-              <a:t>Other classification strategies outperform GBM using </a:t>
-            </a:r>
-            <a:r>
-              <a:rPr lang="en-US" sz="3200" dirty="0"/>
-              <a:t>SIFT features</a:t>
+              <a:t>2) What is the performance of the current model ?</a:t>
             </a:r>
           </a:p>
         </p:txBody>
@@ -4131,8 +4097,8 @@
         </p:nvSpPr>
         <p:spPr>
           <a:xfrm>
-            <a:off x="3048000" y="3105835"/>
-            <a:ext cx="6096000" cy="646331"/>
+            <a:off x="1809750" y="6842521"/>
+            <a:ext cx="6096000" cy="3139321"/>
           </a:xfrm>
           <a:prstGeom prst="rect">
             <a:avLst/>
@@ -4144,39 +4110,588 @@
           </a:bodyPr>
           <a:lstStyle/>
           <a:p>
-            <a:r>
-              <a:rPr lang="en-US" dirty="0" smtClean="0"/>
-              <a:t>For each </a:t>
-            </a:r>
-            <a:r>
-              <a:rPr lang="en-US" dirty="0" err="1" smtClean="0"/>
-              <a:t>algoritghm</a:t>
-            </a:r>
-            <a:r>
-              <a:rPr lang="en-US" dirty="0" smtClean="0"/>
-              <a:t>, explain the parameters found using CV, and advantage / drawback as compared to GBM</a:t>
-            </a:r>
             <a:endParaRPr lang="en-US" dirty="0"/>
+          </a:p>
+          <a:p>
+            <a:endParaRPr lang="en-US" dirty="0"/>
+          </a:p>
+          <a:p>
+            <a:endParaRPr lang="en-US" dirty="0"/>
+          </a:p>
+          <a:p>
+            <a:r>
+              <a:rPr lang="en-US" dirty="0"/>
+              <a:t>Set interaction depth fixed to 3, trees numbers from 200 to 600, and shrinkage values from 0.01 to 0.07 by 0.02.</a:t>
+            </a:r>
+          </a:p>
+          <a:p>
+            <a:endParaRPr lang="en-US" dirty="0"/>
+          </a:p>
+          <a:p>
+            <a:r>
+              <a:rPr lang="en-US" dirty="0"/>
+              <a:t>Although the best parameters for GBM model is shrinkage = 0.01 and </a:t>
+            </a:r>
+            <a:r>
+              <a:rPr lang="en-US" dirty="0" err="1"/>
+              <a:t>n.trees</a:t>
+            </a:r>
+            <a:r>
+              <a:rPr lang="en-US" dirty="0"/>
+              <a:t> = 600. However, this accuracy is greater than 80%. In order to avoid overfitting, choose parameters corresponding to the second largest accuracy, that is shrinkage = 0.07 and </a:t>
+            </a:r>
+            <a:r>
+              <a:rPr lang="en-US" dirty="0" err="1"/>
+              <a:t>n.trees</a:t>
+            </a:r>
+            <a:r>
+              <a:rPr lang="en-US" dirty="0"/>
+              <a:t> = 600. The green "+" at the end.</a:t>
+            </a:r>
+          </a:p>
+        </p:txBody>
+      </p:sp>
+      <p:pic>
+        <p:nvPicPr>
+          <p:cNvPr id="5" name="Picture 4">
+            <a:extLst>
+              <a:ext uri="{FF2B5EF4-FFF2-40B4-BE49-F238E27FC236}">
+                <a16:creationId xmlns:a16="http://schemas.microsoft.com/office/drawing/2014/main" id="{CF76EA7F-8784-471D-A9F6-89489EB2847A}"/>
+              </a:ext>
+            </a:extLst>
+          </p:cNvPr>
+          <p:cNvPicPr>
+            <a:picLocks noChangeAspect="1"/>
+          </p:cNvPicPr>
+          <p:nvPr/>
+        </p:nvPicPr>
+        <p:blipFill rotWithShape="1">
+          <a:blip r:embed="rId2"/>
+          <a:srcRect b="3078"/>
+          <a:stretch/>
+        </p:blipFill>
+        <p:spPr>
+          <a:xfrm>
+            <a:off x="140846" y="2377157"/>
+            <a:ext cx="6564754" cy="3941149"/>
+          </a:xfrm>
+          <a:prstGeom prst="rect">
+            <a:avLst/>
+          </a:prstGeom>
+        </p:spPr>
+      </p:pic>
+      <p:grpSp>
+        <p:nvGrpSpPr>
+          <p:cNvPr id="6" name="Group 5">
+            <a:extLst>
+              <a:ext uri="{FF2B5EF4-FFF2-40B4-BE49-F238E27FC236}">
+                <a16:creationId xmlns:a16="http://schemas.microsoft.com/office/drawing/2014/main" id="{5F5AB41A-A0D7-4C27-AE29-7D1B9D690D66}"/>
+              </a:ext>
+            </a:extLst>
+          </p:cNvPr>
+          <p:cNvGrpSpPr/>
+          <p:nvPr/>
+        </p:nvGrpSpPr>
+        <p:grpSpPr>
+          <a:xfrm>
+            <a:off x="6843092" y="1905852"/>
+            <a:ext cx="4995081" cy="5157372"/>
+            <a:chOff x="362982" y="1145089"/>
+            <a:chExt cx="4995081" cy="5157372"/>
+          </a:xfrm>
+        </p:grpSpPr>
+        <p:grpSp>
+          <p:nvGrpSpPr>
+            <p:cNvPr id="7" name="Group 6">
+              <a:extLst>
+                <a:ext uri="{FF2B5EF4-FFF2-40B4-BE49-F238E27FC236}">
+                  <a16:creationId xmlns:a16="http://schemas.microsoft.com/office/drawing/2014/main" id="{1C2A98B6-97FC-4CBB-843D-AB5677D7126A}"/>
+                </a:ext>
+              </a:extLst>
+            </p:cNvPr>
+            <p:cNvGrpSpPr/>
+            <p:nvPr/>
+          </p:nvGrpSpPr>
+          <p:grpSpPr>
+            <a:xfrm>
+              <a:off x="362982" y="1145089"/>
+              <a:ext cx="4995081" cy="4704498"/>
+              <a:chOff x="491319" y="2460216"/>
+              <a:chExt cx="11245756" cy="5601132"/>
+            </a:xfrm>
+          </p:grpSpPr>
+          <p:sp>
+            <p:nvSpPr>
+              <p:cNvPr id="9" name="Rounded Rectangle 5">
+                <a:extLst>
+                  <a:ext uri="{FF2B5EF4-FFF2-40B4-BE49-F238E27FC236}">
+                    <a16:creationId xmlns:a16="http://schemas.microsoft.com/office/drawing/2014/main" id="{01E2059C-F649-4826-A1B9-307ECB84FA13}"/>
+                  </a:ext>
+                </a:extLst>
+              </p:cNvPr>
+              <p:cNvSpPr/>
+              <p:nvPr/>
+            </p:nvSpPr>
+            <p:spPr>
+              <a:xfrm>
+                <a:off x="491319" y="2906973"/>
+                <a:ext cx="11245756" cy="5154375"/>
+              </a:xfrm>
+              <a:prstGeom prst="roundRect">
+                <a:avLst>
+                  <a:gd name="adj" fmla="val 2615"/>
+                </a:avLst>
+              </a:prstGeom>
+              <a:noFill/>
+            </p:spPr>
+            <p:style>
+              <a:lnRef idx="2">
+                <a:schemeClr val="accent1">
+                  <a:shade val="50000"/>
+                </a:schemeClr>
+              </a:lnRef>
+              <a:fillRef idx="1">
+                <a:schemeClr val="accent1"/>
+              </a:fillRef>
+              <a:effectRef idx="0">
+                <a:schemeClr val="accent1"/>
+              </a:effectRef>
+              <a:fontRef idx="minor">
+                <a:schemeClr val="lt1"/>
+              </a:fontRef>
+            </p:style>
+            <p:txBody>
+              <a:bodyPr rtlCol="0" anchor="ctr"/>
+              <a:lstStyle/>
+              <a:p>
+                <a:endParaRPr lang="en-US" dirty="0">
+                  <a:solidFill>
+                    <a:schemeClr val="tx1"/>
+                  </a:solidFill>
+                </a:endParaRPr>
+              </a:p>
+              <a:p>
+                <a:endParaRPr lang="en-US" dirty="0">
+                  <a:solidFill>
+                    <a:schemeClr val="tx1"/>
+                  </a:solidFill>
+                </a:endParaRPr>
+              </a:p>
+              <a:p>
+                <a:endParaRPr lang="en-US" dirty="0">
+                  <a:solidFill>
+                    <a:schemeClr val="tx1"/>
+                  </a:solidFill>
+                </a:endParaRPr>
+              </a:p>
+              <a:p>
+                <a:pPr marL="342900" indent="-342900">
+                  <a:buFont typeface="Wingdings" panose="05000000000000000000" pitchFamily="2" charset="2"/>
+                  <a:buChar char="§"/>
+                </a:pPr>
+                <a:endParaRPr lang="en-US" dirty="0">
+                  <a:solidFill>
+                    <a:schemeClr val="tx1"/>
+                  </a:solidFill>
+                </a:endParaRPr>
+              </a:p>
+            </p:txBody>
+          </p:sp>
+          <p:sp>
+            <p:nvSpPr>
+              <p:cNvPr id="10" name="Rounded Rectangle 4">
+                <a:extLst>
+                  <a:ext uri="{FF2B5EF4-FFF2-40B4-BE49-F238E27FC236}">
+                    <a16:creationId xmlns:a16="http://schemas.microsoft.com/office/drawing/2014/main" id="{2A41193E-045F-4BA1-BC0B-20B9B140C54F}"/>
+                  </a:ext>
+                </a:extLst>
+              </p:cNvPr>
+              <p:cNvSpPr/>
+              <p:nvPr/>
+            </p:nvSpPr>
+            <p:spPr>
+              <a:xfrm>
+                <a:off x="491319" y="2460216"/>
+                <a:ext cx="11245756" cy="607739"/>
+              </a:xfrm>
+              <a:prstGeom prst="roundRect">
+                <a:avLst/>
+              </a:prstGeom>
+            </p:spPr>
+            <p:style>
+              <a:lnRef idx="2">
+                <a:schemeClr val="accent1">
+                  <a:shade val="50000"/>
+                </a:schemeClr>
+              </a:lnRef>
+              <a:fillRef idx="1">
+                <a:schemeClr val="accent1"/>
+              </a:fillRef>
+              <a:effectRef idx="0">
+                <a:schemeClr val="accent1"/>
+              </a:effectRef>
+              <a:fontRef idx="minor">
+                <a:schemeClr val="lt1"/>
+              </a:fontRef>
+            </p:style>
+            <p:txBody>
+              <a:bodyPr rtlCol="0" anchor="ctr"/>
+              <a:lstStyle/>
+              <a:p>
+                <a:pPr algn="ctr"/>
+                <a:r>
+                  <a:rPr lang="en-US" sz="2400" dirty="0"/>
+                  <a:t>Parameters Choice &amp; Performance</a:t>
+                </a:r>
+              </a:p>
+            </p:txBody>
+          </p:sp>
+        </p:grpSp>
+        <p:sp>
+          <p:nvSpPr>
+            <p:cNvPr id="8" name="Rectangle 7">
+              <a:extLst>
+                <a:ext uri="{FF2B5EF4-FFF2-40B4-BE49-F238E27FC236}">
+                  <a16:creationId xmlns:a16="http://schemas.microsoft.com/office/drawing/2014/main" id="{A68F207E-B64B-46F2-A7FB-09A52DFB6128}"/>
+                </a:ext>
+              </a:extLst>
+            </p:cNvPr>
+            <p:cNvSpPr/>
+            <p:nvPr/>
+          </p:nvSpPr>
+          <p:spPr>
+            <a:xfrm>
+              <a:off x="546448" y="1778146"/>
+              <a:ext cx="4628147" cy="4524315"/>
+            </a:xfrm>
+            <a:prstGeom prst="rect">
+              <a:avLst/>
+            </a:prstGeom>
+          </p:spPr>
+          <p:txBody>
+            <a:bodyPr wrap="square">
+              <a:spAutoFit/>
+            </a:bodyPr>
+            <a:lstStyle/>
+            <a:p>
+              <a:r>
+                <a:rPr lang="en-US" b="1" dirty="0"/>
+                <a:t>Method:</a:t>
+              </a:r>
+            </a:p>
+            <a:p>
+              <a:pPr marL="285750" indent="-285750">
+                <a:buFont typeface="Arial" panose="020B0604020202020204" pitchFamily="34" charset="0"/>
+                <a:buChar char="•"/>
+              </a:pPr>
+              <a:r>
+                <a:rPr lang="en-US" dirty="0"/>
+                <a:t>we used Cross-Validation on a training data set to estimate the model parameters</a:t>
+              </a:r>
+            </a:p>
+            <a:p>
+              <a:pPr marL="285750" indent="-285750">
+                <a:buFont typeface="Arial" panose="020B0604020202020204" pitchFamily="34" charset="0"/>
+                <a:buChar char="•"/>
+              </a:pPr>
+              <a:r>
+                <a:rPr lang="en-US" dirty="0"/>
+                <a:t>we set interaction depth fixed to 3, and chose to test the:</a:t>
+              </a:r>
+            </a:p>
+            <a:p>
+              <a:pPr marL="742950" lvl="1" indent="-285750">
+                <a:buFont typeface="Courier New" panose="02070309020205020404" pitchFamily="49" charset="0"/>
+                <a:buChar char="o"/>
+              </a:pPr>
+              <a:r>
+                <a:rPr lang="en-US" dirty="0"/>
+                <a:t>trees numbers from 200 to 600</a:t>
+              </a:r>
+            </a:p>
+            <a:p>
+              <a:pPr marL="742950" lvl="1" indent="-285750">
+                <a:buFont typeface="Courier New" panose="02070309020205020404" pitchFamily="49" charset="0"/>
+                <a:buChar char="o"/>
+              </a:pPr>
+              <a:r>
+                <a:rPr lang="en-US" dirty="0"/>
+                <a:t>shrinkage values from 0.01 to 0.07</a:t>
+              </a:r>
+            </a:p>
+            <a:p>
+              <a:pPr marL="742950" lvl="1" indent="-285750">
+                <a:buFont typeface="Courier New" panose="02070309020205020404" pitchFamily="49" charset="0"/>
+                <a:buChar char="o"/>
+              </a:pPr>
+              <a:endParaRPr lang="en-US" dirty="0"/>
+            </a:p>
+            <a:p>
+              <a:r>
+                <a:rPr lang="en-US" b="1" dirty="0"/>
+                <a:t>Parameters value chosen:  </a:t>
+              </a:r>
+            </a:p>
+            <a:p>
+              <a:pPr marL="285750" indent="-285750">
+                <a:buFont typeface="Arial" panose="020B0604020202020204" pitchFamily="34" charset="0"/>
+                <a:buChar char="•"/>
+              </a:pPr>
+              <a:r>
+                <a:rPr lang="en-US" dirty="0"/>
+                <a:t>depth = 3, </a:t>
+              </a:r>
+              <a:r>
+                <a:rPr lang="en-US" dirty="0" err="1"/>
+                <a:t>nb</a:t>
+              </a:r>
+              <a:r>
+                <a:rPr lang="en-US" dirty="0"/>
+                <a:t> trees = 600, shrinkage = 0.07 </a:t>
+              </a:r>
+            </a:p>
+            <a:p>
+              <a:pPr marL="285750" indent="-285750">
+                <a:buFont typeface="Arial" panose="020B0604020202020204" pitchFamily="34" charset="0"/>
+                <a:buChar char="•"/>
+              </a:pPr>
+              <a:endParaRPr lang="en-US" dirty="0"/>
+            </a:p>
+            <a:p>
+              <a:r>
+                <a:rPr lang="en-US" b="1" dirty="0"/>
+                <a:t>Performance: </a:t>
+              </a:r>
+            </a:p>
+            <a:p>
+              <a:pPr marL="285750" indent="-285750">
+                <a:buFont typeface="Arial" panose="020B0604020202020204" pitchFamily="34" charset="0"/>
+                <a:buChar char="•"/>
+              </a:pPr>
+              <a:r>
+                <a:rPr lang="en-US" dirty="0"/>
+                <a:t>the GBM has an </a:t>
+              </a:r>
+              <a:r>
+                <a:rPr lang="en-US" b="1" dirty="0"/>
+                <a:t>accuracy of 80.8% </a:t>
+              </a:r>
+              <a:r>
+                <a:rPr lang="en-US" dirty="0"/>
+                <a:t>for a </a:t>
+              </a:r>
+              <a:r>
+                <a:rPr lang="en-US" b="1" dirty="0"/>
+                <a:t>running time of 401.7s</a:t>
+              </a:r>
+            </a:p>
+            <a:p>
+              <a:endParaRPr lang="en-US" b="1" dirty="0"/>
+            </a:p>
+            <a:p>
+              <a:endParaRPr lang="en-US" dirty="0"/>
+            </a:p>
+          </p:txBody>
+        </p:sp>
+      </p:grpSp>
+      <p:sp>
+        <p:nvSpPr>
+          <p:cNvPr id="12" name="Oval 11">
+            <a:extLst>
+              <a:ext uri="{FF2B5EF4-FFF2-40B4-BE49-F238E27FC236}">
+                <a16:creationId xmlns:a16="http://schemas.microsoft.com/office/drawing/2014/main" id="{77197AFC-7272-4CE3-85A8-F5FAC59EF680}"/>
+              </a:ext>
+            </a:extLst>
+          </p:cNvPr>
+          <p:cNvSpPr/>
+          <p:nvPr/>
+        </p:nvSpPr>
+        <p:spPr>
+          <a:xfrm>
+            <a:off x="442379" y="832785"/>
+            <a:ext cx="395821" cy="395821"/>
+          </a:xfrm>
+          <a:prstGeom prst="ellipse">
+            <a:avLst/>
+          </a:prstGeom>
+        </p:spPr>
+        <p:style>
+          <a:lnRef idx="2">
+            <a:schemeClr val="accent1">
+              <a:shade val="50000"/>
+            </a:schemeClr>
+          </a:lnRef>
+          <a:fillRef idx="1">
+            <a:schemeClr val="accent1"/>
+          </a:fillRef>
+          <a:effectRef idx="0">
+            <a:schemeClr val="accent1"/>
+          </a:effectRef>
+          <a:fontRef idx="minor">
+            <a:schemeClr val="lt1"/>
+          </a:fontRef>
+        </p:style>
+        <p:txBody>
+          <a:bodyPr rtlCol="0" anchor="ctr"/>
+          <a:lstStyle/>
+          <a:p>
+            <a:pPr algn="ctr"/>
+            <a:r>
+              <a:rPr lang="en-US" dirty="0"/>
+              <a:t>1</a:t>
+            </a:r>
+          </a:p>
+        </p:txBody>
+      </p:sp>
+      <p:sp>
+        <p:nvSpPr>
+          <p:cNvPr id="13" name="TextBox 12">
+            <a:extLst>
+              <a:ext uri="{FF2B5EF4-FFF2-40B4-BE49-F238E27FC236}">
+                <a16:creationId xmlns:a16="http://schemas.microsoft.com/office/drawing/2014/main" id="{79DE3308-85F2-4601-A0E3-51E16CAF358D}"/>
+              </a:ext>
+            </a:extLst>
+          </p:cNvPr>
+          <p:cNvSpPr txBox="1"/>
+          <p:nvPr/>
+        </p:nvSpPr>
+        <p:spPr>
+          <a:xfrm>
+            <a:off x="838200" y="799864"/>
+            <a:ext cx="4857676" cy="1015663"/>
+          </a:xfrm>
+          <a:prstGeom prst="rect">
+            <a:avLst/>
+          </a:prstGeom>
+          <a:noFill/>
+        </p:spPr>
+        <p:txBody>
+          <a:bodyPr wrap="none" rtlCol="0">
+            <a:spAutoFit/>
+          </a:bodyPr>
+          <a:lstStyle/>
+          <a:p>
+            <a:r>
+              <a:rPr lang="en-US" sz="2400" dirty="0"/>
+              <a:t>Feature Extraction using SIFT:</a:t>
+            </a:r>
+          </a:p>
+          <a:p>
+            <a:pPr marL="285750" indent="-285750">
+              <a:buFont typeface="Arial" panose="020B0604020202020204" pitchFamily="34" charset="0"/>
+              <a:buChar char="•"/>
+            </a:pPr>
+            <a:r>
+              <a:rPr lang="en-US" dirty="0"/>
+              <a:t>Extracting 5000 features from the 3000 images</a:t>
+            </a:r>
+          </a:p>
+          <a:p>
+            <a:pPr marL="285750" indent="-285750">
+              <a:buFont typeface="Arial" panose="020B0604020202020204" pitchFamily="34" charset="0"/>
+              <a:buChar char="•"/>
+            </a:pPr>
+            <a:r>
+              <a:rPr lang="en-US" dirty="0"/>
+              <a:t>Running time:</a:t>
+            </a:r>
+          </a:p>
+        </p:txBody>
+      </p:sp>
+      <p:sp>
+        <p:nvSpPr>
+          <p:cNvPr id="14" name="Oval 13">
+            <a:extLst>
+              <a:ext uri="{FF2B5EF4-FFF2-40B4-BE49-F238E27FC236}">
+                <a16:creationId xmlns:a16="http://schemas.microsoft.com/office/drawing/2014/main" id="{158F667E-61E8-43F7-A0A9-2629E385768C}"/>
+              </a:ext>
+            </a:extLst>
+          </p:cNvPr>
+          <p:cNvSpPr/>
+          <p:nvPr/>
+        </p:nvSpPr>
+        <p:spPr>
+          <a:xfrm>
+            <a:off x="442379" y="1905852"/>
+            <a:ext cx="395821" cy="395821"/>
+          </a:xfrm>
+          <a:prstGeom prst="ellipse">
+            <a:avLst/>
+          </a:prstGeom>
+        </p:spPr>
+        <p:style>
+          <a:lnRef idx="2">
+            <a:schemeClr val="accent1">
+              <a:shade val="50000"/>
+            </a:schemeClr>
+          </a:lnRef>
+          <a:fillRef idx="1">
+            <a:schemeClr val="accent1"/>
+          </a:fillRef>
+          <a:effectRef idx="0">
+            <a:schemeClr val="accent1"/>
+          </a:effectRef>
+          <a:fontRef idx="minor">
+            <a:schemeClr val="lt1"/>
+          </a:fontRef>
+        </p:style>
+        <p:txBody>
+          <a:bodyPr rtlCol="0" anchor="ctr"/>
+          <a:lstStyle/>
+          <a:p>
+            <a:pPr algn="ctr"/>
+            <a:r>
+              <a:rPr lang="en-US" dirty="0"/>
+              <a:t>2</a:t>
+            </a:r>
+          </a:p>
+        </p:txBody>
+      </p:sp>
+      <p:sp>
+        <p:nvSpPr>
+          <p:cNvPr id="15" name="TextBox 14">
+            <a:extLst>
+              <a:ext uri="{FF2B5EF4-FFF2-40B4-BE49-F238E27FC236}">
+                <a16:creationId xmlns:a16="http://schemas.microsoft.com/office/drawing/2014/main" id="{9682F5B2-35A3-42E8-9CDE-36F6315EFF36}"/>
+              </a:ext>
+            </a:extLst>
+          </p:cNvPr>
+          <p:cNvSpPr txBox="1"/>
+          <p:nvPr/>
+        </p:nvSpPr>
+        <p:spPr>
+          <a:xfrm>
+            <a:off x="838200" y="1859770"/>
+            <a:ext cx="3313086" cy="461665"/>
+          </a:xfrm>
+          <a:prstGeom prst="rect">
+            <a:avLst/>
+          </a:prstGeom>
+          <a:noFill/>
+        </p:spPr>
+        <p:txBody>
+          <a:bodyPr wrap="none" rtlCol="0">
+            <a:spAutoFit/>
+          </a:bodyPr>
+          <a:lstStyle/>
+          <a:p>
+            <a:r>
+              <a:rPr lang="en-US" sz="2400" dirty="0"/>
+              <a:t>Classification using GBM:</a:t>
+            </a:r>
           </a:p>
         </p:txBody>
       </p:sp>
     </p:spTree>
     <p:extLst>
       <p:ext uri="{BB962C8B-B14F-4D97-AF65-F5344CB8AC3E}">
-        <p14:creationId xmlns:p14="http://schemas.microsoft.com/office/powerpoint/2010/main" val="1189532912"/>
+        <p14:creationId xmlns:p14="http://schemas.microsoft.com/office/powerpoint/2010/main" val="1321281100"/>
       </p:ext>
     </p:extLst>
   </p:cSld>
   <p:clrMapOvr>
     <a:masterClrMapping/>
   </p:clrMapOvr>
-  <p:timing>
-    <p:tnLst>
-      <p:par>
-        <p:cTn id="1" dur="indefinite" restart="never" nodeType="tmRoot"/>
-      </p:par>
-    </p:tnLst>
-  </p:timing>
 </p:sld>
 </file>
 
@@ -4209,7 +4724,7 @@
         </p:nvSpPr>
         <p:spPr>
           <a:xfrm>
-            <a:off x="838200" y="-180474"/>
+            <a:off x="838200" y="26849"/>
             <a:ext cx="10515600" cy="1325563"/>
           </a:xfrm>
         </p:spPr>
@@ -4220,41 +4735,589 @@
           <a:lstStyle/>
           <a:p>
             <a:r>
-              <a:rPr lang="en-US" sz="3200" dirty="0" smtClean="0"/>
-              <a:t>3) Different strategies are possible for </a:t>
-            </a:r>
-            <a:r>
               <a:rPr lang="en-US" sz="3200" dirty="0"/>
-              <a:t>feature extraction</a:t>
-            </a:r>
-          </a:p>
-        </p:txBody>
-      </p:sp>
-      <p:sp>
-        <p:nvSpPr>
-          <p:cNvPr id="3" name="Rectangle 2"/>
+              <a:t>3) Is there any other classification strategies doing better than GBM on SIFT features ?</a:t>
+            </a:r>
+          </a:p>
+        </p:txBody>
+      </p:sp>
+      <p:grpSp>
+        <p:nvGrpSpPr>
+          <p:cNvPr id="19" name="Group 18">
+            <a:extLst>
+              <a:ext uri="{FF2B5EF4-FFF2-40B4-BE49-F238E27FC236}">
+                <a16:creationId xmlns:a16="http://schemas.microsoft.com/office/drawing/2014/main" id="{B1363286-2C78-4B3B-9BD7-520C71407EFF}"/>
+              </a:ext>
+            </a:extLst>
+          </p:cNvPr>
+          <p:cNvGrpSpPr/>
+          <p:nvPr/>
+        </p:nvGrpSpPr>
+        <p:grpSpPr>
+          <a:xfrm>
+            <a:off x="351493" y="1236365"/>
+            <a:ext cx="5475488" cy="3466775"/>
+            <a:chOff x="6096000" y="1343066"/>
+            <a:chExt cx="5475488" cy="3466775"/>
+          </a:xfrm>
+        </p:grpSpPr>
+        <p:pic>
+          <p:nvPicPr>
+            <p:cNvPr id="6" name="Picture 5">
+              <a:extLst>
+                <a:ext uri="{FF2B5EF4-FFF2-40B4-BE49-F238E27FC236}">
+                  <a16:creationId xmlns:a16="http://schemas.microsoft.com/office/drawing/2014/main" id="{A7ADFC44-E490-43A9-82B7-8787BD97D692}"/>
+                </a:ext>
+              </a:extLst>
+            </p:cNvPr>
+            <p:cNvPicPr>
+              <a:picLocks noChangeAspect="1"/>
+            </p:cNvPicPr>
+            <p:nvPr/>
+          </p:nvPicPr>
+          <p:blipFill rotWithShape="1">
+            <a:blip r:embed="rId2"/>
+            <a:srcRect l="800" t="1610" r="47425" b="19508"/>
+            <a:stretch/>
+          </p:blipFill>
+          <p:spPr>
+            <a:xfrm>
+              <a:off x="6096000" y="1343066"/>
+              <a:ext cx="5475488" cy="3466775"/>
+            </a:xfrm>
+            <a:prstGeom prst="rect">
+              <a:avLst/>
+            </a:prstGeom>
+          </p:spPr>
+          <p:style>
+            <a:lnRef idx="2">
+              <a:schemeClr val="dk1"/>
+            </a:lnRef>
+            <a:fillRef idx="1">
+              <a:schemeClr val="lt1"/>
+            </a:fillRef>
+            <a:effectRef idx="0">
+              <a:schemeClr val="dk1"/>
+            </a:effectRef>
+            <a:fontRef idx="minor">
+              <a:schemeClr val="dk1"/>
+            </a:fontRef>
+          </p:style>
+        </p:pic>
+        <p:sp>
+          <p:nvSpPr>
+            <p:cNvPr id="7" name="Rectangle: Rounded Corners 6">
+              <a:extLst>
+                <a:ext uri="{FF2B5EF4-FFF2-40B4-BE49-F238E27FC236}">
+                  <a16:creationId xmlns:a16="http://schemas.microsoft.com/office/drawing/2014/main" id="{36571A63-085D-4C75-A497-4F48FCC5A280}"/>
+                </a:ext>
+              </a:extLst>
+            </p:cNvPr>
+            <p:cNvSpPr/>
+            <p:nvPr/>
+          </p:nvSpPr>
+          <p:spPr>
+            <a:xfrm>
+              <a:off x="6096000" y="3755730"/>
+              <a:ext cx="5475488" cy="517358"/>
+            </a:xfrm>
+            <a:prstGeom prst="roundRect">
+              <a:avLst/>
+            </a:prstGeom>
+            <a:noFill/>
+            <a:ln w="28575" cap="flat" cmpd="sng" algn="ctr">
+              <a:solidFill>
+                <a:srgbClr val="00B050"/>
+              </a:solidFill>
+              <a:prstDash val="solid"/>
+              <a:round/>
+              <a:headEnd type="none" w="med" len="med"/>
+              <a:tailEnd type="none" w="med" len="med"/>
+            </a:ln>
+          </p:spPr>
+          <p:style>
+            <a:lnRef idx="0">
+              <a:scrgbClr r="0" g="0" b="0"/>
+            </a:lnRef>
+            <a:fillRef idx="0">
+              <a:scrgbClr r="0" g="0" b="0"/>
+            </a:fillRef>
+            <a:effectRef idx="0">
+              <a:scrgbClr r="0" g="0" b="0"/>
+            </a:effectRef>
+            <a:fontRef idx="minor">
+              <a:schemeClr val="accent2"/>
+            </a:fontRef>
+          </p:style>
+          <p:txBody>
+            <a:bodyPr rtlCol="0" anchor="ctr"/>
+            <a:lstStyle/>
+            <a:p>
+              <a:pPr algn="ctr"/>
+              <a:endParaRPr lang="en-US"/>
+            </a:p>
+          </p:txBody>
+        </p:sp>
+      </p:grpSp>
+      <p:grpSp>
+        <p:nvGrpSpPr>
+          <p:cNvPr id="13" name="Group 12">
+            <a:extLst>
+              <a:ext uri="{FF2B5EF4-FFF2-40B4-BE49-F238E27FC236}">
+                <a16:creationId xmlns:a16="http://schemas.microsoft.com/office/drawing/2014/main" id="{C1C06428-913C-49BA-A560-F28B608079D1}"/>
+              </a:ext>
+            </a:extLst>
+          </p:cNvPr>
+          <p:cNvGrpSpPr/>
+          <p:nvPr/>
+        </p:nvGrpSpPr>
+        <p:grpSpPr>
+          <a:xfrm>
+            <a:off x="6576407" y="1236365"/>
+            <a:ext cx="4995081" cy="3355622"/>
+            <a:chOff x="362982" y="1145089"/>
+            <a:chExt cx="4995081" cy="3355622"/>
+          </a:xfrm>
+        </p:grpSpPr>
+        <p:grpSp>
+          <p:nvGrpSpPr>
+            <p:cNvPr id="9" name="Group 8">
+              <a:extLst>
+                <a:ext uri="{FF2B5EF4-FFF2-40B4-BE49-F238E27FC236}">
+                  <a16:creationId xmlns:a16="http://schemas.microsoft.com/office/drawing/2014/main" id="{ADD74108-4444-41F8-A704-0CC219A669FD}"/>
+                </a:ext>
+              </a:extLst>
+            </p:cNvPr>
+            <p:cNvGrpSpPr/>
+            <p:nvPr/>
+          </p:nvGrpSpPr>
+          <p:grpSpPr>
+            <a:xfrm>
+              <a:off x="362982" y="1145089"/>
+              <a:ext cx="4995081" cy="3355622"/>
+              <a:chOff x="491319" y="2460216"/>
+              <a:chExt cx="11245756" cy="3995173"/>
+            </a:xfrm>
+          </p:grpSpPr>
+          <p:sp>
+            <p:nvSpPr>
+              <p:cNvPr id="10" name="Rounded Rectangle 5">
+                <a:extLst>
+                  <a:ext uri="{FF2B5EF4-FFF2-40B4-BE49-F238E27FC236}">
+                    <a16:creationId xmlns:a16="http://schemas.microsoft.com/office/drawing/2014/main" id="{ED448CD9-4FCA-4AB5-8878-3755C387E008}"/>
+                  </a:ext>
+                </a:extLst>
+              </p:cNvPr>
+              <p:cNvSpPr/>
+              <p:nvPr/>
+            </p:nvSpPr>
+            <p:spPr>
+              <a:xfrm>
+                <a:off x="491319" y="2906973"/>
+                <a:ext cx="11245756" cy="3548416"/>
+              </a:xfrm>
+              <a:prstGeom prst="roundRect">
+                <a:avLst>
+                  <a:gd name="adj" fmla="val 2615"/>
+                </a:avLst>
+              </a:prstGeom>
+              <a:noFill/>
+            </p:spPr>
+            <p:style>
+              <a:lnRef idx="2">
+                <a:schemeClr val="accent1">
+                  <a:shade val="50000"/>
+                </a:schemeClr>
+              </a:lnRef>
+              <a:fillRef idx="1">
+                <a:schemeClr val="accent1"/>
+              </a:fillRef>
+              <a:effectRef idx="0">
+                <a:schemeClr val="accent1"/>
+              </a:effectRef>
+              <a:fontRef idx="minor">
+                <a:schemeClr val="lt1"/>
+              </a:fontRef>
+            </p:style>
+            <p:txBody>
+              <a:bodyPr rtlCol="0" anchor="ctr"/>
+              <a:lstStyle/>
+              <a:p>
+                <a:endParaRPr lang="en-US" dirty="0">
+                  <a:solidFill>
+                    <a:schemeClr val="tx1"/>
+                  </a:solidFill>
+                </a:endParaRPr>
+              </a:p>
+              <a:p>
+                <a:endParaRPr lang="en-US" dirty="0">
+                  <a:solidFill>
+                    <a:schemeClr val="tx1"/>
+                  </a:solidFill>
+                </a:endParaRPr>
+              </a:p>
+              <a:p>
+                <a:endParaRPr lang="en-US" dirty="0">
+                  <a:solidFill>
+                    <a:schemeClr val="tx1"/>
+                  </a:solidFill>
+                </a:endParaRPr>
+              </a:p>
+              <a:p>
+                <a:pPr marL="342900" indent="-342900">
+                  <a:buFont typeface="Wingdings" panose="05000000000000000000" pitchFamily="2" charset="2"/>
+                  <a:buChar char="§"/>
+                </a:pPr>
+                <a:endParaRPr lang="en-US" dirty="0">
+                  <a:solidFill>
+                    <a:schemeClr val="tx1"/>
+                  </a:solidFill>
+                </a:endParaRPr>
+              </a:p>
+            </p:txBody>
+          </p:sp>
+          <p:sp>
+            <p:nvSpPr>
+              <p:cNvPr id="11" name="Rounded Rectangle 4">
+                <a:extLst>
+                  <a:ext uri="{FF2B5EF4-FFF2-40B4-BE49-F238E27FC236}">
+                    <a16:creationId xmlns:a16="http://schemas.microsoft.com/office/drawing/2014/main" id="{6E02B966-414F-455D-AD90-2C816E0EE993}"/>
+                  </a:ext>
+                </a:extLst>
+              </p:cNvPr>
+              <p:cNvSpPr/>
+              <p:nvPr/>
+            </p:nvSpPr>
+            <p:spPr>
+              <a:xfrm>
+                <a:off x="491319" y="2460216"/>
+                <a:ext cx="11245756" cy="607740"/>
+              </a:xfrm>
+              <a:prstGeom prst="roundRect">
+                <a:avLst/>
+              </a:prstGeom>
+            </p:spPr>
+            <p:style>
+              <a:lnRef idx="2">
+                <a:schemeClr val="accent1">
+                  <a:shade val="50000"/>
+                </a:schemeClr>
+              </a:lnRef>
+              <a:fillRef idx="1">
+                <a:schemeClr val="accent1"/>
+              </a:fillRef>
+              <a:effectRef idx="0">
+                <a:schemeClr val="accent1"/>
+              </a:effectRef>
+              <a:fontRef idx="minor">
+                <a:schemeClr val="lt1"/>
+              </a:fontRef>
+            </p:style>
+            <p:txBody>
+              <a:bodyPr rtlCol="0" anchor="ctr"/>
+              <a:lstStyle/>
+              <a:p>
+                <a:pPr algn="ctr"/>
+                <a:r>
+                  <a:rPr lang="en-US" sz="2400" dirty="0"/>
+                  <a:t>Methodology used</a:t>
+                </a:r>
+              </a:p>
+            </p:txBody>
+          </p:sp>
+        </p:grpSp>
+        <p:sp>
+          <p:nvSpPr>
+            <p:cNvPr id="12" name="Rectangle 11">
+              <a:extLst>
+                <a:ext uri="{FF2B5EF4-FFF2-40B4-BE49-F238E27FC236}">
+                  <a16:creationId xmlns:a16="http://schemas.microsoft.com/office/drawing/2014/main" id="{371271CF-D8DE-4786-A588-58F9826266B0}"/>
+                </a:ext>
+              </a:extLst>
+            </p:cNvPr>
+            <p:cNvSpPr/>
+            <p:nvPr/>
+          </p:nvSpPr>
+          <p:spPr>
+            <a:xfrm>
+              <a:off x="546448" y="1922292"/>
+              <a:ext cx="4628147" cy="2308324"/>
+            </a:xfrm>
+            <a:prstGeom prst="rect">
+              <a:avLst/>
+            </a:prstGeom>
+          </p:spPr>
+          <p:txBody>
+            <a:bodyPr wrap="square">
+              <a:spAutoFit/>
+            </a:bodyPr>
+            <a:lstStyle/>
+            <a:p>
+              <a:r>
+                <a:rPr lang="en-US" dirty="0"/>
+                <a:t>We try to find models that outperforms GBM model on the classification of SIFT features. For all models:</a:t>
+              </a:r>
+            </a:p>
+            <a:p>
+              <a:pPr marL="285750" indent="-285750">
+                <a:buFont typeface="Arial" panose="020B0604020202020204" pitchFamily="34" charset="0"/>
+                <a:buChar char="•"/>
+              </a:pPr>
+              <a:r>
+                <a:rPr lang="en-US" dirty="0"/>
+                <a:t>we used the same SIFT features</a:t>
+              </a:r>
+            </a:p>
+            <a:p>
+              <a:pPr marL="285750" indent="-285750">
+                <a:buFont typeface="Arial" panose="020B0604020202020204" pitchFamily="34" charset="0"/>
+                <a:buChar char="•"/>
+              </a:pPr>
+              <a:r>
+                <a:rPr lang="en-US" dirty="0"/>
+                <a:t>we selected the model parameters using Cross-Validation on a training data set</a:t>
+              </a:r>
+            </a:p>
+            <a:p>
+              <a:pPr marL="285750" indent="-285750">
+                <a:buFont typeface="Arial" panose="020B0604020202020204" pitchFamily="34" charset="0"/>
+                <a:buChar char="•"/>
+              </a:pPr>
+              <a:r>
+                <a:rPr lang="en-US" dirty="0"/>
+                <a:t>We estimated the accuracy of the model on a test-set </a:t>
+              </a:r>
+            </a:p>
+          </p:txBody>
+        </p:sp>
+      </p:grpSp>
+      <p:sp>
+        <p:nvSpPr>
+          <p:cNvPr id="20" name="Rectangle: Rounded Corners 19">
+            <a:extLst>
+              <a:ext uri="{FF2B5EF4-FFF2-40B4-BE49-F238E27FC236}">
+                <a16:creationId xmlns:a16="http://schemas.microsoft.com/office/drawing/2014/main" id="{516B0DDA-E78C-4606-9563-AA3495159122}"/>
+              </a:ext>
+            </a:extLst>
+          </p:cNvPr>
           <p:cNvSpPr/>
           <p:nvPr/>
         </p:nvSpPr>
         <p:spPr>
           <a:xfrm>
-            <a:off x="3048000" y="3105835"/>
-            <a:ext cx="6096000" cy="646331"/>
+            <a:off x="351493" y="1563127"/>
+            <a:ext cx="5475488" cy="517358"/>
+          </a:xfrm>
+          <a:prstGeom prst="roundRect">
+            <a:avLst/>
+          </a:prstGeom>
+          <a:noFill/>
+          <a:ln w="28575" cap="flat" cmpd="sng" algn="ctr">
+            <a:solidFill>
+              <a:srgbClr val="FF0000"/>
+            </a:solidFill>
+            <a:prstDash val="solid"/>
+            <a:round/>
+            <a:headEnd type="none" w="med" len="med"/>
+            <a:tailEnd type="none" w="med" len="med"/>
+          </a:ln>
+        </p:spPr>
+        <p:style>
+          <a:lnRef idx="0">
+            <a:scrgbClr r="0" g="0" b="0"/>
+          </a:lnRef>
+          <a:fillRef idx="0">
+            <a:scrgbClr r="0" g="0" b="0"/>
+          </a:fillRef>
+          <a:effectRef idx="0">
+            <a:scrgbClr r="0" g="0" b="0"/>
+          </a:effectRef>
+          <a:fontRef idx="minor">
+            <a:schemeClr val="accent2"/>
+          </a:fontRef>
+        </p:style>
+        <p:txBody>
+          <a:bodyPr rtlCol="0" anchor="ctr"/>
+          <a:lstStyle/>
+          <a:p>
+            <a:pPr algn="ctr"/>
+            <a:endParaRPr lang="en-US">
+              <a:solidFill>
+                <a:srgbClr val="00B050"/>
+              </a:solidFill>
+            </a:endParaRPr>
+          </a:p>
+        </p:txBody>
+      </p:sp>
+      <p:sp>
+        <p:nvSpPr>
+          <p:cNvPr id="21" name="Rectangle 20">
+            <a:extLst>
+              <a:ext uri="{FF2B5EF4-FFF2-40B4-BE49-F238E27FC236}">
+                <a16:creationId xmlns:a16="http://schemas.microsoft.com/office/drawing/2014/main" id="{A3E4C4AF-7B2B-4434-8B12-C88F46710186}"/>
+              </a:ext>
+            </a:extLst>
+          </p:cNvPr>
+          <p:cNvSpPr/>
+          <p:nvPr/>
+        </p:nvSpPr>
+        <p:spPr>
+          <a:xfrm>
+            <a:off x="351493" y="5060457"/>
+            <a:ext cx="11208502" cy="2031325"/>
           </a:xfrm>
           <a:prstGeom prst="rect">
             <a:avLst/>
           </a:prstGeom>
         </p:spPr>
         <p:txBody>
-          <a:bodyPr>
+          <a:bodyPr wrap="square">
             <a:spAutoFit/>
           </a:bodyPr>
           <a:lstStyle/>
           <a:p>
-            <a:r>
-              <a:rPr lang="en-US" dirty="0" smtClean="0"/>
-              <a:t>Explain the different algorithm used for feature extraction here, how do they work, differences, advantage</a:t>
-            </a:r>
+            <a:pPr marL="285750" indent="-285750">
+              <a:buFont typeface="Arial" panose="020B0604020202020204" pitchFamily="34" charset="0"/>
+              <a:buChar char="•"/>
+            </a:pPr>
+            <a:r>
+              <a:rPr lang="en-US" dirty="0"/>
+              <a:t>The baseline </a:t>
+            </a:r>
+            <a:r>
+              <a:rPr lang="en-US" b="1" dirty="0">
+                <a:solidFill>
+                  <a:srgbClr val="FF0000"/>
+                </a:solidFill>
+              </a:rPr>
+              <a:t>GBM model </a:t>
+            </a:r>
+            <a:r>
+              <a:rPr lang="en-US" dirty="0"/>
+              <a:t>is the most accurate model tested on SIFT features, with an accuracy of 80.8%</a:t>
+            </a:r>
+          </a:p>
+          <a:p>
+            <a:pPr marL="285750" indent="-285750">
+              <a:buFont typeface="Arial" panose="020B0604020202020204" pitchFamily="34" charset="0"/>
+              <a:buChar char="•"/>
+            </a:pPr>
+            <a:r>
+              <a:rPr lang="en-US" dirty="0"/>
+              <a:t>The</a:t>
+            </a:r>
+            <a:r>
+              <a:rPr lang="en-US" dirty="0">
+                <a:solidFill>
+                  <a:srgbClr val="FF0000"/>
+                </a:solidFill>
+              </a:rPr>
+              <a:t> </a:t>
+            </a:r>
+            <a:r>
+              <a:rPr lang="en-US" b="1" dirty="0" err="1">
+                <a:solidFill>
+                  <a:srgbClr val="00B050"/>
+                </a:solidFill>
+              </a:rPr>
+              <a:t>XGBoost</a:t>
+            </a:r>
+            <a:r>
+              <a:rPr lang="en-US" b="1" dirty="0">
+                <a:solidFill>
+                  <a:srgbClr val="00B050"/>
+                </a:solidFill>
+              </a:rPr>
+              <a:t> model</a:t>
+            </a:r>
+            <a:r>
+              <a:rPr lang="en-US" dirty="0">
+                <a:solidFill>
+                  <a:srgbClr val="00B050"/>
+                </a:solidFill>
+              </a:rPr>
+              <a:t> </a:t>
+            </a:r>
+            <a:r>
+              <a:rPr lang="en-US" dirty="0"/>
+              <a:t>allows us to reach an almost equivalent accuracy in half the computation time:</a:t>
+            </a:r>
+          </a:p>
+          <a:p>
+            <a:pPr marL="742950" lvl="1" indent="-285750">
+              <a:buFont typeface="Wingdings" panose="05000000000000000000" pitchFamily="2" charset="2"/>
+              <a:buChar char="ü"/>
+            </a:pPr>
+            <a:r>
+              <a:rPr lang="en-US" dirty="0"/>
+              <a:t>Accuracy of </a:t>
+            </a:r>
+            <a:r>
+              <a:rPr lang="en-US" b="1" dirty="0"/>
+              <a:t>80.7%</a:t>
+            </a:r>
+            <a:r>
+              <a:rPr lang="en-US" dirty="0"/>
+              <a:t> (vs. 80.8% for GBM)</a:t>
+            </a:r>
+          </a:p>
+          <a:p>
+            <a:pPr marL="742950" lvl="1" indent="-285750">
+              <a:buFont typeface="Wingdings" panose="05000000000000000000" pitchFamily="2" charset="2"/>
+              <a:buChar char="ü"/>
+            </a:pPr>
+            <a:r>
+              <a:rPr lang="en-US" dirty="0"/>
+              <a:t>Running time of </a:t>
+            </a:r>
+            <a:r>
+              <a:rPr lang="en-US" b="1" dirty="0"/>
+              <a:t>224s</a:t>
+            </a:r>
+            <a:r>
+              <a:rPr lang="en-US" dirty="0"/>
+              <a:t> (vs. 402s for GBM)</a:t>
+            </a:r>
+          </a:p>
+          <a:p>
+            <a:r>
+              <a:rPr lang="en-US" dirty="0">
+                <a:sym typeface="Wingdings" panose="05000000000000000000" pitchFamily="2" charset="2"/>
+              </a:rPr>
+              <a:t> </a:t>
+            </a:r>
+            <a:r>
+              <a:rPr lang="en-US" b="1" dirty="0">
+                <a:sym typeface="Wingdings" panose="05000000000000000000" pitchFamily="2" charset="2"/>
+              </a:rPr>
+              <a:t>According to our objective, </a:t>
+            </a:r>
+            <a:r>
+              <a:rPr lang="en-US" b="1" dirty="0" err="1">
+                <a:sym typeface="Wingdings" panose="05000000000000000000" pitchFamily="2" charset="2"/>
+              </a:rPr>
+              <a:t>XGBoost</a:t>
+            </a:r>
+            <a:r>
+              <a:rPr lang="en-US" b="1" dirty="0">
+                <a:sym typeface="Wingdings" panose="05000000000000000000" pitchFamily="2" charset="2"/>
+              </a:rPr>
+              <a:t> is a better classification model than GBM on SIFT features.</a:t>
+            </a:r>
+            <a:endParaRPr lang="en-US" b="1" dirty="0"/>
+          </a:p>
+          <a:p>
+            <a:pPr marL="742950" lvl="1" indent="-285750">
+              <a:buFont typeface="Wingdings" panose="05000000000000000000" pitchFamily="2" charset="2"/>
+              <a:buChar char="ü"/>
+            </a:pPr>
+            <a:endParaRPr lang="en-US" dirty="0"/>
+          </a:p>
+          <a:p>
+            <a:pPr marL="742950" lvl="1" indent="-285750">
+              <a:buFont typeface="Wingdings" panose="05000000000000000000" pitchFamily="2" charset="2"/>
+              <a:buChar char="ü"/>
+            </a:pPr>
             <a:endParaRPr lang="en-US" dirty="0"/>
           </a:p>
         </p:txBody>
@@ -4262,20 +5325,13 @@
     </p:spTree>
     <p:extLst>
       <p:ext uri="{BB962C8B-B14F-4D97-AF65-F5344CB8AC3E}">
-        <p14:creationId xmlns:p14="http://schemas.microsoft.com/office/powerpoint/2010/main" val="1321281100"/>
+        <p14:creationId xmlns:p14="http://schemas.microsoft.com/office/powerpoint/2010/main" val="1189532912"/>
       </p:ext>
     </p:extLst>
   </p:cSld>
   <p:clrMapOvr>
     <a:masterClrMapping/>
   </p:clrMapOvr>
-  <p:timing>
-    <p:tnLst>
-      <p:par>
-        <p:cTn id="1" dur="indefinite" restart="never" nodeType="tmRoot"/>
-      </p:par>
-    </p:tnLst>
-  </p:timing>
 </p:sld>
 </file>
 
@@ -4320,26 +5376,122 @@
           <a:p>
             <a:r>
               <a:rPr lang="en-US" sz="3200" dirty="0"/>
-              <a:t>4</a:t>
-            </a:r>
-            <a:r>
-              <a:rPr lang="en-US" sz="3200" dirty="0" smtClean="0"/>
-              <a:t>) What combination of features extraction and classification strategies work the best ?</a:t>
-            </a:r>
-            <a:endParaRPr lang="en-US" sz="3200" dirty="0"/>
-          </a:p>
-        </p:txBody>
-      </p:sp>
-      <p:sp>
-        <p:nvSpPr>
-          <p:cNvPr id="3" name="TextBox 2"/>
+              <a:t>4) Different strategies are possible for feature extraction</a:t>
+            </a:r>
+          </a:p>
+        </p:txBody>
+      </p:sp>
+      <p:sp>
+        <p:nvSpPr>
+          <p:cNvPr id="3" name="Rectangle 2"/>
+          <p:cNvSpPr/>
+          <p:nvPr/>
+        </p:nvSpPr>
+        <p:spPr>
+          <a:xfrm>
+            <a:off x="3048000" y="8384089"/>
+            <a:ext cx="6096000" cy="5909310"/>
+          </a:xfrm>
+          <a:prstGeom prst="rect">
+            <a:avLst/>
+          </a:prstGeom>
+        </p:spPr>
+        <p:txBody>
+          <a:bodyPr>
+            <a:spAutoFit/>
+          </a:bodyPr>
+          <a:lstStyle/>
+          <a:p>
+            <a:r>
+              <a:rPr lang="en-US" dirty="0"/>
+              <a:t>Explain the different algorithm used for feature extraction here, how do they work, differences, advantage</a:t>
+            </a:r>
+          </a:p>
+          <a:p>
+            <a:endParaRPr lang="en-US" dirty="0"/>
+          </a:p>
+          <a:p>
+            <a:endParaRPr lang="en-US" dirty="0"/>
+          </a:p>
+          <a:p>
+            <a:r>
+              <a:rPr lang="en-US" dirty="0"/>
+              <a:t>For hog, we set cells=8, and orientation=9. The image is divided into 8×8 cells and a histogram of gradients is calculated for each 8×8 cells. We choose 8*8 since it is a design choice informed by the scale of features we are looking for. One of the important reasons to use a feature descriptor to describe a patch of an image is that it provides a compact representation. An 8×8 image patch contains 8x8x3 = 192 pixel values. The gradient of this patch contains 2 values ( magnitude and direction ) per pixel which adds up to 8x8x2 = 128 numbers. These 128 numbers will be represented using a 9-bin histogram which can be stored as an array of 9 numbers. Not only is the representation more compact, calculating a histogram over a patch makes this representation more robust to noise. Individual gradients may have noise, but a histogram over 8×8 patch makes the representation much less sensitive to noise.</a:t>
+            </a:r>
+          </a:p>
+          <a:p>
+            <a:br>
+              <a:rPr lang="en-US" dirty="0"/>
+            </a:br>
+            <a:endParaRPr lang="en-US" dirty="0"/>
+          </a:p>
+        </p:txBody>
+      </p:sp>
+      <p:sp>
+        <p:nvSpPr>
+          <p:cNvPr id="4" name="Oval 3">
+            <a:extLst>
+              <a:ext uri="{FF2B5EF4-FFF2-40B4-BE49-F238E27FC236}">
+                <a16:creationId xmlns:a16="http://schemas.microsoft.com/office/drawing/2014/main" id="{9E5146BC-1E0D-4BFC-8AC5-7782810E4DBE}"/>
+              </a:ext>
+            </a:extLst>
+          </p:cNvPr>
+          <p:cNvSpPr/>
+          <p:nvPr/>
+        </p:nvSpPr>
+        <p:spPr>
+          <a:xfrm>
+            <a:off x="251879" y="1072433"/>
+            <a:ext cx="395821" cy="395821"/>
+          </a:xfrm>
+          <a:prstGeom prst="ellipse">
+            <a:avLst/>
+          </a:prstGeom>
+        </p:spPr>
+        <p:style>
+          <a:lnRef idx="2">
+            <a:schemeClr val="accent1">
+              <a:shade val="50000"/>
+            </a:schemeClr>
+          </a:lnRef>
+          <a:fillRef idx="1">
+            <a:schemeClr val="accent1"/>
+          </a:fillRef>
+          <a:effectRef idx="0">
+            <a:schemeClr val="accent1"/>
+          </a:effectRef>
+          <a:fontRef idx="minor">
+            <a:schemeClr val="lt1"/>
+          </a:fontRef>
+        </p:style>
+        <p:txBody>
+          <a:bodyPr rtlCol="0" anchor="ctr"/>
+          <a:lstStyle/>
+          <a:p>
+            <a:pPr algn="ctr"/>
+            <a:r>
+              <a:rPr lang="en-US" dirty="0"/>
+              <a:t>1</a:t>
+            </a:r>
+          </a:p>
+        </p:txBody>
+      </p:sp>
+      <p:sp>
+        <p:nvSpPr>
+          <p:cNvPr id="5" name="TextBox 4">
+            <a:extLst>
+              <a:ext uri="{FF2B5EF4-FFF2-40B4-BE49-F238E27FC236}">
+                <a16:creationId xmlns:a16="http://schemas.microsoft.com/office/drawing/2014/main" id="{BAF9FAF1-8D3B-45DB-A69C-2D7941D84568}"/>
+              </a:ext>
+            </a:extLst>
+          </p:cNvPr>
           <p:cNvSpPr txBox="1"/>
           <p:nvPr/>
         </p:nvSpPr>
         <p:spPr>
           <a:xfrm>
-            <a:off x="1528011" y="1660358"/>
-            <a:ext cx="2600968" cy="369332"/>
+            <a:off x="647700" y="1034333"/>
+            <a:ext cx="5943600" cy="738664"/>
           </a:xfrm>
           <a:prstGeom prst="rect">
             <a:avLst/>
@@ -4347,15 +5499,316 @@
           <a:noFill/>
         </p:spPr>
         <p:txBody>
-          <a:bodyPr wrap="none" rtlCol="0">
+          <a:bodyPr wrap="square" rtlCol="0">
             <a:spAutoFit/>
           </a:bodyPr>
           <a:lstStyle/>
           <a:p>
             <a:r>
-              <a:rPr lang="en-US" dirty="0" smtClean="0"/>
-              <a:t>Insert comparative table !</a:t>
-            </a:r>
+              <a:rPr lang="en-US" sz="2400" dirty="0"/>
+              <a:t>SIFT:  </a:t>
+            </a:r>
+            <a:r>
+              <a:rPr lang="en-US" dirty="0"/>
+              <a:t>Based on</a:t>
+            </a:r>
+            <a:endParaRPr lang="en-US" sz="2400" dirty="0"/>
+          </a:p>
+          <a:p>
+            <a:pPr marL="285750" indent="-285750">
+              <a:buFont typeface="Arial" panose="020B0604020202020204" pitchFamily="34" charset="0"/>
+              <a:buChar char="•"/>
+            </a:pPr>
+            <a:endParaRPr lang="en-US" dirty="0"/>
+          </a:p>
+        </p:txBody>
+      </p:sp>
+      <p:sp>
+        <p:nvSpPr>
+          <p:cNvPr id="6" name="Oval 5">
+            <a:extLst>
+              <a:ext uri="{FF2B5EF4-FFF2-40B4-BE49-F238E27FC236}">
+                <a16:creationId xmlns:a16="http://schemas.microsoft.com/office/drawing/2014/main" id="{68F854CC-D204-441B-ABC7-44E12D33FA53}"/>
+              </a:ext>
+            </a:extLst>
+          </p:cNvPr>
+          <p:cNvSpPr/>
+          <p:nvPr/>
+        </p:nvSpPr>
+        <p:spPr>
+          <a:xfrm>
+            <a:off x="251879" y="1813186"/>
+            <a:ext cx="395821" cy="395821"/>
+          </a:xfrm>
+          <a:prstGeom prst="ellipse">
+            <a:avLst/>
+          </a:prstGeom>
+        </p:spPr>
+        <p:style>
+          <a:lnRef idx="2">
+            <a:schemeClr val="accent1">
+              <a:shade val="50000"/>
+            </a:schemeClr>
+          </a:lnRef>
+          <a:fillRef idx="1">
+            <a:schemeClr val="accent1"/>
+          </a:fillRef>
+          <a:effectRef idx="0">
+            <a:schemeClr val="accent1"/>
+          </a:effectRef>
+          <a:fontRef idx="minor">
+            <a:schemeClr val="lt1"/>
+          </a:fontRef>
+        </p:style>
+        <p:txBody>
+          <a:bodyPr rtlCol="0" anchor="ctr"/>
+          <a:lstStyle/>
+          <a:p>
+            <a:pPr algn="ctr"/>
+            <a:r>
+              <a:rPr lang="en-US" dirty="0"/>
+              <a:t>2</a:t>
+            </a:r>
+          </a:p>
+        </p:txBody>
+      </p:sp>
+      <p:sp>
+        <p:nvSpPr>
+          <p:cNvPr id="7" name="TextBox 6">
+            <a:extLst>
+              <a:ext uri="{FF2B5EF4-FFF2-40B4-BE49-F238E27FC236}">
+                <a16:creationId xmlns:a16="http://schemas.microsoft.com/office/drawing/2014/main" id="{0D413C2D-B0D1-49F5-AE47-2DACE51E8B8A}"/>
+              </a:ext>
+            </a:extLst>
+          </p:cNvPr>
+          <p:cNvSpPr txBox="1"/>
+          <p:nvPr/>
+        </p:nvSpPr>
+        <p:spPr>
+          <a:xfrm>
+            <a:off x="647700" y="1775086"/>
+            <a:ext cx="5943600" cy="738664"/>
+          </a:xfrm>
+          <a:prstGeom prst="rect">
+            <a:avLst/>
+          </a:prstGeom>
+          <a:noFill/>
+        </p:spPr>
+        <p:txBody>
+          <a:bodyPr wrap="square" rtlCol="0">
+            <a:spAutoFit/>
+          </a:bodyPr>
+          <a:lstStyle/>
+          <a:p>
+            <a:r>
+              <a:rPr lang="en-US" sz="2400" dirty="0"/>
+              <a:t>HOG:  </a:t>
+            </a:r>
+            <a:r>
+              <a:rPr lang="en-US" dirty="0"/>
+              <a:t>Based on</a:t>
+            </a:r>
+            <a:endParaRPr lang="en-US" sz="2400" dirty="0"/>
+          </a:p>
+          <a:p>
+            <a:pPr marL="285750" indent="-285750">
+              <a:buFont typeface="Arial" panose="020B0604020202020204" pitchFamily="34" charset="0"/>
+              <a:buChar char="•"/>
+            </a:pPr>
+            <a:endParaRPr lang="en-US" dirty="0"/>
+          </a:p>
+        </p:txBody>
+      </p:sp>
+      <p:sp>
+        <p:nvSpPr>
+          <p:cNvPr id="8" name="Oval 7">
+            <a:extLst>
+              <a:ext uri="{FF2B5EF4-FFF2-40B4-BE49-F238E27FC236}">
+                <a16:creationId xmlns:a16="http://schemas.microsoft.com/office/drawing/2014/main" id="{E347AD12-6476-4502-B518-238FE4A1D6B8}"/>
+              </a:ext>
+            </a:extLst>
+          </p:cNvPr>
+          <p:cNvSpPr/>
+          <p:nvPr/>
+        </p:nvSpPr>
+        <p:spPr>
+          <a:xfrm>
+            <a:off x="251879" y="2527450"/>
+            <a:ext cx="395821" cy="395821"/>
+          </a:xfrm>
+          <a:prstGeom prst="ellipse">
+            <a:avLst/>
+          </a:prstGeom>
+        </p:spPr>
+        <p:style>
+          <a:lnRef idx="2">
+            <a:schemeClr val="accent1">
+              <a:shade val="50000"/>
+            </a:schemeClr>
+          </a:lnRef>
+          <a:fillRef idx="1">
+            <a:schemeClr val="accent1"/>
+          </a:fillRef>
+          <a:effectRef idx="0">
+            <a:schemeClr val="accent1"/>
+          </a:effectRef>
+          <a:fontRef idx="minor">
+            <a:schemeClr val="lt1"/>
+          </a:fontRef>
+        </p:style>
+        <p:txBody>
+          <a:bodyPr rtlCol="0" anchor="ctr"/>
+          <a:lstStyle/>
+          <a:p>
+            <a:pPr algn="ctr"/>
+            <a:r>
+              <a:rPr lang="en-US" dirty="0"/>
+              <a:t>3</a:t>
+            </a:r>
+          </a:p>
+        </p:txBody>
+      </p:sp>
+      <p:sp>
+        <p:nvSpPr>
+          <p:cNvPr id="9" name="TextBox 8">
+            <a:extLst>
+              <a:ext uri="{FF2B5EF4-FFF2-40B4-BE49-F238E27FC236}">
+                <a16:creationId xmlns:a16="http://schemas.microsoft.com/office/drawing/2014/main" id="{DF3AE0A2-CD7D-404E-ACA4-AD83DCF31BC8}"/>
+              </a:ext>
+            </a:extLst>
+          </p:cNvPr>
+          <p:cNvSpPr txBox="1"/>
+          <p:nvPr/>
+        </p:nvSpPr>
+        <p:spPr>
+          <a:xfrm>
+            <a:off x="647700" y="2489350"/>
+            <a:ext cx="5943600" cy="738664"/>
+          </a:xfrm>
+          <a:prstGeom prst="rect">
+            <a:avLst/>
+          </a:prstGeom>
+          <a:noFill/>
+        </p:spPr>
+        <p:txBody>
+          <a:bodyPr wrap="square" rtlCol="0">
+            <a:spAutoFit/>
+          </a:bodyPr>
+          <a:lstStyle/>
+          <a:p>
+            <a:r>
+              <a:rPr lang="en-US" sz="2400" dirty="0"/>
+              <a:t>HSV:  </a:t>
+            </a:r>
+            <a:r>
+              <a:rPr lang="en-US" dirty="0"/>
+              <a:t>Based on</a:t>
+            </a:r>
+            <a:endParaRPr lang="en-US" sz="2400" dirty="0"/>
+          </a:p>
+          <a:p>
+            <a:pPr marL="285750" indent="-285750">
+              <a:buFont typeface="Arial" panose="020B0604020202020204" pitchFamily="34" charset="0"/>
+              <a:buChar char="•"/>
+            </a:pPr>
+            <a:endParaRPr lang="en-US" dirty="0"/>
+          </a:p>
+        </p:txBody>
+      </p:sp>
+      <p:sp>
+        <p:nvSpPr>
+          <p:cNvPr id="10" name="Oval 9">
+            <a:extLst>
+              <a:ext uri="{FF2B5EF4-FFF2-40B4-BE49-F238E27FC236}">
+                <a16:creationId xmlns:a16="http://schemas.microsoft.com/office/drawing/2014/main" id="{A69C9D78-5E73-4AE3-88AE-DF7EF85A65A7}"/>
+              </a:ext>
+            </a:extLst>
+          </p:cNvPr>
+          <p:cNvSpPr/>
+          <p:nvPr/>
+        </p:nvSpPr>
+        <p:spPr>
+          <a:xfrm>
+            <a:off x="251879" y="3317064"/>
+            <a:ext cx="395821" cy="395821"/>
+          </a:xfrm>
+          <a:prstGeom prst="ellipse">
+            <a:avLst/>
+          </a:prstGeom>
+        </p:spPr>
+        <p:style>
+          <a:lnRef idx="2">
+            <a:schemeClr val="accent1">
+              <a:shade val="50000"/>
+            </a:schemeClr>
+          </a:lnRef>
+          <a:fillRef idx="1">
+            <a:schemeClr val="accent1"/>
+          </a:fillRef>
+          <a:effectRef idx="0">
+            <a:schemeClr val="accent1"/>
+          </a:effectRef>
+          <a:fontRef idx="minor">
+            <a:schemeClr val="lt1"/>
+          </a:fontRef>
+        </p:style>
+        <p:txBody>
+          <a:bodyPr rtlCol="0" anchor="ctr"/>
+          <a:lstStyle/>
+          <a:p>
+            <a:pPr algn="ctr"/>
+            <a:r>
+              <a:rPr lang="en-US" dirty="0"/>
+              <a:t>4</a:t>
+            </a:r>
+          </a:p>
+        </p:txBody>
+      </p:sp>
+      <p:sp>
+        <p:nvSpPr>
+          <p:cNvPr id="11" name="TextBox 10">
+            <a:extLst>
+              <a:ext uri="{FF2B5EF4-FFF2-40B4-BE49-F238E27FC236}">
+                <a16:creationId xmlns:a16="http://schemas.microsoft.com/office/drawing/2014/main" id="{42981736-2B3F-4B85-85F6-ADFF72C6A23E}"/>
+              </a:ext>
+            </a:extLst>
+          </p:cNvPr>
+          <p:cNvSpPr txBox="1"/>
+          <p:nvPr/>
+        </p:nvSpPr>
+        <p:spPr>
+          <a:xfrm>
+            <a:off x="647700" y="3278964"/>
+            <a:ext cx="10858500" cy="1661993"/>
+          </a:xfrm>
+          <a:prstGeom prst="rect">
+            <a:avLst/>
+          </a:prstGeom>
+          <a:noFill/>
+        </p:spPr>
+        <p:txBody>
+          <a:bodyPr wrap="square" rtlCol="0">
+            <a:spAutoFit/>
+          </a:bodyPr>
+          <a:lstStyle/>
+          <a:p>
+            <a:r>
+              <a:rPr lang="en-US" sz="2400" dirty="0"/>
+              <a:t>RGB:  </a:t>
+            </a:r>
+            <a:r>
+              <a:rPr lang="en-US" dirty="0"/>
+              <a:t>We analyze the Red, Green and Blue components of the images. The blue component is a good differentiator between nuggets and dog, while the green component distinguishes muffin from nuggets and dog. This is a key point for extracting RGB features.</a:t>
+            </a:r>
+          </a:p>
+          <a:p>
+            <a:endParaRPr lang="en-US" sz="2400" dirty="0"/>
+          </a:p>
+          <a:p>
+            <a:pPr marL="285750" indent="-285750">
+              <a:buFont typeface="Arial" panose="020B0604020202020204" pitchFamily="34" charset="0"/>
+              <a:buChar char="•"/>
+            </a:pPr>
             <a:endParaRPr lang="en-US" dirty="0"/>
           </a:p>
         </p:txBody>
@@ -4363,20 +5816,13 @@
     </p:spTree>
     <p:extLst>
       <p:ext uri="{BB962C8B-B14F-4D97-AF65-F5344CB8AC3E}">
-        <p14:creationId xmlns:p14="http://schemas.microsoft.com/office/powerpoint/2010/main" val="717940036"/>
+        <p14:creationId xmlns:p14="http://schemas.microsoft.com/office/powerpoint/2010/main" val="665277472"/>
       </p:ext>
     </p:extLst>
   </p:cSld>
   <p:clrMapOvr>
     <a:masterClrMapping/>
   </p:clrMapOvr>
-  <p:timing>
-    <p:tnLst>
-      <p:par>
-        <p:cTn id="1" dur="indefinite" restart="never" nodeType="tmRoot"/>
-      </p:par>
-    </p:tnLst>
-  </p:timing>
 </p:sld>
 </file>
 
@@ -4421,41 +5867,368 @@
           <a:p>
             <a:r>
               <a:rPr lang="en-US" sz="3200" dirty="0"/>
-              <a:t>5) Recommendation for a </a:t>
-            </a:r>
-            <a:r>
-              <a:rPr lang="en-US" sz="3200" dirty="0" smtClean="0"/>
-              <a:t>reproducible and portable classification engine: </a:t>
-            </a:r>
-            <a:endParaRPr lang="en-US" sz="3200" dirty="0"/>
-          </a:p>
-        </p:txBody>
-      </p:sp>
-      <p:sp>
-        <p:nvSpPr>
-          <p:cNvPr id="3" name="Rectangle 2"/>
+              <a:t>4) What combination of features extraction and classification strategies work the best ?</a:t>
+            </a:r>
+          </a:p>
+        </p:txBody>
+      </p:sp>
+      <p:sp>
+        <p:nvSpPr>
+          <p:cNvPr id="3" name="TextBox 2"/>
+          <p:cNvSpPr txBox="1"/>
+          <p:nvPr/>
+        </p:nvSpPr>
+        <p:spPr>
+          <a:xfrm>
+            <a:off x="1528011" y="1660358"/>
+            <a:ext cx="2600968" cy="369332"/>
+          </a:xfrm>
+          <a:prstGeom prst="rect">
+            <a:avLst/>
+          </a:prstGeom>
+          <a:noFill/>
+        </p:spPr>
+        <p:txBody>
+          <a:bodyPr wrap="none" rtlCol="0">
+            <a:spAutoFit/>
+          </a:bodyPr>
+          <a:lstStyle/>
+          <a:p>
+            <a:r>
+              <a:rPr lang="en-US" dirty="0"/>
+              <a:t>Insert comparative table !</a:t>
+            </a:r>
+          </a:p>
+        </p:txBody>
+      </p:sp>
+      <p:grpSp>
+        <p:nvGrpSpPr>
+          <p:cNvPr id="8" name="Group 7">
+            <a:extLst>
+              <a:ext uri="{FF2B5EF4-FFF2-40B4-BE49-F238E27FC236}">
+                <a16:creationId xmlns:a16="http://schemas.microsoft.com/office/drawing/2014/main" id="{C2D5264D-8118-4873-AF3A-6424A1F54F4E}"/>
+              </a:ext>
+            </a:extLst>
+          </p:cNvPr>
+          <p:cNvGrpSpPr/>
+          <p:nvPr/>
+        </p:nvGrpSpPr>
+        <p:grpSpPr>
+          <a:xfrm>
+            <a:off x="838199" y="1069808"/>
+            <a:ext cx="10496237" cy="4271211"/>
+            <a:chOff x="838199" y="1298408"/>
+            <a:chExt cx="10496237" cy="4271211"/>
+          </a:xfrm>
+        </p:grpSpPr>
+        <p:pic>
+          <p:nvPicPr>
+            <p:cNvPr id="5" name="Picture 4">
+              <a:extLst>
+                <a:ext uri="{FF2B5EF4-FFF2-40B4-BE49-F238E27FC236}">
+                  <a16:creationId xmlns:a16="http://schemas.microsoft.com/office/drawing/2014/main" id="{15540031-174A-4582-842D-D21BF0C0B17B}"/>
+                </a:ext>
+              </a:extLst>
+            </p:cNvPr>
+            <p:cNvPicPr>
+              <a:picLocks noChangeAspect="1"/>
+            </p:cNvPicPr>
+            <p:nvPr/>
+          </p:nvPicPr>
+          <p:blipFill rotWithShape="1">
+            <a:blip r:embed="rId3"/>
+            <a:srcRect l="430" t="1648" r="317" b="1166"/>
+            <a:stretch/>
+          </p:blipFill>
+          <p:spPr>
+            <a:xfrm>
+              <a:off x="838199" y="1298408"/>
+              <a:ext cx="10496237" cy="4271211"/>
+            </a:xfrm>
+            <a:prstGeom prst="rect">
+              <a:avLst/>
+            </a:prstGeom>
+          </p:spPr>
+        </p:pic>
+        <p:sp>
+          <p:nvSpPr>
+            <p:cNvPr id="6" name="Rectangle: Rounded Corners 5">
+              <a:extLst>
+                <a:ext uri="{FF2B5EF4-FFF2-40B4-BE49-F238E27FC236}">
+                  <a16:creationId xmlns:a16="http://schemas.microsoft.com/office/drawing/2014/main" id="{61381CD0-231A-484E-A88B-B178D3B7E0BE}"/>
+                </a:ext>
+              </a:extLst>
+            </p:cNvPr>
+            <p:cNvSpPr/>
+            <p:nvPr/>
+          </p:nvSpPr>
+          <p:spPr>
+            <a:xfrm>
+              <a:off x="7761943" y="3687129"/>
+              <a:ext cx="1763057" cy="517358"/>
+            </a:xfrm>
+            <a:prstGeom prst="roundRect">
+              <a:avLst/>
+            </a:prstGeom>
+            <a:noFill/>
+            <a:ln w="28575" cap="flat" cmpd="sng" algn="ctr">
+              <a:solidFill>
+                <a:srgbClr val="00B050"/>
+              </a:solidFill>
+              <a:prstDash val="solid"/>
+              <a:round/>
+              <a:headEnd type="none" w="med" len="med"/>
+              <a:tailEnd type="none" w="med" len="med"/>
+            </a:ln>
+          </p:spPr>
+          <p:style>
+            <a:lnRef idx="0">
+              <a:scrgbClr r="0" g="0" b="0"/>
+            </a:lnRef>
+            <a:fillRef idx="0">
+              <a:scrgbClr r="0" g="0" b="0"/>
+            </a:fillRef>
+            <a:effectRef idx="0">
+              <a:scrgbClr r="0" g="0" b="0"/>
+            </a:effectRef>
+            <a:fontRef idx="minor">
+              <a:schemeClr val="accent2"/>
+            </a:fontRef>
+          </p:style>
+          <p:txBody>
+            <a:bodyPr rtlCol="0" anchor="ctr"/>
+            <a:lstStyle/>
+            <a:p>
+              <a:pPr algn="ctr"/>
+              <a:endParaRPr lang="en-US"/>
+            </a:p>
+          </p:txBody>
+        </p:sp>
+        <p:sp>
+          <p:nvSpPr>
+            <p:cNvPr id="7" name="Rectangle: Rounded Corners 6">
+              <a:extLst>
+                <a:ext uri="{FF2B5EF4-FFF2-40B4-BE49-F238E27FC236}">
+                  <a16:creationId xmlns:a16="http://schemas.microsoft.com/office/drawing/2014/main" id="{7DCD8776-CD5A-4669-A3F2-71AA6B6EBF9C}"/>
+                </a:ext>
+              </a:extLst>
+            </p:cNvPr>
+            <p:cNvSpPr/>
+            <p:nvPr/>
+          </p:nvSpPr>
+          <p:spPr>
+            <a:xfrm>
+              <a:off x="4780691" y="1622258"/>
+              <a:ext cx="1553507" cy="517358"/>
+            </a:xfrm>
+            <a:prstGeom prst="roundRect">
+              <a:avLst/>
+            </a:prstGeom>
+            <a:noFill/>
+            <a:ln w="28575" cap="flat" cmpd="sng" algn="ctr">
+              <a:solidFill>
+                <a:srgbClr val="FF0000"/>
+              </a:solidFill>
+              <a:prstDash val="solid"/>
+              <a:round/>
+              <a:headEnd type="none" w="med" len="med"/>
+              <a:tailEnd type="none" w="med" len="med"/>
+            </a:ln>
+          </p:spPr>
+          <p:style>
+            <a:lnRef idx="0">
+              <a:scrgbClr r="0" g="0" b="0"/>
+            </a:lnRef>
+            <a:fillRef idx="0">
+              <a:scrgbClr r="0" g="0" b="0"/>
+            </a:fillRef>
+            <a:effectRef idx="0">
+              <a:scrgbClr r="0" g="0" b="0"/>
+            </a:effectRef>
+            <a:fontRef idx="minor">
+              <a:schemeClr val="accent2"/>
+            </a:fontRef>
+          </p:style>
+          <p:txBody>
+            <a:bodyPr rtlCol="0" anchor="ctr"/>
+            <a:lstStyle/>
+            <a:p>
+              <a:pPr algn="ctr"/>
+              <a:endParaRPr lang="en-US">
+                <a:solidFill>
+                  <a:srgbClr val="00B050"/>
+                </a:solidFill>
+              </a:endParaRPr>
+            </a:p>
+          </p:txBody>
+        </p:sp>
+      </p:grpSp>
+      <p:sp>
+        <p:nvSpPr>
+          <p:cNvPr id="9" name="Rectangle 8">
+            <a:extLst>
+              <a:ext uri="{FF2B5EF4-FFF2-40B4-BE49-F238E27FC236}">
+                <a16:creationId xmlns:a16="http://schemas.microsoft.com/office/drawing/2014/main" id="{B828F22F-50C5-4234-BC49-93C1CE68E694}"/>
+              </a:ext>
+            </a:extLst>
+          </p:cNvPr>
           <p:cNvSpPr/>
           <p:nvPr/>
         </p:nvSpPr>
         <p:spPr>
           <a:xfrm>
-            <a:off x="3048000" y="3105835"/>
-            <a:ext cx="6096000" cy="646331"/>
+            <a:off x="491749" y="5513339"/>
+            <a:ext cx="11208502" cy="1754326"/>
           </a:xfrm>
           <a:prstGeom prst="rect">
             <a:avLst/>
           </a:prstGeom>
         </p:spPr>
         <p:txBody>
-          <a:bodyPr>
+          <a:bodyPr wrap="square">
             <a:spAutoFit/>
           </a:bodyPr>
           <a:lstStyle/>
           <a:p>
-            <a:r>
-              <a:rPr lang="en-US" dirty="0" smtClean="0"/>
-              <a:t>Final recommendation, comparison with initial situation, improvement made</a:t>
-            </a:r>
+            <a:pPr marL="285750" indent="-285750">
+              <a:buFont typeface="Arial" panose="020B0604020202020204" pitchFamily="34" charset="0"/>
+              <a:buChar char="•"/>
+            </a:pPr>
+            <a:r>
+              <a:rPr lang="en-US" dirty="0"/>
+              <a:t>The initial </a:t>
+            </a:r>
+            <a:r>
+              <a:rPr lang="en-US" b="1" dirty="0">
+                <a:solidFill>
+                  <a:srgbClr val="FF0000"/>
+                </a:solidFill>
+              </a:rPr>
+              <a:t>SIFT</a:t>
+            </a:r>
+            <a:r>
+              <a:rPr lang="en-US" dirty="0"/>
+              <a:t> extraction model is outperformed by other method tested for almost every classifier</a:t>
+            </a:r>
+          </a:p>
+          <a:p>
+            <a:pPr marL="285750" indent="-285750">
+              <a:buFont typeface="Arial" panose="020B0604020202020204" pitchFamily="34" charset="0"/>
+              <a:buChar char="•"/>
+            </a:pPr>
+            <a:r>
+              <a:rPr lang="en-US" dirty="0"/>
+              <a:t>The </a:t>
+            </a:r>
+            <a:r>
+              <a:rPr lang="en-US" b="1" dirty="0">
+                <a:solidFill>
+                  <a:srgbClr val="00B050"/>
+                </a:solidFill>
+              </a:rPr>
+              <a:t>RGB1</a:t>
+            </a:r>
+            <a:r>
+              <a:rPr lang="en-US" dirty="0"/>
+              <a:t> extraction model allows the best accuracy for 4 classifiers: GBM, SVM Linear and Non linear and </a:t>
+            </a:r>
+            <a:r>
+              <a:rPr lang="en-US" dirty="0" err="1"/>
+              <a:t>XGBoost</a:t>
+            </a:r>
+            <a:endParaRPr lang="en-US" dirty="0"/>
+          </a:p>
+          <a:p>
+            <a:pPr marL="285750" indent="-285750">
+              <a:buFont typeface="Arial" panose="020B0604020202020204" pitchFamily="34" charset="0"/>
+              <a:buChar char="•"/>
+            </a:pPr>
+            <a:r>
+              <a:rPr lang="en-US" dirty="0"/>
+              <a:t>The</a:t>
+            </a:r>
+            <a:r>
+              <a:rPr lang="en-US" dirty="0">
+                <a:solidFill>
+                  <a:srgbClr val="FF0000"/>
+                </a:solidFill>
+              </a:rPr>
+              <a:t> </a:t>
+            </a:r>
+            <a:r>
+              <a:rPr lang="en-US" dirty="0"/>
+              <a:t>combination of </a:t>
+            </a:r>
+            <a:r>
+              <a:rPr lang="en-US" b="1" dirty="0">
+                <a:solidFill>
+                  <a:srgbClr val="00B050"/>
+                </a:solidFill>
+              </a:rPr>
+              <a:t>RGB1 </a:t>
+            </a:r>
+            <a:r>
+              <a:rPr lang="en-US" dirty="0">
+                <a:solidFill>
+                  <a:srgbClr val="00B050"/>
+                </a:solidFill>
+              </a:rPr>
+              <a:t>with an </a:t>
+            </a:r>
+            <a:r>
+              <a:rPr lang="en-US" b="1" dirty="0" err="1">
+                <a:solidFill>
+                  <a:srgbClr val="00B050"/>
+                </a:solidFill>
+              </a:rPr>
+              <a:t>XGBoost</a:t>
+            </a:r>
+            <a:r>
+              <a:rPr lang="en-US" b="1" dirty="0">
+                <a:solidFill>
+                  <a:srgbClr val="00B050"/>
+                </a:solidFill>
+              </a:rPr>
+              <a:t> model </a:t>
+            </a:r>
+            <a:r>
+              <a:rPr lang="en-US" dirty="0"/>
+              <a:t>allows us to reach the </a:t>
+            </a:r>
+            <a:r>
+              <a:rPr lang="en-US" b="1" dirty="0"/>
+              <a:t>best accuracy: 90.7%</a:t>
+            </a:r>
+            <a:r>
+              <a:rPr lang="en-US" dirty="0"/>
+              <a:t> (vs. 80.8% for the base model) in a </a:t>
+            </a:r>
+            <a:r>
+              <a:rPr lang="en-US" b="1" dirty="0"/>
+              <a:t>shorter</a:t>
+            </a:r>
+            <a:r>
+              <a:rPr lang="en-US" dirty="0"/>
+              <a:t> </a:t>
+            </a:r>
+            <a:r>
+              <a:rPr lang="en-US" b="1" dirty="0"/>
+              <a:t>running time: 56s </a:t>
+            </a:r>
+            <a:r>
+              <a:rPr lang="en-US" dirty="0"/>
+              <a:t>(vs. 401s for the base model)</a:t>
+            </a:r>
+          </a:p>
+          <a:p>
+            <a:pPr lvl="1"/>
+            <a:endParaRPr lang="en-US" dirty="0"/>
+          </a:p>
+          <a:p>
+            <a:pPr marL="742950" lvl="1" indent="-285750">
+              <a:buFont typeface="Wingdings" panose="05000000000000000000" pitchFamily="2" charset="2"/>
+              <a:buChar char="ü"/>
+            </a:pPr>
             <a:endParaRPr lang="en-US" dirty="0"/>
           </a:p>
         </p:txBody>
@@ -4463,20 +6236,13 @@
     </p:spTree>
     <p:extLst>
       <p:ext uri="{BB962C8B-B14F-4D97-AF65-F5344CB8AC3E}">
-        <p14:creationId xmlns:p14="http://schemas.microsoft.com/office/powerpoint/2010/main" val="1531075210"/>
+        <p14:creationId xmlns:p14="http://schemas.microsoft.com/office/powerpoint/2010/main" val="717940036"/>
       </p:ext>
     </p:extLst>
   </p:cSld>
   <p:clrMapOvr>
     <a:masterClrMapping/>
   </p:clrMapOvr>
-  <p:timing>
-    <p:tnLst>
-      <p:par>
-        <p:cTn id="1" dur="indefinite" restart="never" nodeType="tmRoot"/>
-      </p:par>
-    </p:tnLst>
-  </p:timing>
 </p:sld>
 </file>
 
@@ -4507,33 +6273,381 @@
             <p:ph type="title"/>
           </p:nvPr>
         </p:nvSpPr>
-        <p:spPr/>
-        <p:txBody>
-          <a:bodyPr/>
-          <a:lstStyle/>
-          <a:p>
+        <p:spPr>
+          <a:xfrm>
+            <a:off x="838200" y="-180474"/>
+            <a:ext cx="10515600" cy="1325563"/>
+          </a:xfrm>
+        </p:spPr>
+        <p:txBody>
+          <a:bodyPr>
+            <a:normAutofit/>
+          </a:bodyPr>
+          <a:lstStyle/>
+          <a:p>
+            <a:r>
+              <a:rPr lang="en-US" sz="3200" dirty="0"/>
+              <a:t>5) Recommendation for a reproducible and portable classification engine: </a:t>
+            </a:r>
+          </a:p>
+        </p:txBody>
+      </p:sp>
+      <p:sp>
+        <p:nvSpPr>
+          <p:cNvPr id="4" name="Oval 3">
+            <a:extLst>
+              <a:ext uri="{FF2B5EF4-FFF2-40B4-BE49-F238E27FC236}">
+                <a16:creationId xmlns:a16="http://schemas.microsoft.com/office/drawing/2014/main" id="{8787589B-829D-42C7-9849-9FA188C836ED}"/>
+              </a:ext>
+            </a:extLst>
+          </p:cNvPr>
+          <p:cNvSpPr/>
+          <p:nvPr/>
+        </p:nvSpPr>
+        <p:spPr>
+          <a:xfrm>
+            <a:off x="251879" y="2277919"/>
+            <a:ext cx="395821" cy="395821"/>
+          </a:xfrm>
+          <a:prstGeom prst="ellipse">
+            <a:avLst/>
+          </a:prstGeom>
+        </p:spPr>
+        <p:style>
+          <a:lnRef idx="2">
+            <a:schemeClr val="accent1">
+              <a:shade val="50000"/>
+            </a:schemeClr>
+          </a:lnRef>
+          <a:fillRef idx="1">
+            <a:schemeClr val="accent1"/>
+          </a:fillRef>
+          <a:effectRef idx="0">
+            <a:schemeClr val="accent1"/>
+          </a:effectRef>
+          <a:fontRef idx="minor">
+            <a:schemeClr val="lt1"/>
+          </a:fontRef>
+        </p:style>
+        <p:txBody>
+          <a:bodyPr rtlCol="0" anchor="ctr"/>
+          <a:lstStyle/>
+          <a:p>
+            <a:pPr algn="ctr"/>
+            <a:r>
+              <a:rPr lang="en-US" dirty="0"/>
+              <a:t>1</a:t>
+            </a:r>
+          </a:p>
+        </p:txBody>
+      </p:sp>
+      <p:sp>
+        <p:nvSpPr>
+          <p:cNvPr id="5" name="TextBox 4">
+            <a:extLst>
+              <a:ext uri="{FF2B5EF4-FFF2-40B4-BE49-F238E27FC236}">
+                <a16:creationId xmlns:a16="http://schemas.microsoft.com/office/drawing/2014/main" id="{3987A76B-62BF-49C6-B0B2-F4DA485DD458}"/>
+              </a:ext>
+            </a:extLst>
+          </p:cNvPr>
+          <p:cNvSpPr txBox="1"/>
+          <p:nvPr/>
+        </p:nvSpPr>
+        <p:spPr>
+          <a:xfrm>
+            <a:off x="647700" y="2239819"/>
+            <a:ext cx="8743950" cy="2185214"/>
+          </a:xfrm>
+          <a:prstGeom prst="rect">
+            <a:avLst/>
+          </a:prstGeom>
+          <a:noFill/>
+        </p:spPr>
+        <p:txBody>
+          <a:bodyPr wrap="square" rtlCol="0">
+            <a:spAutoFit/>
+          </a:bodyPr>
+          <a:lstStyle/>
+          <a:p>
+            <a:r>
+              <a:rPr lang="en-US" sz="2400" dirty="0"/>
+              <a:t>RGB1 feature extractor:</a:t>
+            </a:r>
+          </a:p>
+          <a:p>
+            <a:pPr marL="342900" indent="-342900">
+              <a:buFont typeface="Arial" panose="020B0604020202020204" pitchFamily="34" charset="0"/>
+              <a:buChar char="•"/>
+            </a:pPr>
+            <a:r>
+              <a:rPr lang="en-US" sz="2000" b="1" dirty="0"/>
+              <a:t>method:  </a:t>
+            </a:r>
+          </a:p>
+          <a:p>
+            <a:pPr marL="800100" lvl="1" indent="-342900">
+              <a:buFont typeface="Courier New" panose="02070309020205020404" pitchFamily="49" charset="0"/>
+              <a:buChar char="o"/>
+            </a:pPr>
+            <a:r>
+              <a:rPr lang="en-US" dirty="0"/>
+              <a:t>we tried the same method with 600 (RGB2), 800(RGB0) and 1440 features (RGB1).</a:t>
+            </a:r>
+          </a:p>
+          <a:p>
+            <a:pPr marL="800100" lvl="1" indent="-342900">
+              <a:buFont typeface="Courier New" panose="02070309020205020404" pitchFamily="49" charset="0"/>
+              <a:buChar char="o"/>
+            </a:pPr>
+            <a:r>
+              <a:rPr lang="en-US" b="1" dirty="0"/>
+              <a:t>we selected 1440 features</a:t>
+            </a:r>
+            <a:r>
+              <a:rPr lang="en-US" dirty="0"/>
+              <a:t> since it outperformed the other two on every classifier.</a:t>
+            </a:r>
+          </a:p>
+          <a:p>
+            <a:pPr marL="285750" indent="-285750">
+              <a:buFont typeface="Arial" panose="020B0604020202020204" pitchFamily="34" charset="0"/>
+              <a:buChar char="•"/>
+            </a:pPr>
+            <a:r>
+              <a:rPr lang="en-US" sz="2000" b="1" dirty="0"/>
+              <a:t>Running time: </a:t>
+            </a:r>
+            <a:r>
+              <a:rPr lang="en-US" sz="2000" dirty="0"/>
+              <a:t>for 3000 images</a:t>
+            </a:r>
+            <a:endParaRPr lang="en-US" sz="2000" b="1" dirty="0"/>
+          </a:p>
+          <a:p>
+            <a:pPr marL="800100" lvl="1" indent="-342900">
+              <a:buFont typeface="Courier New" panose="02070309020205020404" pitchFamily="49" charset="0"/>
+              <a:buChar char="o"/>
+            </a:pPr>
+            <a:r>
+              <a:rPr lang="en-US" dirty="0"/>
+              <a:t>System time: 187.8  &amp; Running time: 1169.7s</a:t>
+            </a:r>
+            <a:endParaRPr lang="en-US" sz="2000" b="1" dirty="0"/>
+          </a:p>
+          <a:p>
+            <a:pPr marL="285750" indent="-285750">
+              <a:buFont typeface="Arial" panose="020B0604020202020204" pitchFamily="34" charset="0"/>
+              <a:buChar char="•"/>
+            </a:pPr>
             <a:endParaRPr lang="en-US" dirty="0"/>
           </a:p>
         </p:txBody>
       </p:sp>
       <p:sp>
         <p:nvSpPr>
-          <p:cNvPr id="3" name="Content Placeholder 2"/>
-          <p:cNvSpPr>
-            <a:spLocks noGrp="1"/>
-          </p:cNvSpPr>
-          <p:nvPr>
-            <p:ph idx="1"/>
-          </p:nvPr>
-        </p:nvSpPr>
-        <p:spPr/>
-        <p:txBody>
-          <a:bodyPr/>
-          <a:lstStyle/>
-          <a:p>
+          <p:cNvPr id="6" name="Oval 5">
+            <a:extLst>
+              <a:ext uri="{FF2B5EF4-FFF2-40B4-BE49-F238E27FC236}">
+                <a16:creationId xmlns:a16="http://schemas.microsoft.com/office/drawing/2014/main" id="{BBC4DFE2-A7E7-45EB-A060-8D04E673BFE8}"/>
+              </a:ext>
+            </a:extLst>
+          </p:cNvPr>
+          <p:cNvSpPr/>
+          <p:nvPr/>
+        </p:nvSpPr>
+        <p:spPr>
+          <a:xfrm>
+            <a:off x="251879" y="4320498"/>
+            <a:ext cx="395821" cy="395821"/>
+          </a:xfrm>
+          <a:prstGeom prst="ellipse">
+            <a:avLst/>
+          </a:prstGeom>
+        </p:spPr>
+        <p:style>
+          <a:lnRef idx="2">
+            <a:schemeClr val="accent1">
+              <a:shade val="50000"/>
+            </a:schemeClr>
+          </a:lnRef>
+          <a:fillRef idx="1">
+            <a:schemeClr val="accent1"/>
+          </a:fillRef>
+          <a:effectRef idx="0">
+            <a:schemeClr val="accent1"/>
+          </a:effectRef>
+          <a:fontRef idx="minor">
+            <a:schemeClr val="lt1"/>
+          </a:fontRef>
+        </p:style>
+        <p:txBody>
+          <a:bodyPr rtlCol="0" anchor="ctr"/>
+          <a:lstStyle/>
+          <a:p>
+            <a:pPr algn="ctr"/>
             <a:r>
               <a:rPr lang="en-US" dirty="0"/>
-              <a:t> In this project, we created a classification engine for images of Dogs, images of Fried Chicken and images of Blueberry Muffins. We set our baseline model using SIFT features and gradient boosting machine(GBM) classifier. Besides the SIFT features, we also used HOG, RGB and HSV to do feature selection. In terms of classifiers, we considered SVM(linear and non-linear), Random Forest, </a:t>
+              <a:t>2</a:t>
+            </a:r>
+          </a:p>
+        </p:txBody>
+      </p:sp>
+      <p:sp>
+        <p:nvSpPr>
+          <p:cNvPr id="7" name="TextBox 6">
+            <a:extLst>
+              <a:ext uri="{FF2B5EF4-FFF2-40B4-BE49-F238E27FC236}">
+                <a16:creationId xmlns:a16="http://schemas.microsoft.com/office/drawing/2014/main" id="{2F3B8F35-6612-433B-845B-C60A4E3D39AF}"/>
+              </a:ext>
+            </a:extLst>
+          </p:cNvPr>
+          <p:cNvSpPr txBox="1"/>
+          <p:nvPr/>
+        </p:nvSpPr>
+        <p:spPr>
+          <a:xfrm>
+            <a:off x="647700" y="4282398"/>
+            <a:ext cx="6358762" cy="2739211"/>
+          </a:xfrm>
+          <a:prstGeom prst="rect">
+            <a:avLst/>
+          </a:prstGeom>
+          <a:noFill/>
+        </p:spPr>
+        <p:txBody>
+          <a:bodyPr wrap="square" rtlCol="0">
+            <a:spAutoFit/>
+          </a:bodyPr>
+          <a:lstStyle/>
+          <a:p>
+            <a:r>
+              <a:rPr lang="en-US" sz="2400" dirty="0" err="1"/>
+              <a:t>XGBoost</a:t>
+            </a:r>
+            <a:r>
+              <a:rPr lang="en-US" sz="2400" dirty="0"/>
+              <a:t> classifier:</a:t>
+            </a:r>
+          </a:p>
+          <a:p>
+            <a:pPr marL="342900" indent="-342900">
+              <a:buFont typeface="Arial" panose="020B0604020202020204" pitchFamily="34" charset="0"/>
+              <a:buChar char="•"/>
+            </a:pPr>
+            <a:r>
+              <a:rPr lang="en-US" sz="2000" b="1" dirty="0"/>
+              <a:t>method:  </a:t>
+            </a:r>
+          </a:p>
+          <a:p>
+            <a:pPr marL="800100" lvl="1" indent="-342900">
+              <a:buFont typeface="Courier New" panose="02070309020205020404" pitchFamily="49" charset="0"/>
+              <a:buChar char="o"/>
+            </a:pPr>
+            <a:r>
+              <a:rPr lang="en-US" dirty="0"/>
+              <a:t>we used Cross-Validation to fine the best parameters: </a:t>
+            </a:r>
+            <a:r>
+              <a:rPr lang="en-US" dirty="0" err="1"/>
+              <a:t>max_depth</a:t>
+            </a:r>
+            <a:r>
+              <a:rPr lang="en-US" dirty="0"/>
+              <a:t> in (3,5,7) and eta in (0.1,0.3,0.5)  </a:t>
+            </a:r>
+          </a:p>
+          <a:p>
+            <a:pPr marL="800100" lvl="1" indent="-342900">
+              <a:buFont typeface="Courier New" panose="02070309020205020404" pitchFamily="49" charset="0"/>
+              <a:buChar char="o"/>
+            </a:pPr>
+            <a:r>
+              <a:rPr lang="en-US" dirty="0"/>
+              <a:t>we select  </a:t>
+            </a:r>
+            <a:r>
+              <a:rPr lang="en-US" b="1" dirty="0" err="1"/>
+              <a:t>max_depth</a:t>
+            </a:r>
+            <a:r>
+              <a:rPr lang="en-US" b="1" dirty="0"/>
+              <a:t> = 3, eta = 0.3 </a:t>
+            </a:r>
+          </a:p>
+          <a:p>
+            <a:pPr marL="342900" indent="-342900">
+              <a:buFont typeface="Wingdings" panose="05000000000000000000" pitchFamily="2" charset="2"/>
+              <a:buChar char="§"/>
+            </a:pPr>
+            <a:r>
+              <a:rPr lang="en-US" sz="2000" b="1" dirty="0"/>
+              <a:t>Running time &amp; accuracy: </a:t>
+            </a:r>
+            <a:r>
+              <a:rPr lang="en-US" dirty="0"/>
+              <a:t>we use K-fold cross-validation to estimate the accuracy of the model: </a:t>
+            </a:r>
+            <a:r>
+              <a:rPr lang="en-US" b="1" dirty="0"/>
+              <a:t>90.7%. </a:t>
+            </a:r>
+            <a:r>
+              <a:rPr lang="en-US" dirty="0"/>
+              <a:t>The running time is 56s.</a:t>
+            </a:r>
+            <a:endParaRPr lang="en-US" sz="2000" b="1" dirty="0"/>
+          </a:p>
+          <a:p>
+            <a:pPr marL="342900" indent="-342900">
+              <a:buFont typeface="Wingdings" panose="05000000000000000000" pitchFamily="2" charset="2"/>
+              <a:buChar char="§"/>
+            </a:pPr>
+            <a:endParaRPr lang="en-US" dirty="0"/>
+          </a:p>
+        </p:txBody>
+      </p:sp>
+      <p:sp>
+        <p:nvSpPr>
+          <p:cNvPr id="8" name="TextBox 7">
+            <a:extLst>
+              <a:ext uri="{FF2B5EF4-FFF2-40B4-BE49-F238E27FC236}">
+                <a16:creationId xmlns:a16="http://schemas.microsoft.com/office/drawing/2014/main" id="{9E9B7E7C-4D46-44B7-8898-79B9724ACBFF}"/>
+              </a:ext>
+            </a:extLst>
+          </p:cNvPr>
+          <p:cNvSpPr txBox="1"/>
+          <p:nvPr/>
+        </p:nvSpPr>
+        <p:spPr>
+          <a:xfrm>
+            <a:off x="251879" y="1081278"/>
+            <a:ext cx="11787721" cy="923330"/>
+          </a:xfrm>
+          <a:prstGeom prst="rect">
+            <a:avLst/>
+          </a:prstGeom>
+          <a:noFill/>
+        </p:spPr>
+        <p:txBody>
+          <a:bodyPr wrap="square" rtlCol="0">
+            <a:spAutoFit/>
+          </a:bodyPr>
+          <a:lstStyle/>
+          <a:p>
+            <a:pPr marL="285750" indent="-285750">
+              <a:buFont typeface="Arial" panose="020B0604020202020204" pitchFamily="34" charset="0"/>
+              <a:buChar char="•"/>
+            </a:pPr>
+            <a:r>
+              <a:rPr lang="en-US" dirty="0">
+                <a:sym typeface="Wingdings" panose="05000000000000000000" pitchFamily="2" charset="2"/>
+              </a:rPr>
+              <a:t>We recommend using the </a:t>
+            </a:r>
+            <a:r>
+              <a:rPr lang="en-US" dirty="0"/>
+              <a:t>RGB1 feature extractor along with the </a:t>
             </a:r>
             <a:r>
               <a:rPr lang="en-US" dirty="0" err="1"/>
@@ -4541,36 +6655,161 @@
             </a:r>
             <a:r>
               <a:rPr lang="en-US" dirty="0"/>
-              <a:t> and Neural Network. After model evaluation and comparison, the final advanced model we selected is using RGB feature and </a:t>
-            </a:r>
-            <a:r>
-              <a:rPr lang="en-US" dirty="0" err="1"/>
-              <a:t>XGBoost</a:t>
+              <a:t> classifier, which gives the </a:t>
+            </a:r>
+            <a:r>
+              <a:rPr lang="en-US" b="1" dirty="0"/>
+              <a:t>best accuracy: 90.7%</a:t>
             </a:r>
             <a:r>
               <a:rPr lang="en-US" dirty="0"/>
-              <a:t> classifier. We increased the accuracy by 12.25% and only took 13.94% of running time as in baseline model.</a:t>
-            </a:r>
-          </a:p>
-        </p:txBody>
-      </p:sp>
+              <a:t> in a </a:t>
+            </a:r>
+            <a:r>
+              <a:rPr lang="en-US" b="1" dirty="0"/>
+              <a:t>short</a:t>
+            </a:r>
+            <a:r>
+              <a:rPr lang="en-US" dirty="0"/>
+              <a:t> </a:t>
+            </a:r>
+            <a:r>
+              <a:rPr lang="en-US" b="1" dirty="0"/>
+              <a:t>running time: 56s </a:t>
+            </a:r>
+            <a:r>
+              <a:rPr lang="en-US" dirty="0"/>
+              <a:t>(vs. 401s for the base model)</a:t>
+            </a:r>
+          </a:p>
+          <a:p>
+            <a:pPr marL="285750" indent="-285750">
+              <a:buFont typeface="Arial" panose="020B0604020202020204" pitchFamily="34" charset="0"/>
+              <a:buChar char="•"/>
+            </a:pPr>
+            <a:r>
+              <a:rPr lang="en-US" dirty="0"/>
+              <a:t>We increased the accuracy by 12.25 points and only took 13.94% of running time as in baseline model.</a:t>
+            </a:r>
+          </a:p>
+        </p:txBody>
+      </p:sp>
+      <p:sp>
+        <p:nvSpPr>
+          <p:cNvPr id="12" name="Rounded Rectangle 5">
+            <a:extLst>
+              <a:ext uri="{FF2B5EF4-FFF2-40B4-BE49-F238E27FC236}">
+                <a16:creationId xmlns:a16="http://schemas.microsoft.com/office/drawing/2014/main" id="{FC975995-654A-48C8-800F-259CC68502EB}"/>
+              </a:ext>
+            </a:extLst>
+          </p:cNvPr>
+          <p:cNvSpPr/>
+          <p:nvPr/>
+        </p:nvSpPr>
+        <p:spPr>
+          <a:xfrm>
+            <a:off x="251879" y="940128"/>
+            <a:ext cx="11787721" cy="1185448"/>
+          </a:xfrm>
+          <a:prstGeom prst="roundRect">
+            <a:avLst>
+              <a:gd name="adj" fmla="val 2615"/>
+            </a:avLst>
+          </a:prstGeom>
+          <a:noFill/>
+        </p:spPr>
+        <p:style>
+          <a:lnRef idx="2">
+            <a:schemeClr val="accent1">
+              <a:shade val="50000"/>
+            </a:schemeClr>
+          </a:lnRef>
+          <a:fillRef idx="1">
+            <a:schemeClr val="accent1"/>
+          </a:fillRef>
+          <a:effectRef idx="0">
+            <a:schemeClr val="accent1"/>
+          </a:effectRef>
+          <a:fontRef idx="minor">
+            <a:schemeClr val="lt1"/>
+          </a:fontRef>
+        </p:style>
+        <p:txBody>
+          <a:bodyPr rtlCol="0" anchor="ctr"/>
+          <a:lstStyle/>
+          <a:p>
+            <a:endParaRPr lang="en-US" dirty="0">
+              <a:solidFill>
+                <a:schemeClr val="tx1"/>
+              </a:solidFill>
+            </a:endParaRPr>
+          </a:p>
+          <a:p>
+            <a:endParaRPr lang="en-US" dirty="0">
+              <a:solidFill>
+                <a:schemeClr val="tx1"/>
+              </a:solidFill>
+            </a:endParaRPr>
+          </a:p>
+          <a:p>
+            <a:endParaRPr lang="en-US" dirty="0">
+              <a:solidFill>
+                <a:schemeClr val="tx1"/>
+              </a:solidFill>
+            </a:endParaRPr>
+          </a:p>
+          <a:p>
+            <a:pPr marL="342900" indent="-342900">
+              <a:buFont typeface="Wingdings" panose="05000000000000000000" pitchFamily="2" charset="2"/>
+              <a:buChar char="§"/>
+            </a:pPr>
+            <a:endParaRPr lang="en-US" dirty="0">
+              <a:solidFill>
+                <a:schemeClr val="tx1"/>
+              </a:solidFill>
+            </a:endParaRPr>
+          </a:p>
+        </p:txBody>
+      </p:sp>
+      <p:pic>
+        <p:nvPicPr>
+          <p:cNvPr id="16" name="Picture 15">
+            <a:extLst>
+              <a:ext uri="{FF2B5EF4-FFF2-40B4-BE49-F238E27FC236}">
+                <a16:creationId xmlns:a16="http://schemas.microsoft.com/office/drawing/2014/main" id="{8F2D48DD-7481-41B9-A507-54D44F4BAF2E}"/>
+              </a:ext>
+            </a:extLst>
+          </p:cNvPr>
+          <p:cNvPicPr>
+            <a:picLocks noChangeAspect="1"/>
+          </p:cNvPicPr>
+          <p:nvPr/>
+        </p:nvPicPr>
+        <p:blipFill rotWithShape="1">
+          <a:blip r:embed="rId2"/>
+          <a:srcRect t="4428" r="8782" b="4510"/>
+          <a:stretch/>
+        </p:blipFill>
+        <p:spPr>
+          <a:xfrm>
+            <a:off x="7006462" y="3806091"/>
+            <a:ext cx="5185538" cy="3105151"/>
+          </a:xfrm>
+          <a:prstGeom prst="rect">
+            <a:avLst/>
+          </a:prstGeom>
+        </p:spPr>
+      </p:pic>
     </p:spTree>
     <p:extLst>
       <p:ext uri="{BB962C8B-B14F-4D97-AF65-F5344CB8AC3E}">
-        <p14:creationId xmlns:p14="http://schemas.microsoft.com/office/powerpoint/2010/main" val="2147194882"/>
+        <p14:creationId xmlns:p14="http://schemas.microsoft.com/office/powerpoint/2010/main" val="1531075210"/>
       </p:ext>
     </p:extLst>
   </p:cSld>
   <p:clrMapOvr>
     <a:masterClrMapping/>
   </p:clrMapOvr>
-  <p:timing>
-    <p:tnLst>
-      <p:par>
-        <p:cTn id="1" dur="indefinite" restart="never" nodeType="tmRoot"/>
-      </p:par>
-    </p:tnLst>
-  </p:timing>
 </p:sld>
 </file>
 

--- a/doc/team7_presentation.pptx
+++ b/doc/team7_presentation.pptx
@@ -4030,6 +4030,44 @@
           </a:p>
         </p:txBody>
       </p:sp>
+      <p:cxnSp>
+        <p:nvCxnSpPr>
+          <p:cNvPr id="9" name="Straight Connector 8">
+            <a:extLst>
+              <a:ext uri="{FF2B5EF4-FFF2-40B4-BE49-F238E27FC236}">
+                <a16:creationId xmlns:a16="http://schemas.microsoft.com/office/drawing/2014/main" id="{13450948-0837-4FB7-BA57-0F51EF5F0702}"/>
+              </a:ext>
+            </a:extLst>
+          </p:cNvPr>
+          <p:cNvCxnSpPr>
+            <a:cxnSpLocks/>
+          </p:cNvCxnSpPr>
+          <p:nvPr/>
+        </p:nvCxnSpPr>
+        <p:spPr>
+          <a:xfrm>
+            <a:off x="0" y="1162050"/>
+            <a:ext cx="12192000" cy="0"/>
+          </a:xfrm>
+          <a:prstGeom prst="line">
+            <a:avLst/>
+          </a:prstGeom>
+        </p:spPr>
+        <p:style>
+          <a:lnRef idx="1">
+            <a:schemeClr val="accent1"/>
+          </a:lnRef>
+          <a:fillRef idx="0">
+            <a:schemeClr val="accent1"/>
+          </a:fillRef>
+          <a:effectRef idx="0">
+            <a:schemeClr val="accent1"/>
+          </a:effectRef>
+          <a:fontRef idx="minor">
+            <a:schemeClr val="tx1"/>
+          </a:fontRef>
+        </p:style>
+      </p:cxnSp>
     </p:spTree>
     <p:extLst>
       <p:ext uri="{BB962C8B-B14F-4D97-AF65-F5344CB8AC3E}">
@@ -4682,6 +4720,44 @@
           </a:p>
         </p:txBody>
       </p:sp>
+      <p:cxnSp>
+        <p:nvCxnSpPr>
+          <p:cNvPr id="17" name="Straight Connector 16">
+            <a:extLst>
+              <a:ext uri="{FF2B5EF4-FFF2-40B4-BE49-F238E27FC236}">
+                <a16:creationId xmlns:a16="http://schemas.microsoft.com/office/drawing/2014/main" id="{CE05F839-3054-43DF-8810-8EA6BE360703}"/>
+              </a:ext>
+            </a:extLst>
+          </p:cNvPr>
+          <p:cNvCxnSpPr>
+            <a:cxnSpLocks/>
+          </p:cNvCxnSpPr>
+          <p:nvPr/>
+        </p:nvCxnSpPr>
+        <p:spPr>
+          <a:xfrm>
+            <a:off x="0" y="723900"/>
+            <a:ext cx="12192000" cy="0"/>
+          </a:xfrm>
+          <a:prstGeom prst="line">
+            <a:avLst/>
+          </a:prstGeom>
+        </p:spPr>
+        <p:style>
+          <a:lnRef idx="1">
+            <a:schemeClr val="accent1"/>
+          </a:lnRef>
+          <a:fillRef idx="0">
+            <a:schemeClr val="accent1"/>
+          </a:fillRef>
+          <a:effectRef idx="0">
+            <a:schemeClr val="accent1"/>
+          </a:effectRef>
+          <a:fontRef idx="minor">
+            <a:schemeClr val="tx1"/>
+          </a:fontRef>
+        </p:style>
+      </p:cxnSp>
     </p:spTree>
     <p:extLst>
       <p:ext uri="{BB962C8B-B14F-4D97-AF65-F5344CB8AC3E}">
@@ -5322,6 +5398,44 @@
           </a:p>
         </p:txBody>
       </p:sp>
+      <p:cxnSp>
+        <p:nvCxnSpPr>
+          <p:cNvPr id="22" name="Straight Connector 21">
+            <a:extLst>
+              <a:ext uri="{FF2B5EF4-FFF2-40B4-BE49-F238E27FC236}">
+                <a16:creationId xmlns:a16="http://schemas.microsoft.com/office/drawing/2014/main" id="{FA7893D9-493F-4F7A-8DD6-E6101503DAE4}"/>
+              </a:ext>
+            </a:extLst>
+          </p:cNvPr>
+          <p:cNvCxnSpPr>
+            <a:cxnSpLocks/>
+          </p:cNvCxnSpPr>
+          <p:nvPr/>
+        </p:nvCxnSpPr>
+        <p:spPr>
+          <a:xfrm>
+            <a:off x="0" y="1085850"/>
+            <a:ext cx="12192000" cy="0"/>
+          </a:xfrm>
+          <a:prstGeom prst="line">
+            <a:avLst/>
+          </a:prstGeom>
+        </p:spPr>
+        <p:style>
+          <a:lnRef idx="1">
+            <a:schemeClr val="accent1"/>
+          </a:lnRef>
+          <a:fillRef idx="0">
+            <a:schemeClr val="accent1"/>
+          </a:fillRef>
+          <a:effectRef idx="0">
+            <a:schemeClr val="accent1"/>
+          </a:effectRef>
+          <a:fontRef idx="minor">
+            <a:schemeClr val="tx1"/>
+          </a:fontRef>
+        </p:style>
+      </p:cxnSp>
     </p:spTree>
     <p:extLst>
       <p:ext uri="{BB962C8B-B14F-4D97-AF65-F5344CB8AC3E}">
@@ -5383,52 +5497,6 @@
       </p:sp>
       <p:sp>
         <p:nvSpPr>
-          <p:cNvPr id="3" name="Rectangle 2"/>
-          <p:cNvSpPr/>
-          <p:nvPr/>
-        </p:nvSpPr>
-        <p:spPr>
-          <a:xfrm>
-            <a:off x="3048000" y="8384089"/>
-            <a:ext cx="6096000" cy="5909310"/>
-          </a:xfrm>
-          <a:prstGeom prst="rect">
-            <a:avLst/>
-          </a:prstGeom>
-        </p:spPr>
-        <p:txBody>
-          <a:bodyPr>
-            <a:spAutoFit/>
-          </a:bodyPr>
-          <a:lstStyle/>
-          <a:p>
-            <a:r>
-              <a:rPr lang="en-US" dirty="0"/>
-              <a:t>Explain the different algorithm used for feature extraction here, how do they work, differences, advantage</a:t>
-            </a:r>
-          </a:p>
-          <a:p>
-            <a:endParaRPr lang="en-US" dirty="0"/>
-          </a:p>
-          <a:p>
-            <a:endParaRPr lang="en-US" dirty="0"/>
-          </a:p>
-          <a:p>
-            <a:r>
-              <a:rPr lang="en-US" dirty="0"/>
-              <a:t>For hog, we set cells=8, and orientation=9. The image is divided into 8×8 cells and a histogram of gradients is calculated for each 8×8 cells. We choose 8*8 since it is a design choice informed by the scale of features we are looking for. One of the important reasons to use a feature descriptor to describe a patch of an image is that it provides a compact representation. An 8×8 image patch contains 8x8x3 = 192 pixel values. The gradient of this patch contains 2 values ( magnitude and direction ) per pixel which adds up to 8x8x2 = 128 numbers. These 128 numbers will be represented using a 9-bin histogram which can be stored as an array of 9 numbers. Not only is the representation more compact, calculating a histogram over a patch makes this representation more robust to noise. Individual gradients may have noise, but a histogram over 8×8 patch makes the representation much less sensitive to noise.</a:t>
-            </a:r>
-          </a:p>
-          <a:p>
-            <a:br>
-              <a:rPr lang="en-US" dirty="0"/>
-            </a:br>
-            <a:endParaRPr lang="en-US" dirty="0"/>
-          </a:p>
-        </p:txBody>
-      </p:sp>
-      <p:sp>
-        <p:nvSpPr>
           <p:cNvPr id="4" name="Oval 3">
             <a:extLst>
               <a:ext uri="{FF2B5EF4-FFF2-40B4-BE49-F238E27FC236}">
@@ -5491,7 +5559,7 @@
         <p:spPr>
           <a:xfrm>
             <a:off x="647700" y="1034333"/>
-            <a:ext cx="5943600" cy="738664"/>
+            <a:ext cx="11296650" cy="1015663"/>
           </a:xfrm>
           <a:prstGeom prst="rect">
             <a:avLst/>
@@ -5510,7 +5578,15 @@
             </a:r>
             <a:r>
               <a:rPr lang="en-US" dirty="0"/>
-              <a:t>Based on</a:t>
+              <a:t>The scale-invariant feature transform (SIFT) is used to detect and describe local features in images. Here we use 5000 features and </a:t>
+            </a:r>
+            <a:r>
+              <a:rPr lang="en-US" dirty="0" err="1"/>
+              <a:t>Matlab</a:t>
+            </a:r>
+            <a:r>
+              <a:rPr lang="en-US" dirty="0"/>
+              <a:t> libraries.</a:t>
             </a:r>
             <a:endParaRPr lang="en-US" sz="2400" dirty="0"/>
           </a:p>
@@ -5537,7 +5613,7 @@
         </p:nvSpPr>
         <p:spPr>
           <a:xfrm>
-            <a:off x="251879" y="1813186"/>
+            <a:off x="251879" y="1965586"/>
             <a:ext cx="395821" cy="395821"/>
           </a:xfrm>
           <a:prstGeom prst="ellipse">
@@ -5586,8 +5662,8 @@
         </p:nvSpPr>
         <p:spPr>
           <a:xfrm>
-            <a:off x="647700" y="1775086"/>
-            <a:ext cx="5943600" cy="738664"/>
+            <a:off x="647700" y="1927486"/>
+            <a:ext cx="11296650" cy="1015663"/>
           </a:xfrm>
           <a:prstGeom prst="rect">
             <a:avLst/>
@@ -5606,7 +5682,7 @@
             </a:r>
             <a:r>
               <a:rPr lang="en-US" dirty="0"/>
-              <a:t>Based on</a:t>
+              <a:t>The histogram of oriented gradients (HOG) is a technique that counts occurrences of gradient orientation in localized portions of an image. Here we set cells=8 and orientation=9.</a:t>
             </a:r>
             <a:endParaRPr lang="en-US" sz="2400" dirty="0"/>
           </a:p>
@@ -5633,7 +5709,7 @@
         </p:nvSpPr>
         <p:spPr>
           <a:xfrm>
-            <a:off x="251879" y="2527450"/>
+            <a:off x="251879" y="2870350"/>
             <a:ext cx="395821" cy="395821"/>
           </a:xfrm>
           <a:prstGeom prst="ellipse">
@@ -5682,8 +5758,8 @@
         </p:nvSpPr>
         <p:spPr>
           <a:xfrm>
-            <a:off x="647700" y="2489350"/>
-            <a:ext cx="5943600" cy="738664"/>
+            <a:off x="647700" y="2832250"/>
+            <a:ext cx="11296650" cy="738664"/>
           </a:xfrm>
           <a:prstGeom prst="rect">
             <a:avLst/>
@@ -5702,16 +5778,14 @@
             </a:r>
             <a:r>
               <a:rPr lang="en-US" dirty="0"/>
-              <a:t>Based on</a:t>
-            </a:r>
-            <a:endParaRPr lang="en-US" sz="2400" dirty="0"/>
-          </a:p>
-          <a:p>
-            <a:pPr marL="285750" indent="-285750">
-              <a:buFont typeface="Arial" panose="020B0604020202020204" pitchFamily="34" charset="0"/>
-              <a:buChar char="•"/>
-            </a:pPr>
-            <a:endParaRPr lang="en-US" dirty="0"/>
+              <a:t>The HSV (Hue, Saturation, Value) representation models the way paints of different colors mix together.</a:t>
+            </a:r>
+          </a:p>
+          <a:p>
+            <a:r>
+              <a:rPr lang="en-US" dirty="0"/>
+              <a:t> </a:t>
+            </a:r>
           </a:p>
         </p:txBody>
       </p:sp>
@@ -5729,7 +5803,7 @@
         </p:nvSpPr>
         <p:spPr>
           <a:xfrm>
-            <a:off x="251879" y="3317064"/>
+            <a:off x="251879" y="3698064"/>
             <a:ext cx="395821" cy="395821"/>
           </a:xfrm>
           <a:prstGeom prst="ellipse">
@@ -5778,8 +5852,8 @@
         </p:nvSpPr>
         <p:spPr>
           <a:xfrm>
-            <a:off x="647700" y="3278964"/>
-            <a:ext cx="10858500" cy="1661993"/>
+            <a:off x="647700" y="3659964"/>
+            <a:ext cx="11296650" cy="1661993"/>
           </a:xfrm>
           <a:prstGeom prst="rect">
             <a:avLst/>
@@ -5813,6 +5887,81 @@
           </a:p>
         </p:txBody>
       </p:sp>
+      <p:cxnSp>
+        <p:nvCxnSpPr>
+          <p:cNvPr id="12" name="Straight Connector 11">
+            <a:extLst>
+              <a:ext uri="{FF2B5EF4-FFF2-40B4-BE49-F238E27FC236}">
+                <a16:creationId xmlns:a16="http://schemas.microsoft.com/office/drawing/2014/main" id="{1DAAEEE4-573F-43C3-822B-D581A798B411}"/>
+              </a:ext>
+            </a:extLst>
+          </p:cNvPr>
+          <p:cNvCxnSpPr>
+            <a:cxnSpLocks/>
+          </p:cNvCxnSpPr>
+          <p:nvPr/>
+        </p:nvCxnSpPr>
+        <p:spPr>
+          <a:xfrm>
+            <a:off x="0" y="723900"/>
+            <a:ext cx="12192000" cy="0"/>
+          </a:xfrm>
+          <a:prstGeom prst="line">
+            <a:avLst/>
+          </a:prstGeom>
+        </p:spPr>
+        <p:style>
+          <a:lnRef idx="1">
+            <a:schemeClr val="accent1"/>
+          </a:lnRef>
+          <a:fillRef idx="0">
+            <a:schemeClr val="accent1"/>
+          </a:fillRef>
+          <a:effectRef idx="0">
+            <a:schemeClr val="accent1"/>
+          </a:effectRef>
+          <a:fontRef idx="minor">
+            <a:schemeClr val="tx1"/>
+          </a:fontRef>
+        </p:style>
+      </p:cxnSp>
+      <p:pic>
+        <p:nvPicPr>
+          <p:cNvPr id="14" name="图片 2">
+            <a:extLst>
+              <a:ext uri="{FF2B5EF4-FFF2-40B4-BE49-F238E27FC236}">
+                <a16:creationId xmlns:a16="http://schemas.microsoft.com/office/drawing/2014/main" id="{F982B1F3-4876-40C7-91FA-722E5BC17C1A}"/>
+              </a:ext>
+            </a:extLst>
+          </p:cNvPr>
+          <p:cNvPicPr/>
+          <p:nvPr/>
+        </p:nvPicPr>
+        <p:blipFill rotWithShape="1">
+          <a:blip r:embed="rId2">
+            <a:extLst>
+              <a:ext uri="{28A0092B-C50C-407E-A947-70E740481C1C}">
+                <a14:useLocalDpi xmlns:a14="http://schemas.microsoft.com/office/drawing/2010/main" val="0"/>
+              </a:ext>
+            </a:extLst>
+          </a:blip>
+          <a:srcRect b="35751"/>
+          <a:stretch/>
+        </p:blipFill>
+        <p:spPr bwMode="auto">
+          <a:xfrm>
+            <a:off x="5972175" y="4605286"/>
+            <a:ext cx="5534025" cy="2108491"/>
+          </a:xfrm>
+          <a:prstGeom prst="rect">
+            <a:avLst/>
+          </a:prstGeom>
+          <a:noFill/>
+          <a:ln>
+            <a:noFill/>
+          </a:ln>
+        </p:spPr>
+      </p:pic>
     </p:spTree>
     <p:extLst>
       <p:ext uri="{BB962C8B-B14F-4D97-AF65-F5344CB8AC3E}">
@@ -5867,7 +6016,7 @@
           <a:p>
             <a:r>
               <a:rPr lang="en-US" sz="3200" dirty="0"/>
-              <a:t>4) What combination of features extraction and classification strategies work the best ?</a:t>
+              <a:t>5) What combination of features extraction and classification strategies work the best ?</a:t>
             </a:r>
           </a:p>
         </p:txBody>
@@ -6233,6 +6382,44 @@
           </a:p>
         </p:txBody>
       </p:sp>
+      <p:cxnSp>
+        <p:nvCxnSpPr>
+          <p:cNvPr id="10" name="Straight Connector 9">
+            <a:extLst>
+              <a:ext uri="{FF2B5EF4-FFF2-40B4-BE49-F238E27FC236}">
+                <a16:creationId xmlns:a16="http://schemas.microsoft.com/office/drawing/2014/main" id="{54CD431D-ABF6-4F51-83CE-5A774B908362}"/>
+              </a:ext>
+            </a:extLst>
+          </p:cNvPr>
+          <p:cNvCxnSpPr>
+            <a:cxnSpLocks/>
+          </p:cNvCxnSpPr>
+          <p:nvPr/>
+        </p:nvCxnSpPr>
+        <p:spPr>
+          <a:xfrm>
+            <a:off x="0" y="895350"/>
+            <a:ext cx="12192000" cy="0"/>
+          </a:xfrm>
+          <a:prstGeom prst="line">
+            <a:avLst/>
+          </a:prstGeom>
+        </p:spPr>
+        <p:style>
+          <a:lnRef idx="1">
+            <a:schemeClr val="accent1"/>
+          </a:lnRef>
+          <a:fillRef idx="0">
+            <a:schemeClr val="accent1"/>
+          </a:fillRef>
+          <a:effectRef idx="0">
+            <a:schemeClr val="accent1"/>
+          </a:effectRef>
+          <a:fontRef idx="minor">
+            <a:schemeClr val="tx1"/>
+          </a:fontRef>
+        </p:style>
+      </p:cxnSp>
     </p:spTree>
     <p:extLst>
       <p:ext uri="{BB962C8B-B14F-4D97-AF65-F5344CB8AC3E}">
@@ -6287,7 +6474,7 @@
           <a:p>
             <a:r>
               <a:rPr lang="en-US" sz="3200" dirty="0"/>
-              <a:t>5) Recommendation for a reproducible and portable classification engine: </a:t>
+              <a:t>6) Recommendation for a reproducible and portable classification engine: </a:t>
             </a:r>
           </a:p>
         </p:txBody>
@@ -6800,6 +6987,44 @@
           </a:prstGeom>
         </p:spPr>
       </p:pic>
+      <p:cxnSp>
+        <p:nvCxnSpPr>
+          <p:cNvPr id="19" name="Straight Connector 18">
+            <a:extLst>
+              <a:ext uri="{FF2B5EF4-FFF2-40B4-BE49-F238E27FC236}">
+                <a16:creationId xmlns:a16="http://schemas.microsoft.com/office/drawing/2014/main" id="{E41C5C64-88D9-4F5B-9112-C03BA4EAE66F}"/>
+              </a:ext>
+            </a:extLst>
+          </p:cNvPr>
+          <p:cNvCxnSpPr>
+            <a:cxnSpLocks/>
+          </p:cNvCxnSpPr>
+          <p:nvPr/>
+        </p:nvCxnSpPr>
+        <p:spPr>
+          <a:xfrm>
+            <a:off x="0" y="838200"/>
+            <a:ext cx="12192000" cy="0"/>
+          </a:xfrm>
+          <a:prstGeom prst="line">
+            <a:avLst/>
+          </a:prstGeom>
+        </p:spPr>
+        <p:style>
+          <a:lnRef idx="1">
+            <a:schemeClr val="accent1"/>
+          </a:lnRef>
+          <a:fillRef idx="0">
+            <a:schemeClr val="accent1"/>
+          </a:fillRef>
+          <a:effectRef idx="0">
+            <a:schemeClr val="accent1"/>
+          </a:effectRef>
+          <a:fontRef idx="minor">
+            <a:schemeClr val="tx1"/>
+          </a:fontRef>
+        </p:style>
+      </p:cxnSp>
     </p:spTree>
     <p:extLst>
       <p:ext uri="{BB962C8B-B14F-4D97-AF65-F5344CB8AC3E}">

--- a/doc/team7_presentation.pptx
+++ b/doc/team7_presentation.pptx
@@ -5682,7 +5682,7 @@
             </a:r>
             <a:r>
               <a:rPr lang="en-US" dirty="0"/>
-              <a:t>The histogram of oriented gradients (HOG) is a technique that counts occurrences of gradient orientation in localized portions of an image. Here we set cells=8 and orientation=9.</a:t>
+              <a:t>The histogram of oriented gradients (HOG) is a technique that counts occurrences of gradient orientation in localized portions of an image. Here we set cells=8 and orientation=9 and used R.</a:t>
             </a:r>
             <a:endParaRPr lang="en-US" sz="2400" dirty="0"/>
           </a:p>
@@ -5759,7 +5759,7 @@
         <p:spPr>
           <a:xfrm>
             <a:off x="647700" y="2832250"/>
-            <a:ext cx="11296650" cy="738664"/>
+            <a:ext cx="11296650" cy="1015663"/>
           </a:xfrm>
           <a:prstGeom prst="rect">
             <a:avLst/>
@@ -5778,7 +5778,39 @@
             </a:r>
             <a:r>
               <a:rPr lang="en-US" dirty="0"/>
-              <a:t>The HSV (Hue, Saturation, Value) representation models the way paints of different colors mix together.</a:t>
+              <a:t>The HSV (Hue, Saturation, Value) representation models the way paints of different colors mix together. Here </a:t>
+            </a:r>
+            <a:r>
+              <a:rPr lang="en-US" dirty="0" err="1"/>
+              <a:t>ze</a:t>
+            </a:r>
+            <a:r>
+              <a:rPr lang="en-US" dirty="0"/>
+              <a:t> used parameters: </a:t>
+            </a:r>
+            <a:r>
+              <a:rPr lang="en-US" dirty="0" err="1"/>
+              <a:t>nH</a:t>
+            </a:r>
+            <a:r>
+              <a:rPr lang="en-US" dirty="0"/>
+              <a:t>= 10, </a:t>
+            </a:r>
+            <a:r>
+              <a:rPr lang="en-US" dirty="0" err="1"/>
+              <a:t>nS</a:t>
+            </a:r>
+            <a:r>
+              <a:rPr lang="en-US" dirty="0"/>
+              <a:t>=6 and </a:t>
+            </a:r>
+            <a:r>
+              <a:rPr lang="en-US" dirty="0" err="1"/>
+              <a:t>nV</a:t>
+            </a:r>
+            <a:r>
+              <a:rPr lang="en-US" dirty="0"/>
+              <a:t>= 6 and used R.</a:t>
             </a:r>
           </a:p>
           <a:p>
@@ -5853,7 +5885,7 @@
         <p:spPr>
           <a:xfrm>
             <a:off x="647700" y="3659964"/>
-            <a:ext cx="11296650" cy="1661993"/>
+            <a:ext cx="11296650" cy="2215991"/>
           </a:xfrm>
           <a:prstGeom prst="rect">
             <a:avLst/>
@@ -5872,8 +5904,25 @@
             </a:r>
             <a:r>
               <a:rPr lang="en-US" dirty="0"/>
-              <a:t>We analyze the Red, Green and Blue components of the images. The blue component is a good differentiator between nuggets and dog, while the green component distinguishes muffin from nuggets and dog. This is a key point for extracting RGB features.</a:t>
-            </a:r>
+              <a:t>We analyze the Red, Green and Blue components of the images. The blue component is a good differentiator between nuggets and dog, while the green component distinguishes muffin from nuggets and dog. This is a key point for extracting RGB features. </a:t>
+            </a:r>
+          </a:p>
+          <a:p>
+            <a:r>
+              <a:rPr lang="en-US" dirty="0"/>
+              <a:t>We set red element to be 10, blue element to be 12,</a:t>
+            </a:r>
+          </a:p>
+          <a:p>
+            <a:r>
+              <a:rPr lang="en-US" dirty="0"/>
+              <a:t>and green element to </a:t>
+            </a:r>
+            <a:r>
+              <a:rPr lang="en-US"/>
+              <a:t>be 12 and used R.</a:t>
+            </a:r>
+            <a:endParaRPr lang="en-US" dirty="0"/>
           </a:p>
           <a:p>
             <a:endParaRPr lang="en-US" sz="2400" dirty="0"/>

--- a/doc/team7_presentation.pptx
+++ b/doc/team7_presentation.pptx
@@ -115,7 +115,7 @@
   </p:defaultTextStyle>
   <p:extLst>
     <p:ext uri="{EFAFB233-063F-42B5-8137-9DF3F51BA10A}">
-      <p15:sldGuideLst xmlns:p15="http://schemas.microsoft.com/office/powerpoint/2012/main"/>
+      <p15:sldGuideLst xmlns:p15="http://schemas.microsoft.com/office/powerpoint/2012/main" xmlns=""/>
     </p:ext>
   </p:extLst>
 </p:presentation>
@@ -231,7 +231,7 @@
           </a:ln>
           <a:extLst>
             <a:ext uri="{909E8E84-426E-40DD-AFC4-6F175D3DCCD1}">
-              <a14:hiddenFill xmlns:a14="http://schemas.microsoft.com/office/drawing/2010/main">
+              <a14:hiddenFill xmlns:a14="http://schemas.microsoft.com/office/drawing/2010/main" xmlns="">
                 <a:solidFill>
                   <a:srgbClr val="FFFFFF"/>
                 </a:solidFill>
@@ -511,7 +511,7 @@
     </p:spTree>
     <p:extLst>
       <p:ext uri="{BB962C8B-B14F-4D97-AF65-F5344CB8AC3E}">
-        <p14:creationId xmlns:p14="http://schemas.microsoft.com/office/powerpoint/2010/main" val="1911299918"/>
+        <p14:creationId xmlns:p14="http://schemas.microsoft.com/office/powerpoint/2010/main" xmlns="" val="1911299918"/>
       </p:ext>
     </p:extLst>
   </p:cSld>
@@ -652,6 +652,7 @@
           <a:p>
             <a:fld id="{784D0E34-2524-4EE5-9D39-68EB489638CE}" type="datetimeFigureOut">
               <a:rPr lang="en-US" smtClean="0"/>
+              <a:pPr/>
               <a:t>11/1/2017</a:t>
             </a:fld>
             <a:endParaRPr lang="en-US"/>
@@ -694,7 +695,8 @@
           <a:p>
             <a:fld id="{83B59F55-C583-4D3E-9B74-F55798A49C1B}" type="slidenum">
               <a:rPr lang="en-US" smtClean="0"/>
-              <a:t>‹#›</a:t>
+              <a:pPr/>
+              <a:t>‹N°›</a:t>
             </a:fld>
             <a:endParaRPr lang="en-US"/>
           </a:p>
@@ -703,7 +705,7 @@
     </p:spTree>
     <p:extLst>
       <p:ext uri="{BB962C8B-B14F-4D97-AF65-F5344CB8AC3E}">
-        <p14:creationId xmlns:p14="http://schemas.microsoft.com/office/powerpoint/2010/main" val="841604700"/>
+        <p14:creationId xmlns:p14="http://schemas.microsoft.com/office/powerpoint/2010/main" xmlns="" val="841604700"/>
       </p:ext>
     </p:extLst>
   </p:cSld>
@@ -822,6 +824,7 @@
           <a:p>
             <a:fld id="{784D0E34-2524-4EE5-9D39-68EB489638CE}" type="datetimeFigureOut">
               <a:rPr lang="en-US" smtClean="0"/>
+              <a:pPr/>
               <a:t>11/1/2017</a:t>
             </a:fld>
             <a:endParaRPr lang="en-US"/>
@@ -864,7 +867,8 @@
           <a:p>
             <a:fld id="{83B59F55-C583-4D3E-9B74-F55798A49C1B}" type="slidenum">
               <a:rPr lang="en-US" smtClean="0"/>
-              <a:t>‹#›</a:t>
+              <a:pPr/>
+              <a:t>‹N°›</a:t>
             </a:fld>
             <a:endParaRPr lang="en-US"/>
           </a:p>
@@ -873,7 +877,7 @@
     </p:spTree>
     <p:extLst>
       <p:ext uri="{BB962C8B-B14F-4D97-AF65-F5344CB8AC3E}">
-        <p14:creationId xmlns:p14="http://schemas.microsoft.com/office/powerpoint/2010/main" val="2497882174"/>
+        <p14:creationId xmlns:p14="http://schemas.microsoft.com/office/powerpoint/2010/main" xmlns="" val="2497882174"/>
       </p:ext>
     </p:extLst>
   </p:cSld>
@@ -1003,6 +1007,7 @@
           <a:p>
             <a:fld id="{784D0E34-2524-4EE5-9D39-68EB489638CE}" type="datetimeFigureOut">
               <a:rPr lang="en-US" smtClean="0"/>
+              <a:pPr/>
               <a:t>11/1/2017</a:t>
             </a:fld>
             <a:endParaRPr lang="en-US"/>
@@ -1045,7 +1050,8 @@
           <a:p>
             <a:fld id="{83B59F55-C583-4D3E-9B74-F55798A49C1B}" type="slidenum">
               <a:rPr lang="en-US" smtClean="0"/>
-              <a:t>‹#›</a:t>
+              <a:pPr/>
+              <a:t>‹N°›</a:t>
             </a:fld>
             <a:endParaRPr lang="en-US"/>
           </a:p>
@@ -1054,7 +1060,7 @@
     </p:spTree>
     <p:extLst>
       <p:ext uri="{BB962C8B-B14F-4D97-AF65-F5344CB8AC3E}">
-        <p14:creationId xmlns:p14="http://schemas.microsoft.com/office/powerpoint/2010/main" val="3411572607"/>
+        <p14:creationId xmlns:p14="http://schemas.microsoft.com/office/powerpoint/2010/main" xmlns="" val="3411572607"/>
       </p:ext>
     </p:extLst>
   </p:cSld>
@@ -1174,6 +1180,7 @@
           <a:p>
             <a:fld id="{784D0E34-2524-4EE5-9D39-68EB489638CE}" type="datetimeFigureOut">
               <a:rPr lang="en-US" smtClean="0"/>
+              <a:pPr/>
               <a:t>11/1/2017</a:t>
             </a:fld>
             <a:endParaRPr lang="en-US"/>
@@ -1216,7 +1223,8 @@
           <a:p>
             <a:fld id="{83B59F55-C583-4D3E-9B74-F55798A49C1B}" type="slidenum">
               <a:rPr lang="en-US" smtClean="0"/>
-              <a:t>‹#›</a:t>
+              <a:pPr/>
+              <a:t>‹N°›</a:t>
             </a:fld>
             <a:endParaRPr lang="en-US"/>
           </a:p>
@@ -1225,7 +1233,7 @@
     </p:spTree>
     <p:extLst>
       <p:ext uri="{BB962C8B-B14F-4D97-AF65-F5344CB8AC3E}">
-        <p14:creationId xmlns:p14="http://schemas.microsoft.com/office/powerpoint/2010/main" val="1359900143"/>
+        <p14:creationId xmlns:p14="http://schemas.microsoft.com/office/powerpoint/2010/main" xmlns="" val="1359900143"/>
       </p:ext>
     </p:extLst>
   </p:cSld>
@@ -1421,6 +1429,7 @@
           <a:p>
             <a:fld id="{784D0E34-2524-4EE5-9D39-68EB489638CE}" type="datetimeFigureOut">
               <a:rPr lang="en-US" smtClean="0"/>
+              <a:pPr/>
               <a:t>11/1/2017</a:t>
             </a:fld>
             <a:endParaRPr lang="en-US"/>
@@ -1463,7 +1472,8 @@
           <a:p>
             <a:fld id="{83B59F55-C583-4D3E-9B74-F55798A49C1B}" type="slidenum">
               <a:rPr lang="en-US" smtClean="0"/>
-              <a:t>‹#›</a:t>
+              <a:pPr/>
+              <a:t>‹N°›</a:t>
             </a:fld>
             <a:endParaRPr lang="en-US"/>
           </a:p>
@@ -1472,7 +1482,7 @@
     </p:spTree>
     <p:extLst>
       <p:ext uri="{BB962C8B-B14F-4D97-AF65-F5344CB8AC3E}">
-        <p14:creationId xmlns:p14="http://schemas.microsoft.com/office/powerpoint/2010/main" val="3171154954"/>
+        <p14:creationId xmlns:p14="http://schemas.microsoft.com/office/powerpoint/2010/main" xmlns="" val="3171154954"/>
       </p:ext>
     </p:extLst>
   </p:cSld>
@@ -1654,6 +1664,7 @@
           <a:p>
             <a:fld id="{784D0E34-2524-4EE5-9D39-68EB489638CE}" type="datetimeFigureOut">
               <a:rPr lang="en-US" smtClean="0"/>
+              <a:pPr/>
               <a:t>11/1/2017</a:t>
             </a:fld>
             <a:endParaRPr lang="en-US"/>
@@ -1696,7 +1707,8 @@
           <a:p>
             <a:fld id="{83B59F55-C583-4D3E-9B74-F55798A49C1B}" type="slidenum">
               <a:rPr lang="en-US" smtClean="0"/>
-              <a:t>‹#›</a:t>
+              <a:pPr/>
+              <a:t>‹N°›</a:t>
             </a:fld>
             <a:endParaRPr lang="en-US"/>
           </a:p>
@@ -1705,7 +1717,7 @@
     </p:spTree>
     <p:extLst>
       <p:ext uri="{BB962C8B-B14F-4D97-AF65-F5344CB8AC3E}">
-        <p14:creationId xmlns:p14="http://schemas.microsoft.com/office/powerpoint/2010/main" val="3384391812"/>
+        <p14:creationId xmlns:p14="http://schemas.microsoft.com/office/powerpoint/2010/main" xmlns="" val="3384391812"/>
       </p:ext>
     </p:extLst>
   </p:cSld>
@@ -2022,6 +2034,7 @@
           <a:p>
             <a:fld id="{784D0E34-2524-4EE5-9D39-68EB489638CE}" type="datetimeFigureOut">
               <a:rPr lang="en-US" smtClean="0"/>
+              <a:pPr/>
               <a:t>11/1/2017</a:t>
             </a:fld>
             <a:endParaRPr lang="en-US"/>
@@ -2064,7 +2077,8 @@
           <a:p>
             <a:fld id="{83B59F55-C583-4D3E-9B74-F55798A49C1B}" type="slidenum">
               <a:rPr lang="en-US" smtClean="0"/>
-              <a:t>‹#›</a:t>
+              <a:pPr/>
+              <a:t>‹N°›</a:t>
             </a:fld>
             <a:endParaRPr lang="en-US"/>
           </a:p>
@@ -2073,7 +2087,7 @@
     </p:spTree>
     <p:extLst>
       <p:ext uri="{BB962C8B-B14F-4D97-AF65-F5344CB8AC3E}">
-        <p14:creationId xmlns:p14="http://schemas.microsoft.com/office/powerpoint/2010/main" val="3071058096"/>
+        <p14:creationId xmlns:p14="http://schemas.microsoft.com/office/powerpoint/2010/main" xmlns="" val="3071058096"/>
       </p:ext>
     </p:extLst>
   </p:cSld>
@@ -2141,6 +2155,7 @@
           <a:p>
             <a:fld id="{784D0E34-2524-4EE5-9D39-68EB489638CE}" type="datetimeFigureOut">
               <a:rPr lang="en-US" smtClean="0"/>
+              <a:pPr/>
               <a:t>11/1/2017</a:t>
             </a:fld>
             <a:endParaRPr lang="en-US"/>
@@ -2183,7 +2198,8 @@
           <a:p>
             <a:fld id="{83B59F55-C583-4D3E-9B74-F55798A49C1B}" type="slidenum">
               <a:rPr lang="en-US" smtClean="0"/>
-              <a:t>‹#›</a:t>
+              <a:pPr/>
+              <a:t>‹N°›</a:t>
             </a:fld>
             <a:endParaRPr lang="en-US"/>
           </a:p>
@@ -2192,7 +2208,7 @@
     </p:spTree>
     <p:extLst>
       <p:ext uri="{BB962C8B-B14F-4D97-AF65-F5344CB8AC3E}">
-        <p14:creationId xmlns:p14="http://schemas.microsoft.com/office/powerpoint/2010/main" val="2241383882"/>
+        <p14:creationId xmlns:p14="http://schemas.microsoft.com/office/powerpoint/2010/main" xmlns="" val="2241383882"/>
       </p:ext>
     </p:extLst>
   </p:cSld>
@@ -2237,6 +2253,7 @@
           <a:p>
             <a:fld id="{784D0E34-2524-4EE5-9D39-68EB489638CE}" type="datetimeFigureOut">
               <a:rPr lang="en-US" smtClean="0"/>
+              <a:pPr/>
               <a:t>11/1/2017</a:t>
             </a:fld>
             <a:endParaRPr lang="en-US"/>
@@ -2279,7 +2296,8 @@
           <a:p>
             <a:fld id="{83B59F55-C583-4D3E-9B74-F55798A49C1B}" type="slidenum">
               <a:rPr lang="en-US" smtClean="0"/>
-              <a:t>‹#›</a:t>
+              <a:pPr/>
+              <a:t>‹N°›</a:t>
             </a:fld>
             <a:endParaRPr lang="en-US"/>
           </a:p>
@@ -2288,7 +2306,7 @@
     </p:spTree>
     <p:extLst>
       <p:ext uri="{BB962C8B-B14F-4D97-AF65-F5344CB8AC3E}">
-        <p14:creationId xmlns:p14="http://schemas.microsoft.com/office/powerpoint/2010/main" val="4096830066"/>
+        <p14:creationId xmlns:p14="http://schemas.microsoft.com/office/powerpoint/2010/main" xmlns="" val="4096830066"/>
       </p:ext>
     </p:extLst>
   </p:cSld>
@@ -2515,6 +2533,7 @@
           <a:p>
             <a:fld id="{784D0E34-2524-4EE5-9D39-68EB489638CE}" type="datetimeFigureOut">
               <a:rPr lang="en-US" smtClean="0"/>
+              <a:pPr/>
               <a:t>11/1/2017</a:t>
             </a:fld>
             <a:endParaRPr lang="en-US"/>
@@ -2557,7 +2576,8 @@
           <a:p>
             <a:fld id="{83B59F55-C583-4D3E-9B74-F55798A49C1B}" type="slidenum">
               <a:rPr lang="en-US" smtClean="0"/>
-              <a:t>‹#›</a:t>
+              <a:pPr/>
+              <a:t>‹N°›</a:t>
             </a:fld>
             <a:endParaRPr lang="en-US"/>
           </a:p>
@@ -2566,7 +2586,7 @@
     </p:spTree>
     <p:extLst>
       <p:ext uri="{BB962C8B-B14F-4D97-AF65-F5344CB8AC3E}">
-        <p14:creationId xmlns:p14="http://schemas.microsoft.com/office/powerpoint/2010/main" val="2789376059"/>
+        <p14:creationId xmlns:p14="http://schemas.microsoft.com/office/powerpoint/2010/main" xmlns="" val="2789376059"/>
       </p:ext>
     </p:extLst>
   </p:cSld>
@@ -2773,6 +2793,7 @@
           <a:p>
             <a:fld id="{784D0E34-2524-4EE5-9D39-68EB489638CE}" type="datetimeFigureOut">
               <a:rPr lang="en-US" smtClean="0"/>
+              <a:pPr/>
               <a:t>11/1/2017</a:t>
             </a:fld>
             <a:endParaRPr lang="en-US"/>
@@ -2815,7 +2836,8 @@
           <a:p>
             <a:fld id="{83B59F55-C583-4D3E-9B74-F55798A49C1B}" type="slidenum">
               <a:rPr lang="en-US" smtClean="0"/>
-              <a:t>‹#›</a:t>
+              <a:pPr/>
+              <a:t>‹N°›</a:t>
             </a:fld>
             <a:endParaRPr lang="en-US"/>
           </a:p>
@@ -2824,7 +2846,7 @@
     </p:spTree>
     <p:extLst>
       <p:ext uri="{BB962C8B-B14F-4D97-AF65-F5344CB8AC3E}">
-        <p14:creationId xmlns:p14="http://schemas.microsoft.com/office/powerpoint/2010/main" val="429683682"/>
+        <p14:creationId xmlns:p14="http://schemas.microsoft.com/office/powerpoint/2010/main" xmlns="" val="429683682"/>
       </p:ext>
     </p:extLst>
   </p:cSld>
@@ -2987,6 +3009,7 @@
           <a:p>
             <a:fld id="{784D0E34-2524-4EE5-9D39-68EB489638CE}" type="datetimeFigureOut">
               <a:rPr lang="en-US" smtClean="0"/>
+              <a:pPr/>
               <a:t>11/1/2017</a:t>
             </a:fld>
             <a:endParaRPr lang="en-US"/>
@@ -3065,7 +3088,8 @@
           <a:p>
             <a:fld id="{83B59F55-C583-4D3E-9B74-F55798A49C1B}" type="slidenum">
               <a:rPr lang="en-US" smtClean="0"/>
-              <a:t>‹#›</a:t>
+              <a:pPr/>
+              <a:t>‹N°›</a:t>
             </a:fld>
             <a:endParaRPr lang="en-US"/>
           </a:p>
@@ -3074,7 +3098,7 @@
     </p:spTree>
     <p:extLst>
       <p:ext uri="{BB962C8B-B14F-4D97-AF65-F5344CB8AC3E}">
-        <p14:creationId xmlns:p14="http://schemas.microsoft.com/office/powerpoint/2010/main" val="185827410"/>
+        <p14:creationId xmlns:p14="http://schemas.microsoft.com/office/powerpoint/2010/main" xmlns="" val="185827410"/>
       </p:ext>
     </p:extLst>
   </p:cSld>
@@ -3415,12 +3439,20 @@
           </a:bodyPr>
           <a:lstStyle/>
           <a:p>
+            <a:r>
+              <a:rPr lang="en-US" b="1" dirty="0"/>
+              <a:t/>
+            </a:r>
             <a:br>
               <a:rPr lang="en-US" b="1" dirty="0"/>
             </a:br>
             <a:r>
               <a:rPr lang="en-US" sz="4000" b="1" dirty="0"/>
               <a:t>Selection of the best predictive model to classify dogs, fried chicken and blueberry muffins</a:t>
+            </a:r>
+            <a:r>
+              <a:rPr lang="en-US" b="1" dirty="0"/>
+              <a:t/>
             </a:r>
             <a:br>
               <a:rPr lang="en-US" b="1" dirty="0"/>
@@ -3497,7 +3529,7 @@
           <a:blip r:embed="rId2">
             <a:extLst>
               <a:ext uri="{28A0092B-C50C-407E-A947-70E740481C1C}">
-                <a14:useLocalDpi xmlns:a14="http://schemas.microsoft.com/office/drawing/2010/main" val="0"/>
+                <a14:useLocalDpi xmlns:a14="http://schemas.microsoft.com/office/drawing/2010/main" xmlns="" val="0"/>
               </a:ext>
             </a:extLst>
           </a:blip>
@@ -3657,7 +3689,7 @@
     </p:spTree>
     <p:extLst>
       <p:ext uri="{BB962C8B-B14F-4D97-AF65-F5344CB8AC3E}">
-        <p14:creationId xmlns:p14="http://schemas.microsoft.com/office/powerpoint/2010/main" val="993845939"/>
+        <p14:creationId xmlns:p14="http://schemas.microsoft.com/office/powerpoint/2010/main" xmlns="" val="993845939"/>
       </p:ext>
     </p:extLst>
   </p:cSld>
@@ -3977,7 +4009,7 @@
           <a:blip r:embed="rId2">
             <a:extLst>
               <a:ext uri="{28A0092B-C50C-407E-A947-70E740481C1C}">
-                <a14:useLocalDpi xmlns:a14="http://schemas.microsoft.com/office/drawing/2010/main" val="0"/>
+                <a14:useLocalDpi xmlns:a14="http://schemas.microsoft.com/office/drawing/2010/main" xmlns="" val="0"/>
               </a:ext>
             </a:extLst>
           </a:blip>
@@ -4035,7 +4067,7 @@
           <p:cNvPr id="9" name="Straight Connector 8">
             <a:extLst>
               <a:ext uri="{FF2B5EF4-FFF2-40B4-BE49-F238E27FC236}">
-                <a16:creationId xmlns:a16="http://schemas.microsoft.com/office/drawing/2014/main" id="{13450948-0837-4FB7-BA57-0F51EF5F0702}"/>
+                <a16:creationId xmlns:a16="http://schemas.microsoft.com/office/drawing/2014/main" xmlns="" id="{13450948-0837-4FB7-BA57-0F51EF5F0702}"/>
               </a:ext>
             </a:extLst>
           </p:cNvPr>
@@ -4071,7 +4103,7 @@
     </p:spTree>
     <p:extLst>
       <p:ext uri="{BB962C8B-B14F-4D97-AF65-F5344CB8AC3E}">
-        <p14:creationId xmlns:p14="http://schemas.microsoft.com/office/powerpoint/2010/main" val="4269831375"/>
+        <p14:creationId xmlns:p14="http://schemas.microsoft.com/office/powerpoint/2010/main" xmlns="" val="4269831375"/>
       </p:ext>
     </p:extLst>
   </p:cSld>
@@ -4194,7 +4226,7 @@
           <p:cNvPr id="5" name="Picture 4">
             <a:extLst>
               <a:ext uri="{FF2B5EF4-FFF2-40B4-BE49-F238E27FC236}">
-                <a16:creationId xmlns:a16="http://schemas.microsoft.com/office/drawing/2014/main" id="{CF76EA7F-8784-471D-A9F6-89489EB2847A}"/>
+                <a16:creationId xmlns:a16="http://schemas.microsoft.com/office/drawing/2014/main" xmlns="" id="{CF76EA7F-8784-471D-A9F6-89489EB2847A}"/>
               </a:ext>
             </a:extLst>
           </p:cNvPr>
@@ -4223,7 +4255,7 @@
           <p:cNvPr id="6" name="Group 5">
             <a:extLst>
               <a:ext uri="{FF2B5EF4-FFF2-40B4-BE49-F238E27FC236}">
-                <a16:creationId xmlns:a16="http://schemas.microsoft.com/office/drawing/2014/main" id="{5F5AB41A-A0D7-4C27-AE29-7D1B9D690D66}"/>
+                <a16:creationId xmlns:a16="http://schemas.microsoft.com/office/drawing/2014/main" xmlns="" id="{5F5AB41A-A0D7-4C27-AE29-7D1B9D690D66}"/>
               </a:ext>
             </a:extLst>
           </p:cNvPr>
@@ -4243,7 +4275,7 @@
             <p:cNvPr id="7" name="Group 6">
               <a:extLst>
                 <a:ext uri="{FF2B5EF4-FFF2-40B4-BE49-F238E27FC236}">
-                  <a16:creationId xmlns:a16="http://schemas.microsoft.com/office/drawing/2014/main" id="{1C2A98B6-97FC-4CBB-843D-AB5677D7126A}"/>
+                  <a16:creationId xmlns:a16="http://schemas.microsoft.com/office/drawing/2014/main" xmlns="" id="{1C2A98B6-97FC-4CBB-843D-AB5677D7126A}"/>
                 </a:ext>
               </a:extLst>
             </p:cNvPr>
@@ -4263,7 +4295,7 @@
               <p:cNvPr id="9" name="Rounded Rectangle 5">
                 <a:extLst>
                   <a:ext uri="{FF2B5EF4-FFF2-40B4-BE49-F238E27FC236}">
-                    <a16:creationId xmlns:a16="http://schemas.microsoft.com/office/drawing/2014/main" id="{01E2059C-F649-4826-A1B9-307ECB84FA13}"/>
+                    <a16:creationId xmlns:a16="http://schemas.microsoft.com/office/drawing/2014/main" xmlns="" id="{01E2059C-F649-4826-A1B9-307ECB84FA13}"/>
                   </a:ext>
                 </a:extLst>
               </p:cNvPr>
@@ -4340,7 +4372,7 @@
               <p:cNvPr id="10" name="Rounded Rectangle 4">
                 <a:extLst>
                   <a:ext uri="{FF2B5EF4-FFF2-40B4-BE49-F238E27FC236}">
-                    <a16:creationId xmlns:a16="http://schemas.microsoft.com/office/drawing/2014/main" id="{2A41193E-045F-4BA1-BC0B-20B9B140C54F}"/>
+                    <a16:creationId xmlns:a16="http://schemas.microsoft.com/office/drawing/2014/main" xmlns="" id="{2A41193E-045F-4BA1-BC0B-20B9B140C54F}"/>
                   </a:ext>
                 </a:extLst>
               </p:cNvPr>
@@ -4390,7 +4422,7 @@
             <p:cNvPr id="8" name="Rectangle 7">
               <a:extLst>
                 <a:ext uri="{FF2B5EF4-FFF2-40B4-BE49-F238E27FC236}">
-                  <a16:creationId xmlns:a16="http://schemas.microsoft.com/office/drawing/2014/main" id="{A68F207E-B64B-46F2-A7FB-09A52DFB6128}"/>
+                  <a16:creationId xmlns:a16="http://schemas.microsoft.com/office/drawing/2014/main" xmlns="" id="{A68F207E-B64B-46F2-A7FB-09A52DFB6128}"/>
                 </a:ext>
               </a:extLst>
             </p:cNvPr>
@@ -4520,8 +4552,17 @@
               </a:r>
               <a:r>
                 <a:rPr lang="en-US" b="1" dirty="0"/>
-                <a:t>running time of 401.7s</a:t>
+                <a:t>running time of </a:t>
               </a:r>
+              <a:r>
+                <a:rPr lang="en-US" b="1" dirty="0" smtClean="0"/>
+                <a:t>401.7s </a:t>
+              </a:r>
+              <a:r>
+                <a:rPr lang="en-US" dirty="0" smtClean="0"/>
+                <a:t>on the test set.</a:t>
+              </a:r>
+              <a:endParaRPr lang="en-US" dirty="0"/>
             </a:p>
             <a:p>
               <a:endParaRPr lang="en-US" b="1" dirty="0"/>
@@ -4537,7 +4578,7 @@
           <p:cNvPr id="12" name="Oval 11">
             <a:extLst>
               <a:ext uri="{FF2B5EF4-FFF2-40B4-BE49-F238E27FC236}">
-                <a16:creationId xmlns:a16="http://schemas.microsoft.com/office/drawing/2014/main" id="{77197AFC-7272-4CE3-85A8-F5FAC59EF680}"/>
+                <a16:creationId xmlns:a16="http://schemas.microsoft.com/office/drawing/2014/main" xmlns="" id="{77197AFC-7272-4CE3-85A8-F5FAC59EF680}"/>
               </a:ext>
             </a:extLst>
           </p:cNvPr>
@@ -4586,7 +4627,7 @@
           <p:cNvPr id="13" name="TextBox 12">
             <a:extLst>
               <a:ext uri="{FF2B5EF4-FFF2-40B4-BE49-F238E27FC236}">
-                <a16:creationId xmlns:a16="http://schemas.microsoft.com/office/drawing/2014/main" id="{79DE3308-85F2-4601-A0E3-51E16CAF358D}"/>
+                <a16:creationId xmlns:a16="http://schemas.microsoft.com/office/drawing/2014/main" xmlns="" id="{79DE3308-85F2-4601-A0E3-51E16CAF358D}"/>
               </a:ext>
             </a:extLst>
           </p:cNvPr>
@@ -4641,7 +4682,7 @@
           <p:cNvPr id="14" name="Oval 13">
             <a:extLst>
               <a:ext uri="{FF2B5EF4-FFF2-40B4-BE49-F238E27FC236}">
-                <a16:creationId xmlns:a16="http://schemas.microsoft.com/office/drawing/2014/main" id="{158F667E-61E8-43F7-A0A9-2629E385768C}"/>
+                <a16:creationId xmlns:a16="http://schemas.microsoft.com/office/drawing/2014/main" xmlns="" id="{158F667E-61E8-43F7-A0A9-2629E385768C}"/>
               </a:ext>
             </a:extLst>
           </p:cNvPr>
@@ -4690,7 +4731,7 @@
           <p:cNvPr id="15" name="TextBox 14">
             <a:extLst>
               <a:ext uri="{FF2B5EF4-FFF2-40B4-BE49-F238E27FC236}">
-                <a16:creationId xmlns:a16="http://schemas.microsoft.com/office/drawing/2014/main" id="{9682F5B2-35A3-42E8-9CDE-36F6315EFF36}"/>
+                <a16:creationId xmlns:a16="http://schemas.microsoft.com/office/drawing/2014/main" xmlns="" id="{9682F5B2-35A3-42E8-9CDE-36F6315EFF36}"/>
               </a:ext>
             </a:extLst>
           </p:cNvPr>
@@ -4725,7 +4766,7 @@
           <p:cNvPr id="17" name="Straight Connector 16">
             <a:extLst>
               <a:ext uri="{FF2B5EF4-FFF2-40B4-BE49-F238E27FC236}">
-                <a16:creationId xmlns:a16="http://schemas.microsoft.com/office/drawing/2014/main" id="{CE05F839-3054-43DF-8810-8EA6BE360703}"/>
+                <a16:creationId xmlns:a16="http://schemas.microsoft.com/office/drawing/2014/main" xmlns="" id="{CE05F839-3054-43DF-8810-8EA6BE360703}"/>
               </a:ext>
             </a:extLst>
           </p:cNvPr>
@@ -4761,7 +4802,7 @@
     </p:spTree>
     <p:extLst>
       <p:ext uri="{BB962C8B-B14F-4D97-AF65-F5344CB8AC3E}">
-        <p14:creationId xmlns:p14="http://schemas.microsoft.com/office/powerpoint/2010/main" val="1321281100"/>
+        <p14:creationId xmlns:p14="http://schemas.microsoft.com/office/powerpoint/2010/main" xmlns="" val="1321281100"/>
       </p:ext>
     </p:extLst>
   </p:cSld>
@@ -4822,7 +4863,7 @@
           <p:cNvPr id="19" name="Group 18">
             <a:extLst>
               <a:ext uri="{FF2B5EF4-FFF2-40B4-BE49-F238E27FC236}">
-                <a16:creationId xmlns:a16="http://schemas.microsoft.com/office/drawing/2014/main" id="{B1363286-2C78-4B3B-9BD7-520C71407EFF}"/>
+                <a16:creationId xmlns:a16="http://schemas.microsoft.com/office/drawing/2014/main" xmlns="" id="{B1363286-2C78-4B3B-9BD7-520C71407EFF}"/>
               </a:ext>
             </a:extLst>
           </p:cNvPr>
@@ -4842,7 +4883,7 @@
             <p:cNvPr id="6" name="Picture 5">
               <a:extLst>
                 <a:ext uri="{FF2B5EF4-FFF2-40B4-BE49-F238E27FC236}">
-                  <a16:creationId xmlns:a16="http://schemas.microsoft.com/office/drawing/2014/main" id="{A7ADFC44-E490-43A9-82B7-8787BD97D692}"/>
+                  <a16:creationId xmlns:a16="http://schemas.microsoft.com/office/drawing/2014/main" xmlns="" id="{A7ADFC44-E490-43A9-82B7-8787BD97D692}"/>
                 </a:ext>
               </a:extLst>
             </p:cNvPr>
@@ -4885,7 +4926,7 @@
             <p:cNvPr id="7" name="Rectangle: Rounded Corners 6">
               <a:extLst>
                 <a:ext uri="{FF2B5EF4-FFF2-40B4-BE49-F238E27FC236}">
-                  <a16:creationId xmlns:a16="http://schemas.microsoft.com/office/drawing/2014/main" id="{36571A63-085D-4C75-A497-4F48FCC5A280}"/>
+                  <a16:creationId xmlns:a16="http://schemas.microsoft.com/office/drawing/2014/main" xmlns="" id="{36571A63-085D-4C75-A497-4F48FCC5A280}"/>
                 </a:ext>
               </a:extLst>
             </p:cNvPr>
@@ -4940,7 +4981,7 @@
           <p:cNvPr id="13" name="Group 12">
             <a:extLst>
               <a:ext uri="{FF2B5EF4-FFF2-40B4-BE49-F238E27FC236}">
-                <a16:creationId xmlns:a16="http://schemas.microsoft.com/office/drawing/2014/main" id="{C1C06428-913C-49BA-A560-F28B608079D1}"/>
+                <a16:creationId xmlns:a16="http://schemas.microsoft.com/office/drawing/2014/main" xmlns="" id="{C1C06428-913C-49BA-A560-F28B608079D1}"/>
               </a:ext>
             </a:extLst>
           </p:cNvPr>
@@ -4960,7 +5001,7 @@
             <p:cNvPr id="9" name="Group 8">
               <a:extLst>
                 <a:ext uri="{FF2B5EF4-FFF2-40B4-BE49-F238E27FC236}">
-                  <a16:creationId xmlns:a16="http://schemas.microsoft.com/office/drawing/2014/main" id="{ADD74108-4444-41F8-A704-0CC219A669FD}"/>
+                  <a16:creationId xmlns:a16="http://schemas.microsoft.com/office/drawing/2014/main" xmlns="" id="{ADD74108-4444-41F8-A704-0CC219A669FD}"/>
                 </a:ext>
               </a:extLst>
             </p:cNvPr>
@@ -4980,7 +5021,7 @@
               <p:cNvPr id="10" name="Rounded Rectangle 5">
                 <a:extLst>
                   <a:ext uri="{FF2B5EF4-FFF2-40B4-BE49-F238E27FC236}">
-                    <a16:creationId xmlns:a16="http://schemas.microsoft.com/office/drawing/2014/main" id="{ED448CD9-4FCA-4AB5-8878-3755C387E008}"/>
+                    <a16:creationId xmlns:a16="http://schemas.microsoft.com/office/drawing/2014/main" xmlns="" id="{ED448CD9-4FCA-4AB5-8878-3755C387E008}"/>
                   </a:ext>
                 </a:extLst>
               </p:cNvPr>
@@ -5057,7 +5098,7 @@
               <p:cNvPr id="11" name="Rounded Rectangle 4">
                 <a:extLst>
                   <a:ext uri="{FF2B5EF4-FFF2-40B4-BE49-F238E27FC236}">
-                    <a16:creationId xmlns:a16="http://schemas.microsoft.com/office/drawing/2014/main" id="{6E02B966-414F-455D-AD90-2C816E0EE993}"/>
+                    <a16:creationId xmlns:a16="http://schemas.microsoft.com/office/drawing/2014/main" xmlns="" id="{6E02B966-414F-455D-AD90-2C816E0EE993}"/>
                   </a:ext>
                 </a:extLst>
               </p:cNvPr>
@@ -5107,7 +5148,7 @@
             <p:cNvPr id="12" name="Rectangle 11">
               <a:extLst>
                 <a:ext uri="{FF2B5EF4-FFF2-40B4-BE49-F238E27FC236}">
-                  <a16:creationId xmlns:a16="http://schemas.microsoft.com/office/drawing/2014/main" id="{371271CF-D8DE-4786-A588-58F9826266B0}"/>
+                  <a16:creationId xmlns:a16="http://schemas.microsoft.com/office/drawing/2014/main" xmlns="" id="{371271CF-D8DE-4786-A588-58F9826266B0}"/>
                 </a:ext>
               </a:extLst>
             </p:cNvPr>
@@ -5172,7 +5213,7 @@
           <p:cNvPr id="20" name="Rectangle: Rounded Corners 19">
             <a:extLst>
               <a:ext uri="{FF2B5EF4-FFF2-40B4-BE49-F238E27FC236}">
-                <a16:creationId xmlns:a16="http://schemas.microsoft.com/office/drawing/2014/main" id="{516B0DDA-E78C-4606-9563-AA3495159122}"/>
+                <a16:creationId xmlns:a16="http://schemas.microsoft.com/office/drawing/2014/main" xmlns="" id="{516B0DDA-E78C-4606-9563-AA3495159122}"/>
               </a:ext>
             </a:extLst>
           </p:cNvPr>
@@ -5230,7 +5271,7 @@
           <p:cNvPr id="21" name="Rectangle 20">
             <a:extLst>
               <a:ext uri="{FF2B5EF4-FFF2-40B4-BE49-F238E27FC236}">
-                <a16:creationId xmlns:a16="http://schemas.microsoft.com/office/drawing/2014/main" id="{A3E4C4AF-7B2B-4434-8B12-C88F46710186}"/>
+                <a16:creationId xmlns:a16="http://schemas.microsoft.com/office/drawing/2014/main" xmlns="" id="{A3E4C4AF-7B2B-4434-8B12-C88F46710186}"/>
               </a:ext>
             </a:extLst>
           </p:cNvPr>
@@ -5403,7 +5444,7 @@
           <p:cNvPr id="22" name="Straight Connector 21">
             <a:extLst>
               <a:ext uri="{FF2B5EF4-FFF2-40B4-BE49-F238E27FC236}">
-                <a16:creationId xmlns:a16="http://schemas.microsoft.com/office/drawing/2014/main" id="{FA7893D9-493F-4F7A-8DD6-E6101503DAE4}"/>
+                <a16:creationId xmlns:a16="http://schemas.microsoft.com/office/drawing/2014/main" xmlns="" id="{FA7893D9-493F-4F7A-8DD6-E6101503DAE4}"/>
               </a:ext>
             </a:extLst>
           </p:cNvPr>
@@ -5439,7 +5480,7 @@
     </p:spTree>
     <p:extLst>
       <p:ext uri="{BB962C8B-B14F-4D97-AF65-F5344CB8AC3E}">
-        <p14:creationId xmlns:p14="http://schemas.microsoft.com/office/powerpoint/2010/main" val="1189532912"/>
+        <p14:creationId xmlns:p14="http://schemas.microsoft.com/office/powerpoint/2010/main" xmlns="" val="1189532912"/>
       </p:ext>
     </p:extLst>
   </p:cSld>
@@ -5500,7 +5541,7 @@
           <p:cNvPr id="4" name="Oval 3">
             <a:extLst>
               <a:ext uri="{FF2B5EF4-FFF2-40B4-BE49-F238E27FC236}">
-                <a16:creationId xmlns:a16="http://schemas.microsoft.com/office/drawing/2014/main" id="{9E5146BC-1E0D-4BFC-8AC5-7782810E4DBE}"/>
+                <a16:creationId xmlns:a16="http://schemas.microsoft.com/office/drawing/2014/main" xmlns="" id="{9E5146BC-1E0D-4BFC-8AC5-7782810E4DBE}"/>
               </a:ext>
             </a:extLst>
           </p:cNvPr>
@@ -5549,7 +5590,7 @@
           <p:cNvPr id="5" name="TextBox 4">
             <a:extLst>
               <a:ext uri="{FF2B5EF4-FFF2-40B4-BE49-F238E27FC236}">
-                <a16:creationId xmlns:a16="http://schemas.microsoft.com/office/drawing/2014/main" id="{BAF9FAF1-8D3B-45DB-A69C-2D7941D84568}"/>
+                <a16:creationId xmlns:a16="http://schemas.microsoft.com/office/drawing/2014/main" xmlns="" id="{BAF9FAF1-8D3B-45DB-A69C-2D7941D84568}"/>
               </a:ext>
             </a:extLst>
           </p:cNvPr>
@@ -5604,7 +5645,7 @@
           <p:cNvPr id="6" name="Oval 5">
             <a:extLst>
               <a:ext uri="{FF2B5EF4-FFF2-40B4-BE49-F238E27FC236}">
-                <a16:creationId xmlns:a16="http://schemas.microsoft.com/office/drawing/2014/main" id="{68F854CC-D204-441B-ABC7-44E12D33FA53}"/>
+                <a16:creationId xmlns:a16="http://schemas.microsoft.com/office/drawing/2014/main" xmlns="" id="{68F854CC-D204-441B-ABC7-44E12D33FA53}"/>
               </a:ext>
             </a:extLst>
           </p:cNvPr>
@@ -5653,7 +5694,7 @@
           <p:cNvPr id="7" name="TextBox 6">
             <a:extLst>
               <a:ext uri="{FF2B5EF4-FFF2-40B4-BE49-F238E27FC236}">
-                <a16:creationId xmlns:a16="http://schemas.microsoft.com/office/drawing/2014/main" id="{0D413C2D-B0D1-49F5-AE47-2DACE51E8B8A}"/>
+                <a16:creationId xmlns:a16="http://schemas.microsoft.com/office/drawing/2014/main" xmlns="" id="{0D413C2D-B0D1-49F5-AE47-2DACE51E8B8A}"/>
               </a:ext>
             </a:extLst>
           </p:cNvPr>
@@ -5700,7 +5741,7 @@
           <p:cNvPr id="8" name="Oval 7">
             <a:extLst>
               <a:ext uri="{FF2B5EF4-FFF2-40B4-BE49-F238E27FC236}">
-                <a16:creationId xmlns:a16="http://schemas.microsoft.com/office/drawing/2014/main" id="{E347AD12-6476-4502-B518-238FE4A1D6B8}"/>
+                <a16:creationId xmlns:a16="http://schemas.microsoft.com/office/drawing/2014/main" xmlns="" id="{E347AD12-6476-4502-B518-238FE4A1D6B8}"/>
               </a:ext>
             </a:extLst>
           </p:cNvPr>
@@ -5749,7 +5790,7 @@
           <p:cNvPr id="9" name="TextBox 8">
             <a:extLst>
               <a:ext uri="{FF2B5EF4-FFF2-40B4-BE49-F238E27FC236}">
-                <a16:creationId xmlns:a16="http://schemas.microsoft.com/office/drawing/2014/main" id="{DF3AE0A2-CD7D-404E-ACA4-AD83DCF31BC8}"/>
+                <a16:creationId xmlns:a16="http://schemas.microsoft.com/office/drawing/2014/main" xmlns="" id="{DF3AE0A2-CD7D-404E-ACA4-AD83DCF31BC8}"/>
               </a:ext>
             </a:extLst>
           </p:cNvPr>
@@ -5781,12 +5822,16 @@
               <a:t>The HSV (Hue, Saturation, Value) representation models the way paints of different colors mix together. Here </a:t>
             </a:r>
             <a:r>
-              <a:rPr lang="en-US" dirty="0" err="1"/>
-              <a:t>ze</a:t>
-            </a:r>
-            <a:r>
               <a:rPr lang="en-US" dirty="0"/>
-              <a:t> used parameters: </a:t>
+              <a:t>w</a:t>
+            </a:r>
+            <a:r>
+              <a:rPr lang="en-US" dirty="0" smtClean="0"/>
+              <a:t>e </a:t>
+            </a:r>
+            <a:r>
+              <a:rPr lang="en-US" dirty="0"/>
+              <a:t>used parameters: </a:t>
             </a:r>
             <a:r>
               <a:rPr lang="en-US" dirty="0" err="1"/>
@@ -5826,7 +5871,7 @@
           <p:cNvPr id="10" name="Oval 9">
             <a:extLst>
               <a:ext uri="{FF2B5EF4-FFF2-40B4-BE49-F238E27FC236}">
-                <a16:creationId xmlns:a16="http://schemas.microsoft.com/office/drawing/2014/main" id="{A69C9D78-5E73-4AE3-88AE-DF7EF85A65A7}"/>
+                <a16:creationId xmlns:a16="http://schemas.microsoft.com/office/drawing/2014/main" xmlns="" id="{A69C9D78-5E73-4AE3-88AE-DF7EF85A65A7}"/>
               </a:ext>
             </a:extLst>
           </p:cNvPr>
@@ -5875,7 +5920,7 @@
           <p:cNvPr id="11" name="TextBox 10">
             <a:extLst>
               <a:ext uri="{FF2B5EF4-FFF2-40B4-BE49-F238E27FC236}">
-                <a16:creationId xmlns:a16="http://schemas.microsoft.com/office/drawing/2014/main" id="{42981736-2B3F-4B85-85F6-ADFF72C6A23E}"/>
+                <a16:creationId xmlns:a16="http://schemas.microsoft.com/office/drawing/2014/main" xmlns="" id="{42981736-2B3F-4B85-85F6-ADFF72C6A23E}"/>
               </a:ext>
             </a:extLst>
           </p:cNvPr>
@@ -5916,13 +5961,8 @@
           <a:p>
             <a:r>
               <a:rPr lang="en-US" dirty="0"/>
-              <a:t>and green element to </a:t>
-            </a:r>
-            <a:r>
-              <a:rPr lang="en-US"/>
-              <a:t>be 12 and used R.</a:t>
-            </a:r>
-            <a:endParaRPr lang="en-US" dirty="0"/>
+              <a:t>and green element to be 12 and used R.</a:t>
+            </a:r>
           </a:p>
           <a:p>
             <a:endParaRPr lang="en-US" sz="2400" dirty="0"/>
@@ -5941,7 +5981,7 @@
           <p:cNvPr id="12" name="Straight Connector 11">
             <a:extLst>
               <a:ext uri="{FF2B5EF4-FFF2-40B4-BE49-F238E27FC236}">
-                <a16:creationId xmlns:a16="http://schemas.microsoft.com/office/drawing/2014/main" id="{1DAAEEE4-573F-43C3-822B-D581A798B411}"/>
+                <a16:creationId xmlns:a16="http://schemas.microsoft.com/office/drawing/2014/main" xmlns="" id="{1DAAEEE4-573F-43C3-822B-D581A798B411}"/>
               </a:ext>
             </a:extLst>
           </p:cNvPr>
@@ -5979,7 +6019,7 @@
           <p:cNvPr id="14" name="图片 2">
             <a:extLst>
               <a:ext uri="{FF2B5EF4-FFF2-40B4-BE49-F238E27FC236}">
-                <a16:creationId xmlns:a16="http://schemas.microsoft.com/office/drawing/2014/main" id="{F982B1F3-4876-40C7-91FA-722E5BC17C1A}"/>
+                <a16:creationId xmlns:a16="http://schemas.microsoft.com/office/drawing/2014/main" xmlns="" id="{F982B1F3-4876-40C7-91FA-722E5BC17C1A}"/>
               </a:ext>
             </a:extLst>
           </p:cNvPr>
@@ -5990,7 +6030,7 @@
           <a:blip r:embed="rId2">
             <a:extLst>
               <a:ext uri="{28A0092B-C50C-407E-A947-70E740481C1C}">
-                <a14:useLocalDpi xmlns:a14="http://schemas.microsoft.com/office/drawing/2010/main" val="0"/>
+                <a14:useLocalDpi xmlns:a14="http://schemas.microsoft.com/office/drawing/2010/main" xmlns="" val="0"/>
               </a:ext>
             </a:extLst>
           </a:blip>
@@ -6014,7 +6054,7 @@
     </p:spTree>
     <p:extLst>
       <p:ext uri="{BB962C8B-B14F-4D97-AF65-F5344CB8AC3E}">
-        <p14:creationId xmlns:p14="http://schemas.microsoft.com/office/powerpoint/2010/main" val="665277472"/>
+        <p14:creationId xmlns:p14="http://schemas.microsoft.com/office/powerpoint/2010/main" xmlns="" val="665277472"/>
       </p:ext>
     </p:extLst>
   </p:cSld>
@@ -6104,7 +6144,7 @@
           <p:cNvPr id="8" name="Group 7">
             <a:extLst>
               <a:ext uri="{FF2B5EF4-FFF2-40B4-BE49-F238E27FC236}">
-                <a16:creationId xmlns:a16="http://schemas.microsoft.com/office/drawing/2014/main" id="{C2D5264D-8118-4873-AF3A-6424A1F54F4E}"/>
+                <a16:creationId xmlns:a16="http://schemas.microsoft.com/office/drawing/2014/main" xmlns="" id="{C2D5264D-8118-4873-AF3A-6424A1F54F4E}"/>
               </a:ext>
             </a:extLst>
           </p:cNvPr>
@@ -6124,7 +6164,7 @@
             <p:cNvPr id="5" name="Picture 4">
               <a:extLst>
                 <a:ext uri="{FF2B5EF4-FFF2-40B4-BE49-F238E27FC236}">
-                  <a16:creationId xmlns:a16="http://schemas.microsoft.com/office/drawing/2014/main" id="{15540031-174A-4582-842D-D21BF0C0B17B}"/>
+                  <a16:creationId xmlns:a16="http://schemas.microsoft.com/office/drawing/2014/main" xmlns="" id="{15540031-174A-4582-842D-D21BF0C0B17B}"/>
                 </a:ext>
               </a:extLst>
             </p:cNvPr>
@@ -6153,7 +6193,7 @@
             <p:cNvPr id="6" name="Rectangle: Rounded Corners 5">
               <a:extLst>
                 <a:ext uri="{FF2B5EF4-FFF2-40B4-BE49-F238E27FC236}">
-                  <a16:creationId xmlns:a16="http://schemas.microsoft.com/office/drawing/2014/main" id="{61381CD0-231A-484E-A88B-B178D3B7E0BE}"/>
+                  <a16:creationId xmlns:a16="http://schemas.microsoft.com/office/drawing/2014/main" xmlns="" id="{61381CD0-231A-484E-A88B-B178D3B7E0BE}"/>
                 </a:ext>
               </a:extLst>
             </p:cNvPr>
@@ -6207,7 +6247,7 @@
             <p:cNvPr id="7" name="Rectangle: Rounded Corners 6">
               <a:extLst>
                 <a:ext uri="{FF2B5EF4-FFF2-40B4-BE49-F238E27FC236}">
-                  <a16:creationId xmlns:a16="http://schemas.microsoft.com/office/drawing/2014/main" id="{7DCD8776-CD5A-4669-A3F2-71AA6B6EBF9C}"/>
+                  <a16:creationId xmlns:a16="http://schemas.microsoft.com/office/drawing/2014/main" xmlns="" id="{7DCD8776-CD5A-4669-A3F2-71AA6B6EBF9C}"/>
                 </a:ext>
               </a:extLst>
             </p:cNvPr>
@@ -6266,7 +6306,7 @@
           <p:cNvPr id="9" name="Rectangle 8">
             <a:extLst>
               <a:ext uri="{FF2B5EF4-FFF2-40B4-BE49-F238E27FC236}">
-                <a16:creationId xmlns:a16="http://schemas.microsoft.com/office/drawing/2014/main" id="{B828F22F-50C5-4234-BC49-93C1CE68E694}"/>
+                <a16:creationId xmlns:a16="http://schemas.microsoft.com/office/drawing/2014/main" xmlns="" id="{B828F22F-50C5-4234-BC49-93C1CE68E694}"/>
               </a:ext>
             </a:extLst>
           </p:cNvPr>
@@ -6436,7 +6476,7 @@
           <p:cNvPr id="10" name="Straight Connector 9">
             <a:extLst>
               <a:ext uri="{FF2B5EF4-FFF2-40B4-BE49-F238E27FC236}">
-                <a16:creationId xmlns:a16="http://schemas.microsoft.com/office/drawing/2014/main" id="{54CD431D-ABF6-4F51-83CE-5A774B908362}"/>
+                <a16:creationId xmlns:a16="http://schemas.microsoft.com/office/drawing/2014/main" xmlns="" id="{54CD431D-ABF6-4F51-83CE-5A774B908362}"/>
               </a:ext>
             </a:extLst>
           </p:cNvPr>
@@ -6472,7 +6512,7 @@
     </p:spTree>
     <p:extLst>
       <p:ext uri="{BB962C8B-B14F-4D97-AF65-F5344CB8AC3E}">
-        <p14:creationId xmlns:p14="http://schemas.microsoft.com/office/powerpoint/2010/main" val="717940036"/>
+        <p14:creationId xmlns:p14="http://schemas.microsoft.com/office/powerpoint/2010/main" xmlns="" val="717940036"/>
       </p:ext>
     </p:extLst>
   </p:cSld>
@@ -6533,7 +6573,7 @@
           <p:cNvPr id="4" name="Oval 3">
             <a:extLst>
               <a:ext uri="{FF2B5EF4-FFF2-40B4-BE49-F238E27FC236}">
-                <a16:creationId xmlns:a16="http://schemas.microsoft.com/office/drawing/2014/main" id="{8787589B-829D-42C7-9849-9FA188C836ED}"/>
+                <a16:creationId xmlns:a16="http://schemas.microsoft.com/office/drawing/2014/main" xmlns="" id="{8787589B-829D-42C7-9849-9FA188C836ED}"/>
               </a:ext>
             </a:extLst>
           </p:cNvPr>
@@ -6542,7 +6582,7 @@
         </p:nvSpPr>
         <p:spPr>
           <a:xfrm>
-            <a:off x="251879" y="2277919"/>
+            <a:off x="118529" y="2277919"/>
             <a:ext cx="395821" cy="395821"/>
           </a:xfrm>
           <a:prstGeom prst="ellipse">
@@ -6582,7 +6622,7 @@
           <p:cNvPr id="5" name="TextBox 4">
             <a:extLst>
               <a:ext uri="{FF2B5EF4-FFF2-40B4-BE49-F238E27FC236}">
-                <a16:creationId xmlns:a16="http://schemas.microsoft.com/office/drawing/2014/main" id="{3987A76B-62BF-49C6-B0B2-F4DA485DD458}"/>
+                <a16:creationId xmlns:a16="http://schemas.microsoft.com/office/drawing/2014/main" xmlns="" id="{3987A76B-62BF-49C6-B0B2-F4DA485DD458}"/>
               </a:ext>
             </a:extLst>
           </p:cNvPr>
@@ -6591,7 +6631,7 @@
         </p:nvSpPr>
         <p:spPr>
           <a:xfrm>
-            <a:off x="647700" y="2239819"/>
+            <a:off x="514350" y="2239819"/>
             <a:ext cx="8743950" cy="2185214"/>
           </a:xfrm>
           <a:prstGeom prst="rect">
@@ -6684,7 +6724,7 @@
           <p:cNvPr id="6" name="Oval 5">
             <a:extLst>
               <a:ext uri="{FF2B5EF4-FFF2-40B4-BE49-F238E27FC236}">
-                <a16:creationId xmlns:a16="http://schemas.microsoft.com/office/drawing/2014/main" id="{BBC4DFE2-A7E7-45EB-A060-8D04E673BFE8}"/>
+                <a16:creationId xmlns:a16="http://schemas.microsoft.com/office/drawing/2014/main" xmlns="" id="{BBC4DFE2-A7E7-45EB-A060-8D04E673BFE8}"/>
               </a:ext>
             </a:extLst>
           </p:cNvPr>
@@ -6693,7 +6733,7 @@
         </p:nvSpPr>
         <p:spPr>
           <a:xfrm>
-            <a:off x="251879" y="4320498"/>
+            <a:off x="118529" y="4320498"/>
             <a:ext cx="395821" cy="395821"/>
           </a:xfrm>
           <a:prstGeom prst="ellipse">
@@ -6733,7 +6773,7 @@
           <p:cNvPr id="7" name="TextBox 6">
             <a:extLst>
               <a:ext uri="{FF2B5EF4-FFF2-40B4-BE49-F238E27FC236}">
-                <a16:creationId xmlns:a16="http://schemas.microsoft.com/office/drawing/2014/main" id="{2F3B8F35-6612-433B-845B-C60A4E3D39AF}"/>
+                <a16:creationId xmlns:a16="http://schemas.microsoft.com/office/drawing/2014/main" xmlns="" id="{2F3B8F35-6612-433B-845B-C60A4E3D39AF}"/>
               </a:ext>
             </a:extLst>
           </p:cNvPr>
@@ -6742,8 +6782,8 @@
         </p:nvSpPr>
         <p:spPr>
           <a:xfrm>
-            <a:off x="647700" y="4282398"/>
-            <a:ext cx="6358762" cy="2739211"/>
+            <a:off x="514350" y="4282398"/>
+            <a:ext cx="6800850" cy="2739211"/>
           </a:xfrm>
           <a:prstGeom prst="rect">
             <a:avLst/>
@@ -6782,7 +6822,15 @@
             </a:pPr>
             <a:r>
               <a:rPr lang="en-US" dirty="0"/>
-              <a:t>we used Cross-Validation to fine the best parameters: </a:t>
+              <a:t>we used </a:t>
+            </a:r>
+            <a:r>
+              <a:rPr lang="en-US" dirty="0" smtClean="0"/>
+              <a:t>Cross-Validation on the training set </a:t>
+            </a:r>
+            <a:r>
+              <a:rPr lang="en-US" dirty="0"/>
+              <a:t>to fine the best parameters: </a:t>
             </a:r>
             <a:r>
               <a:rPr lang="en-US" dirty="0" err="1"/>
@@ -6800,7 +6848,15 @@
             </a:pPr>
             <a:r>
               <a:rPr lang="en-US" dirty="0"/>
-              <a:t>we select  </a:t>
+              <a:t>we select </a:t>
+            </a:r>
+            <a:r>
+              <a:rPr lang="en-US" dirty="0" err="1" smtClean="0"/>
+              <a:t>ed</a:t>
+            </a:r>
+            <a:r>
+              <a:rPr lang="en-US" dirty="0" smtClean="0"/>
+              <a:t> </a:t>
             </a:r>
             <a:r>
               <a:rPr lang="en-US" b="1" dirty="0" err="1"/>
@@ -6830,7 +6886,11 @@
             </a:r>
             <a:r>
               <a:rPr lang="en-US" dirty="0"/>
-              <a:t>The running time is 56s.</a:t>
+              <a:t>The running time is </a:t>
+            </a:r>
+            <a:r>
+              <a:rPr lang="en-US" dirty="0" smtClean="0"/>
+              <a:t>56son the test set.</a:t>
             </a:r>
             <a:endParaRPr lang="en-US" sz="2000" b="1" dirty="0"/>
           </a:p>
@@ -6848,7 +6908,7 @@
           <p:cNvPr id="8" name="TextBox 7">
             <a:extLst>
               <a:ext uri="{FF2B5EF4-FFF2-40B4-BE49-F238E27FC236}">
-                <a16:creationId xmlns:a16="http://schemas.microsoft.com/office/drawing/2014/main" id="{9E9B7E7C-4D46-44B7-8898-79B9724ACBFF}"/>
+                <a16:creationId xmlns:a16="http://schemas.microsoft.com/office/drawing/2014/main" xmlns="" id="{9E9B7E7C-4D46-44B7-8898-79B9724ACBFF}"/>
               </a:ext>
             </a:extLst>
           </p:cNvPr>
@@ -6935,7 +6995,7 @@
           <p:cNvPr id="12" name="Rounded Rectangle 5">
             <a:extLst>
               <a:ext uri="{FF2B5EF4-FFF2-40B4-BE49-F238E27FC236}">
-                <a16:creationId xmlns:a16="http://schemas.microsoft.com/office/drawing/2014/main" id="{FC975995-654A-48C8-800F-259CC68502EB}"/>
+                <a16:creationId xmlns:a16="http://schemas.microsoft.com/office/drawing/2014/main" xmlns="" id="{FC975995-654A-48C8-800F-259CC68502EB}"/>
               </a:ext>
             </a:extLst>
           </p:cNvPr>
@@ -7012,7 +7072,7 @@
           <p:cNvPr id="16" name="Picture 15">
             <a:extLst>
               <a:ext uri="{FF2B5EF4-FFF2-40B4-BE49-F238E27FC236}">
-                <a16:creationId xmlns:a16="http://schemas.microsoft.com/office/drawing/2014/main" id="{8F2D48DD-7481-41B9-A507-54D44F4BAF2E}"/>
+                <a16:creationId xmlns:a16="http://schemas.microsoft.com/office/drawing/2014/main" xmlns="" id="{8F2D48DD-7481-41B9-A507-54D44F4BAF2E}"/>
               </a:ext>
             </a:extLst>
           </p:cNvPr>
@@ -7041,7 +7101,7 @@
           <p:cNvPr id="19" name="Straight Connector 18">
             <a:extLst>
               <a:ext uri="{FF2B5EF4-FFF2-40B4-BE49-F238E27FC236}">
-                <a16:creationId xmlns:a16="http://schemas.microsoft.com/office/drawing/2014/main" id="{E41C5C64-88D9-4F5B-9112-C03BA4EAE66F}"/>
+                <a16:creationId xmlns:a16="http://schemas.microsoft.com/office/drawing/2014/main" xmlns="" id="{E41C5C64-88D9-4F5B-9112-C03BA4EAE66F}"/>
               </a:ext>
             </a:extLst>
           </p:cNvPr>
@@ -7077,7 +7137,7 @@
     </p:spTree>
     <p:extLst>
       <p:ext uri="{BB962C8B-B14F-4D97-AF65-F5344CB8AC3E}">
-        <p14:creationId xmlns:p14="http://schemas.microsoft.com/office/powerpoint/2010/main" val="1531075210"/>
+        <p14:creationId xmlns:p14="http://schemas.microsoft.com/office/powerpoint/2010/main" xmlns="" val="1531075210"/>
       </p:ext>
     </p:extLst>
   </p:cSld>
@@ -7130,7 +7190,7 @@
     </a:clrScheme>
     <a:fontScheme name="Office Theme">
       <a:majorFont>
-        <a:latin typeface="Calibri Light" panose="020F0302020204030204"/>
+        <a:latin typeface="Calibri Light"/>
         <a:ea typeface=""/>
         <a:cs typeface=""/>
         <a:font script="Jpan" typeface="游ゴシック Light"/>
@@ -7165,7 +7225,7 @@
         <a:font script="Geor" typeface="Sylfaen"/>
       </a:majorFont>
       <a:minorFont>
-        <a:latin typeface="Calibri" panose="020F0502020204030204"/>
+        <a:latin typeface="Calibri"/>
         <a:ea typeface=""/>
         <a:cs typeface=""/>
         <a:font script="Jpan" typeface="游ゴシック"/>
@@ -7342,7 +7402,7 @@
   <a:extraClrSchemeLst/>
   <a:extLst>
     <a:ext uri="{05A4C25C-085E-4340-85A3-A5531E510DB2}">
-      <thm15:themeFamily xmlns:thm15="http://schemas.microsoft.com/office/thememl/2012/main" name="Office Theme" id="{62F939B6-93AF-4DB8-9C6B-D6C7DFDC589F}" vid="{4A3C46E8-61CC-4603-A589-7422A47A8E4A}"/>
+      <thm15:themeFamily xmlns:thm15="http://schemas.microsoft.com/office/thememl/2012/main" xmlns="" name="Office Theme" id="{62F939B6-93AF-4DB8-9C6B-D6C7DFDC589F}" vid="{4A3C46E8-61CC-4603-A589-7422A47A8E4A}"/>
     </a:ext>
   </a:extLst>
 </a:theme>

--- a/doc/team7_presentation.pptx
+++ b/doc/team7_presentation.pptx
@@ -115,7 +115,7 @@
   </p:defaultTextStyle>
   <p:extLst>
     <p:ext uri="{EFAFB233-063F-42B5-8137-9DF3F51BA10A}">
-      <p15:sldGuideLst xmlns:p15="http://schemas.microsoft.com/office/powerpoint/2012/main" xmlns=""/>
+      <p15:sldGuideLst xmlns:p15="http://schemas.microsoft.com/office/powerpoint/2012/main"/>
     </p:ext>
   </p:extLst>
 </p:presentation>
@@ -231,7 +231,7 @@
           </a:ln>
           <a:extLst>
             <a:ext uri="{909E8E84-426E-40DD-AFC4-6F175D3DCCD1}">
-              <a14:hiddenFill xmlns:a14="http://schemas.microsoft.com/office/drawing/2010/main" xmlns="">
+              <a14:hiddenFill xmlns:a14="http://schemas.microsoft.com/office/drawing/2010/main">
                 <a:solidFill>
                   <a:srgbClr val="FFFFFF"/>
                 </a:solidFill>
@@ -511,7 +511,7 @@
     </p:spTree>
     <p:extLst>
       <p:ext uri="{BB962C8B-B14F-4D97-AF65-F5344CB8AC3E}">
-        <p14:creationId xmlns:p14="http://schemas.microsoft.com/office/powerpoint/2010/main" xmlns="" val="1911299918"/>
+        <p14:creationId xmlns:p14="http://schemas.microsoft.com/office/powerpoint/2010/main" val="1911299918"/>
       </p:ext>
     </p:extLst>
   </p:cSld>
@@ -652,7 +652,6 @@
           <a:p>
             <a:fld id="{784D0E34-2524-4EE5-9D39-68EB489638CE}" type="datetimeFigureOut">
               <a:rPr lang="en-US" smtClean="0"/>
-              <a:pPr/>
               <a:t>11/1/2017</a:t>
             </a:fld>
             <a:endParaRPr lang="en-US"/>
@@ -695,8 +694,7 @@
           <a:p>
             <a:fld id="{83B59F55-C583-4D3E-9B74-F55798A49C1B}" type="slidenum">
               <a:rPr lang="en-US" smtClean="0"/>
-              <a:pPr/>
-              <a:t>‹N°›</a:t>
+              <a:t>‹#›</a:t>
             </a:fld>
             <a:endParaRPr lang="en-US"/>
           </a:p>
@@ -705,7 +703,7 @@
     </p:spTree>
     <p:extLst>
       <p:ext uri="{BB962C8B-B14F-4D97-AF65-F5344CB8AC3E}">
-        <p14:creationId xmlns:p14="http://schemas.microsoft.com/office/powerpoint/2010/main" xmlns="" val="841604700"/>
+        <p14:creationId xmlns:p14="http://schemas.microsoft.com/office/powerpoint/2010/main" val="841604700"/>
       </p:ext>
     </p:extLst>
   </p:cSld>
@@ -824,7 +822,6 @@
           <a:p>
             <a:fld id="{784D0E34-2524-4EE5-9D39-68EB489638CE}" type="datetimeFigureOut">
               <a:rPr lang="en-US" smtClean="0"/>
-              <a:pPr/>
               <a:t>11/1/2017</a:t>
             </a:fld>
             <a:endParaRPr lang="en-US"/>
@@ -867,8 +864,7 @@
           <a:p>
             <a:fld id="{83B59F55-C583-4D3E-9B74-F55798A49C1B}" type="slidenum">
               <a:rPr lang="en-US" smtClean="0"/>
-              <a:pPr/>
-              <a:t>‹N°›</a:t>
+              <a:t>‹#›</a:t>
             </a:fld>
             <a:endParaRPr lang="en-US"/>
           </a:p>
@@ -877,7 +873,7 @@
     </p:spTree>
     <p:extLst>
       <p:ext uri="{BB962C8B-B14F-4D97-AF65-F5344CB8AC3E}">
-        <p14:creationId xmlns:p14="http://schemas.microsoft.com/office/powerpoint/2010/main" xmlns="" val="2497882174"/>
+        <p14:creationId xmlns:p14="http://schemas.microsoft.com/office/powerpoint/2010/main" val="2497882174"/>
       </p:ext>
     </p:extLst>
   </p:cSld>
@@ -1007,7 +1003,6 @@
           <a:p>
             <a:fld id="{784D0E34-2524-4EE5-9D39-68EB489638CE}" type="datetimeFigureOut">
               <a:rPr lang="en-US" smtClean="0"/>
-              <a:pPr/>
               <a:t>11/1/2017</a:t>
             </a:fld>
             <a:endParaRPr lang="en-US"/>
@@ -1050,8 +1045,7 @@
           <a:p>
             <a:fld id="{83B59F55-C583-4D3E-9B74-F55798A49C1B}" type="slidenum">
               <a:rPr lang="en-US" smtClean="0"/>
-              <a:pPr/>
-              <a:t>‹N°›</a:t>
+              <a:t>‹#›</a:t>
             </a:fld>
             <a:endParaRPr lang="en-US"/>
           </a:p>
@@ -1060,7 +1054,7 @@
     </p:spTree>
     <p:extLst>
       <p:ext uri="{BB962C8B-B14F-4D97-AF65-F5344CB8AC3E}">
-        <p14:creationId xmlns:p14="http://schemas.microsoft.com/office/powerpoint/2010/main" xmlns="" val="3411572607"/>
+        <p14:creationId xmlns:p14="http://schemas.microsoft.com/office/powerpoint/2010/main" val="3411572607"/>
       </p:ext>
     </p:extLst>
   </p:cSld>
@@ -1180,7 +1174,6 @@
           <a:p>
             <a:fld id="{784D0E34-2524-4EE5-9D39-68EB489638CE}" type="datetimeFigureOut">
               <a:rPr lang="en-US" smtClean="0"/>
-              <a:pPr/>
               <a:t>11/1/2017</a:t>
             </a:fld>
             <a:endParaRPr lang="en-US"/>
@@ -1223,8 +1216,7 @@
           <a:p>
             <a:fld id="{83B59F55-C583-4D3E-9B74-F55798A49C1B}" type="slidenum">
               <a:rPr lang="en-US" smtClean="0"/>
-              <a:pPr/>
-              <a:t>‹N°›</a:t>
+              <a:t>‹#›</a:t>
             </a:fld>
             <a:endParaRPr lang="en-US"/>
           </a:p>
@@ -1233,7 +1225,7 @@
     </p:spTree>
     <p:extLst>
       <p:ext uri="{BB962C8B-B14F-4D97-AF65-F5344CB8AC3E}">
-        <p14:creationId xmlns:p14="http://schemas.microsoft.com/office/powerpoint/2010/main" xmlns="" val="1359900143"/>
+        <p14:creationId xmlns:p14="http://schemas.microsoft.com/office/powerpoint/2010/main" val="1359900143"/>
       </p:ext>
     </p:extLst>
   </p:cSld>
@@ -1429,7 +1421,6 @@
           <a:p>
             <a:fld id="{784D0E34-2524-4EE5-9D39-68EB489638CE}" type="datetimeFigureOut">
               <a:rPr lang="en-US" smtClean="0"/>
-              <a:pPr/>
               <a:t>11/1/2017</a:t>
             </a:fld>
             <a:endParaRPr lang="en-US"/>
@@ -1472,8 +1463,7 @@
           <a:p>
             <a:fld id="{83B59F55-C583-4D3E-9B74-F55798A49C1B}" type="slidenum">
               <a:rPr lang="en-US" smtClean="0"/>
-              <a:pPr/>
-              <a:t>‹N°›</a:t>
+              <a:t>‹#›</a:t>
             </a:fld>
             <a:endParaRPr lang="en-US"/>
           </a:p>
@@ -1482,7 +1472,7 @@
     </p:spTree>
     <p:extLst>
       <p:ext uri="{BB962C8B-B14F-4D97-AF65-F5344CB8AC3E}">
-        <p14:creationId xmlns:p14="http://schemas.microsoft.com/office/powerpoint/2010/main" xmlns="" val="3171154954"/>
+        <p14:creationId xmlns:p14="http://schemas.microsoft.com/office/powerpoint/2010/main" val="3171154954"/>
       </p:ext>
     </p:extLst>
   </p:cSld>
@@ -1664,7 +1654,6 @@
           <a:p>
             <a:fld id="{784D0E34-2524-4EE5-9D39-68EB489638CE}" type="datetimeFigureOut">
               <a:rPr lang="en-US" smtClean="0"/>
-              <a:pPr/>
               <a:t>11/1/2017</a:t>
             </a:fld>
             <a:endParaRPr lang="en-US"/>
@@ -1707,8 +1696,7 @@
           <a:p>
             <a:fld id="{83B59F55-C583-4D3E-9B74-F55798A49C1B}" type="slidenum">
               <a:rPr lang="en-US" smtClean="0"/>
-              <a:pPr/>
-              <a:t>‹N°›</a:t>
+              <a:t>‹#›</a:t>
             </a:fld>
             <a:endParaRPr lang="en-US"/>
           </a:p>
@@ -1717,7 +1705,7 @@
     </p:spTree>
     <p:extLst>
       <p:ext uri="{BB962C8B-B14F-4D97-AF65-F5344CB8AC3E}">
-        <p14:creationId xmlns:p14="http://schemas.microsoft.com/office/powerpoint/2010/main" xmlns="" val="3384391812"/>
+        <p14:creationId xmlns:p14="http://schemas.microsoft.com/office/powerpoint/2010/main" val="3384391812"/>
       </p:ext>
     </p:extLst>
   </p:cSld>
@@ -2034,7 +2022,6 @@
           <a:p>
             <a:fld id="{784D0E34-2524-4EE5-9D39-68EB489638CE}" type="datetimeFigureOut">
               <a:rPr lang="en-US" smtClean="0"/>
-              <a:pPr/>
               <a:t>11/1/2017</a:t>
             </a:fld>
             <a:endParaRPr lang="en-US"/>
@@ -2077,8 +2064,7 @@
           <a:p>
             <a:fld id="{83B59F55-C583-4D3E-9B74-F55798A49C1B}" type="slidenum">
               <a:rPr lang="en-US" smtClean="0"/>
-              <a:pPr/>
-              <a:t>‹N°›</a:t>
+              <a:t>‹#›</a:t>
             </a:fld>
             <a:endParaRPr lang="en-US"/>
           </a:p>
@@ -2087,7 +2073,7 @@
     </p:spTree>
     <p:extLst>
       <p:ext uri="{BB962C8B-B14F-4D97-AF65-F5344CB8AC3E}">
-        <p14:creationId xmlns:p14="http://schemas.microsoft.com/office/powerpoint/2010/main" xmlns="" val="3071058096"/>
+        <p14:creationId xmlns:p14="http://schemas.microsoft.com/office/powerpoint/2010/main" val="3071058096"/>
       </p:ext>
     </p:extLst>
   </p:cSld>
@@ -2155,7 +2141,6 @@
           <a:p>
             <a:fld id="{784D0E34-2524-4EE5-9D39-68EB489638CE}" type="datetimeFigureOut">
               <a:rPr lang="en-US" smtClean="0"/>
-              <a:pPr/>
               <a:t>11/1/2017</a:t>
             </a:fld>
             <a:endParaRPr lang="en-US"/>
@@ -2198,8 +2183,7 @@
           <a:p>
             <a:fld id="{83B59F55-C583-4D3E-9B74-F55798A49C1B}" type="slidenum">
               <a:rPr lang="en-US" smtClean="0"/>
-              <a:pPr/>
-              <a:t>‹N°›</a:t>
+              <a:t>‹#›</a:t>
             </a:fld>
             <a:endParaRPr lang="en-US"/>
           </a:p>
@@ -2208,7 +2192,7 @@
     </p:spTree>
     <p:extLst>
       <p:ext uri="{BB962C8B-B14F-4D97-AF65-F5344CB8AC3E}">
-        <p14:creationId xmlns:p14="http://schemas.microsoft.com/office/powerpoint/2010/main" xmlns="" val="2241383882"/>
+        <p14:creationId xmlns:p14="http://schemas.microsoft.com/office/powerpoint/2010/main" val="2241383882"/>
       </p:ext>
     </p:extLst>
   </p:cSld>
@@ -2253,7 +2237,6 @@
           <a:p>
             <a:fld id="{784D0E34-2524-4EE5-9D39-68EB489638CE}" type="datetimeFigureOut">
               <a:rPr lang="en-US" smtClean="0"/>
-              <a:pPr/>
               <a:t>11/1/2017</a:t>
             </a:fld>
             <a:endParaRPr lang="en-US"/>
@@ -2296,8 +2279,7 @@
           <a:p>
             <a:fld id="{83B59F55-C583-4D3E-9B74-F55798A49C1B}" type="slidenum">
               <a:rPr lang="en-US" smtClean="0"/>
-              <a:pPr/>
-              <a:t>‹N°›</a:t>
+              <a:t>‹#›</a:t>
             </a:fld>
             <a:endParaRPr lang="en-US"/>
           </a:p>
@@ -2306,7 +2288,7 @@
     </p:spTree>
     <p:extLst>
       <p:ext uri="{BB962C8B-B14F-4D97-AF65-F5344CB8AC3E}">
-        <p14:creationId xmlns:p14="http://schemas.microsoft.com/office/powerpoint/2010/main" xmlns="" val="4096830066"/>
+        <p14:creationId xmlns:p14="http://schemas.microsoft.com/office/powerpoint/2010/main" val="4096830066"/>
       </p:ext>
     </p:extLst>
   </p:cSld>
@@ -2533,7 +2515,6 @@
           <a:p>
             <a:fld id="{784D0E34-2524-4EE5-9D39-68EB489638CE}" type="datetimeFigureOut">
               <a:rPr lang="en-US" smtClean="0"/>
-              <a:pPr/>
               <a:t>11/1/2017</a:t>
             </a:fld>
             <a:endParaRPr lang="en-US"/>
@@ -2576,8 +2557,7 @@
           <a:p>
             <a:fld id="{83B59F55-C583-4D3E-9B74-F55798A49C1B}" type="slidenum">
               <a:rPr lang="en-US" smtClean="0"/>
-              <a:pPr/>
-              <a:t>‹N°›</a:t>
+              <a:t>‹#›</a:t>
             </a:fld>
             <a:endParaRPr lang="en-US"/>
           </a:p>
@@ -2586,7 +2566,7 @@
     </p:spTree>
     <p:extLst>
       <p:ext uri="{BB962C8B-B14F-4D97-AF65-F5344CB8AC3E}">
-        <p14:creationId xmlns:p14="http://schemas.microsoft.com/office/powerpoint/2010/main" xmlns="" val="2789376059"/>
+        <p14:creationId xmlns:p14="http://schemas.microsoft.com/office/powerpoint/2010/main" val="2789376059"/>
       </p:ext>
     </p:extLst>
   </p:cSld>
@@ -2793,7 +2773,6 @@
           <a:p>
             <a:fld id="{784D0E34-2524-4EE5-9D39-68EB489638CE}" type="datetimeFigureOut">
               <a:rPr lang="en-US" smtClean="0"/>
-              <a:pPr/>
               <a:t>11/1/2017</a:t>
             </a:fld>
             <a:endParaRPr lang="en-US"/>
@@ -2836,8 +2815,7 @@
           <a:p>
             <a:fld id="{83B59F55-C583-4D3E-9B74-F55798A49C1B}" type="slidenum">
               <a:rPr lang="en-US" smtClean="0"/>
-              <a:pPr/>
-              <a:t>‹N°›</a:t>
+              <a:t>‹#›</a:t>
             </a:fld>
             <a:endParaRPr lang="en-US"/>
           </a:p>
@@ -2846,7 +2824,7 @@
     </p:spTree>
     <p:extLst>
       <p:ext uri="{BB962C8B-B14F-4D97-AF65-F5344CB8AC3E}">
-        <p14:creationId xmlns:p14="http://schemas.microsoft.com/office/powerpoint/2010/main" xmlns="" val="429683682"/>
+        <p14:creationId xmlns:p14="http://schemas.microsoft.com/office/powerpoint/2010/main" val="429683682"/>
       </p:ext>
     </p:extLst>
   </p:cSld>
@@ -3009,7 +2987,6 @@
           <a:p>
             <a:fld id="{784D0E34-2524-4EE5-9D39-68EB489638CE}" type="datetimeFigureOut">
               <a:rPr lang="en-US" smtClean="0"/>
-              <a:pPr/>
               <a:t>11/1/2017</a:t>
             </a:fld>
             <a:endParaRPr lang="en-US"/>
@@ -3088,8 +3065,7 @@
           <a:p>
             <a:fld id="{83B59F55-C583-4D3E-9B74-F55798A49C1B}" type="slidenum">
               <a:rPr lang="en-US" smtClean="0"/>
-              <a:pPr/>
-              <a:t>‹N°›</a:t>
+              <a:t>‹#›</a:t>
             </a:fld>
             <a:endParaRPr lang="en-US"/>
           </a:p>
@@ -3098,7 +3074,7 @@
     </p:spTree>
     <p:extLst>
       <p:ext uri="{BB962C8B-B14F-4D97-AF65-F5344CB8AC3E}">
-        <p14:creationId xmlns:p14="http://schemas.microsoft.com/office/powerpoint/2010/main" xmlns="" val="185827410"/>
+        <p14:creationId xmlns:p14="http://schemas.microsoft.com/office/powerpoint/2010/main" val="185827410"/>
       </p:ext>
     </p:extLst>
   </p:cSld>
@@ -3439,20 +3415,12 @@
           </a:bodyPr>
           <a:lstStyle/>
           <a:p>
-            <a:r>
-              <a:rPr lang="en-US" b="1" dirty="0"/>
-              <a:t/>
-            </a:r>
             <a:br>
               <a:rPr lang="en-US" b="1" dirty="0"/>
             </a:br>
             <a:r>
               <a:rPr lang="en-US" sz="4000" b="1" dirty="0"/>
               <a:t>Selection of the best predictive model to classify dogs, fried chicken and blueberry muffins</a:t>
-            </a:r>
-            <a:r>
-              <a:rPr lang="en-US" b="1" dirty="0"/>
-              <a:t/>
             </a:r>
             <a:br>
               <a:rPr lang="en-US" b="1" dirty="0"/>
@@ -3529,7 +3497,7 @@
           <a:blip r:embed="rId2">
             <a:extLst>
               <a:ext uri="{28A0092B-C50C-407E-A947-70E740481C1C}">
-                <a14:useLocalDpi xmlns:a14="http://schemas.microsoft.com/office/drawing/2010/main" xmlns="" val="0"/>
+                <a14:useLocalDpi xmlns:a14="http://schemas.microsoft.com/office/drawing/2010/main" val="0"/>
               </a:ext>
             </a:extLst>
           </a:blip>
@@ -3689,7 +3657,7 @@
     </p:spTree>
     <p:extLst>
       <p:ext uri="{BB962C8B-B14F-4D97-AF65-F5344CB8AC3E}">
-        <p14:creationId xmlns:p14="http://schemas.microsoft.com/office/powerpoint/2010/main" xmlns="" val="993845939"/>
+        <p14:creationId xmlns:p14="http://schemas.microsoft.com/office/powerpoint/2010/main" val="993845939"/>
       </p:ext>
     </p:extLst>
   </p:cSld>
@@ -4009,7 +3977,7 @@
           <a:blip r:embed="rId2">
             <a:extLst>
               <a:ext uri="{28A0092B-C50C-407E-A947-70E740481C1C}">
-                <a14:useLocalDpi xmlns:a14="http://schemas.microsoft.com/office/drawing/2010/main" xmlns="" val="0"/>
+                <a14:useLocalDpi xmlns:a14="http://schemas.microsoft.com/office/drawing/2010/main" val="0"/>
               </a:ext>
             </a:extLst>
           </a:blip>
@@ -4067,7 +4035,7 @@
           <p:cNvPr id="9" name="Straight Connector 8">
             <a:extLst>
               <a:ext uri="{FF2B5EF4-FFF2-40B4-BE49-F238E27FC236}">
-                <a16:creationId xmlns:a16="http://schemas.microsoft.com/office/drawing/2014/main" xmlns="" id="{13450948-0837-4FB7-BA57-0F51EF5F0702}"/>
+                <a16:creationId xmlns:a16="http://schemas.microsoft.com/office/drawing/2014/main" id="{13450948-0837-4FB7-BA57-0F51EF5F0702}"/>
               </a:ext>
             </a:extLst>
           </p:cNvPr>
@@ -4103,7 +4071,7 @@
     </p:spTree>
     <p:extLst>
       <p:ext uri="{BB962C8B-B14F-4D97-AF65-F5344CB8AC3E}">
-        <p14:creationId xmlns:p14="http://schemas.microsoft.com/office/powerpoint/2010/main" xmlns="" val="4269831375"/>
+        <p14:creationId xmlns:p14="http://schemas.microsoft.com/office/powerpoint/2010/main" val="4269831375"/>
       </p:ext>
     </p:extLst>
   </p:cSld>
@@ -4226,7 +4194,7 @@
           <p:cNvPr id="5" name="Picture 4">
             <a:extLst>
               <a:ext uri="{FF2B5EF4-FFF2-40B4-BE49-F238E27FC236}">
-                <a16:creationId xmlns:a16="http://schemas.microsoft.com/office/drawing/2014/main" xmlns="" id="{CF76EA7F-8784-471D-A9F6-89489EB2847A}"/>
+                <a16:creationId xmlns:a16="http://schemas.microsoft.com/office/drawing/2014/main" id="{CF76EA7F-8784-471D-A9F6-89489EB2847A}"/>
               </a:ext>
             </a:extLst>
           </p:cNvPr>
@@ -4255,7 +4223,7 @@
           <p:cNvPr id="6" name="Group 5">
             <a:extLst>
               <a:ext uri="{FF2B5EF4-FFF2-40B4-BE49-F238E27FC236}">
-                <a16:creationId xmlns:a16="http://schemas.microsoft.com/office/drawing/2014/main" xmlns="" id="{5F5AB41A-A0D7-4C27-AE29-7D1B9D690D66}"/>
+                <a16:creationId xmlns:a16="http://schemas.microsoft.com/office/drawing/2014/main" id="{5F5AB41A-A0D7-4C27-AE29-7D1B9D690D66}"/>
               </a:ext>
             </a:extLst>
           </p:cNvPr>
@@ -4275,7 +4243,7 @@
             <p:cNvPr id="7" name="Group 6">
               <a:extLst>
                 <a:ext uri="{FF2B5EF4-FFF2-40B4-BE49-F238E27FC236}">
-                  <a16:creationId xmlns:a16="http://schemas.microsoft.com/office/drawing/2014/main" xmlns="" id="{1C2A98B6-97FC-4CBB-843D-AB5677D7126A}"/>
+                  <a16:creationId xmlns:a16="http://schemas.microsoft.com/office/drawing/2014/main" id="{1C2A98B6-97FC-4CBB-843D-AB5677D7126A}"/>
                 </a:ext>
               </a:extLst>
             </p:cNvPr>
@@ -4295,7 +4263,7 @@
               <p:cNvPr id="9" name="Rounded Rectangle 5">
                 <a:extLst>
                   <a:ext uri="{FF2B5EF4-FFF2-40B4-BE49-F238E27FC236}">
-                    <a16:creationId xmlns:a16="http://schemas.microsoft.com/office/drawing/2014/main" xmlns="" id="{01E2059C-F649-4826-A1B9-307ECB84FA13}"/>
+                    <a16:creationId xmlns:a16="http://schemas.microsoft.com/office/drawing/2014/main" id="{01E2059C-F649-4826-A1B9-307ECB84FA13}"/>
                   </a:ext>
                 </a:extLst>
               </p:cNvPr>
@@ -4372,7 +4340,7 @@
               <p:cNvPr id="10" name="Rounded Rectangle 4">
                 <a:extLst>
                   <a:ext uri="{FF2B5EF4-FFF2-40B4-BE49-F238E27FC236}">
-                    <a16:creationId xmlns:a16="http://schemas.microsoft.com/office/drawing/2014/main" xmlns="" id="{2A41193E-045F-4BA1-BC0B-20B9B140C54F}"/>
+                    <a16:creationId xmlns:a16="http://schemas.microsoft.com/office/drawing/2014/main" id="{2A41193E-045F-4BA1-BC0B-20B9B140C54F}"/>
                   </a:ext>
                 </a:extLst>
               </p:cNvPr>
@@ -4422,7 +4390,7 @@
             <p:cNvPr id="8" name="Rectangle 7">
               <a:extLst>
                 <a:ext uri="{FF2B5EF4-FFF2-40B4-BE49-F238E27FC236}">
-                  <a16:creationId xmlns:a16="http://schemas.microsoft.com/office/drawing/2014/main" xmlns="" id="{A68F207E-B64B-46F2-A7FB-09A52DFB6128}"/>
+                  <a16:creationId xmlns:a16="http://schemas.microsoft.com/office/drawing/2014/main" id="{A68F207E-B64B-46F2-A7FB-09A52DFB6128}"/>
                 </a:ext>
               </a:extLst>
             </p:cNvPr>
@@ -4552,17 +4520,8 @@
               </a:r>
               <a:r>
                 <a:rPr lang="en-US" b="1" dirty="0"/>
-                <a:t>running time of </a:t>
+                <a:t>running time of 401.7s</a:t>
               </a:r>
-              <a:r>
-                <a:rPr lang="en-US" b="1" dirty="0" smtClean="0"/>
-                <a:t>401.7s </a:t>
-              </a:r>
-              <a:r>
-                <a:rPr lang="en-US" dirty="0" smtClean="0"/>
-                <a:t>on the test set.</a:t>
-              </a:r>
-              <a:endParaRPr lang="en-US" dirty="0"/>
             </a:p>
             <a:p>
               <a:endParaRPr lang="en-US" b="1" dirty="0"/>
@@ -4578,7 +4537,7 @@
           <p:cNvPr id="12" name="Oval 11">
             <a:extLst>
               <a:ext uri="{FF2B5EF4-FFF2-40B4-BE49-F238E27FC236}">
-                <a16:creationId xmlns:a16="http://schemas.microsoft.com/office/drawing/2014/main" xmlns="" id="{77197AFC-7272-4CE3-85A8-F5FAC59EF680}"/>
+                <a16:creationId xmlns:a16="http://schemas.microsoft.com/office/drawing/2014/main" id="{77197AFC-7272-4CE3-85A8-F5FAC59EF680}"/>
               </a:ext>
             </a:extLst>
           </p:cNvPr>
@@ -4627,7 +4586,7 @@
           <p:cNvPr id="13" name="TextBox 12">
             <a:extLst>
               <a:ext uri="{FF2B5EF4-FFF2-40B4-BE49-F238E27FC236}">
-                <a16:creationId xmlns:a16="http://schemas.microsoft.com/office/drawing/2014/main" xmlns="" id="{79DE3308-85F2-4601-A0E3-51E16CAF358D}"/>
+                <a16:creationId xmlns:a16="http://schemas.microsoft.com/office/drawing/2014/main" id="{79DE3308-85F2-4601-A0E3-51E16CAF358D}"/>
               </a:ext>
             </a:extLst>
           </p:cNvPr>
@@ -4682,7 +4641,7 @@
           <p:cNvPr id="14" name="Oval 13">
             <a:extLst>
               <a:ext uri="{FF2B5EF4-FFF2-40B4-BE49-F238E27FC236}">
-                <a16:creationId xmlns:a16="http://schemas.microsoft.com/office/drawing/2014/main" xmlns="" id="{158F667E-61E8-43F7-A0A9-2629E385768C}"/>
+                <a16:creationId xmlns:a16="http://schemas.microsoft.com/office/drawing/2014/main" id="{158F667E-61E8-43F7-A0A9-2629E385768C}"/>
               </a:ext>
             </a:extLst>
           </p:cNvPr>
@@ -4731,7 +4690,7 @@
           <p:cNvPr id="15" name="TextBox 14">
             <a:extLst>
               <a:ext uri="{FF2B5EF4-FFF2-40B4-BE49-F238E27FC236}">
-                <a16:creationId xmlns:a16="http://schemas.microsoft.com/office/drawing/2014/main" xmlns="" id="{9682F5B2-35A3-42E8-9CDE-36F6315EFF36}"/>
+                <a16:creationId xmlns:a16="http://schemas.microsoft.com/office/drawing/2014/main" id="{9682F5B2-35A3-42E8-9CDE-36F6315EFF36}"/>
               </a:ext>
             </a:extLst>
           </p:cNvPr>
@@ -4766,7 +4725,7 @@
           <p:cNvPr id="17" name="Straight Connector 16">
             <a:extLst>
               <a:ext uri="{FF2B5EF4-FFF2-40B4-BE49-F238E27FC236}">
-                <a16:creationId xmlns:a16="http://schemas.microsoft.com/office/drawing/2014/main" xmlns="" id="{CE05F839-3054-43DF-8810-8EA6BE360703}"/>
+                <a16:creationId xmlns:a16="http://schemas.microsoft.com/office/drawing/2014/main" id="{CE05F839-3054-43DF-8810-8EA6BE360703}"/>
               </a:ext>
             </a:extLst>
           </p:cNvPr>
@@ -4802,7 +4761,7 @@
     </p:spTree>
     <p:extLst>
       <p:ext uri="{BB962C8B-B14F-4D97-AF65-F5344CB8AC3E}">
-        <p14:creationId xmlns:p14="http://schemas.microsoft.com/office/powerpoint/2010/main" xmlns="" val="1321281100"/>
+        <p14:creationId xmlns:p14="http://schemas.microsoft.com/office/powerpoint/2010/main" val="1321281100"/>
       </p:ext>
     </p:extLst>
   </p:cSld>
@@ -4863,7 +4822,7 @@
           <p:cNvPr id="19" name="Group 18">
             <a:extLst>
               <a:ext uri="{FF2B5EF4-FFF2-40B4-BE49-F238E27FC236}">
-                <a16:creationId xmlns:a16="http://schemas.microsoft.com/office/drawing/2014/main" xmlns="" id="{B1363286-2C78-4B3B-9BD7-520C71407EFF}"/>
+                <a16:creationId xmlns:a16="http://schemas.microsoft.com/office/drawing/2014/main" id="{B1363286-2C78-4B3B-9BD7-520C71407EFF}"/>
               </a:ext>
             </a:extLst>
           </p:cNvPr>
@@ -4883,7 +4842,7 @@
             <p:cNvPr id="6" name="Picture 5">
               <a:extLst>
                 <a:ext uri="{FF2B5EF4-FFF2-40B4-BE49-F238E27FC236}">
-                  <a16:creationId xmlns:a16="http://schemas.microsoft.com/office/drawing/2014/main" xmlns="" id="{A7ADFC44-E490-43A9-82B7-8787BD97D692}"/>
+                  <a16:creationId xmlns:a16="http://schemas.microsoft.com/office/drawing/2014/main" id="{A7ADFC44-E490-43A9-82B7-8787BD97D692}"/>
                 </a:ext>
               </a:extLst>
             </p:cNvPr>
@@ -4926,7 +4885,7 @@
             <p:cNvPr id="7" name="Rectangle: Rounded Corners 6">
               <a:extLst>
                 <a:ext uri="{FF2B5EF4-FFF2-40B4-BE49-F238E27FC236}">
-                  <a16:creationId xmlns:a16="http://schemas.microsoft.com/office/drawing/2014/main" xmlns="" id="{36571A63-085D-4C75-A497-4F48FCC5A280}"/>
+                  <a16:creationId xmlns:a16="http://schemas.microsoft.com/office/drawing/2014/main" id="{36571A63-085D-4C75-A497-4F48FCC5A280}"/>
                 </a:ext>
               </a:extLst>
             </p:cNvPr>
@@ -4981,7 +4940,7 @@
           <p:cNvPr id="13" name="Group 12">
             <a:extLst>
               <a:ext uri="{FF2B5EF4-FFF2-40B4-BE49-F238E27FC236}">
-                <a16:creationId xmlns:a16="http://schemas.microsoft.com/office/drawing/2014/main" xmlns="" id="{C1C06428-913C-49BA-A560-F28B608079D1}"/>
+                <a16:creationId xmlns:a16="http://schemas.microsoft.com/office/drawing/2014/main" id="{C1C06428-913C-49BA-A560-F28B608079D1}"/>
               </a:ext>
             </a:extLst>
           </p:cNvPr>
@@ -5001,7 +4960,7 @@
             <p:cNvPr id="9" name="Group 8">
               <a:extLst>
                 <a:ext uri="{FF2B5EF4-FFF2-40B4-BE49-F238E27FC236}">
-                  <a16:creationId xmlns:a16="http://schemas.microsoft.com/office/drawing/2014/main" xmlns="" id="{ADD74108-4444-41F8-A704-0CC219A669FD}"/>
+                  <a16:creationId xmlns:a16="http://schemas.microsoft.com/office/drawing/2014/main" id="{ADD74108-4444-41F8-A704-0CC219A669FD}"/>
                 </a:ext>
               </a:extLst>
             </p:cNvPr>
@@ -5021,7 +4980,7 @@
               <p:cNvPr id="10" name="Rounded Rectangle 5">
                 <a:extLst>
                   <a:ext uri="{FF2B5EF4-FFF2-40B4-BE49-F238E27FC236}">
-                    <a16:creationId xmlns:a16="http://schemas.microsoft.com/office/drawing/2014/main" xmlns="" id="{ED448CD9-4FCA-4AB5-8878-3755C387E008}"/>
+                    <a16:creationId xmlns:a16="http://schemas.microsoft.com/office/drawing/2014/main" id="{ED448CD9-4FCA-4AB5-8878-3755C387E008}"/>
                   </a:ext>
                 </a:extLst>
               </p:cNvPr>
@@ -5098,7 +5057,7 @@
               <p:cNvPr id="11" name="Rounded Rectangle 4">
                 <a:extLst>
                   <a:ext uri="{FF2B5EF4-FFF2-40B4-BE49-F238E27FC236}">
-                    <a16:creationId xmlns:a16="http://schemas.microsoft.com/office/drawing/2014/main" xmlns="" id="{6E02B966-414F-455D-AD90-2C816E0EE993}"/>
+                    <a16:creationId xmlns:a16="http://schemas.microsoft.com/office/drawing/2014/main" id="{6E02B966-414F-455D-AD90-2C816E0EE993}"/>
                   </a:ext>
                 </a:extLst>
               </p:cNvPr>
@@ -5148,7 +5107,7 @@
             <p:cNvPr id="12" name="Rectangle 11">
               <a:extLst>
                 <a:ext uri="{FF2B5EF4-FFF2-40B4-BE49-F238E27FC236}">
-                  <a16:creationId xmlns:a16="http://schemas.microsoft.com/office/drawing/2014/main" xmlns="" id="{371271CF-D8DE-4786-A588-58F9826266B0}"/>
+                  <a16:creationId xmlns:a16="http://schemas.microsoft.com/office/drawing/2014/main" id="{371271CF-D8DE-4786-A588-58F9826266B0}"/>
                 </a:ext>
               </a:extLst>
             </p:cNvPr>
@@ -5213,7 +5172,7 @@
           <p:cNvPr id="20" name="Rectangle: Rounded Corners 19">
             <a:extLst>
               <a:ext uri="{FF2B5EF4-FFF2-40B4-BE49-F238E27FC236}">
-                <a16:creationId xmlns:a16="http://schemas.microsoft.com/office/drawing/2014/main" xmlns="" id="{516B0DDA-E78C-4606-9563-AA3495159122}"/>
+                <a16:creationId xmlns:a16="http://schemas.microsoft.com/office/drawing/2014/main" id="{516B0DDA-E78C-4606-9563-AA3495159122}"/>
               </a:ext>
             </a:extLst>
           </p:cNvPr>
@@ -5271,7 +5230,7 @@
           <p:cNvPr id="21" name="Rectangle 20">
             <a:extLst>
               <a:ext uri="{FF2B5EF4-FFF2-40B4-BE49-F238E27FC236}">
-                <a16:creationId xmlns:a16="http://schemas.microsoft.com/office/drawing/2014/main" xmlns="" id="{A3E4C4AF-7B2B-4434-8B12-C88F46710186}"/>
+                <a16:creationId xmlns:a16="http://schemas.microsoft.com/office/drawing/2014/main" id="{A3E4C4AF-7B2B-4434-8B12-C88F46710186}"/>
               </a:ext>
             </a:extLst>
           </p:cNvPr>
@@ -5444,7 +5403,7 @@
           <p:cNvPr id="22" name="Straight Connector 21">
             <a:extLst>
               <a:ext uri="{FF2B5EF4-FFF2-40B4-BE49-F238E27FC236}">
-                <a16:creationId xmlns:a16="http://schemas.microsoft.com/office/drawing/2014/main" xmlns="" id="{FA7893D9-493F-4F7A-8DD6-E6101503DAE4}"/>
+                <a16:creationId xmlns:a16="http://schemas.microsoft.com/office/drawing/2014/main" id="{FA7893D9-493F-4F7A-8DD6-E6101503DAE4}"/>
               </a:ext>
             </a:extLst>
           </p:cNvPr>
@@ -5480,7 +5439,7 @@
     </p:spTree>
     <p:extLst>
       <p:ext uri="{BB962C8B-B14F-4D97-AF65-F5344CB8AC3E}">
-        <p14:creationId xmlns:p14="http://schemas.microsoft.com/office/powerpoint/2010/main" xmlns="" val="1189532912"/>
+        <p14:creationId xmlns:p14="http://schemas.microsoft.com/office/powerpoint/2010/main" val="1189532912"/>
       </p:ext>
     </p:extLst>
   </p:cSld>
@@ -5541,7 +5500,7 @@
           <p:cNvPr id="4" name="Oval 3">
             <a:extLst>
               <a:ext uri="{FF2B5EF4-FFF2-40B4-BE49-F238E27FC236}">
-                <a16:creationId xmlns:a16="http://schemas.microsoft.com/office/drawing/2014/main" xmlns="" id="{9E5146BC-1E0D-4BFC-8AC5-7782810E4DBE}"/>
+                <a16:creationId xmlns:a16="http://schemas.microsoft.com/office/drawing/2014/main" id="{9E5146BC-1E0D-4BFC-8AC5-7782810E4DBE}"/>
               </a:ext>
             </a:extLst>
           </p:cNvPr>
@@ -5590,7 +5549,7 @@
           <p:cNvPr id="5" name="TextBox 4">
             <a:extLst>
               <a:ext uri="{FF2B5EF4-FFF2-40B4-BE49-F238E27FC236}">
-                <a16:creationId xmlns:a16="http://schemas.microsoft.com/office/drawing/2014/main" xmlns="" id="{BAF9FAF1-8D3B-45DB-A69C-2D7941D84568}"/>
+                <a16:creationId xmlns:a16="http://schemas.microsoft.com/office/drawing/2014/main" id="{BAF9FAF1-8D3B-45DB-A69C-2D7941D84568}"/>
               </a:ext>
             </a:extLst>
           </p:cNvPr>
@@ -5645,7 +5604,7 @@
           <p:cNvPr id="6" name="Oval 5">
             <a:extLst>
               <a:ext uri="{FF2B5EF4-FFF2-40B4-BE49-F238E27FC236}">
-                <a16:creationId xmlns:a16="http://schemas.microsoft.com/office/drawing/2014/main" xmlns="" id="{68F854CC-D204-441B-ABC7-44E12D33FA53}"/>
+                <a16:creationId xmlns:a16="http://schemas.microsoft.com/office/drawing/2014/main" id="{68F854CC-D204-441B-ABC7-44E12D33FA53}"/>
               </a:ext>
             </a:extLst>
           </p:cNvPr>
@@ -5694,7 +5653,7 @@
           <p:cNvPr id="7" name="TextBox 6">
             <a:extLst>
               <a:ext uri="{FF2B5EF4-FFF2-40B4-BE49-F238E27FC236}">
-                <a16:creationId xmlns:a16="http://schemas.microsoft.com/office/drawing/2014/main" xmlns="" id="{0D413C2D-B0D1-49F5-AE47-2DACE51E8B8A}"/>
+                <a16:creationId xmlns:a16="http://schemas.microsoft.com/office/drawing/2014/main" id="{0D413C2D-B0D1-49F5-AE47-2DACE51E8B8A}"/>
               </a:ext>
             </a:extLst>
           </p:cNvPr>
@@ -5741,7 +5700,7 @@
           <p:cNvPr id="8" name="Oval 7">
             <a:extLst>
               <a:ext uri="{FF2B5EF4-FFF2-40B4-BE49-F238E27FC236}">
-                <a16:creationId xmlns:a16="http://schemas.microsoft.com/office/drawing/2014/main" xmlns="" id="{E347AD12-6476-4502-B518-238FE4A1D6B8}"/>
+                <a16:creationId xmlns:a16="http://schemas.microsoft.com/office/drawing/2014/main" id="{E347AD12-6476-4502-B518-238FE4A1D6B8}"/>
               </a:ext>
             </a:extLst>
           </p:cNvPr>
@@ -5790,7 +5749,7 @@
           <p:cNvPr id="9" name="TextBox 8">
             <a:extLst>
               <a:ext uri="{FF2B5EF4-FFF2-40B4-BE49-F238E27FC236}">
-                <a16:creationId xmlns:a16="http://schemas.microsoft.com/office/drawing/2014/main" xmlns="" id="{DF3AE0A2-CD7D-404E-ACA4-AD83DCF31BC8}"/>
+                <a16:creationId xmlns:a16="http://schemas.microsoft.com/office/drawing/2014/main" id="{DF3AE0A2-CD7D-404E-ACA4-AD83DCF31BC8}"/>
               </a:ext>
             </a:extLst>
           </p:cNvPr>
@@ -5822,16 +5781,12 @@
               <a:t>The HSV (Hue, Saturation, Value) representation models the way paints of different colors mix together. Here </a:t>
             </a:r>
             <a:r>
+              <a:rPr lang="en-US" dirty="0" err="1"/>
+              <a:t>ze</a:t>
+            </a:r>
+            <a:r>
               <a:rPr lang="en-US" dirty="0"/>
-              <a:t>w</a:t>
-            </a:r>
-            <a:r>
-              <a:rPr lang="en-US" dirty="0" smtClean="0"/>
-              <a:t>e </a:t>
-            </a:r>
-            <a:r>
-              <a:rPr lang="en-US" dirty="0"/>
-              <a:t>used parameters: </a:t>
+              <a:t> used parameters: </a:t>
             </a:r>
             <a:r>
               <a:rPr lang="en-US" dirty="0" err="1"/>
@@ -5871,7 +5826,7 @@
           <p:cNvPr id="10" name="Oval 9">
             <a:extLst>
               <a:ext uri="{FF2B5EF4-FFF2-40B4-BE49-F238E27FC236}">
-                <a16:creationId xmlns:a16="http://schemas.microsoft.com/office/drawing/2014/main" xmlns="" id="{A69C9D78-5E73-4AE3-88AE-DF7EF85A65A7}"/>
+                <a16:creationId xmlns:a16="http://schemas.microsoft.com/office/drawing/2014/main" id="{A69C9D78-5E73-4AE3-88AE-DF7EF85A65A7}"/>
               </a:ext>
             </a:extLst>
           </p:cNvPr>
@@ -5920,7 +5875,7 @@
           <p:cNvPr id="11" name="TextBox 10">
             <a:extLst>
               <a:ext uri="{FF2B5EF4-FFF2-40B4-BE49-F238E27FC236}">
-                <a16:creationId xmlns:a16="http://schemas.microsoft.com/office/drawing/2014/main" xmlns="" id="{42981736-2B3F-4B85-85F6-ADFF72C6A23E}"/>
+                <a16:creationId xmlns:a16="http://schemas.microsoft.com/office/drawing/2014/main" id="{42981736-2B3F-4B85-85F6-ADFF72C6A23E}"/>
               </a:ext>
             </a:extLst>
           </p:cNvPr>
@@ -5961,8 +5916,13 @@
           <a:p>
             <a:r>
               <a:rPr lang="en-US" dirty="0"/>
-              <a:t>and green element to be 12 and used R.</a:t>
-            </a:r>
+              <a:t>and green element to </a:t>
+            </a:r>
+            <a:r>
+              <a:rPr lang="en-US"/>
+              <a:t>be 12 and used R.</a:t>
+            </a:r>
+            <a:endParaRPr lang="en-US" dirty="0"/>
           </a:p>
           <a:p>
             <a:endParaRPr lang="en-US" sz="2400" dirty="0"/>
@@ -5981,7 +5941,7 @@
           <p:cNvPr id="12" name="Straight Connector 11">
             <a:extLst>
               <a:ext uri="{FF2B5EF4-FFF2-40B4-BE49-F238E27FC236}">
-                <a16:creationId xmlns:a16="http://schemas.microsoft.com/office/drawing/2014/main" xmlns="" id="{1DAAEEE4-573F-43C3-822B-D581A798B411}"/>
+                <a16:creationId xmlns:a16="http://schemas.microsoft.com/office/drawing/2014/main" id="{1DAAEEE4-573F-43C3-822B-D581A798B411}"/>
               </a:ext>
             </a:extLst>
           </p:cNvPr>
@@ -6019,7 +5979,7 @@
           <p:cNvPr id="14" name="图片 2">
             <a:extLst>
               <a:ext uri="{FF2B5EF4-FFF2-40B4-BE49-F238E27FC236}">
-                <a16:creationId xmlns:a16="http://schemas.microsoft.com/office/drawing/2014/main" xmlns="" id="{F982B1F3-4876-40C7-91FA-722E5BC17C1A}"/>
+                <a16:creationId xmlns:a16="http://schemas.microsoft.com/office/drawing/2014/main" id="{F982B1F3-4876-40C7-91FA-722E5BC17C1A}"/>
               </a:ext>
             </a:extLst>
           </p:cNvPr>
@@ -6030,7 +5990,7 @@
           <a:blip r:embed="rId2">
             <a:extLst>
               <a:ext uri="{28A0092B-C50C-407E-A947-70E740481C1C}">
-                <a14:useLocalDpi xmlns:a14="http://schemas.microsoft.com/office/drawing/2010/main" xmlns="" val="0"/>
+                <a14:useLocalDpi xmlns:a14="http://schemas.microsoft.com/office/drawing/2010/main" val="0"/>
               </a:ext>
             </a:extLst>
           </a:blip>
@@ -6054,7 +6014,7 @@
     </p:spTree>
     <p:extLst>
       <p:ext uri="{BB962C8B-B14F-4D97-AF65-F5344CB8AC3E}">
-        <p14:creationId xmlns:p14="http://schemas.microsoft.com/office/powerpoint/2010/main" xmlns="" val="665277472"/>
+        <p14:creationId xmlns:p14="http://schemas.microsoft.com/office/powerpoint/2010/main" val="665277472"/>
       </p:ext>
     </p:extLst>
   </p:cSld>
@@ -6144,7 +6104,7 @@
           <p:cNvPr id="8" name="Group 7">
             <a:extLst>
               <a:ext uri="{FF2B5EF4-FFF2-40B4-BE49-F238E27FC236}">
-                <a16:creationId xmlns:a16="http://schemas.microsoft.com/office/drawing/2014/main" xmlns="" id="{C2D5264D-8118-4873-AF3A-6424A1F54F4E}"/>
+                <a16:creationId xmlns:a16="http://schemas.microsoft.com/office/drawing/2014/main" id="{C2D5264D-8118-4873-AF3A-6424A1F54F4E}"/>
               </a:ext>
             </a:extLst>
           </p:cNvPr>
@@ -6164,7 +6124,7 @@
             <p:cNvPr id="5" name="Picture 4">
               <a:extLst>
                 <a:ext uri="{FF2B5EF4-FFF2-40B4-BE49-F238E27FC236}">
-                  <a16:creationId xmlns:a16="http://schemas.microsoft.com/office/drawing/2014/main" xmlns="" id="{15540031-174A-4582-842D-D21BF0C0B17B}"/>
+                  <a16:creationId xmlns:a16="http://schemas.microsoft.com/office/drawing/2014/main" id="{15540031-174A-4582-842D-D21BF0C0B17B}"/>
                 </a:ext>
               </a:extLst>
             </p:cNvPr>
@@ -6193,7 +6153,7 @@
             <p:cNvPr id="6" name="Rectangle: Rounded Corners 5">
               <a:extLst>
                 <a:ext uri="{FF2B5EF4-FFF2-40B4-BE49-F238E27FC236}">
-                  <a16:creationId xmlns:a16="http://schemas.microsoft.com/office/drawing/2014/main" xmlns="" id="{61381CD0-231A-484E-A88B-B178D3B7E0BE}"/>
+                  <a16:creationId xmlns:a16="http://schemas.microsoft.com/office/drawing/2014/main" id="{61381CD0-231A-484E-A88B-B178D3B7E0BE}"/>
                 </a:ext>
               </a:extLst>
             </p:cNvPr>
@@ -6247,7 +6207,7 @@
             <p:cNvPr id="7" name="Rectangle: Rounded Corners 6">
               <a:extLst>
                 <a:ext uri="{FF2B5EF4-FFF2-40B4-BE49-F238E27FC236}">
-                  <a16:creationId xmlns:a16="http://schemas.microsoft.com/office/drawing/2014/main" xmlns="" id="{7DCD8776-CD5A-4669-A3F2-71AA6B6EBF9C}"/>
+                  <a16:creationId xmlns:a16="http://schemas.microsoft.com/office/drawing/2014/main" id="{7DCD8776-CD5A-4669-A3F2-71AA6B6EBF9C}"/>
                 </a:ext>
               </a:extLst>
             </p:cNvPr>
@@ -6306,7 +6266,7 @@
           <p:cNvPr id="9" name="Rectangle 8">
             <a:extLst>
               <a:ext uri="{FF2B5EF4-FFF2-40B4-BE49-F238E27FC236}">
-                <a16:creationId xmlns:a16="http://schemas.microsoft.com/office/drawing/2014/main" xmlns="" id="{B828F22F-50C5-4234-BC49-93C1CE68E694}"/>
+                <a16:creationId xmlns:a16="http://schemas.microsoft.com/office/drawing/2014/main" id="{B828F22F-50C5-4234-BC49-93C1CE68E694}"/>
               </a:ext>
             </a:extLst>
           </p:cNvPr>
@@ -6476,7 +6436,7 @@
           <p:cNvPr id="10" name="Straight Connector 9">
             <a:extLst>
               <a:ext uri="{FF2B5EF4-FFF2-40B4-BE49-F238E27FC236}">
-                <a16:creationId xmlns:a16="http://schemas.microsoft.com/office/drawing/2014/main" xmlns="" id="{54CD431D-ABF6-4F51-83CE-5A774B908362}"/>
+                <a16:creationId xmlns:a16="http://schemas.microsoft.com/office/drawing/2014/main" id="{54CD431D-ABF6-4F51-83CE-5A774B908362}"/>
               </a:ext>
             </a:extLst>
           </p:cNvPr>
@@ -6512,7 +6472,7 @@
     </p:spTree>
     <p:extLst>
       <p:ext uri="{BB962C8B-B14F-4D97-AF65-F5344CB8AC3E}">
-        <p14:creationId xmlns:p14="http://schemas.microsoft.com/office/powerpoint/2010/main" xmlns="" val="717940036"/>
+        <p14:creationId xmlns:p14="http://schemas.microsoft.com/office/powerpoint/2010/main" val="717940036"/>
       </p:ext>
     </p:extLst>
   </p:cSld>
@@ -6573,7 +6533,7 @@
           <p:cNvPr id="4" name="Oval 3">
             <a:extLst>
               <a:ext uri="{FF2B5EF4-FFF2-40B4-BE49-F238E27FC236}">
-                <a16:creationId xmlns:a16="http://schemas.microsoft.com/office/drawing/2014/main" xmlns="" id="{8787589B-829D-42C7-9849-9FA188C836ED}"/>
+                <a16:creationId xmlns:a16="http://schemas.microsoft.com/office/drawing/2014/main" id="{8787589B-829D-42C7-9849-9FA188C836ED}"/>
               </a:ext>
             </a:extLst>
           </p:cNvPr>
@@ -6582,7 +6542,7 @@
         </p:nvSpPr>
         <p:spPr>
           <a:xfrm>
-            <a:off x="118529" y="2277919"/>
+            <a:off x="251879" y="2277919"/>
             <a:ext cx="395821" cy="395821"/>
           </a:xfrm>
           <a:prstGeom prst="ellipse">
@@ -6622,7 +6582,7 @@
           <p:cNvPr id="5" name="TextBox 4">
             <a:extLst>
               <a:ext uri="{FF2B5EF4-FFF2-40B4-BE49-F238E27FC236}">
-                <a16:creationId xmlns:a16="http://schemas.microsoft.com/office/drawing/2014/main" xmlns="" id="{3987A76B-62BF-49C6-B0B2-F4DA485DD458}"/>
+                <a16:creationId xmlns:a16="http://schemas.microsoft.com/office/drawing/2014/main" id="{3987A76B-62BF-49C6-B0B2-F4DA485DD458}"/>
               </a:ext>
             </a:extLst>
           </p:cNvPr>
@@ -6631,7 +6591,7 @@
         </p:nvSpPr>
         <p:spPr>
           <a:xfrm>
-            <a:off x="514350" y="2239819"/>
+            <a:off x="647700" y="2239819"/>
             <a:ext cx="8743950" cy="2185214"/>
           </a:xfrm>
           <a:prstGeom prst="rect">
@@ -6724,7 +6684,7 @@
           <p:cNvPr id="6" name="Oval 5">
             <a:extLst>
               <a:ext uri="{FF2B5EF4-FFF2-40B4-BE49-F238E27FC236}">
-                <a16:creationId xmlns:a16="http://schemas.microsoft.com/office/drawing/2014/main" xmlns="" id="{BBC4DFE2-A7E7-45EB-A060-8D04E673BFE8}"/>
+                <a16:creationId xmlns:a16="http://schemas.microsoft.com/office/drawing/2014/main" id="{BBC4DFE2-A7E7-45EB-A060-8D04E673BFE8}"/>
               </a:ext>
             </a:extLst>
           </p:cNvPr>
@@ -6733,7 +6693,7 @@
         </p:nvSpPr>
         <p:spPr>
           <a:xfrm>
-            <a:off x="118529" y="4320498"/>
+            <a:off x="251879" y="4320498"/>
             <a:ext cx="395821" cy="395821"/>
           </a:xfrm>
           <a:prstGeom prst="ellipse">
@@ -6773,7 +6733,7 @@
           <p:cNvPr id="7" name="TextBox 6">
             <a:extLst>
               <a:ext uri="{FF2B5EF4-FFF2-40B4-BE49-F238E27FC236}">
-                <a16:creationId xmlns:a16="http://schemas.microsoft.com/office/drawing/2014/main" xmlns="" id="{2F3B8F35-6612-433B-845B-C60A4E3D39AF}"/>
+                <a16:creationId xmlns:a16="http://schemas.microsoft.com/office/drawing/2014/main" id="{2F3B8F35-6612-433B-845B-C60A4E3D39AF}"/>
               </a:ext>
             </a:extLst>
           </p:cNvPr>
@@ -6782,8 +6742,8 @@
         </p:nvSpPr>
         <p:spPr>
           <a:xfrm>
-            <a:off x="514350" y="4282398"/>
-            <a:ext cx="6800850" cy="2739211"/>
+            <a:off x="647700" y="4282398"/>
+            <a:ext cx="6358762" cy="2739211"/>
           </a:xfrm>
           <a:prstGeom prst="rect">
             <a:avLst/>
@@ -6822,15 +6782,7 @@
             </a:pPr>
             <a:r>
               <a:rPr lang="en-US" dirty="0"/>
-              <a:t>we used </a:t>
-            </a:r>
-            <a:r>
-              <a:rPr lang="en-US" dirty="0" smtClean="0"/>
-              <a:t>Cross-Validation on the training set </a:t>
-            </a:r>
-            <a:r>
-              <a:rPr lang="en-US" dirty="0"/>
-              <a:t>to fine the best parameters: </a:t>
+              <a:t>we used Cross-Validation to fine the best parameters: </a:t>
             </a:r>
             <a:r>
               <a:rPr lang="en-US" dirty="0" err="1"/>
@@ -6848,15 +6800,7 @@
             </a:pPr>
             <a:r>
               <a:rPr lang="en-US" dirty="0"/>
-              <a:t>we select </a:t>
-            </a:r>
-            <a:r>
-              <a:rPr lang="en-US" dirty="0" err="1" smtClean="0"/>
-              <a:t>ed</a:t>
-            </a:r>
-            <a:r>
-              <a:rPr lang="en-US" dirty="0" smtClean="0"/>
-              <a:t> </a:t>
+              <a:t>we select  </a:t>
             </a:r>
             <a:r>
               <a:rPr lang="en-US" b="1" dirty="0" err="1"/>
@@ -6886,11 +6830,7 @@
             </a:r>
             <a:r>
               <a:rPr lang="en-US" dirty="0"/>
-              <a:t>The running time is </a:t>
-            </a:r>
-            <a:r>
-              <a:rPr lang="en-US" dirty="0" smtClean="0"/>
-              <a:t>56son the test set.</a:t>
+              <a:t>The running time is 56s.</a:t>
             </a:r>
             <a:endParaRPr lang="en-US" sz="2000" b="1" dirty="0"/>
           </a:p>
@@ -6908,7 +6848,7 @@
           <p:cNvPr id="8" name="TextBox 7">
             <a:extLst>
               <a:ext uri="{FF2B5EF4-FFF2-40B4-BE49-F238E27FC236}">
-                <a16:creationId xmlns:a16="http://schemas.microsoft.com/office/drawing/2014/main" xmlns="" id="{9E9B7E7C-4D46-44B7-8898-79B9724ACBFF}"/>
+                <a16:creationId xmlns:a16="http://schemas.microsoft.com/office/drawing/2014/main" id="{9E9B7E7C-4D46-44B7-8898-79B9724ACBFF}"/>
               </a:ext>
             </a:extLst>
           </p:cNvPr>
@@ -6995,7 +6935,7 @@
           <p:cNvPr id="12" name="Rounded Rectangle 5">
             <a:extLst>
               <a:ext uri="{FF2B5EF4-FFF2-40B4-BE49-F238E27FC236}">
-                <a16:creationId xmlns:a16="http://schemas.microsoft.com/office/drawing/2014/main" xmlns="" id="{FC975995-654A-48C8-800F-259CC68502EB}"/>
+                <a16:creationId xmlns:a16="http://schemas.microsoft.com/office/drawing/2014/main" id="{FC975995-654A-48C8-800F-259CC68502EB}"/>
               </a:ext>
             </a:extLst>
           </p:cNvPr>
@@ -7072,7 +7012,7 @@
           <p:cNvPr id="16" name="Picture 15">
             <a:extLst>
               <a:ext uri="{FF2B5EF4-FFF2-40B4-BE49-F238E27FC236}">
-                <a16:creationId xmlns:a16="http://schemas.microsoft.com/office/drawing/2014/main" xmlns="" id="{8F2D48DD-7481-41B9-A507-54D44F4BAF2E}"/>
+                <a16:creationId xmlns:a16="http://schemas.microsoft.com/office/drawing/2014/main" id="{8F2D48DD-7481-41B9-A507-54D44F4BAF2E}"/>
               </a:ext>
             </a:extLst>
           </p:cNvPr>
@@ -7101,7 +7041,7 @@
           <p:cNvPr id="19" name="Straight Connector 18">
             <a:extLst>
               <a:ext uri="{FF2B5EF4-FFF2-40B4-BE49-F238E27FC236}">
-                <a16:creationId xmlns:a16="http://schemas.microsoft.com/office/drawing/2014/main" xmlns="" id="{E41C5C64-88D9-4F5B-9112-C03BA4EAE66F}"/>
+                <a16:creationId xmlns:a16="http://schemas.microsoft.com/office/drawing/2014/main" id="{E41C5C64-88D9-4F5B-9112-C03BA4EAE66F}"/>
               </a:ext>
             </a:extLst>
           </p:cNvPr>
@@ -7137,7 +7077,7 @@
     </p:spTree>
     <p:extLst>
       <p:ext uri="{BB962C8B-B14F-4D97-AF65-F5344CB8AC3E}">
-        <p14:creationId xmlns:p14="http://schemas.microsoft.com/office/powerpoint/2010/main" xmlns="" val="1531075210"/>
+        <p14:creationId xmlns:p14="http://schemas.microsoft.com/office/powerpoint/2010/main" val="1531075210"/>
       </p:ext>
     </p:extLst>
   </p:cSld>
@@ -7190,7 +7130,7 @@
     </a:clrScheme>
     <a:fontScheme name="Office Theme">
       <a:majorFont>
-        <a:latin typeface="Calibri Light"/>
+        <a:latin typeface="Calibri Light" panose="020F0302020204030204"/>
         <a:ea typeface=""/>
         <a:cs typeface=""/>
         <a:font script="Jpan" typeface="游ゴシック Light"/>
@@ -7225,7 +7165,7 @@
         <a:font script="Geor" typeface="Sylfaen"/>
       </a:majorFont>
       <a:minorFont>
-        <a:latin typeface="Calibri"/>
+        <a:latin typeface="Calibri" panose="020F0502020204030204"/>
         <a:ea typeface=""/>
         <a:cs typeface=""/>
         <a:font script="Jpan" typeface="游ゴシック"/>
@@ -7402,7 +7342,7 @@
   <a:extraClrSchemeLst/>
   <a:extLst>
     <a:ext uri="{05A4C25C-085E-4340-85A3-A5531E510DB2}">
-      <thm15:themeFamily xmlns:thm15="http://schemas.microsoft.com/office/thememl/2012/main" xmlns="" name="Office Theme" id="{62F939B6-93AF-4DB8-9C6B-D6C7DFDC589F}" vid="{4A3C46E8-61CC-4603-A589-7422A47A8E4A}"/>
+      <thm15:themeFamily xmlns:thm15="http://schemas.microsoft.com/office/thememl/2012/main" name="Office Theme" id="{62F939B6-93AF-4DB8-9C6B-D6C7DFDC589F}" vid="{4A3C46E8-61CC-4603-A589-7422A47A8E4A}"/>
     </a:ext>
   </a:extLst>
 </a:theme>

--- a/doc/team7_presentation.pptx
+++ b/doc/team7_presentation.pptx
@@ -115,7 +115,18 @@
   </p:defaultTextStyle>
   <p:extLst>
     <p:ext uri="{EFAFB233-063F-42B5-8137-9DF3F51BA10A}">
-      <p15:sldGuideLst xmlns:p15="http://schemas.microsoft.com/office/powerpoint/2012/main"/>
+      <p15:sldGuideLst xmlns:p15="http://schemas.microsoft.com/office/powerpoint/2012/main">
+        <p15:guide id="1" orient="horz" pos="2160">
+          <p15:clr>
+            <a:srgbClr val="A4A3A4"/>
+          </p15:clr>
+        </p15:guide>
+        <p15:guide id="2" pos="3840">
+          <p15:clr>
+            <a:srgbClr val="A4A3A4"/>
+          </p15:clr>
+        </p15:guide>
+      </p15:sldGuideLst>
     </p:ext>
   </p:extLst>
 </p:presentation>
@@ -521,6 +532,72 @@
 </p:notes>
 </file>
 
+<file path=ppt/notesSlides/notesSlide2.xml><?xml version="1.0" encoding="utf-8"?>
+<p:notes xmlns:a="http://schemas.openxmlformats.org/drawingml/2006/main" xmlns:r="http://schemas.openxmlformats.org/officeDocument/2006/relationships" xmlns:p="http://schemas.openxmlformats.org/presentationml/2006/main">
+  <p:cSld>
+    <p:spTree>
+      <p:nvGrpSpPr>
+        <p:cNvPr id="1" name=""/>
+        <p:cNvGrpSpPr/>
+        <p:nvPr/>
+      </p:nvGrpSpPr>
+      <p:grpSpPr>
+        <a:xfrm>
+          <a:off x="0" y="0"/>
+          <a:ext cx="0" cy="0"/>
+          <a:chOff x="0" y="0"/>
+          <a:chExt cx="0" cy="0"/>
+        </a:xfrm>
+      </p:grpSpPr>
+      <p:sp>
+        <p:nvSpPr>
+          <p:cNvPr id="2" name="Slide Image Placeholder 1"/>
+          <p:cNvSpPr>
+            <a:spLocks noGrp="1" noRot="1" noChangeAspect="1"/>
+          </p:cNvSpPr>
+          <p:nvPr>
+            <p:ph type="sldImg"/>
+          </p:nvPr>
+        </p:nvSpPr>
+        <p:spPr>
+          <a:xfrm>
+            <a:off x="381000" y="685800"/>
+            <a:ext cx="6096000" cy="3429000"/>
+          </a:xfrm>
+        </p:spPr>
+      </p:sp>
+      <p:sp>
+        <p:nvSpPr>
+          <p:cNvPr id="3" name="Notes Placeholder 2"/>
+          <p:cNvSpPr>
+            <a:spLocks noGrp="1"/>
+          </p:cNvSpPr>
+          <p:nvPr>
+            <p:ph type="body" idx="1"/>
+          </p:nvPr>
+        </p:nvSpPr>
+        <p:spPr/>
+        <p:txBody>
+          <a:bodyPr/>
+          <a:lstStyle/>
+          <a:p>
+            <a:endParaRPr lang="en-US" dirty="0"/>
+          </a:p>
+        </p:txBody>
+      </p:sp>
+    </p:spTree>
+    <p:extLst>
+      <p:ext uri="{BB962C8B-B14F-4D97-AF65-F5344CB8AC3E}">
+        <p14:creationId xmlns:p14="http://schemas.microsoft.com/office/powerpoint/2010/main" val="1607113893"/>
+      </p:ext>
+    </p:extLst>
+  </p:cSld>
+  <p:clrMapOvr>
+    <a:masterClrMapping/>
+  </p:clrMapOvr>
+</p:notes>
+</file>
+
 <file path=ppt/slideLayouts/slideLayout1.xml><?xml version="1.0" encoding="utf-8"?>
 <p:sldLayout xmlns:a="http://schemas.openxmlformats.org/drawingml/2006/main" xmlns:r="http://schemas.openxmlformats.org/officeDocument/2006/relationships" xmlns:p="http://schemas.openxmlformats.org/presentationml/2006/main" type="title" preserve="1">
   <p:cSld name="Title Slide">
@@ -652,7 +729,8 @@
           <a:p>
             <a:fld id="{784D0E34-2524-4EE5-9D39-68EB489638CE}" type="datetimeFigureOut">
               <a:rPr lang="en-US" smtClean="0"/>
-              <a:t>11/1/2017</a:t>
+              <a:pPr/>
+              <a:t>11/1/17</a:t>
             </a:fld>
             <a:endParaRPr lang="en-US"/>
           </a:p>
@@ -694,6 +772,7 @@
           <a:p>
             <a:fld id="{83B59F55-C583-4D3E-9B74-F55798A49C1B}" type="slidenum">
               <a:rPr lang="en-US" smtClean="0"/>
+              <a:pPr/>
               <a:t>‹#›</a:t>
             </a:fld>
             <a:endParaRPr lang="en-US"/>
@@ -822,7 +901,8 @@
           <a:p>
             <a:fld id="{784D0E34-2524-4EE5-9D39-68EB489638CE}" type="datetimeFigureOut">
               <a:rPr lang="en-US" smtClean="0"/>
-              <a:t>11/1/2017</a:t>
+              <a:pPr/>
+              <a:t>11/1/17</a:t>
             </a:fld>
             <a:endParaRPr lang="en-US"/>
           </a:p>
@@ -864,6 +944,7 @@
           <a:p>
             <a:fld id="{83B59F55-C583-4D3E-9B74-F55798A49C1B}" type="slidenum">
               <a:rPr lang="en-US" smtClean="0"/>
+              <a:pPr/>
               <a:t>‹#›</a:t>
             </a:fld>
             <a:endParaRPr lang="en-US"/>
@@ -1003,7 +1084,8 @@
           <a:p>
             <a:fld id="{784D0E34-2524-4EE5-9D39-68EB489638CE}" type="datetimeFigureOut">
               <a:rPr lang="en-US" smtClean="0"/>
-              <a:t>11/1/2017</a:t>
+              <a:pPr/>
+              <a:t>11/1/17</a:t>
             </a:fld>
             <a:endParaRPr lang="en-US"/>
           </a:p>
@@ -1045,6 +1127,7 @@
           <a:p>
             <a:fld id="{83B59F55-C583-4D3E-9B74-F55798A49C1B}" type="slidenum">
               <a:rPr lang="en-US" smtClean="0"/>
+              <a:pPr/>
               <a:t>‹#›</a:t>
             </a:fld>
             <a:endParaRPr lang="en-US"/>
@@ -1174,7 +1257,8 @@
           <a:p>
             <a:fld id="{784D0E34-2524-4EE5-9D39-68EB489638CE}" type="datetimeFigureOut">
               <a:rPr lang="en-US" smtClean="0"/>
-              <a:t>11/1/2017</a:t>
+              <a:pPr/>
+              <a:t>11/1/17</a:t>
             </a:fld>
             <a:endParaRPr lang="en-US"/>
           </a:p>
@@ -1216,6 +1300,7 @@
           <a:p>
             <a:fld id="{83B59F55-C583-4D3E-9B74-F55798A49C1B}" type="slidenum">
               <a:rPr lang="en-US" smtClean="0"/>
+              <a:pPr/>
               <a:t>‹#›</a:t>
             </a:fld>
             <a:endParaRPr lang="en-US"/>
@@ -1421,7 +1506,8 @@
           <a:p>
             <a:fld id="{784D0E34-2524-4EE5-9D39-68EB489638CE}" type="datetimeFigureOut">
               <a:rPr lang="en-US" smtClean="0"/>
-              <a:t>11/1/2017</a:t>
+              <a:pPr/>
+              <a:t>11/1/17</a:t>
             </a:fld>
             <a:endParaRPr lang="en-US"/>
           </a:p>
@@ -1463,6 +1549,7 @@
           <a:p>
             <a:fld id="{83B59F55-C583-4D3E-9B74-F55798A49C1B}" type="slidenum">
               <a:rPr lang="en-US" smtClean="0"/>
+              <a:pPr/>
               <a:t>‹#›</a:t>
             </a:fld>
             <a:endParaRPr lang="en-US"/>
@@ -1654,7 +1741,8 @@
           <a:p>
             <a:fld id="{784D0E34-2524-4EE5-9D39-68EB489638CE}" type="datetimeFigureOut">
               <a:rPr lang="en-US" smtClean="0"/>
-              <a:t>11/1/2017</a:t>
+              <a:pPr/>
+              <a:t>11/1/17</a:t>
             </a:fld>
             <a:endParaRPr lang="en-US"/>
           </a:p>
@@ -1696,6 +1784,7 @@
           <a:p>
             <a:fld id="{83B59F55-C583-4D3E-9B74-F55798A49C1B}" type="slidenum">
               <a:rPr lang="en-US" smtClean="0"/>
+              <a:pPr/>
               <a:t>‹#›</a:t>
             </a:fld>
             <a:endParaRPr lang="en-US"/>
@@ -2022,7 +2111,8 @@
           <a:p>
             <a:fld id="{784D0E34-2524-4EE5-9D39-68EB489638CE}" type="datetimeFigureOut">
               <a:rPr lang="en-US" smtClean="0"/>
-              <a:t>11/1/2017</a:t>
+              <a:pPr/>
+              <a:t>11/1/17</a:t>
             </a:fld>
             <a:endParaRPr lang="en-US"/>
           </a:p>
@@ -2064,6 +2154,7 @@
           <a:p>
             <a:fld id="{83B59F55-C583-4D3E-9B74-F55798A49C1B}" type="slidenum">
               <a:rPr lang="en-US" smtClean="0"/>
+              <a:pPr/>
               <a:t>‹#›</a:t>
             </a:fld>
             <a:endParaRPr lang="en-US"/>
@@ -2141,7 +2232,8 @@
           <a:p>
             <a:fld id="{784D0E34-2524-4EE5-9D39-68EB489638CE}" type="datetimeFigureOut">
               <a:rPr lang="en-US" smtClean="0"/>
-              <a:t>11/1/2017</a:t>
+              <a:pPr/>
+              <a:t>11/1/17</a:t>
             </a:fld>
             <a:endParaRPr lang="en-US"/>
           </a:p>
@@ -2183,6 +2275,7 @@
           <a:p>
             <a:fld id="{83B59F55-C583-4D3E-9B74-F55798A49C1B}" type="slidenum">
               <a:rPr lang="en-US" smtClean="0"/>
+              <a:pPr/>
               <a:t>‹#›</a:t>
             </a:fld>
             <a:endParaRPr lang="en-US"/>
@@ -2237,7 +2330,8 @@
           <a:p>
             <a:fld id="{784D0E34-2524-4EE5-9D39-68EB489638CE}" type="datetimeFigureOut">
               <a:rPr lang="en-US" smtClean="0"/>
-              <a:t>11/1/2017</a:t>
+              <a:pPr/>
+              <a:t>11/1/17</a:t>
             </a:fld>
             <a:endParaRPr lang="en-US"/>
           </a:p>
@@ -2279,6 +2373,7 @@
           <a:p>
             <a:fld id="{83B59F55-C583-4D3E-9B74-F55798A49C1B}" type="slidenum">
               <a:rPr lang="en-US" smtClean="0"/>
+              <a:pPr/>
               <a:t>‹#›</a:t>
             </a:fld>
             <a:endParaRPr lang="en-US"/>
@@ -2515,7 +2610,8 @@
           <a:p>
             <a:fld id="{784D0E34-2524-4EE5-9D39-68EB489638CE}" type="datetimeFigureOut">
               <a:rPr lang="en-US" smtClean="0"/>
-              <a:t>11/1/2017</a:t>
+              <a:pPr/>
+              <a:t>11/1/17</a:t>
             </a:fld>
             <a:endParaRPr lang="en-US"/>
           </a:p>
@@ -2557,6 +2653,7 @@
           <a:p>
             <a:fld id="{83B59F55-C583-4D3E-9B74-F55798A49C1B}" type="slidenum">
               <a:rPr lang="en-US" smtClean="0"/>
+              <a:pPr/>
               <a:t>‹#›</a:t>
             </a:fld>
             <a:endParaRPr lang="en-US"/>
@@ -2773,7 +2870,8 @@
           <a:p>
             <a:fld id="{784D0E34-2524-4EE5-9D39-68EB489638CE}" type="datetimeFigureOut">
               <a:rPr lang="en-US" smtClean="0"/>
-              <a:t>11/1/2017</a:t>
+              <a:pPr/>
+              <a:t>11/1/17</a:t>
             </a:fld>
             <a:endParaRPr lang="en-US"/>
           </a:p>
@@ -2815,6 +2913,7 @@
           <a:p>
             <a:fld id="{83B59F55-C583-4D3E-9B74-F55798A49C1B}" type="slidenum">
               <a:rPr lang="en-US" smtClean="0"/>
+              <a:pPr/>
               <a:t>‹#›</a:t>
             </a:fld>
             <a:endParaRPr lang="en-US"/>
@@ -2987,7 +3086,8 @@
           <a:p>
             <a:fld id="{784D0E34-2524-4EE5-9D39-68EB489638CE}" type="datetimeFigureOut">
               <a:rPr lang="en-US" smtClean="0"/>
-              <a:t>11/1/2017</a:t>
+              <a:pPr/>
+              <a:t>11/1/17</a:t>
             </a:fld>
             <a:endParaRPr lang="en-US"/>
           </a:p>
@@ -3065,6 +3165,7 @@
           <a:p>
             <a:fld id="{83B59F55-C583-4D3E-9B74-F55798A49C1B}" type="slidenum">
               <a:rPr lang="en-US" smtClean="0"/>
+              <a:pPr/>
               <a:t>‹#›</a:t>
             </a:fld>
             <a:endParaRPr lang="en-US"/>
@@ -3415,12 +3516,20 @@
           </a:bodyPr>
           <a:lstStyle/>
           <a:p>
+            <a:r>
+              <a:rPr lang="en-US" b="1" dirty="0"/>
+              <a:t/>
+            </a:r>
             <a:br>
               <a:rPr lang="en-US" b="1" dirty="0"/>
             </a:br>
             <a:r>
               <a:rPr lang="en-US" sz="4000" b="1" dirty="0"/>
               <a:t>Selection of the best predictive model to classify dogs, fried chicken and blueberry muffins</a:t>
+            </a:r>
+            <a:r>
+              <a:rPr lang="en-US" b="1" dirty="0"/>
+              <a:t/>
             </a:r>
             <a:br>
               <a:rPr lang="en-US" b="1" dirty="0"/>
@@ -3664,6 +3773,13 @@
   <p:clrMapOvr>
     <a:masterClrMapping/>
   </p:clrMapOvr>
+  <p:timing>
+    <p:tnLst>
+      <p:par>
+        <p:cTn id="1" dur="indefinite" restart="never" nodeType="tmRoot"/>
+      </p:par>
+    </p:tnLst>
+  </p:timing>
 </p:sld>
 </file>
 
@@ -4035,7 +4151,7 @@
           <p:cNvPr id="9" name="Straight Connector 8">
             <a:extLst>
               <a:ext uri="{FF2B5EF4-FFF2-40B4-BE49-F238E27FC236}">
-                <a16:creationId xmlns:a16="http://schemas.microsoft.com/office/drawing/2014/main" id="{13450948-0837-4FB7-BA57-0F51EF5F0702}"/>
+                <a16:creationId xmlns="" xmlns:a16="http://schemas.microsoft.com/office/drawing/2014/main" id="{13450948-0837-4FB7-BA57-0F51EF5F0702}"/>
               </a:ext>
             </a:extLst>
           </p:cNvPr>
@@ -4078,6 +4194,13 @@
   <p:clrMapOvr>
     <a:masterClrMapping/>
   </p:clrMapOvr>
+  <p:timing>
+    <p:tnLst>
+      <p:par>
+        <p:cTn id="1" dur="indefinite" restart="never" nodeType="tmRoot"/>
+      </p:par>
+    </p:tnLst>
+  </p:timing>
 </p:sld>
 </file>
 
@@ -4194,7 +4317,7 @@
           <p:cNvPr id="5" name="Picture 4">
             <a:extLst>
               <a:ext uri="{FF2B5EF4-FFF2-40B4-BE49-F238E27FC236}">
-                <a16:creationId xmlns:a16="http://schemas.microsoft.com/office/drawing/2014/main" id="{CF76EA7F-8784-471D-A9F6-89489EB2847A}"/>
+                <a16:creationId xmlns="" xmlns:a16="http://schemas.microsoft.com/office/drawing/2014/main" id="{CF76EA7F-8784-471D-A9F6-89489EB2847A}"/>
               </a:ext>
             </a:extLst>
           </p:cNvPr>
@@ -4223,7 +4346,7 @@
           <p:cNvPr id="6" name="Group 5">
             <a:extLst>
               <a:ext uri="{FF2B5EF4-FFF2-40B4-BE49-F238E27FC236}">
-                <a16:creationId xmlns:a16="http://schemas.microsoft.com/office/drawing/2014/main" id="{5F5AB41A-A0D7-4C27-AE29-7D1B9D690D66}"/>
+                <a16:creationId xmlns="" xmlns:a16="http://schemas.microsoft.com/office/drawing/2014/main" id="{5F5AB41A-A0D7-4C27-AE29-7D1B9D690D66}"/>
               </a:ext>
             </a:extLst>
           </p:cNvPr>
@@ -4243,7 +4366,7 @@
             <p:cNvPr id="7" name="Group 6">
               <a:extLst>
                 <a:ext uri="{FF2B5EF4-FFF2-40B4-BE49-F238E27FC236}">
-                  <a16:creationId xmlns:a16="http://schemas.microsoft.com/office/drawing/2014/main" id="{1C2A98B6-97FC-4CBB-843D-AB5677D7126A}"/>
+                  <a16:creationId xmlns="" xmlns:a16="http://schemas.microsoft.com/office/drawing/2014/main" id="{1C2A98B6-97FC-4CBB-843D-AB5677D7126A}"/>
                 </a:ext>
               </a:extLst>
             </p:cNvPr>
@@ -4263,7 +4386,7 @@
               <p:cNvPr id="9" name="Rounded Rectangle 5">
                 <a:extLst>
                   <a:ext uri="{FF2B5EF4-FFF2-40B4-BE49-F238E27FC236}">
-                    <a16:creationId xmlns:a16="http://schemas.microsoft.com/office/drawing/2014/main" id="{01E2059C-F649-4826-A1B9-307ECB84FA13}"/>
+                    <a16:creationId xmlns="" xmlns:a16="http://schemas.microsoft.com/office/drawing/2014/main" id="{01E2059C-F649-4826-A1B9-307ECB84FA13}"/>
                   </a:ext>
                 </a:extLst>
               </p:cNvPr>
@@ -4340,7 +4463,7 @@
               <p:cNvPr id="10" name="Rounded Rectangle 4">
                 <a:extLst>
                   <a:ext uri="{FF2B5EF4-FFF2-40B4-BE49-F238E27FC236}">
-                    <a16:creationId xmlns:a16="http://schemas.microsoft.com/office/drawing/2014/main" id="{2A41193E-045F-4BA1-BC0B-20B9B140C54F}"/>
+                    <a16:creationId xmlns="" xmlns:a16="http://schemas.microsoft.com/office/drawing/2014/main" id="{2A41193E-045F-4BA1-BC0B-20B9B140C54F}"/>
                   </a:ext>
                 </a:extLst>
               </p:cNvPr>
@@ -4390,7 +4513,7 @@
             <p:cNvPr id="8" name="Rectangle 7">
               <a:extLst>
                 <a:ext uri="{FF2B5EF4-FFF2-40B4-BE49-F238E27FC236}">
-                  <a16:creationId xmlns:a16="http://schemas.microsoft.com/office/drawing/2014/main" id="{A68F207E-B64B-46F2-A7FB-09A52DFB6128}"/>
+                  <a16:creationId xmlns="" xmlns:a16="http://schemas.microsoft.com/office/drawing/2014/main" id="{A68F207E-B64B-46F2-A7FB-09A52DFB6128}"/>
                 </a:ext>
               </a:extLst>
             </p:cNvPr>
@@ -4424,8 +4547,21 @@
               </a:pPr>
               <a:r>
                 <a:rPr lang="en-US" dirty="0"/>
-                <a:t>we used Cross-Validation on a training data set to estimate the model parameters</a:t>
+                <a:t>we used Cross-Validation on </a:t>
               </a:r>
+              <a:r>
+                <a:rPr lang="en-US" dirty="0" smtClean="0"/>
+                <a:t>the data </a:t>
+              </a:r>
+              <a:r>
+                <a:rPr lang="en-US" dirty="0"/>
+                <a:t>set to estimate the model </a:t>
+              </a:r>
+              <a:r>
+                <a:rPr lang="en-US" dirty="0" smtClean="0"/>
+                <a:t>parameters</a:t>
+              </a:r>
+              <a:endParaRPr lang="en-US" dirty="0"/>
             </a:p>
             <a:p>
               <a:pPr marL="285750" indent="-285750">
@@ -4520,8 +4656,13 @@
               </a:r>
               <a:r>
                 <a:rPr lang="en-US" b="1" dirty="0"/>
-                <a:t>running time of 401.7s</a:t>
+                <a:t>running time of </a:t>
               </a:r>
+              <a:r>
+                <a:rPr lang="en-US" b="1" dirty="0" smtClean="0"/>
+                <a:t>401.7s </a:t>
+              </a:r>
+              <a:endParaRPr lang="en-US" dirty="0"/>
             </a:p>
             <a:p>
               <a:endParaRPr lang="en-US" b="1" dirty="0"/>
@@ -4537,7 +4678,7 @@
           <p:cNvPr id="12" name="Oval 11">
             <a:extLst>
               <a:ext uri="{FF2B5EF4-FFF2-40B4-BE49-F238E27FC236}">
-                <a16:creationId xmlns:a16="http://schemas.microsoft.com/office/drawing/2014/main" id="{77197AFC-7272-4CE3-85A8-F5FAC59EF680}"/>
+                <a16:creationId xmlns="" xmlns:a16="http://schemas.microsoft.com/office/drawing/2014/main" id="{77197AFC-7272-4CE3-85A8-F5FAC59EF680}"/>
               </a:ext>
             </a:extLst>
           </p:cNvPr>
@@ -4586,7 +4727,7 @@
           <p:cNvPr id="13" name="TextBox 12">
             <a:extLst>
               <a:ext uri="{FF2B5EF4-FFF2-40B4-BE49-F238E27FC236}">
-                <a16:creationId xmlns:a16="http://schemas.microsoft.com/office/drawing/2014/main" id="{79DE3308-85F2-4601-A0E3-51E16CAF358D}"/>
+                <a16:creationId xmlns="" xmlns:a16="http://schemas.microsoft.com/office/drawing/2014/main" id="{79DE3308-85F2-4601-A0E3-51E16CAF358D}"/>
               </a:ext>
             </a:extLst>
           </p:cNvPr>
@@ -4596,7 +4737,7 @@
         <p:spPr>
           <a:xfrm>
             <a:off x="838200" y="799864"/>
-            <a:ext cx="4857676" cy="1015663"/>
+            <a:ext cx="4857933" cy="738664"/>
           </a:xfrm>
           <a:prstGeom prst="rect">
             <a:avLst/>
@@ -4621,18 +4762,13 @@
             </a:pPr>
             <a:r>
               <a:rPr lang="en-US" dirty="0"/>
-              <a:t>Extracting 5000 features from the 3000 images</a:t>
-            </a:r>
-          </a:p>
-          <a:p>
-            <a:pPr marL="285750" indent="-285750">
-              <a:buFont typeface="Arial" panose="020B0604020202020204" pitchFamily="34" charset="0"/>
-              <a:buChar char="•"/>
-            </a:pPr>
-            <a:r>
-              <a:rPr lang="en-US" dirty="0"/>
-              <a:t>Running time:</a:t>
-            </a:r>
+              <a:t>Extracting 5000 features from the 3000 </a:t>
+            </a:r>
+            <a:r>
+              <a:rPr lang="en-US" dirty="0" smtClean="0"/>
+              <a:t>images</a:t>
+            </a:r>
+            <a:endParaRPr lang="en-US" dirty="0"/>
           </a:p>
         </p:txBody>
       </p:sp>
@@ -4641,7 +4777,7 @@
           <p:cNvPr id="14" name="Oval 13">
             <a:extLst>
               <a:ext uri="{FF2B5EF4-FFF2-40B4-BE49-F238E27FC236}">
-                <a16:creationId xmlns:a16="http://schemas.microsoft.com/office/drawing/2014/main" id="{158F667E-61E8-43F7-A0A9-2629E385768C}"/>
+                <a16:creationId xmlns="" xmlns:a16="http://schemas.microsoft.com/office/drawing/2014/main" id="{158F667E-61E8-43F7-A0A9-2629E385768C}"/>
               </a:ext>
             </a:extLst>
           </p:cNvPr>
@@ -4690,7 +4826,7 @@
           <p:cNvPr id="15" name="TextBox 14">
             <a:extLst>
               <a:ext uri="{FF2B5EF4-FFF2-40B4-BE49-F238E27FC236}">
-                <a16:creationId xmlns:a16="http://schemas.microsoft.com/office/drawing/2014/main" id="{9682F5B2-35A3-42E8-9CDE-36F6315EFF36}"/>
+                <a16:creationId xmlns="" xmlns:a16="http://schemas.microsoft.com/office/drawing/2014/main" id="{9682F5B2-35A3-42E8-9CDE-36F6315EFF36}"/>
               </a:ext>
             </a:extLst>
           </p:cNvPr>
@@ -4725,7 +4861,7 @@
           <p:cNvPr id="17" name="Straight Connector 16">
             <a:extLst>
               <a:ext uri="{FF2B5EF4-FFF2-40B4-BE49-F238E27FC236}">
-                <a16:creationId xmlns:a16="http://schemas.microsoft.com/office/drawing/2014/main" id="{CE05F839-3054-43DF-8810-8EA6BE360703}"/>
+                <a16:creationId xmlns="" xmlns:a16="http://schemas.microsoft.com/office/drawing/2014/main" id="{CE05F839-3054-43DF-8810-8EA6BE360703}"/>
               </a:ext>
             </a:extLst>
           </p:cNvPr>
@@ -4768,6 +4904,13 @@
   <p:clrMapOvr>
     <a:masterClrMapping/>
   </p:clrMapOvr>
+  <p:timing>
+    <p:tnLst>
+      <p:par>
+        <p:cTn id="1" dur="indefinite" restart="never" nodeType="tmRoot"/>
+      </p:par>
+    </p:tnLst>
+  </p:timing>
 </p:sld>
 </file>
 
@@ -4822,7 +4965,7 @@
           <p:cNvPr id="19" name="Group 18">
             <a:extLst>
               <a:ext uri="{FF2B5EF4-FFF2-40B4-BE49-F238E27FC236}">
-                <a16:creationId xmlns:a16="http://schemas.microsoft.com/office/drawing/2014/main" id="{B1363286-2C78-4B3B-9BD7-520C71407EFF}"/>
+                <a16:creationId xmlns="" xmlns:a16="http://schemas.microsoft.com/office/drawing/2014/main" id="{B1363286-2C78-4B3B-9BD7-520C71407EFF}"/>
               </a:ext>
             </a:extLst>
           </p:cNvPr>
@@ -4842,7 +4985,7 @@
             <p:cNvPr id="6" name="Picture 5">
               <a:extLst>
                 <a:ext uri="{FF2B5EF4-FFF2-40B4-BE49-F238E27FC236}">
-                  <a16:creationId xmlns:a16="http://schemas.microsoft.com/office/drawing/2014/main" id="{A7ADFC44-E490-43A9-82B7-8787BD97D692}"/>
+                  <a16:creationId xmlns="" xmlns:a16="http://schemas.microsoft.com/office/drawing/2014/main" id="{A7ADFC44-E490-43A9-82B7-8787BD97D692}"/>
                 </a:ext>
               </a:extLst>
             </p:cNvPr>
@@ -4885,7 +5028,7 @@
             <p:cNvPr id="7" name="Rectangle: Rounded Corners 6">
               <a:extLst>
                 <a:ext uri="{FF2B5EF4-FFF2-40B4-BE49-F238E27FC236}">
-                  <a16:creationId xmlns:a16="http://schemas.microsoft.com/office/drawing/2014/main" id="{36571A63-085D-4C75-A497-4F48FCC5A280}"/>
+                  <a16:creationId xmlns="" xmlns:a16="http://schemas.microsoft.com/office/drawing/2014/main" id="{36571A63-085D-4C75-A497-4F48FCC5A280}"/>
                 </a:ext>
               </a:extLst>
             </p:cNvPr>
@@ -4940,7 +5083,7 @@
           <p:cNvPr id="13" name="Group 12">
             <a:extLst>
               <a:ext uri="{FF2B5EF4-FFF2-40B4-BE49-F238E27FC236}">
-                <a16:creationId xmlns:a16="http://schemas.microsoft.com/office/drawing/2014/main" id="{C1C06428-913C-49BA-A560-F28B608079D1}"/>
+                <a16:creationId xmlns="" xmlns:a16="http://schemas.microsoft.com/office/drawing/2014/main" id="{C1C06428-913C-49BA-A560-F28B608079D1}"/>
               </a:ext>
             </a:extLst>
           </p:cNvPr>
@@ -4960,7 +5103,7 @@
             <p:cNvPr id="9" name="Group 8">
               <a:extLst>
                 <a:ext uri="{FF2B5EF4-FFF2-40B4-BE49-F238E27FC236}">
-                  <a16:creationId xmlns:a16="http://schemas.microsoft.com/office/drawing/2014/main" id="{ADD74108-4444-41F8-A704-0CC219A669FD}"/>
+                  <a16:creationId xmlns="" xmlns:a16="http://schemas.microsoft.com/office/drawing/2014/main" id="{ADD74108-4444-41F8-A704-0CC219A669FD}"/>
                 </a:ext>
               </a:extLst>
             </p:cNvPr>
@@ -4980,7 +5123,7 @@
               <p:cNvPr id="10" name="Rounded Rectangle 5">
                 <a:extLst>
                   <a:ext uri="{FF2B5EF4-FFF2-40B4-BE49-F238E27FC236}">
-                    <a16:creationId xmlns:a16="http://schemas.microsoft.com/office/drawing/2014/main" id="{ED448CD9-4FCA-4AB5-8878-3755C387E008}"/>
+                    <a16:creationId xmlns="" xmlns:a16="http://schemas.microsoft.com/office/drawing/2014/main" id="{ED448CD9-4FCA-4AB5-8878-3755C387E008}"/>
                   </a:ext>
                 </a:extLst>
               </p:cNvPr>
@@ -5057,7 +5200,7 @@
               <p:cNvPr id="11" name="Rounded Rectangle 4">
                 <a:extLst>
                   <a:ext uri="{FF2B5EF4-FFF2-40B4-BE49-F238E27FC236}">
-                    <a16:creationId xmlns:a16="http://schemas.microsoft.com/office/drawing/2014/main" id="{6E02B966-414F-455D-AD90-2C816E0EE993}"/>
+                    <a16:creationId xmlns="" xmlns:a16="http://schemas.microsoft.com/office/drawing/2014/main" id="{6E02B966-414F-455D-AD90-2C816E0EE993}"/>
                   </a:ext>
                 </a:extLst>
               </p:cNvPr>
@@ -5107,7 +5250,7 @@
             <p:cNvPr id="12" name="Rectangle 11">
               <a:extLst>
                 <a:ext uri="{FF2B5EF4-FFF2-40B4-BE49-F238E27FC236}">
-                  <a16:creationId xmlns:a16="http://schemas.microsoft.com/office/drawing/2014/main" id="{371271CF-D8DE-4786-A588-58F9826266B0}"/>
+                  <a16:creationId xmlns="" xmlns:a16="http://schemas.microsoft.com/office/drawing/2014/main" id="{371271CF-D8DE-4786-A588-58F9826266B0}"/>
                 </a:ext>
               </a:extLst>
             </p:cNvPr>
@@ -5116,8 +5259,8 @@
           </p:nvSpPr>
           <p:spPr>
             <a:xfrm>
-              <a:off x="546448" y="1922292"/>
-              <a:ext cx="4628147" cy="2308324"/>
+              <a:off x="546448" y="1822497"/>
+              <a:ext cx="4628147" cy="2585323"/>
             </a:xfrm>
             <a:prstGeom prst="rect">
               <a:avLst/>
@@ -5151,8 +5294,21 @@
               </a:pPr>
               <a:r>
                 <a:rPr lang="en-US" dirty="0"/>
-                <a:t>we selected the model parameters using Cross-Validation on a training data set</a:t>
+                <a:t>we selected the model parameters using </a:t>
               </a:r>
+              <a:r>
+                <a:rPr lang="en-US" dirty="0" smtClean="0"/>
+                <a:t>K-fold Cross-Validation </a:t>
+              </a:r>
+              <a:r>
+                <a:rPr lang="en-US" dirty="0"/>
+                <a:t>on </a:t>
+              </a:r>
+              <a:r>
+                <a:rPr lang="en-US" dirty="0" smtClean="0"/>
+                <a:t>the data, and get an estimate of the accuracy</a:t>
+              </a:r>
+              <a:endParaRPr lang="en-US" dirty="0"/>
             </a:p>
             <a:p>
               <a:pPr marL="285750" indent="-285750">
@@ -5160,9 +5316,10 @@
                 <a:buChar char="•"/>
               </a:pPr>
               <a:r>
-                <a:rPr lang="en-US" dirty="0"/>
-                <a:t>We estimated the accuracy of the model on a test-set </a:t>
+                <a:rPr lang="en-US" dirty="0" smtClean="0"/>
+                <a:t>we compare the models’ accuracy and running time</a:t>
               </a:r>
+              <a:endParaRPr lang="en-US" dirty="0"/>
             </a:p>
           </p:txBody>
         </p:sp>
@@ -5172,7 +5329,7 @@
           <p:cNvPr id="20" name="Rectangle: Rounded Corners 19">
             <a:extLst>
               <a:ext uri="{FF2B5EF4-FFF2-40B4-BE49-F238E27FC236}">
-                <a16:creationId xmlns:a16="http://schemas.microsoft.com/office/drawing/2014/main" id="{516B0DDA-E78C-4606-9563-AA3495159122}"/>
+                <a16:creationId xmlns="" xmlns:a16="http://schemas.microsoft.com/office/drawing/2014/main" id="{516B0DDA-E78C-4606-9563-AA3495159122}"/>
               </a:ext>
             </a:extLst>
           </p:cNvPr>
@@ -5230,7 +5387,7 @@
           <p:cNvPr id="21" name="Rectangle 20">
             <a:extLst>
               <a:ext uri="{FF2B5EF4-FFF2-40B4-BE49-F238E27FC236}">
-                <a16:creationId xmlns:a16="http://schemas.microsoft.com/office/drawing/2014/main" id="{A3E4C4AF-7B2B-4434-8B12-C88F46710186}"/>
+                <a16:creationId xmlns="" xmlns:a16="http://schemas.microsoft.com/office/drawing/2014/main" id="{A3E4C4AF-7B2B-4434-8B12-C88F46710186}"/>
               </a:ext>
             </a:extLst>
           </p:cNvPr>
@@ -5403,7 +5560,7 @@
           <p:cNvPr id="22" name="Straight Connector 21">
             <a:extLst>
               <a:ext uri="{FF2B5EF4-FFF2-40B4-BE49-F238E27FC236}">
-                <a16:creationId xmlns:a16="http://schemas.microsoft.com/office/drawing/2014/main" id="{FA7893D9-493F-4F7A-8DD6-E6101503DAE4}"/>
+                <a16:creationId xmlns="" xmlns:a16="http://schemas.microsoft.com/office/drawing/2014/main" id="{FA7893D9-493F-4F7A-8DD6-E6101503DAE4}"/>
               </a:ext>
             </a:extLst>
           </p:cNvPr>
@@ -5446,6 +5603,13 @@
   <p:clrMapOvr>
     <a:masterClrMapping/>
   </p:clrMapOvr>
+  <p:timing>
+    <p:tnLst>
+      <p:par>
+        <p:cTn id="1" dur="indefinite" restart="never" nodeType="tmRoot"/>
+      </p:par>
+    </p:tnLst>
+  </p:timing>
 </p:sld>
 </file>
 
@@ -5500,7 +5664,7 @@
           <p:cNvPr id="4" name="Oval 3">
             <a:extLst>
               <a:ext uri="{FF2B5EF4-FFF2-40B4-BE49-F238E27FC236}">
-                <a16:creationId xmlns:a16="http://schemas.microsoft.com/office/drawing/2014/main" id="{9E5146BC-1E0D-4BFC-8AC5-7782810E4DBE}"/>
+                <a16:creationId xmlns="" xmlns:a16="http://schemas.microsoft.com/office/drawing/2014/main" id="{9E5146BC-1E0D-4BFC-8AC5-7782810E4DBE}"/>
               </a:ext>
             </a:extLst>
           </p:cNvPr>
@@ -5549,7 +5713,7 @@
           <p:cNvPr id="5" name="TextBox 4">
             <a:extLst>
               <a:ext uri="{FF2B5EF4-FFF2-40B4-BE49-F238E27FC236}">
-                <a16:creationId xmlns:a16="http://schemas.microsoft.com/office/drawing/2014/main" id="{BAF9FAF1-8D3B-45DB-A69C-2D7941D84568}"/>
+                <a16:creationId xmlns="" xmlns:a16="http://schemas.microsoft.com/office/drawing/2014/main" id="{BAF9FAF1-8D3B-45DB-A69C-2D7941D84568}"/>
               </a:ext>
             </a:extLst>
           </p:cNvPr>
@@ -5604,7 +5768,7 @@
           <p:cNvPr id="6" name="Oval 5">
             <a:extLst>
               <a:ext uri="{FF2B5EF4-FFF2-40B4-BE49-F238E27FC236}">
-                <a16:creationId xmlns:a16="http://schemas.microsoft.com/office/drawing/2014/main" id="{68F854CC-D204-441B-ABC7-44E12D33FA53}"/>
+                <a16:creationId xmlns="" xmlns:a16="http://schemas.microsoft.com/office/drawing/2014/main" id="{68F854CC-D204-441B-ABC7-44E12D33FA53}"/>
               </a:ext>
             </a:extLst>
           </p:cNvPr>
@@ -5653,7 +5817,7 @@
           <p:cNvPr id="7" name="TextBox 6">
             <a:extLst>
               <a:ext uri="{FF2B5EF4-FFF2-40B4-BE49-F238E27FC236}">
-                <a16:creationId xmlns:a16="http://schemas.microsoft.com/office/drawing/2014/main" id="{0D413C2D-B0D1-49F5-AE47-2DACE51E8B8A}"/>
+                <a16:creationId xmlns="" xmlns:a16="http://schemas.microsoft.com/office/drawing/2014/main" id="{0D413C2D-B0D1-49F5-AE47-2DACE51E8B8A}"/>
               </a:ext>
             </a:extLst>
           </p:cNvPr>
@@ -5700,7 +5864,7 @@
           <p:cNvPr id="8" name="Oval 7">
             <a:extLst>
               <a:ext uri="{FF2B5EF4-FFF2-40B4-BE49-F238E27FC236}">
-                <a16:creationId xmlns:a16="http://schemas.microsoft.com/office/drawing/2014/main" id="{E347AD12-6476-4502-B518-238FE4A1D6B8}"/>
+                <a16:creationId xmlns="" xmlns:a16="http://schemas.microsoft.com/office/drawing/2014/main" id="{E347AD12-6476-4502-B518-238FE4A1D6B8}"/>
               </a:ext>
             </a:extLst>
           </p:cNvPr>
@@ -5749,7 +5913,7 @@
           <p:cNvPr id="9" name="TextBox 8">
             <a:extLst>
               <a:ext uri="{FF2B5EF4-FFF2-40B4-BE49-F238E27FC236}">
-                <a16:creationId xmlns:a16="http://schemas.microsoft.com/office/drawing/2014/main" id="{DF3AE0A2-CD7D-404E-ACA4-AD83DCF31BC8}"/>
+                <a16:creationId xmlns="" xmlns:a16="http://schemas.microsoft.com/office/drawing/2014/main" id="{DF3AE0A2-CD7D-404E-ACA4-AD83DCF31BC8}"/>
               </a:ext>
             </a:extLst>
           </p:cNvPr>
@@ -5778,15 +5942,15 @@
             </a:r>
             <a:r>
               <a:rPr lang="en-US" dirty="0"/>
-              <a:t>The HSV (Hue, Saturation, Value) representation models the way paints of different colors mix together. Here </a:t>
-            </a:r>
-            <a:r>
-              <a:rPr lang="en-US" dirty="0" err="1"/>
-              <a:t>ze</a:t>
+              <a:t>The HSV (Hue, Saturation, Value) representation models the way paints of different colors mix together. Here w</a:t>
+            </a:r>
+            <a:r>
+              <a:rPr lang="en-US" dirty="0" smtClean="0"/>
+              <a:t>e </a:t>
             </a:r>
             <a:r>
               <a:rPr lang="en-US" dirty="0"/>
-              <a:t> used parameters: </a:t>
+              <a:t>used parameters: </a:t>
             </a:r>
             <a:r>
               <a:rPr lang="en-US" dirty="0" err="1"/>
@@ -5826,7 +5990,7 @@
           <p:cNvPr id="10" name="Oval 9">
             <a:extLst>
               <a:ext uri="{FF2B5EF4-FFF2-40B4-BE49-F238E27FC236}">
-                <a16:creationId xmlns:a16="http://schemas.microsoft.com/office/drawing/2014/main" id="{A69C9D78-5E73-4AE3-88AE-DF7EF85A65A7}"/>
+                <a16:creationId xmlns="" xmlns:a16="http://schemas.microsoft.com/office/drawing/2014/main" id="{A69C9D78-5E73-4AE3-88AE-DF7EF85A65A7}"/>
               </a:ext>
             </a:extLst>
           </p:cNvPr>
@@ -5875,7 +6039,7 @@
           <p:cNvPr id="11" name="TextBox 10">
             <a:extLst>
               <a:ext uri="{FF2B5EF4-FFF2-40B4-BE49-F238E27FC236}">
-                <a16:creationId xmlns:a16="http://schemas.microsoft.com/office/drawing/2014/main" id="{42981736-2B3F-4B85-85F6-ADFF72C6A23E}"/>
+                <a16:creationId xmlns="" xmlns:a16="http://schemas.microsoft.com/office/drawing/2014/main" id="{42981736-2B3F-4B85-85F6-ADFF72C6A23E}"/>
               </a:ext>
             </a:extLst>
           </p:cNvPr>
@@ -5916,13 +6080,8 @@
           <a:p>
             <a:r>
               <a:rPr lang="en-US" dirty="0"/>
-              <a:t>and green element to </a:t>
-            </a:r>
-            <a:r>
-              <a:rPr lang="en-US"/>
-              <a:t>be 12 and used R.</a:t>
-            </a:r>
-            <a:endParaRPr lang="en-US" dirty="0"/>
+              <a:t>and green element to be 12 and used R.</a:t>
+            </a:r>
           </a:p>
           <a:p>
             <a:endParaRPr lang="en-US" sz="2400" dirty="0"/>
@@ -5941,7 +6100,7 @@
           <p:cNvPr id="12" name="Straight Connector 11">
             <a:extLst>
               <a:ext uri="{FF2B5EF4-FFF2-40B4-BE49-F238E27FC236}">
-                <a16:creationId xmlns:a16="http://schemas.microsoft.com/office/drawing/2014/main" id="{1DAAEEE4-573F-43C3-822B-D581A798B411}"/>
+                <a16:creationId xmlns="" xmlns:a16="http://schemas.microsoft.com/office/drawing/2014/main" id="{1DAAEEE4-573F-43C3-822B-D581A798B411}"/>
               </a:ext>
             </a:extLst>
           </p:cNvPr>
@@ -5979,7 +6138,7 @@
           <p:cNvPr id="14" name="图片 2">
             <a:extLst>
               <a:ext uri="{FF2B5EF4-FFF2-40B4-BE49-F238E27FC236}">
-                <a16:creationId xmlns:a16="http://schemas.microsoft.com/office/drawing/2014/main" id="{F982B1F3-4876-40C7-91FA-722E5BC17C1A}"/>
+                <a16:creationId xmlns="" xmlns:a16="http://schemas.microsoft.com/office/drawing/2014/main" id="{F982B1F3-4876-40C7-91FA-722E5BC17C1A}"/>
               </a:ext>
             </a:extLst>
           </p:cNvPr>
@@ -6021,6 +6180,13 @@
   <p:clrMapOvr>
     <a:masterClrMapping/>
   </p:clrMapOvr>
+  <p:timing>
+    <p:tnLst>
+      <p:par>
+        <p:cTn id="1" dur="indefinite" restart="never" nodeType="tmRoot"/>
+      </p:par>
+    </p:tnLst>
+  </p:timing>
 </p:sld>
 </file>
 
@@ -6104,7 +6270,7 @@
           <p:cNvPr id="8" name="Group 7">
             <a:extLst>
               <a:ext uri="{FF2B5EF4-FFF2-40B4-BE49-F238E27FC236}">
-                <a16:creationId xmlns:a16="http://schemas.microsoft.com/office/drawing/2014/main" id="{C2D5264D-8118-4873-AF3A-6424A1F54F4E}"/>
+                <a16:creationId xmlns="" xmlns:a16="http://schemas.microsoft.com/office/drawing/2014/main" id="{C2D5264D-8118-4873-AF3A-6424A1F54F4E}"/>
               </a:ext>
             </a:extLst>
           </p:cNvPr>
@@ -6124,7 +6290,7 @@
             <p:cNvPr id="5" name="Picture 4">
               <a:extLst>
                 <a:ext uri="{FF2B5EF4-FFF2-40B4-BE49-F238E27FC236}">
-                  <a16:creationId xmlns:a16="http://schemas.microsoft.com/office/drawing/2014/main" id="{15540031-174A-4582-842D-D21BF0C0B17B}"/>
+                  <a16:creationId xmlns="" xmlns:a16="http://schemas.microsoft.com/office/drawing/2014/main" id="{15540031-174A-4582-842D-D21BF0C0B17B}"/>
                 </a:ext>
               </a:extLst>
             </p:cNvPr>
@@ -6153,7 +6319,7 @@
             <p:cNvPr id="6" name="Rectangle: Rounded Corners 5">
               <a:extLst>
                 <a:ext uri="{FF2B5EF4-FFF2-40B4-BE49-F238E27FC236}">
-                  <a16:creationId xmlns:a16="http://schemas.microsoft.com/office/drawing/2014/main" id="{61381CD0-231A-484E-A88B-B178D3B7E0BE}"/>
+                  <a16:creationId xmlns="" xmlns:a16="http://schemas.microsoft.com/office/drawing/2014/main" id="{61381CD0-231A-484E-A88B-B178D3B7E0BE}"/>
                 </a:ext>
               </a:extLst>
             </p:cNvPr>
@@ -6207,7 +6373,7 @@
             <p:cNvPr id="7" name="Rectangle: Rounded Corners 6">
               <a:extLst>
                 <a:ext uri="{FF2B5EF4-FFF2-40B4-BE49-F238E27FC236}">
-                  <a16:creationId xmlns:a16="http://schemas.microsoft.com/office/drawing/2014/main" id="{7DCD8776-CD5A-4669-A3F2-71AA6B6EBF9C}"/>
+                  <a16:creationId xmlns="" xmlns:a16="http://schemas.microsoft.com/office/drawing/2014/main" id="{7DCD8776-CD5A-4669-A3F2-71AA6B6EBF9C}"/>
                 </a:ext>
               </a:extLst>
             </p:cNvPr>
@@ -6266,7 +6432,7 @@
           <p:cNvPr id="9" name="Rectangle 8">
             <a:extLst>
               <a:ext uri="{FF2B5EF4-FFF2-40B4-BE49-F238E27FC236}">
-                <a16:creationId xmlns:a16="http://schemas.microsoft.com/office/drawing/2014/main" id="{B828F22F-50C5-4234-BC49-93C1CE68E694}"/>
+                <a16:creationId xmlns="" xmlns:a16="http://schemas.microsoft.com/office/drawing/2014/main" id="{B828F22F-50C5-4234-BC49-93C1CE68E694}"/>
               </a:ext>
             </a:extLst>
           </p:cNvPr>
@@ -6436,7 +6602,7 @@
           <p:cNvPr id="10" name="Straight Connector 9">
             <a:extLst>
               <a:ext uri="{FF2B5EF4-FFF2-40B4-BE49-F238E27FC236}">
-                <a16:creationId xmlns:a16="http://schemas.microsoft.com/office/drawing/2014/main" id="{54CD431D-ABF6-4F51-83CE-5A774B908362}"/>
+                <a16:creationId xmlns="" xmlns:a16="http://schemas.microsoft.com/office/drawing/2014/main" id="{54CD431D-ABF6-4F51-83CE-5A774B908362}"/>
               </a:ext>
             </a:extLst>
           </p:cNvPr>
@@ -6479,6 +6645,13 @@
   <p:clrMapOvr>
     <a:masterClrMapping/>
   </p:clrMapOvr>
+  <p:timing>
+    <p:tnLst>
+      <p:par>
+        <p:cTn id="1" dur="indefinite" restart="never" nodeType="tmRoot"/>
+      </p:par>
+    </p:tnLst>
+  </p:timing>
 </p:sld>
 </file>
 
@@ -6533,7 +6706,7 @@
           <p:cNvPr id="4" name="Oval 3">
             <a:extLst>
               <a:ext uri="{FF2B5EF4-FFF2-40B4-BE49-F238E27FC236}">
-                <a16:creationId xmlns:a16="http://schemas.microsoft.com/office/drawing/2014/main" id="{8787589B-829D-42C7-9849-9FA188C836ED}"/>
+                <a16:creationId xmlns="" xmlns:a16="http://schemas.microsoft.com/office/drawing/2014/main" id="{8787589B-829D-42C7-9849-9FA188C836ED}"/>
               </a:ext>
             </a:extLst>
           </p:cNvPr>
@@ -6542,7 +6715,7 @@
         </p:nvSpPr>
         <p:spPr>
           <a:xfrm>
-            <a:off x="251879" y="2277919"/>
+            <a:off x="118529" y="2277919"/>
             <a:ext cx="395821" cy="395821"/>
           </a:xfrm>
           <a:prstGeom prst="ellipse">
@@ -6582,7 +6755,7 @@
           <p:cNvPr id="5" name="TextBox 4">
             <a:extLst>
               <a:ext uri="{FF2B5EF4-FFF2-40B4-BE49-F238E27FC236}">
-                <a16:creationId xmlns:a16="http://schemas.microsoft.com/office/drawing/2014/main" id="{3987A76B-62BF-49C6-B0B2-F4DA485DD458}"/>
+                <a16:creationId xmlns="" xmlns:a16="http://schemas.microsoft.com/office/drawing/2014/main" id="{3987A76B-62BF-49C6-B0B2-F4DA485DD458}"/>
               </a:ext>
             </a:extLst>
           </p:cNvPr>
@@ -6591,7 +6764,7 @@
         </p:nvSpPr>
         <p:spPr>
           <a:xfrm>
-            <a:off x="647700" y="2239819"/>
+            <a:off x="514350" y="2239819"/>
             <a:ext cx="8743950" cy="2185214"/>
           </a:xfrm>
           <a:prstGeom prst="rect">
@@ -6684,7 +6857,7 @@
           <p:cNvPr id="6" name="Oval 5">
             <a:extLst>
               <a:ext uri="{FF2B5EF4-FFF2-40B4-BE49-F238E27FC236}">
-                <a16:creationId xmlns:a16="http://schemas.microsoft.com/office/drawing/2014/main" id="{BBC4DFE2-A7E7-45EB-A060-8D04E673BFE8}"/>
+                <a16:creationId xmlns="" xmlns:a16="http://schemas.microsoft.com/office/drawing/2014/main" id="{BBC4DFE2-A7E7-45EB-A060-8D04E673BFE8}"/>
               </a:ext>
             </a:extLst>
           </p:cNvPr>
@@ -6693,7 +6866,7 @@
         </p:nvSpPr>
         <p:spPr>
           <a:xfrm>
-            <a:off x="251879" y="4320498"/>
+            <a:off x="118529" y="4320498"/>
             <a:ext cx="395821" cy="395821"/>
           </a:xfrm>
           <a:prstGeom prst="ellipse">
@@ -6733,7 +6906,7 @@
           <p:cNvPr id="7" name="TextBox 6">
             <a:extLst>
               <a:ext uri="{FF2B5EF4-FFF2-40B4-BE49-F238E27FC236}">
-                <a16:creationId xmlns:a16="http://schemas.microsoft.com/office/drawing/2014/main" id="{2F3B8F35-6612-433B-845B-C60A4E3D39AF}"/>
+                <a16:creationId xmlns="" xmlns:a16="http://schemas.microsoft.com/office/drawing/2014/main" id="{2F3B8F35-6612-433B-845B-C60A4E3D39AF}"/>
               </a:ext>
             </a:extLst>
           </p:cNvPr>
@@ -6742,8 +6915,8 @@
         </p:nvSpPr>
         <p:spPr>
           <a:xfrm>
-            <a:off x="647700" y="4282398"/>
-            <a:ext cx="6358762" cy="2739211"/>
+            <a:off x="514350" y="4282398"/>
+            <a:ext cx="6800850" cy="2462213"/>
           </a:xfrm>
           <a:prstGeom prst="rect">
             <a:avLst/>
@@ -6782,7 +6955,19 @@
             </a:pPr>
             <a:r>
               <a:rPr lang="en-US" dirty="0"/>
-              <a:t>we used Cross-Validation to fine the best parameters: </a:t>
+              <a:t>we used </a:t>
+            </a:r>
+            <a:r>
+              <a:rPr lang="en-US" dirty="0" smtClean="0"/>
+              <a:t>Cross-Validation on the </a:t>
+            </a:r>
+            <a:r>
+              <a:rPr lang="en-US" dirty="0" smtClean="0"/>
+              <a:t>dataset </a:t>
+            </a:r>
+            <a:r>
+              <a:rPr lang="en-US" dirty="0"/>
+              <a:t>to fine the best parameters: </a:t>
             </a:r>
             <a:r>
               <a:rPr lang="en-US" dirty="0" err="1"/>
@@ -6800,7 +6985,15 @@
             </a:pPr>
             <a:r>
               <a:rPr lang="en-US" dirty="0"/>
-              <a:t>we select  </a:t>
+              <a:t>we select </a:t>
+            </a:r>
+            <a:r>
+              <a:rPr lang="en-US" dirty="0" err="1" smtClean="0"/>
+              <a:t>ed</a:t>
+            </a:r>
+            <a:r>
+              <a:rPr lang="en-US" dirty="0" smtClean="0"/>
+              <a:t> </a:t>
             </a:r>
             <a:r>
               <a:rPr lang="en-US" b="1" dirty="0" err="1"/>
@@ -6822,7 +7015,15 @@
             </a:r>
             <a:r>
               <a:rPr lang="en-US" dirty="0"/>
-              <a:t>we use K-fold cross-validation to estimate the accuracy of the model: </a:t>
+              <a:t>we </a:t>
+            </a:r>
+            <a:r>
+              <a:rPr lang="en-US" dirty="0" smtClean="0"/>
+              <a:t>estimate </a:t>
+            </a:r>
+            <a:r>
+              <a:rPr lang="en-US" dirty="0"/>
+              <a:t>the accuracy of the model: </a:t>
             </a:r>
             <a:r>
               <a:rPr lang="en-US" b="1" dirty="0"/>
@@ -6830,7 +7031,15 @@
             </a:r>
             <a:r>
               <a:rPr lang="en-US" dirty="0"/>
-              <a:t>The running time is 56s.</a:t>
+              <a:t>The running time is </a:t>
+            </a:r>
+            <a:r>
+              <a:rPr lang="en-US" dirty="0" smtClean="0"/>
+              <a:t>56s on </a:t>
+            </a:r>
+            <a:r>
+              <a:rPr lang="en-US" dirty="0" smtClean="0"/>
+              <a:t>the test set.</a:t>
             </a:r>
             <a:endParaRPr lang="en-US" sz="2000" b="1" dirty="0"/>
           </a:p>
@@ -6848,7 +7057,7 @@
           <p:cNvPr id="8" name="TextBox 7">
             <a:extLst>
               <a:ext uri="{FF2B5EF4-FFF2-40B4-BE49-F238E27FC236}">
-                <a16:creationId xmlns:a16="http://schemas.microsoft.com/office/drawing/2014/main" id="{9E9B7E7C-4D46-44B7-8898-79B9724ACBFF}"/>
+                <a16:creationId xmlns="" xmlns:a16="http://schemas.microsoft.com/office/drawing/2014/main" id="{9E9B7E7C-4D46-44B7-8898-79B9724ACBFF}"/>
               </a:ext>
             </a:extLst>
           </p:cNvPr>
@@ -6935,7 +7144,7 @@
           <p:cNvPr id="12" name="Rounded Rectangle 5">
             <a:extLst>
               <a:ext uri="{FF2B5EF4-FFF2-40B4-BE49-F238E27FC236}">
-                <a16:creationId xmlns:a16="http://schemas.microsoft.com/office/drawing/2014/main" id="{FC975995-654A-48C8-800F-259CC68502EB}"/>
+                <a16:creationId xmlns="" xmlns:a16="http://schemas.microsoft.com/office/drawing/2014/main" id="{FC975995-654A-48C8-800F-259CC68502EB}"/>
               </a:ext>
             </a:extLst>
           </p:cNvPr>
@@ -7012,7 +7221,7 @@
           <p:cNvPr id="16" name="Picture 15">
             <a:extLst>
               <a:ext uri="{FF2B5EF4-FFF2-40B4-BE49-F238E27FC236}">
-                <a16:creationId xmlns:a16="http://schemas.microsoft.com/office/drawing/2014/main" id="{8F2D48DD-7481-41B9-A507-54D44F4BAF2E}"/>
+                <a16:creationId xmlns="" xmlns:a16="http://schemas.microsoft.com/office/drawing/2014/main" id="{8F2D48DD-7481-41B9-A507-54D44F4BAF2E}"/>
               </a:ext>
             </a:extLst>
           </p:cNvPr>
@@ -7022,7 +7231,7 @@
           <p:nvPr/>
         </p:nvPicPr>
         <p:blipFill rotWithShape="1">
-          <a:blip r:embed="rId2"/>
+          <a:blip r:embed="rId3"/>
           <a:srcRect t="4428" r="8782" b="4510"/>
           <a:stretch/>
         </p:blipFill>
@@ -7041,7 +7250,7 @@
           <p:cNvPr id="19" name="Straight Connector 18">
             <a:extLst>
               <a:ext uri="{FF2B5EF4-FFF2-40B4-BE49-F238E27FC236}">
-                <a16:creationId xmlns:a16="http://schemas.microsoft.com/office/drawing/2014/main" id="{E41C5C64-88D9-4F5B-9112-C03BA4EAE66F}"/>
+                <a16:creationId xmlns="" xmlns:a16="http://schemas.microsoft.com/office/drawing/2014/main" id="{E41C5C64-88D9-4F5B-9112-C03BA4EAE66F}"/>
               </a:ext>
             </a:extLst>
           </p:cNvPr>
@@ -7084,6 +7293,13 @@
   <p:clrMapOvr>
     <a:masterClrMapping/>
   </p:clrMapOvr>
+  <p:timing>
+    <p:tnLst>
+      <p:par>
+        <p:cTn id="1" dur="indefinite" restart="never" nodeType="tmRoot"/>
+      </p:par>
+    </p:tnLst>
+  </p:timing>
 </p:sld>
 </file>
 
@@ -7130,7 +7346,7 @@
     </a:clrScheme>
     <a:fontScheme name="Office Theme">
       <a:majorFont>
-        <a:latin typeface="Calibri Light" panose="020F0302020204030204"/>
+        <a:latin typeface="Calibri Light"/>
         <a:ea typeface=""/>
         <a:cs typeface=""/>
         <a:font script="Jpan" typeface="游ゴシック Light"/>
@@ -7165,7 +7381,7 @@
         <a:font script="Geor" typeface="Sylfaen"/>
       </a:majorFont>
       <a:minorFont>
-        <a:latin typeface="Calibri" panose="020F0502020204030204"/>
+        <a:latin typeface="Calibri"/>
         <a:ea typeface=""/>
         <a:cs typeface=""/>
         <a:font script="Jpan" typeface="游ゴシック"/>

--- a/doc/team7_presentation.pptx
+++ b/doc/team7_presentation.pptx
@@ -115,7 +115,18 @@
   </p:defaultTextStyle>
   <p:extLst>
     <p:ext uri="{EFAFB233-063F-42B5-8137-9DF3F51BA10A}">
-      <p15:sldGuideLst xmlns:p15="http://schemas.microsoft.com/office/powerpoint/2012/main" xmlns=""/>
+      <p15:sldGuideLst xmlns:p15="http://schemas.microsoft.com/office/powerpoint/2012/main">
+        <p15:guide id="1" orient="horz" pos="2160">
+          <p15:clr>
+            <a:srgbClr val="A4A3A4"/>
+          </p15:clr>
+        </p15:guide>
+        <p15:guide id="2" pos="3840">
+          <p15:clr>
+            <a:srgbClr val="A4A3A4"/>
+          </p15:clr>
+        </p15:guide>
+      </p15:sldGuideLst>
     </p:ext>
   </p:extLst>
 </p:presentation>
@@ -231,7 +242,7 @@
           </a:ln>
           <a:extLst>
             <a:ext uri="{909E8E84-426E-40DD-AFC4-6F175D3DCCD1}">
-              <a14:hiddenFill xmlns:a14="http://schemas.microsoft.com/office/drawing/2010/main" xmlns="">
+              <a14:hiddenFill xmlns:a14="http://schemas.microsoft.com/office/drawing/2010/main">
                 <a:solidFill>
                   <a:srgbClr val="FFFFFF"/>
                 </a:solidFill>
@@ -511,7 +522,73 @@
     </p:spTree>
     <p:extLst>
       <p:ext uri="{BB962C8B-B14F-4D97-AF65-F5344CB8AC3E}">
-        <p14:creationId xmlns:p14="http://schemas.microsoft.com/office/powerpoint/2010/main" xmlns="" val="1911299918"/>
+        <p14:creationId xmlns:p14="http://schemas.microsoft.com/office/powerpoint/2010/main" val="1911299918"/>
+      </p:ext>
+    </p:extLst>
+  </p:cSld>
+  <p:clrMapOvr>
+    <a:masterClrMapping/>
+  </p:clrMapOvr>
+</p:notes>
+</file>
+
+<file path=ppt/notesSlides/notesSlide2.xml><?xml version="1.0" encoding="utf-8"?>
+<p:notes xmlns:a="http://schemas.openxmlformats.org/drawingml/2006/main" xmlns:r="http://schemas.openxmlformats.org/officeDocument/2006/relationships" xmlns:p="http://schemas.openxmlformats.org/presentationml/2006/main">
+  <p:cSld>
+    <p:spTree>
+      <p:nvGrpSpPr>
+        <p:cNvPr id="1" name=""/>
+        <p:cNvGrpSpPr/>
+        <p:nvPr/>
+      </p:nvGrpSpPr>
+      <p:grpSpPr>
+        <a:xfrm>
+          <a:off x="0" y="0"/>
+          <a:ext cx="0" cy="0"/>
+          <a:chOff x="0" y="0"/>
+          <a:chExt cx="0" cy="0"/>
+        </a:xfrm>
+      </p:grpSpPr>
+      <p:sp>
+        <p:nvSpPr>
+          <p:cNvPr id="2" name="Slide Image Placeholder 1"/>
+          <p:cNvSpPr>
+            <a:spLocks noGrp="1" noRot="1" noChangeAspect="1"/>
+          </p:cNvSpPr>
+          <p:nvPr>
+            <p:ph type="sldImg"/>
+          </p:nvPr>
+        </p:nvSpPr>
+        <p:spPr>
+          <a:xfrm>
+            <a:off x="381000" y="685800"/>
+            <a:ext cx="6096000" cy="3429000"/>
+          </a:xfrm>
+        </p:spPr>
+      </p:sp>
+      <p:sp>
+        <p:nvSpPr>
+          <p:cNvPr id="3" name="Notes Placeholder 2"/>
+          <p:cNvSpPr>
+            <a:spLocks noGrp="1"/>
+          </p:cNvSpPr>
+          <p:nvPr>
+            <p:ph type="body" idx="1"/>
+          </p:nvPr>
+        </p:nvSpPr>
+        <p:spPr/>
+        <p:txBody>
+          <a:bodyPr/>
+          <a:lstStyle/>
+          <a:p>
+            <a:endParaRPr lang="en-US" dirty="0"/>
+          </a:p>
+        </p:txBody>
+      </p:sp>
+    </p:spTree>
+    <p:extLst>
+      <p:ext uri="{BB962C8B-B14F-4D97-AF65-F5344CB8AC3E}">
+        <p14:creationId xmlns:p14="http://schemas.microsoft.com/office/powerpoint/2010/main" val="1607113893"/>
       </p:ext>
     </p:extLst>
   </p:cSld>
@@ -653,7 +730,7 @@
             <a:fld id="{784D0E34-2524-4EE5-9D39-68EB489638CE}" type="datetimeFigureOut">
               <a:rPr lang="en-US" smtClean="0"/>
               <a:pPr/>
-              <a:t>11/1/2017</a:t>
+              <a:t>11/1/17</a:t>
             </a:fld>
             <a:endParaRPr lang="en-US"/>
           </a:p>
@@ -696,7 +773,7 @@
             <a:fld id="{83B59F55-C583-4D3E-9B74-F55798A49C1B}" type="slidenum">
               <a:rPr lang="en-US" smtClean="0"/>
               <a:pPr/>
-              <a:t>‹N°›</a:t>
+              <a:t>‹#›</a:t>
             </a:fld>
             <a:endParaRPr lang="en-US"/>
           </a:p>
@@ -705,7 +782,7 @@
     </p:spTree>
     <p:extLst>
       <p:ext uri="{BB962C8B-B14F-4D97-AF65-F5344CB8AC3E}">
-        <p14:creationId xmlns:p14="http://schemas.microsoft.com/office/powerpoint/2010/main" xmlns="" val="841604700"/>
+        <p14:creationId xmlns:p14="http://schemas.microsoft.com/office/powerpoint/2010/main" val="841604700"/>
       </p:ext>
     </p:extLst>
   </p:cSld>
@@ -825,7 +902,7 @@
             <a:fld id="{784D0E34-2524-4EE5-9D39-68EB489638CE}" type="datetimeFigureOut">
               <a:rPr lang="en-US" smtClean="0"/>
               <a:pPr/>
-              <a:t>11/1/2017</a:t>
+              <a:t>11/1/17</a:t>
             </a:fld>
             <a:endParaRPr lang="en-US"/>
           </a:p>
@@ -868,7 +945,7 @@
             <a:fld id="{83B59F55-C583-4D3E-9B74-F55798A49C1B}" type="slidenum">
               <a:rPr lang="en-US" smtClean="0"/>
               <a:pPr/>
-              <a:t>‹N°›</a:t>
+              <a:t>‹#›</a:t>
             </a:fld>
             <a:endParaRPr lang="en-US"/>
           </a:p>
@@ -877,7 +954,7 @@
     </p:spTree>
     <p:extLst>
       <p:ext uri="{BB962C8B-B14F-4D97-AF65-F5344CB8AC3E}">
-        <p14:creationId xmlns:p14="http://schemas.microsoft.com/office/powerpoint/2010/main" xmlns="" val="2497882174"/>
+        <p14:creationId xmlns:p14="http://schemas.microsoft.com/office/powerpoint/2010/main" val="2497882174"/>
       </p:ext>
     </p:extLst>
   </p:cSld>
@@ -1008,7 +1085,7 @@
             <a:fld id="{784D0E34-2524-4EE5-9D39-68EB489638CE}" type="datetimeFigureOut">
               <a:rPr lang="en-US" smtClean="0"/>
               <a:pPr/>
-              <a:t>11/1/2017</a:t>
+              <a:t>11/1/17</a:t>
             </a:fld>
             <a:endParaRPr lang="en-US"/>
           </a:p>
@@ -1051,7 +1128,7 @@
             <a:fld id="{83B59F55-C583-4D3E-9B74-F55798A49C1B}" type="slidenum">
               <a:rPr lang="en-US" smtClean="0"/>
               <a:pPr/>
-              <a:t>‹N°›</a:t>
+              <a:t>‹#›</a:t>
             </a:fld>
             <a:endParaRPr lang="en-US"/>
           </a:p>
@@ -1060,7 +1137,7 @@
     </p:spTree>
     <p:extLst>
       <p:ext uri="{BB962C8B-B14F-4D97-AF65-F5344CB8AC3E}">
-        <p14:creationId xmlns:p14="http://schemas.microsoft.com/office/powerpoint/2010/main" xmlns="" val="3411572607"/>
+        <p14:creationId xmlns:p14="http://schemas.microsoft.com/office/powerpoint/2010/main" val="3411572607"/>
       </p:ext>
     </p:extLst>
   </p:cSld>
@@ -1181,7 +1258,7 @@
             <a:fld id="{784D0E34-2524-4EE5-9D39-68EB489638CE}" type="datetimeFigureOut">
               <a:rPr lang="en-US" smtClean="0"/>
               <a:pPr/>
-              <a:t>11/1/2017</a:t>
+              <a:t>11/1/17</a:t>
             </a:fld>
             <a:endParaRPr lang="en-US"/>
           </a:p>
@@ -1224,7 +1301,7 @@
             <a:fld id="{83B59F55-C583-4D3E-9B74-F55798A49C1B}" type="slidenum">
               <a:rPr lang="en-US" smtClean="0"/>
               <a:pPr/>
-              <a:t>‹N°›</a:t>
+              <a:t>‹#›</a:t>
             </a:fld>
             <a:endParaRPr lang="en-US"/>
           </a:p>
@@ -1233,7 +1310,7 @@
     </p:spTree>
     <p:extLst>
       <p:ext uri="{BB962C8B-B14F-4D97-AF65-F5344CB8AC3E}">
-        <p14:creationId xmlns:p14="http://schemas.microsoft.com/office/powerpoint/2010/main" xmlns="" val="1359900143"/>
+        <p14:creationId xmlns:p14="http://schemas.microsoft.com/office/powerpoint/2010/main" val="1359900143"/>
       </p:ext>
     </p:extLst>
   </p:cSld>
@@ -1430,7 +1507,7 @@
             <a:fld id="{784D0E34-2524-4EE5-9D39-68EB489638CE}" type="datetimeFigureOut">
               <a:rPr lang="en-US" smtClean="0"/>
               <a:pPr/>
-              <a:t>11/1/2017</a:t>
+              <a:t>11/1/17</a:t>
             </a:fld>
             <a:endParaRPr lang="en-US"/>
           </a:p>
@@ -1473,7 +1550,7 @@
             <a:fld id="{83B59F55-C583-4D3E-9B74-F55798A49C1B}" type="slidenum">
               <a:rPr lang="en-US" smtClean="0"/>
               <a:pPr/>
-              <a:t>‹N°›</a:t>
+              <a:t>‹#›</a:t>
             </a:fld>
             <a:endParaRPr lang="en-US"/>
           </a:p>
@@ -1482,7 +1559,7 @@
     </p:spTree>
     <p:extLst>
       <p:ext uri="{BB962C8B-B14F-4D97-AF65-F5344CB8AC3E}">
-        <p14:creationId xmlns:p14="http://schemas.microsoft.com/office/powerpoint/2010/main" xmlns="" val="3171154954"/>
+        <p14:creationId xmlns:p14="http://schemas.microsoft.com/office/powerpoint/2010/main" val="3171154954"/>
       </p:ext>
     </p:extLst>
   </p:cSld>
@@ -1665,7 +1742,7 @@
             <a:fld id="{784D0E34-2524-4EE5-9D39-68EB489638CE}" type="datetimeFigureOut">
               <a:rPr lang="en-US" smtClean="0"/>
               <a:pPr/>
-              <a:t>11/1/2017</a:t>
+              <a:t>11/1/17</a:t>
             </a:fld>
             <a:endParaRPr lang="en-US"/>
           </a:p>
@@ -1708,7 +1785,7 @@
             <a:fld id="{83B59F55-C583-4D3E-9B74-F55798A49C1B}" type="slidenum">
               <a:rPr lang="en-US" smtClean="0"/>
               <a:pPr/>
-              <a:t>‹N°›</a:t>
+              <a:t>‹#›</a:t>
             </a:fld>
             <a:endParaRPr lang="en-US"/>
           </a:p>
@@ -1717,7 +1794,7 @@
     </p:spTree>
     <p:extLst>
       <p:ext uri="{BB962C8B-B14F-4D97-AF65-F5344CB8AC3E}">
-        <p14:creationId xmlns:p14="http://schemas.microsoft.com/office/powerpoint/2010/main" xmlns="" val="3384391812"/>
+        <p14:creationId xmlns:p14="http://schemas.microsoft.com/office/powerpoint/2010/main" val="3384391812"/>
       </p:ext>
     </p:extLst>
   </p:cSld>
@@ -2035,7 +2112,7 @@
             <a:fld id="{784D0E34-2524-4EE5-9D39-68EB489638CE}" type="datetimeFigureOut">
               <a:rPr lang="en-US" smtClean="0"/>
               <a:pPr/>
-              <a:t>11/1/2017</a:t>
+              <a:t>11/1/17</a:t>
             </a:fld>
             <a:endParaRPr lang="en-US"/>
           </a:p>
@@ -2078,7 +2155,7 @@
             <a:fld id="{83B59F55-C583-4D3E-9B74-F55798A49C1B}" type="slidenum">
               <a:rPr lang="en-US" smtClean="0"/>
               <a:pPr/>
-              <a:t>‹N°›</a:t>
+              <a:t>‹#›</a:t>
             </a:fld>
             <a:endParaRPr lang="en-US"/>
           </a:p>
@@ -2087,7 +2164,7 @@
     </p:spTree>
     <p:extLst>
       <p:ext uri="{BB962C8B-B14F-4D97-AF65-F5344CB8AC3E}">
-        <p14:creationId xmlns:p14="http://schemas.microsoft.com/office/powerpoint/2010/main" xmlns="" val="3071058096"/>
+        <p14:creationId xmlns:p14="http://schemas.microsoft.com/office/powerpoint/2010/main" val="3071058096"/>
       </p:ext>
     </p:extLst>
   </p:cSld>
@@ -2156,7 +2233,7 @@
             <a:fld id="{784D0E34-2524-4EE5-9D39-68EB489638CE}" type="datetimeFigureOut">
               <a:rPr lang="en-US" smtClean="0"/>
               <a:pPr/>
-              <a:t>11/1/2017</a:t>
+              <a:t>11/1/17</a:t>
             </a:fld>
             <a:endParaRPr lang="en-US"/>
           </a:p>
@@ -2199,7 +2276,7 @@
             <a:fld id="{83B59F55-C583-4D3E-9B74-F55798A49C1B}" type="slidenum">
               <a:rPr lang="en-US" smtClean="0"/>
               <a:pPr/>
-              <a:t>‹N°›</a:t>
+              <a:t>‹#›</a:t>
             </a:fld>
             <a:endParaRPr lang="en-US"/>
           </a:p>
@@ -2208,7 +2285,7 @@
     </p:spTree>
     <p:extLst>
       <p:ext uri="{BB962C8B-B14F-4D97-AF65-F5344CB8AC3E}">
-        <p14:creationId xmlns:p14="http://schemas.microsoft.com/office/powerpoint/2010/main" xmlns="" val="2241383882"/>
+        <p14:creationId xmlns:p14="http://schemas.microsoft.com/office/powerpoint/2010/main" val="2241383882"/>
       </p:ext>
     </p:extLst>
   </p:cSld>
@@ -2254,7 +2331,7 @@
             <a:fld id="{784D0E34-2524-4EE5-9D39-68EB489638CE}" type="datetimeFigureOut">
               <a:rPr lang="en-US" smtClean="0"/>
               <a:pPr/>
-              <a:t>11/1/2017</a:t>
+              <a:t>11/1/17</a:t>
             </a:fld>
             <a:endParaRPr lang="en-US"/>
           </a:p>
@@ -2297,7 +2374,7 @@
             <a:fld id="{83B59F55-C583-4D3E-9B74-F55798A49C1B}" type="slidenum">
               <a:rPr lang="en-US" smtClean="0"/>
               <a:pPr/>
-              <a:t>‹N°›</a:t>
+              <a:t>‹#›</a:t>
             </a:fld>
             <a:endParaRPr lang="en-US"/>
           </a:p>
@@ -2306,7 +2383,7 @@
     </p:spTree>
     <p:extLst>
       <p:ext uri="{BB962C8B-B14F-4D97-AF65-F5344CB8AC3E}">
-        <p14:creationId xmlns:p14="http://schemas.microsoft.com/office/powerpoint/2010/main" xmlns="" val="4096830066"/>
+        <p14:creationId xmlns:p14="http://schemas.microsoft.com/office/powerpoint/2010/main" val="4096830066"/>
       </p:ext>
     </p:extLst>
   </p:cSld>
@@ -2534,7 +2611,7 @@
             <a:fld id="{784D0E34-2524-4EE5-9D39-68EB489638CE}" type="datetimeFigureOut">
               <a:rPr lang="en-US" smtClean="0"/>
               <a:pPr/>
-              <a:t>11/1/2017</a:t>
+              <a:t>11/1/17</a:t>
             </a:fld>
             <a:endParaRPr lang="en-US"/>
           </a:p>
@@ -2577,7 +2654,7 @@
             <a:fld id="{83B59F55-C583-4D3E-9B74-F55798A49C1B}" type="slidenum">
               <a:rPr lang="en-US" smtClean="0"/>
               <a:pPr/>
-              <a:t>‹N°›</a:t>
+              <a:t>‹#›</a:t>
             </a:fld>
             <a:endParaRPr lang="en-US"/>
           </a:p>
@@ -2586,7 +2663,7 @@
     </p:spTree>
     <p:extLst>
       <p:ext uri="{BB962C8B-B14F-4D97-AF65-F5344CB8AC3E}">
-        <p14:creationId xmlns:p14="http://schemas.microsoft.com/office/powerpoint/2010/main" xmlns="" val="2789376059"/>
+        <p14:creationId xmlns:p14="http://schemas.microsoft.com/office/powerpoint/2010/main" val="2789376059"/>
       </p:ext>
     </p:extLst>
   </p:cSld>
@@ -2794,7 +2871,7 @@
             <a:fld id="{784D0E34-2524-4EE5-9D39-68EB489638CE}" type="datetimeFigureOut">
               <a:rPr lang="en-US" smtClean="0"/>
               <a:pPr/>
-              <a:t>11/1/2017</a:t>
+              <a:t>11/1/17</a:t>
             </a:fld>
             <a:endParaRPr lang="en-US"/>
           </a:p>
@@ -2837,7 +2914,7 @@
             <a:fld id="{83B59F55-C583-4D3E-9B74-F55798A49C1B}" type="slidenum">
               <a:rPr lang="en-US" smtClean="0"/>
               <a:pPr/>
-              <a:t>‹N°›</a:t>
+              <a:t>‹#›</a:t>
             </a:fld>
             <a:endParaRPr lang="en-US"/>
           </a:p>
@@ -2846,7 +2923,7 @@
     </p:spTree>
     <p:extLst>
       <p:ext uri="{BB962C8B-B14F-4D97-AF65-F5344CB8AC3E}">
-        <p14:creationId xmlns:p14="http://schemas.microsoft.com/office/powerpoint/2010/main" xmlns="" val="429683682"/>
+        <p14:creationId xmlns:p14="http://schemas.microsoft.com/office/powerpoint/2010/main" val="429683682"/>
       </p:ext>
     </p:extLst>
   </p:cSld>
@@ -3010,7 +3087,7 @@
             <a:fld id="{784D0E34-2524-4EE5-9D39-68EB489638CE}" type="datetimeFigureOut">
               <a:rPr lang="en-US" smtClean="0"/>
               <a:pPr/>
-              <a:t>11/1/2017</a:t>
+              <a:t>11/1/17</a:t>
             </a:fld>
             <a:endParaRPr lang="en-US"/>
           </a:p>
@@ -3089,7 +3166,7 @@
             <a:fld id="{83B59F55-C583-4D3E-9B74-F55798A49C1B}" type="slidenum">
               <a:rPr lang="en-US" smtClean="0"/>
               <a:pPr/>
-              <a:t>‹N°›</a:t>
+              <a:t>‹#›</a:t>
             </a:fld>
             <a:endParaRPr lang="en-US"/>
           </a:p>
@@ -3098,7 +3175,7 @@
     </p:spTree>
     <p:extLst>
       <p:ext uri="{BB962C8B-B14F-4D97-AF65-F5344CB8AC3E}">
-        <p14:creationId xmlns:p14="http://schemas.microsoft.com/office/powerpoint/2010/main" xmlns="" val="185827410"/>
+        <p14:creationId xmlns:p14="http://schemas.microsoft.com/office/powerpoint/2010/main" val="185827410"/>
       </p:ext>
     </p:extLst>
   </p:cSld>
@@ -3529,7 +3606,7 @@
           <a:blip r:embed="rId2">
             <a:extLst>
               <a:ext uri="{28A0092B-C50C-407E-A947-70E740481C1C}">
-                <a14:useLocalDpi xmlns:a14="http://schemas.microsoft.com/office/drawing/2010/main" xmlns="" val="0"/>
+                <a14:useLocalDpi xmlns:a14="http://schemas.microsoft.com/office/drawing/2010/main" val="0"/>
               </a:ext>
             </a:extLst>
           </a:blip>
@@ -3689,13 +3766,20 @@
     </p:spTree>
     <p:extLst>
       <p:ext uri="{BB962C8B-B14F-4D97-AF65-F5344CB8AC3E}">
-        <p14:creationId xmlns:p14="http://schemas.microsoft.com/office/powerpoint/2010/main" xmlns="" val="993845939"/>
+        <p14:creationId xmlns:p14="http://schemas.microsoft.com/office/powerpoint/2010/main" val="993845939"/>
       </p:ext>
     </p:extLst>
   </p:cSld>
   <p:clrMapOvr>
     <a:masterClrMapping/>
   </p:clrMapOvr>
+  <p:timing>
+    <p:tnLst>
+      <p:par>
+        <p:cTn id="1" dur="indefinite" restart="never" nodeType="tmRoot"/>
+      </p:par>
+    </p:tnLst>
+  </p:timing>
 </p:sld>
 </file>
 
@@ -4009,7 +4093,7 @@
           <a:blip r:embed="rId2">
             <a:extLst>
               <a:ext uri="{28A0092B-C50C-407E-A947-70E740481C1C}">
-                <a14:useLocalDpi xmlns:a14="http://schemas.microsoft.com/office/drawing/2010/main" xmlns="" val="0"/>
+                <a14:useLocalDpi xmlns:a14="http://schemas.microsoft.com/office/drawing/2010/main" val="0"/>
               </a:ext>
             </a:extLst>
           </a:blip>
@@ -4067,7 +4151,7 @@
           <p:cNvPr id="9" name="Straight Connector 8">
             <a:extLst>
               <a:ext uri="{FF2B5EF4-FFF2-40B4-BE49-F238E27FC236}">
-                <a16:creationId xmlns:a16="http://schemas.microsoft.com/office/drawing/2014/main" xmlns="" id="{13450948-0837-4FB7-BA57-0F51EF5F0702}"/>
+                <a16:creationId xmlns="" xmlns:a16="http://schemas.microsoft.com/office/drawing/2014/main" id="{13450948-0837-4FB7-BA57-0F51EF5F0702}"/>
               </a:ext>
             </a:extLst>
           </p:cNvPr>
@@ -4103,13 +4187,20 @@
     </p:spTree>
     <p:extLst>
       <p:ext uri="{BB962C8B-B14F-4D97-AF65-F5344CB8AC3E}">
-        <p14:creationId xmlns:p14="http://schemas.microsoft.com/office/powerpoint/2010/main" xmlns="" val="4269831375"/>
+        <p14:creationId xmlns:p14="http://schemas.microsoft.com/office/powerpoint/2010/main" val="4269831375"/>
       </p:ext>
     </p:extLst>
   </p:cSld>
   <p:clrMapOvr>
     <a:masterClrMapping/>
   </p:clrMapOvr>
+  <p:timing>
+    <p:tnLst>
+      <p:par>
+        <p:cTn id="1" dur="indefinite" restart="never" nodeType="tmRoot"/>
+      </p:par>
+    </p:tnLst>
+  </p:timing>
 </p:sld>
 </file>
 
@@ -4226,7 +4317,7 @@
           <p:cNvPr id="5" name="Picture 4">
             <a:extLst>
               <a:ext uri="{FF2B5EF4-FFF2-40B4-BE49-F238E27FC236}">
-                <a16:creationId xmlns:a16="http://schemas.microsoft.com/office/drawing/2014/main" xmlns="" id="{CF76EA7F-8784-471D-A9F6-89489EB2847A}"/>
+                <a16:creationId xmlns="" xmlns:a16="http://schemas.microsoft.com/office/drawing/2014/main" id="{CF76EA7F-8784-471D-A9F6-89489EB2847A}"/>
               </a:ext>
             </a:extLst>
           </p:cNvPr>
@@ -4255,7 +4346,7 @@
           <p:cNvPr id="6" name="Group 5">
             <a:extLst>
               <a:ext uri="{FF2B5EF4-FFF2-40B4-BE49-F238E27FC236}">
-                <a16:creationId xmlns:a16="http://schemas.microsoft.com/office/drawing/2014/main" xmlns="" id="{5F5AB41A-A0D7-4C27-AE29-7D1B9D690D66}"/>
+                <a16:creationId xmlns="" xmlns:a16="http://schemas.microsoft.com/office/drawing/2014/main" id="{5F5AB41A-A0D7-4C27-AE29-7D1B9D690D66}"/>
               </a:ext>
             </a:extLst>
           </p:cNvPr>
@@ -4275,7 +4366,7 @@
             <p:cNvPr id="7" name="Group 6">
               <a:extLst>
                 <a:ext uri="{FF2B5EF4-FFF2-40B4-BE49-F238E27FC236}">
-                  <a16:creationId xmlns:a16="http://schemas.microsoft.com/office/drawing/2014/main" xmlns="" id="{1C2A98B6-97FC-4CBB-843D-AB5677D7126A}"/>
+                  <a16:creationId xmlns="" xmlns:a16="http://schemas.microsoft.com/office/drawing/2014/main" id="{1C2A98B6-97FC-4CBB-843D-AB5677D7126A}"/>
                 </a:ext>
               </a:extLst>
             </p:cNvPr>
@@ -4295,7 +4386,7 @@
               <p:cNvPr id="9" name="Rounded Rectangle 5">
                 <a:extLst>
                   <a:ext uri="{FF2B5EF4-FFF2-40B4-BE49-F238E27FC236}">
-                    <a16:creationId xmlns:a16="http://schemas.microsoft.com/office/drawing/2014/main" xmlns="" id="{01E2059C-F649-4826-A1B9-307ECB84FA13}"/>
+                    <a16:creationId xmlns="" xmlns:a16="http://schemas.microsoft.com/office/drawing/2014/main" id="{01E2059C-F649-4826-A1B9-307ECB84FA13}"/>
                   </a:ext>
                 </a:extLst>
               </p:cNvPr>
@@ -4372,7 +4463,7 @@
               <p:cNvPr id="10" name="Rounded Rectangle 4">
                 <a:extLst>
                   <a:ext uri="{FF2B5EF4-FFF2-40B4-BE49-F238E27FC236}">
-                    <a16:creationId xmlns:a16="http://schemas.microsoft.com/office/drawing/2014/main" xmlns="" id="{2A41193E-045F-4BA1-BC0B-20B9B140C54F}"/>
+                    <a16:creationId xmlns="" xmlns:a16="http://schemas.microsoft.com/office/drawing/2014/main" id="{2A41193E-045F-4BA1-BC0B-20B9B140C54F}"/>
                   </a:ext>
                 </a:extLst>
               </p:cNvPr>
@@ -4422,7 +4513,7 @@
             <p:cNvPr id="8" name="Rectangle 7">
               <a:extLst>
                 <a:ext uri="{FF2B5EF4-FFF2-40B4-BE49-F238E27FC236}">
-                  <a16:creationId xmlns:a16="http://schemas.microsoft.com/office/drawing/2014/main" xmlns="" id="{A68F207E-B64B-46F2-A7FB-09A52DFB6128}"/>
+                  <a16:creationId xmlns="" xmlns:a16="http://schemas.microsoft.com/office/drawing/2014/main" id="{A68F207E-B64B-46F2-A7FB-09A52DFB6128}"/>
                 </a:ext>
               </a:extLst>
             </p:cNvPr>
@@ -4456,8 +4547,21 @@
               </a:pPr>
               <a:r>
                 <a:rPr lang="en-US" dirty="0"/>
-                <a:t>we used Cross-Validation on a training data set to estimate the model parameters</a:t>
+                <a:t>we used Cross-Validation on </a:t>
               </a:r>
+              <a:r>
+                <a:rPr lang="en-US" dirty="0" smtClean="0"/>
+                <a:t>the data </a:t>
+              </a:r>
+              <a:r>
+                <a:rPr lang="en-US" dirty="0"/>
+                <a:t>set to estimate the model </a:t>
+              </a:r>
+              <a:r>
+                <a:rPr lang="en-US" dirty="0" smtClean="0"/>
+                <a:t>parameters</a:t>
+              </a:r>
+              <a:endParaRPr lang="en-US" dirty="0"/>
             </a:p>
             <a:p>
               <a:pPr marL="285750" indent="-285750">
@@ -4558,10 +4662,6 @@
                 <a:rPr lang="en-US" b="1" dirty="0" smtClean="0"/>
                 <a:t>401.7s </a:t>
               </a:r>
-              <a:r>
-                <a:rPr lang="en-US" dirty="0" smtClean="0"/>
-                <a:t>on the test set.</a:t>
-              </a:r>
               <a:endParaRPr lang="en-US" dirty="0"/>
             </a:p>
             <a:p>
@@ -4578,7 +4678,7 @@
           <p:cNvPr id="12" name="Oval 11">
             <a:extLst>
               <a:ext uri="{FF2B5EF4-FFF2-40B4-BE49-F238E27FC236}">
-                <a16:creationId xmlns:a16="http://schemas.microsoft.com/office/drawing/2014/main" xmlns="" id="{77197AFC-7272-4CE3-85A8-F5FAC59EF680}"/>
+                <a16:creationId xmlns="" xmlns:a16="http://schemas.microsoft.com/office/drawing/2014/main" id="{77197AFC-7272-4CE3-85A8-F5FAC59EF680}"/>
               </a:ext>
             </a:extLst>
           </p:cNvPr>
@@ -4627,7 +4727,7 @@
           <p:cNvPr id="13" name="TextBox 12">
             <a:extLst>
               <a:ext uri="{FF2B5EF4-FFF2-40B4-BE49-F238E27FC236}">
-                <a16:creationId xmlns:a16="http://schemas.microsoft.com/office/drawing/2014/main" xmlns="" id="{79DE3308-85F2-4601-A0E3-51E16CAF358D}"/>
+                <a16:creationId xmlns="" xmlns:a16="http://schemas.microsoft.com/office/drawing/2014/main" id="{79DE3308-85F2-4601-A0E3-51E16CAF358D}"/>
               </a:ext>
             </a:extLst>
           </p:cNvPr>
@@ -4637,7 +4737,7 @@
         <p:spPr>
           <a:xfrm>
             <a:off x="838200" y="799864"/>
-            <a:ext cx="4857676" cy="1015663"/>
+            <a:ext cx="4857933" cy="738664"/>
           </a:xfrm>
           <a:prstGeom prst="rect">
             <a:avLst/>
@@ -4662,18 +4762,13 @@
             </a:pPr>
             <a:r>
               <a:rPr lang="en-US" dirty="0"/>
-              <a:t>Extracting 5000 features from the 3000 images</a:t>
-            </a:r>
-          </a:p>
-          <a:p>
-            <a:pPr marL="285750" indent="-285750">
-              <a:buFont typeface="Arial" panose="020B0604020202020204" pitchFamily="34" charset="0"/>
-              <a:buChar char="•"/>
-            </a:pPr>
-            <a:r>
-              <a:rPr lang="en-US" dirty="0"/>
-              <a:t>Running time:</a:t>
-            </a:r>
+              <a:t>Extracting 5000 features from the 3000 </a:t>
+            </a:r>
+            <a:r>
+              <a:rPr lang="en-US" dirty="0" smtClean="0"/>
+              <a:t>images</a:t>
+            </a:r>
+            <a:endParaRPr lang="en-US" dirty="0"/>
           </a:p>
         </p:txBody>
       </p:sp>
@@ -4682,7 +4777,7 @@
           <p:cNvPr id="14" name="Oval 13">
             <a:extLst>
               <a:ext uri="{FF2B5EF4-FFF2-40B4-BE49-F238E27FC236}">
-                <a16:creationId xmlns:a16="http://schemas.microsoft.com/office/drawing/2014/main" xmlns="" id="{158F667E-61E8-43F7-A0A9-2629E385768C}"/>
+                <a16:creationId xmlns="" xmlns:a16="http://schemas.microsoft.com/office/drawing/2014/main" id="{158F667E-61E8-43F7-A0A9-2629E385768C}"/>
               </a:ext>
             </a:extLst>
           </p:cNvPr>
@@ -4731,7 +4826,7 @@
           <p:cNvPr id="15" name="TextBox 14">
             <a:extLst>
               <a:ext uri="{FF2B5EF4-FFF2-40B4-BE49-F238E27FC236}">
-                <a16:creationId xmlns:a16="http://schemas.microsoft.com/office/drawing/2014/main" xmlns="" id="{9682F5B2-35A3-42E8-9CDE-36F6315EFF36}"/>
+                <a16:creationId xmlns="" xmlns:a16="http://schemas.microsoft.com/office/drawing/2014/main" id="{9682F5B2-35A3-42E8-9CDE-36F6315EFF36}"/>
               </a:ext>
             </a:extLst>
           </p:cNvPr>
@@ -4766,7 +4861,7 @@
           <p:cNvPr id="17" name="Straight Connector 16">
             <a:extLst>
               <a:ext uri="{FF2B5EF4-FFF2-40B4-BE49-F238E27FC236}">
-                <a16:creationId xmlns:a16="http://schemas.microsoft.com/office/drawing/2014/main" xmlns="" id="{CE05F839-3054-43DF-8810-8EA6BE360703}"/>
+                <a16:creationId xmlns="" xmlns:a16="http://schemas.microsoft.com/office/drawing/2014/main" id="{CE05F839-3054-43DF-8810-8EA6BE360703}"/>
               </a:ext>
             </a:extLst>
           </p:cNvPr>
@@ -4802,13 +4897,20 @@
     </p:spTree>
     <p:extLst>
       <p:ext uri="{BB962C8B-B14F-4D97-AF65-F5344CB8AC3E}">
-        <p14:creationId xmlns:p14="http://schemas.microsoft.com/office/powerpoint/2010/main" xmlns="" val="1321281100"/>
+        <p14:creationId xmlns:p14="http://schemas.microsoft.com/office/powerpoint/2010/main" val="1321281100"/>
       </p:ext>
     </p:extLst>
   </p:cSld>
   <p:clrMapOvr>
     <a:masterClrMapping/>
   </p:clrMapOvr>
+  <p:timing>
+    <p:tnLst>
+      <p:par>
+        <p:cTn id="1" dur="indefinite" restart="never" nodeType="tmRoot"/>
+      </p:par>
+    </p:tnLst>
+  </p:timing>
 </p:sld>
 </file>
 
@@ -4863,7 +4965,7 @@
           <p:cNvPr id="19" name="Group 18">
             <a:extLst>
               <a:ext uri="{FF2B5EF4-FFF2-40B4-BE49-F238E27FC236}">
-                <a16:creationId xmlns:a16="http://schemas.microsoft.com/office/drawing/2014/main" xmlns="" id="{B1363286-2C78-4B3B-9BD7-520C71407EFF}"/>
+                <a16:creationId xmlns="" xmlns:a16="http://schemas.microsoft.com/office/drawing/2014/main" id="{B1363286-2C78-4B3B-9BD7-520C71407EFF}"/>
               </a:ext>
             </a:extLst>
           </p:cNvPr>
@@ -4883,7 +4985,7 @@
             <p:cNvPr id="6" name="Picture 5">
               <a:extLst>
                 <a:ext uri="{FF2B5EF4-FFF2-40B4-BE49-F238E27FC236}">
-                  <a16:creationId xmlns:a16="http://schemas.microsoft.com/office/drawing/2014/main" xmlns="" id="{A7ADFC44-E490-43A9-82B7-8787BD97D692}"/>
+                  <a16:creationId xmlns="" xmlns:a16="http://schemas.microsoft.com/office/drawing/2014/main" id="{A7ADFC44-E490-43A9-82B7-8787BD97D692}"/>
                 </a:ext>
               </a:extLst>
             </p:cNvPr>
@@ -4926,7 +5028,7 @@
             <p:cNvPr id="7" name="Rectangle: Rounded Corners 6">
               <a:extLst>
                 <a:ext uri="{FF2B5EF4-FFF2-40B4-BE49-F238E27FC236}">
-                  <a16:creationId xmlns:a16="http://schemas.microsoft.com/office/drawing/2014/main" xmlns="" id="{36571A63-085D-4C75-A497-4F48FCC5A280}"/>
+                  <a16:creationId xmlns="" xmlns:a16="http://schemas.microsoft.com/office/drawing/2014/main" id="{36571A63-085D-4C75-A497-4F48FCC5A280}"/>
                 </a:ext>
               </a:extLst>
             </p:cNvPr>
@@ -4981,7 +5083,7 @@
           <p:cNvPr id="13" name="Group 12">
             <a:extLst>
               <a:ext uri="{FF2B5EF4-FFF2-40B4-BE49-F238E27FC236}">
-                <a16:creationId xmlns:a16="http://schemas.microsoft.com/office/drawing/2014/main" xmlns="" id="{C1C06428-913C-49BA-A560-F28B608079D1}"/>
+                <a16:creationId xmlns="" xmlns:a16="http://schemas.microsoft.com/office/drawing/2014/main" id="{C1C06428-913C-49BA-A560-F28B608079D1}"/>
               </a:ext>
             </a:extLst>
           </p:cNvPr>
@@ -5001,7 +5103,7 @@
             <p:cNvPr id="9" name="Group 8">
               <a:extLst>
                 <a:ext uri="{FF2B5EF4-FFF2-40B4-BE49-F238E27FC236}">
-                  <a16:creationId xmlns:a16="http://schemas.microsoft.com/office/drawing/2014/main" xmlns="" id="{ADD74108-4444-41F8-A704-0CC219A669FD}"/>
+                  <a16:creationId xmlns="" xmlns:a16="http://schemas.microsoft.com/office/drawing/2014/main" id="{ADD74108-4444-41F8-A704-0CC219A669FD}"/>
                 </a:ext>
               </a:extLst>
             </p:cNvPr>
@@ -5021,7 +5123,7 @@
               <p:cNvPr id="10" name="Rounded Rectangle 5">
                 <a:extLst>
                   <a:ext uri="{FF2B5EF4-FFF2-40B4-BE49-F238E27FC236}">
-                    <a16:creationId xmlns:a16="http://schemas.microsoft.com/office/drawing/2014/main" xmlns="" id="{ED448CD9-4FCA-4AB5-8878-3755C387E008}"/>
+                    <a16:creationId xmlns="" xmlns:a16="http://schemas.microsoft.com/office/drawing/2014/main" id="{ED448CD9-4FCA-4AB5-8878-3755C387E008}"/>
                   </a:ext>
                 </a:extLst>
               </p:cNvPr>
@@ -5098,7 +5200,7 @@
               <p:cNvPr id="11" name="Rounded Rectangle 4">
                 <a:extLst>
                   <a:ext uri="{FF2B5EF4-FFF2-40B4-BE49-F238E27FC236}">
-                    <a16:creationId xmlns:a16="http://schemas.microsoft.com/office/drawing/2014/main" xmlns="" id="{6E02B966-414F-455D-AD90-2C816E0EE993}"/>
+                    <a16:creationId xmlns="" xmlns:a16="http://schemas.microsoft.com/office/drawing/2014/main" id="{6E02B966-414F-455D-AD90-2C816E0EE993}"/>
                   </a:ext>
                 </a:extLst>
               </p:cNvPr>
@@ -5148,7 +5250,7 @@
             <p:cNvPr id="12" name="Rectangle 11">
               <a:extLst>
                 <a:ext uri="{FF2B5EF4-FFF2-40B4-BE49-F238E27FC236}">
-                  <a16:creationId xmlns:a16="http://schemas.microsoft.com/office/drawing/2014/main" xmlns="" id="{371271CF-D8DE-4786-A588-58F9826266B0}"/>
+                  <a16:creationId xmlns="" xmlns:a16="http://schemas.microsoft.com/office/drawing/2014/main" id="{371271CF-D8DE-4786-A588-58F9826266B0}"/>
                 </a:ext>
               </a:extLst>
             </p:cNvPr>
@@ -5157,8 +5259,8 @@
           </p:nvSpPr>
           <p:spPr>
             <a:xfrm>
-              <a:off x="546448" y="1922292"/>
-              <a:ext cx="4628147" cy="2308324"/>
+              <a:off x="546448" y="1822497"/>
+              <a:ext cx="4628147" cy="2585323"/>
             </a:xfrm>
             <a:prstGeom prst="rect">
               <a:avLst/>
@@ -5192,8 +5294,21 @@
               </a:pPr>
               <a:r>
                 <a:rPr lang="en-US" dirty="0"/>
-                <a:t>we selected the model parameters using Cross-Validation on a training data set</a:t>
+                <a:t>we selected the model parameters using </a:t>
               </a:r>
+              <a:r>
+                <a:rPr lang="en-US" dirty="0" smtClean="0"/>
+                <a:t>K-fold Cross-Validation </a:t>
+              </a:r>
+              <a:r>
+                <a:rPr lang="en-US" dirty="0"/>
+                <a:t>on </a:t>
+              </a:r>
+              <a:r>
+                <a:rPr lang="en-US" dirty="0" smtClean="0"/>
+                <a:t>the data, and get an estimate of the accuracy</a:t>
+              </a:r>
+              <a:endParaRPr lang="en-US" dirty="0"/>
             </a:p>
             <a:p>
               <a:pPr marL="285750" indent="-285750">
@@ -5201,9 +5316,10 @@
                 <a:buChar char="•"/>
               </a:pPr>
               <a:r>
-                <a:rPr lang="en-US" dirty="0"/>
-                <a:t>We estimated the accuracy of the model on a test-set </a:t>
+                <a:rPr lang="en-US" dirty="0" smtClean="0"/>
+                <a:t>we compare the models’ accuracy and running time</a:t>
               </a:r>
+              <a:endParaRPr lang="en-US" dirty="0"/>
             </a:p>
           </p:txBody>
         </p:sp>
@@ -5213,7 +5329,7 @@
           <p:cNvPr id="20" name="Rectangle: Rounded Corners 19">
             <a:extLst>
               <a:ext uri="{FF2B5EF4-FFF2-40B4-BE49-F238E27FC236}">
-                <a16:creationId xmlns:a16="http://schemas.microsoft.com/office/drawing/2014/main" xmlns="" id="{516B0DDA-E78C-4606-9563-AA3495159122}"/>
+                <a16:creationId xmlns="" xmlns:a16="http://schemas.microsoft.com/office/drawing/2014/main" id="{516B0DDA-E78C-4606-9563-AA3495159122}"/>
               </a:ext>
             </a:extLst>
           </p:cNvPr>
@@ -5271,7 +5387,7 @@
           <p:cNvPr id="21" name="Rectangle 20">
             <a:extLst>
               <a:ext uri="{FF2B5EF4-FFF2-40B4-BE49-F238E27FC236}">
-                <a16:creationId xmlns:a16="http://schemas.microsoft.com/office/drawing/2014/main" xmlns="" id="{A3E4C4AF-7B2B-4434-8B12-C88F46710186}"/>
+                <a16:creationId xmlns="" xmlns:a16="http://schemas.microsoft.com/office/drawing/2014/main" id="{A3E4C4AF-7B2B-4434-8B12-C88F46710186}"/>
               </a:ext>
             </a:extLst>
           </p:cNvPr>
@@ -5444,7 +5560,7 @@
           <p:cNvPr id="22" name="Straight Connector 21">
             <a:extLst>
               <a:ext uri="{FF2B5EF4-FFF2-40B4-BE49-F238E27FC236}">
-                <a16:creationId xmlns:a16="http://schemas.microsoft.com/office/drawing/2014/main" xmlns="" id="{FA7893D9-493F-4F7A-8DD6-E6101503DAE4}"/>
+                <a16:creationId xmlns="" xmlns:a16="http://schemas.microsoft.com/office/drawing/2014/main" id="{FA7893D9-493F-4F7A-8DD6-E6101503DAE4}"/>
               </a:ext>
             </a:extLst>
           </p:cNvPr>
@@ -5480,13 +5596,20 @@
     </p:spTree>
     <p:extLst>
       <p:ext uri="{BB962C8B-B14F-4D97-AF65-F5344CB8AC3E}">
-        <p14:creationId xmlns:p14="http://schemas.microsoft.com/office/powerpoint/2010/main" xmlns="" val="1189532912"/>
+        <p14:creationId xmlns:p14="http://schemas.microsoft.com/office/powerpoint/2010/main" val="1189532912"/>
       </p:ext>
     </p:extLst>
   </p:cSld>
   <p:clrMapOvr>
     <a:masterClrMapping/>
   </p:clrMapOvr>
+  <p:timing>
+    <p:tnLst>
+      <p:par>
+        <p:cTn id="1" dur="indefinite" restart="never" nodeType="tmRoot"/>
+      </p:par>
+    </p:tnLst>
+  </p:timing>
 </p:sld>
 </file>
 
@@ -5541,7 +5664,7 @@
           <p:cNvPr id="4" name="Oval 3">
             <a:extLst>
               <a:ext uri="{FF2B5EF4-FFF2-40B4-BE49-F238E27FC236}">
-                <a16:creationId xmlns:a16="http://schemas.microsoft.com/office/drawing/2014/main" xmlns="" id="{9E5146BC-1E0D-4BFC-8AC5-7782810E4DBE}"/>
+                <a16:creationId xmlns="" xmlns:a16="http://schemas.microsoft.com/office/drawing/2014/main" id="{9E5146BC-1E0D-4BFC-8AC5-7782810E4DBE}"/>
               </a:ext>
             </a:extLst>
           </p:cNvPr>
@@ -5590,7 +5713,7 @@
           <p:cNvPr id="5" name="TextBox 4">
             <a:extLst>
               <a:ext uri="{FF2B5EF4-FFF2-40B4-BE49-F238E27FC236}">
-                <a16:creationId xmlns:a16="http://schemas.microsoft.com/office/drawing/2014/main" xmlns="" id="{BAF9FAF1-8D3B-45DB-A69C-2D7941D84568}"/>
+                <a16:creationId xmlns="" xmlns:a16="http://schemas.microsoft.com/office/drawing/2014/main" id="{BAF9FAF1-8D3B-45DB-A69C-2D7941D84568}"/>
               </a:ext>
             </a:extLst>
           </p:cNvPr>
@@ -5645,7 +5768,7 @@
           <p:cNvPr id="6" name="Oval 5">
             <a:extLst>
               <a:ext uri="{FF2B5EF4-FFF2-40B4-BE49-F238E27FC236}">
-                <a16:creationId xmlns:a16="http://schemas.microsoft.com/office/drawing/2014/main" xmlns="" id="{68F854CC-D204-441B-ABC7-44E12D33FA53}"/>
+                <a16:creationId xmlns="" xmlns:a16="http://schemas.microsoft.com/office/drawing/2014/main" id="{68F854CC-D204-441B-ABC7-44E12D33FA53}"/>
               </a:ext>
             </a:extLst>
           </p:cNvPr>
@@ -5694,7 +5817,7 @@
           <p:cNvPr id="7" name="TextBox 6">
             <a:extLst>
               <a:ext uri="{FF2B5EF4-FFF2-40B4-BE49-F238E27FC236}">
-                <a16:creationId xmlns:a16="http://schemas.microsoft.com/office/drawing/2014/main" xmlns="" id="{0D413C2D-B0D1-49F5-AE47-2DACE51E8B8A}"/>
+                <a16:creationId xmlns="" xmlns:a16="http://schemas.microsoft.com/office/drawing/2014/main" id="{0D413C2D-B0D1-49F5-AE47-2DACE51E8B8A}"/>
               </a:ext>
             </a:extLst>
           </p:cNvPr>
@@ -5741,7 +5864,7 @@
           <p:cNvPr id="8" name="Oval 7">
             <a:extLst>
               <a:ext uri="{FF2B5EF4-FFF2-40B4-BE49-F238E27FC236}">
-                <a16:creationId xmlns:a16="http://schemas.microsoft.com/office/drawing/2014/main" xmlns="" id="{E347AD12-6476-4502-B518-238FE4A1D6B8}"/>
+                <a16:creationId xmlns="" xmlns:a16="http://schemas.microsoft.com/office/drawing/2014/main" id="{E347AD12-6476-4502-B518-238FE4A1D6B8}"/>
               </a:ext>
             </a:extLst>
           </p:cNvPr>
@@ -5790,7 +5913,7 @@
           <p:cNvPr id="9" name="TextBox 8">
             <a:extLst>
               <a:ext uri="{FF2B5EF4-FFF2-40B4-BE49-F238E27FC236}">
-                <a16:creationId xmlns:a16="http://schemas.microsoft.com/office/drawing/2014/main" xmlns="" id="{DF3AE0A2-CD7D-404E-ACA4-AD83DCF31BC8}"/>
+                <a16:creationId xmlns="" xmlns:a16="http://schemas.microsoft.com/office/drawing/2014/main" id="{DF3AE0A2-CD7D-404E-ACA4-AD83DCF31BC8}"/>
               </a:ext>
             </a:extLst>
           </p:cNvPr>
@@ -5819,11 +5942,7 @@
             </a:r>
             <a:r>
               <a:rPr lang="en-US" dirty="0"/>
-              <a:t>The HSV (Hue, Saturation, Value) representation models the way paints of different colors mix together. Here </a:t>
-            </a:r>
-            <a:r>
-              <a:rPr lang="en-US" dirty="0"/>
-              <a:t>w</a:t>
+              <a:t>The HSV (Hue, Saturation, Value) representation models the way paints of different colors mix together. Here w</a:t>
             </a:r>
             <a:r>
               <a:rPr lang="en-US" dirty="0" smtClean="0"/>
@@ -5871,7 +5990,7 @@
           <p:cNvPr id="10" name="Oval 9">
             <a:extLst>
               <a:ext uri="{FF2B5EF4-FFF2-40B4-BE49-F238E27FC236}">
-                <a16:creationId xmlns:a16="http://schemas.microsoft.com/office/drawing/2014/main" xmlns="" id="{A69C9D78-5E73-4AE3-88AE-DF7EF85A65A7}"/>
+                <a16:creationId xmlns="" xmlns:a16="http://schemas.microsoft.com/office/drawing/2014/main" id="{A69C9D78-5E73-4AE3-88AE-DF7EF85A65A7}"/>
               </a:ext>
             </a:extLst>
           </p:cNvPr>
@@ -5920,7 +6039,7 @@
           <p:cNvPr id="11" name="TextBox 10">
             <a:extLst>
               <a:ext uri="{FF2B5EF4-FFF2-40B4-BE49-F238E27FC236}">
-                <a16:creationId xmlns:a16="http://schemas.microsoft.com/office/drawing/2014/main" xmlns="" id="{42981736-2B3F-4B85-85F6-ADFF72C6A23E}"/>
+                <a16:creationId xmlns="" xmlns:a16="http://schemas.microsoft.com/office/drawing/2014/main" id="{42981736-2B3F-4B85-85F6-ADFF72C6A23E}"/>
               </a:ext>
             </a:extLst>
           </p:cNvPr>
@@ -5981,7 +6100,7 @@
           <p:cNvPr id="12" name="Straight Connector 11">
             <a:extLst>
               <a:ext uri="{FF2B5EF4-FFF2-40B4-BE49-F238E27FC236}">
-                <a16:creationId xmlns:a16="http://schemas.microsoft.com/office/drawing/2014/main" xmlns="" id="{1DAAEEE4-573F-43C3-822B-D581A798B411}"/>
+                <a16:creationId xmlns="" xmlns:a16="http://schemas.microsoft.com/office/drawing/2014/main" id="{1DAAEEE4-573F-43C3-822B-D581A798B411}"/>
               </a:ext>
             </a:extLst>
           </p:cNvPr>
@@ -6019,7 +6138,7 @@
           <p:cNvPr id="14" name="图片 2">
             <a:extLst>
               <a:ext uri="{FF2B5EF4-FFF2-40B4-BE49-F238E27FC236}">
-                <a16:creationId xmlns:a16="http://schemas.microsoft.com/office/drawing/2014/main" xmlns="" id="{F982B1F3-4876-40C7-91FA-722E5BC17C1A}"/>
+                <a16:creationId xmlns="" xmlns:a16="http://schemas.microsoft.com/office/drawing/2014/main" id="{F982B1F3-4876-40C7-91FA-722E5BC17C1A}"/>
               </a:ext>
             </a:extLst>
           </p:cNvPr>
@@ -6030,7 +6149,7 @@
           <a:blip r:embed="rId2">
             <a:extLst>
               <a:ext uri="{28A0092B-C50C-407E-A947-70E740481C1C}">
-                <a14:useLocalDpi xmlns:a14="http://schemas.microsoft.com/office/drawing/2010/main" xmlns="" val="0"/>
+                <a14:useLocalDpi xmlns:a14="http://schemas.microsoft.com/office/drawing/2010/main" val="0"/>
               </a:ext>
             </a:extLst>
           </a:blip>
@@ -6054,13 +6173,20 @@
     </p:spTree>
     <p:extLst>
       <p:ext uri="{BB962C8B-B14F-4D97-AF65-F5344CB8AC3E}">
-        <p14:creationId xmlns:p14="http://schemas.microsoft.com/office/powerpoint/2010/main" xmlns="" val="665277472"/>
+        <p14:creationId xmlns:p14="http://schemas.microsoft.com/office/powerpoint/2010/main" val="665277472"/>
       </p:ext>
     </p:extLst>
   </p:cSld>
   <p:clrMapOvr>
     <a:masterClrMapping/>
   </p:clrMapOvr>
+  <p:timing>
+    <p:tnLst>
+      <p:par>
+        <p:cTn id="1" dur="indefinite" restart="never" nodeType="tmRoot"/>
+      </p:par>
+    </p:tnLst>
+  </p:timing>
 </p:sld>
 </file>
 
@@ -6144,7 +6270,7 @@
           <p:cNvPr id="8" name="Group 7">
             <a:extLst>
               <a:ext uri="{FF2B5EF4-FFF2-40B4-BE49-F238E27FC236}">
-                <a16:creationId xmlns:a16="http://schemas.microsoft.com/office/drawing/2014/main" xmlns="" id="{C2D5264D-8118-4873-AF3A-6424A1F54F4E}"/>
+                <a16:creationId xmlns="" xmlns:a16="http://schemas.microsoft.com/office/drawing/2014/main" id="{C2D5264D-8118-4873-AF3A-6424A1F54F4E}"/>
               </a:ext>
             </a:extLst>
           </p:cNvPr>
@@ -6164,7 +6290,7 @@
             <p:cNvPr id="5" name="Picture 4">
               <a:extLst>
                 <a:ext uri="{FF2B5EF4-FFF2-40B4-BE49-F238E27FC236}">
-                  <a16:creationId xmlns:a16="http://schemas.microsoft.com/office/drawing/2014/main" xmlns="" id="{15540031-174A-4582-842D-D21BF0C0B17B}"/>
+                  <a16:creationId xmlns="" xmlns:a16="http://schemas.microsoft.com/office/drawing/2014/main" id="{15540031-174A-4582-842D-D21BF0C0B17B}"/>
                 </a:ext>
               </a:extLst>
             </p:cNvPr>
@@ -6193,7 +6319,7 @@
             <p:cNvPr id="6" name="Rectangle: Rounded Corners 5">
               <a:extLst>
                 <a:ext uri="{FF2B5EF4-FFF2-40B4-BE49-F238E27FC236}">
-                  <a16:creationId xmlns:a16="http://schemas.microsoft.com/office/drawing/2014/main" xmlns="" id="{61381CD0-231A-484E-A88B-B178D3B7E0BE}"/>
+                  <a16:creationId xmlns="" xmlns:a16="http://schemas.microsoft.com/office/drawing/2014/main" id="{61381CD0-231A-484E-A88B-B178D3B7E0BE}"/>
                 </a:ext>
               </a:extLst>
             </p:cNvPr>
@@ -6247,7 +6373,7 @@
             <p:cNvPr id="7" name="Rectangle: Rounded Corners 6">
               <a:extLst>
                 <a:ext uri="{FF2B5EF4-FFF2-40B4-BE49-F238E27FC236}">
-                  <a16:creationId xmlns:a16="http://schemas.microsoft.com/office/drawing/2014/main" xmlns="" id="{7DCD8776-CD5A-4669-A3F2-71AA6B6EBF9C}"/>
+                  <a16:creationId xmlns="" xmlns:a16="http://schemas.microsoft.com/office/drawing/2014/main" id="{7DCD8776-CD5A-4669-A3F2-71AA6B6EBF9C}"/>
                 </a:ext>
               </a:extLst>
             </p:cNvPr>
@@ -6306,7 +6432,7 @@
           <p:cNvPr id="9" name="Rectangle 8">
             <a:extLst>
               <a:ext uri="{FF2B5EF4-FFF2-40B4-BE49-F238E27FC236}">
-                <a16:creationId xmlns:a16="http://schemas.microsoft.com/office/drawing/2014/main" xmlns="" id="{B828F22F-50C5-4234-BC49-93C1CE68E694}"/>
+                <a16:creationId xmlns="" xmlns:a16="http://schemas.microsoft.com/office/drawing/2014/main" id="{B828F22F-50C5-4234-BC49-93C1CE68E694}"/>
               </a:ext>
             </a:extLst>
           </p:cNvPr>
@@ -6476,7 +6602,7 @@
           <p:cNvPr id="10" name="Straight Connector 9">
             <a:extLst>
               <a:ext uri="{FF2B5EF4-FFF2-40B4-BE49-F238E27FC236}">
-                <a16:creationId xmlns:a16="http://schemas.microsoft.com/office/drawing/2014/main" xmlns="" id="{54CD431D-ABF6-4F51-83CE-5A774B908362}"/>
+                <a16:creationId xmlns="" xmlns:a16="http://schemas.microsoft.com/office/drawing/2014/main" id="{54CD431D-ABF6-4F51-83CE-5A774B908362}"/>
               </a:ext>
             </a:extLst>
           </p:cNvPr>
@@ -6512,13 +6638,20 @@
     </p:spTree>
     <p:extLst>
       <p:ext uri="{BB962C8B-B14F-4D97-AF65-F5344CB8AC3E}">
-        <p14:creationId xmlns:p14="http://schemas.microsoft.com/office/powerpoint/2010/main" xmlns="" val="717940036"/>
+        <p14:creationId xmlns:p14="http://schemas.microsoft.com/office/powerpoint/2010/main" val="717940036"/>
       </p:ext>
     </p:extLst>
   </p:cSld>
   <p:clrMapOvr>
     <a:masterClrMapping/>
   </p:clrMapOvr>
+  <p:timing>
+    <p:tnLst>
+      <p:par>
+        <p:cTn id="1" dur="indefinite" restart="never" nodeType="tmRoot"/>
+      </p:par>
+    </p:tnLst>
+  </p:timing>
 </p:sld>
 </file>
 
@@ -6573,7 +6706,7 @@
           <p:cNvPr id="4" name="Oval 3">
             <a:extLst>
               <a:ext uri="{FF2B5EF4-FFF2-40B4-BE49-F238E27FC236}">
-                <a16:creationId xmlns:a16="http://schemas.microsoft.com/office/drawing/2014/main" xmlns="" id="{8787589B-829D-42C7-9849-9FA188C836ED}"/>
+                <a16:creationId xmlns="" xmlns:a16="http://schemas.microsoft.com/office/drawing/2014/main" id="{8787589B-829D-42C7-9849-9FA188C836ED}"/>
               </a:ext>
             </a:extLst>
           </p:cNvPr>
@@ -6622,7 +6755,7 @@
           <p:cNvPr id="5" name="TextBox 4">
             <a:extLst>
               <a:ext uri="{FF2B5EF4-FFF2-40B4-BE49-F238E27FC236}">
-                <a16:creationId xmlns:a16="http://schemas.microsoft.com/office/drawing/2014/main" xmlns="" id="{3987A76B-62BF-49C6-B0B2-F4DA485DD458}"/>
+                <a16:creationId xmlns="" xmlns:a16="http://schemas.microsoft.com/office/drawing/2014/main" id="{3987A76B-62BF-49C6-B0B2-F4DA485DD458}"/>
               </a:ext>
             </a:extLst>
           </p:cNvPr>
@@ -6724,7 +6857,7 @@
           <p:cNvPr id="6" name="Oval 5">
             <a:extLst>
               <a:ext uri="{FF2B5EF4-FFF2-40B4-BE49-F238E27FC236}">
-                <a16:creationId xmlns:a16="http://schemas.microsoft.com/office/drawing/2014/main" xmlns="" id="{BBC4DFE2-A7E7-45EB-A060-8D04E673BFE8}"/>
+                <a16:creationId xmlns="" xmlns:a16="http://schemas.microsoft.com/office/drawing/2014/main" id="{BBC4DFE2-A7E7-45EB-A060-8D04E673BFE8}"/>
               </a:ext>
             </a:extLst>
           </p:cNvPr>
@@ -6773,7 +6906,7 @@
           <p:cNvPr id="7" name="TextBox 6">
             <a:extLst>
               <a:ext uri="{FF2B5EF4-FFF2-40B4-BE49-F238E27FC236}">
-                <a16:creationId xmlns:a16="http://schemas.microsoft.com/office/drawing/2014/main" xmlns="" id="{2F3B8F35-6612-433B-845B-C60A4E3D39AF}"/>
+                <a16:creationId xmlns="" xmlns:a16="http://schemas.microsoft.com/office/drawing/2014/main" id="{2F3B8F35-6612-433B-845B-C60A4E3D39AF}"/>
               </a:ext>
             </a:extLst>
           </p:cNvPr>
@@ -6783,7 +6916,7 @@
         <p:spPr>
           <a:xfrm>
             <a:off x="514350" y="4282398"/>
-            <a:ext cx="6800850" cy="2739211"/>
+            <a:ext cx="6800850" cy="2462213"/>
           </a:xfrm>
           <a:prstGeom prst="rect">
             <a:avLst/>
@@ -6826,7 +6959,11 @@
             </a:r>
             <a:r>
               <a:rPr lang="en-US" dirty="0" smtClean="0"/>
-              <a:t>Cross-Validation on the training set </a:t>
+              <a:t>Cross-Validation on the </a:t>
+            </a:r>
+            <a:r>
+              <a:rPr lang="en-US" dirty="0" smtClean="0"/>
+              <a:t>dataset </a:t>
             </a:r>
             <a:r>
               <a:rPr lang="en-US" dirty="0"/>
@@ -6878,7 +7015,15 @@
             </a:r>
             <a:r>
               <a:rPr lang="en-US" dirty="0"/>
-              <a:t>we use K-fold cross-validation to estimate the accuracy of the model: </a:t>
+              <a:t>we </a:t>
+            </a:r>
+            <a:r>
+              <a:rPr lang="en-US" dirty="0" smtClean="0"/>
+              <a:t>estimate </a:t>
+            </a:r>
+            <a:r>
+              <a:rPr lang="en-US" dirty="0"/>
+              <a:t>the accuracy of the model: </a:t>
             </a:r>
             <a:r>
               <a:rPr lang="en-US" b="1" dirty="0"/>
@@ -6890,7 +7035,11 @@
             </a:r>
             <a:r>
               <a:rPr lang="en-US" dirty="0" smtClean="0"/>
-              <a:t>56son the test set.</a:t>
+              <a:t>56s on </a:t>
+            </a:r>
+            <a:r>
+              <a:rPr lang="en-US" dirty="0" smtClean="0"/>
+              <a:t>the test set.</a:t>
             </a:r>
             <a:endParaRPr lang="en-US" sz="2000" b="1" dirty="0"/>
           </a:p>
@@ -6908,7 +7057,7 @@
           <p:cNvPr id="8" name="TextBox 7">
             <a:extLst>
               <a:ext uri="{FF2B5EF4-FFF2-40B4-BE49-F238E27FC236}">
-                <a16:creationId xmlns:a16="http://schemas.microsoft.com/office/drawing/2014/main" xmlns="" id="{9E9B7E7C-4D46-44B7-8898-79B9724ACBFF}"/>
+                <a16:creationId xmlns="" xmlns:a16="http://schemas.microsoft.com/office/drawing/2014/main" id="{9E9B7E7C-4D46-44B7-8898-79B9724ACBFF}"/>
               </a:ext>
             </a:extLst>
           </p:cNvPr>
@@ -6995,7 +7144,7 @@
           <p:cNvPr id="12" name="Rounded Rectangle 5">
             <a:extLst>
               <a:ext uri="{FF2B5EF4-FFF2-40B4-BE49-F238E27FC236}">
-                <a16:creationId xmlns:a16="http://schemas.microsoft.com/office/drawing/2014/main" xmlns="" id="{FC975995-654A-48C8-800F-259CC68502EB}"/>
+                <a16:creationId xmlns="" xmlns:a16="http://schemas.microsoft.com/office/drawing/2014/main" id="{FC975995-654A-48C8-800F-259CC68502EB}"/>
               </a:ext>
             </a:extLst>
           </p:cNvPr>
@@ -7072,7 +7221,7 @@
           <p:cNvPr id="16" name="Picture 15">
             <a:extLst>
               <a:ext uri="{FF2B5EF4-FFF2-40B4-BE49-F238E27FC236}">
-                <a16:creationId xmlns:a16="http://schemas.microsoft.com/office/drawing/2014/main" xmlns="" id="{8F2D48DD-7481-41B9-A507-54D44F4BAF2E}"/>
+                <a16:creationId xmlns="" xmlns:a16="http://schemas.microsoft.com/office/drawing/2014/main" id="{8F2D48DD-7481-41B9-A507-54D44F4BAF2E}"/>
               </a:ext>
             </a:extLst>
           </p:cNvPr>
@@ -7082,7 +7231,7 @@
           <p:nvPr/>
         </p:nvPicPr>
         <p:blipFill rotWithShape="1">
-          <a:blip r:embed="rId2"/>
+          <a:blip r:embed="rId3"/>
           <a:srcRect t="4428" r="8782" b="4510"/>
           <a:stretch/>
         </p:blipFill>
@@ -7101,7 +7250,7 @@
           <p:cNvPr id="19" name="Straight Connector 18">
             <a:extLst>
               <a:ext uri="{FF2B5EF4-FFF2-40B4-BE49-F238E27FC236}">
-                <a16:creationId xmlns:a16="http://schemas.microsoft.com/office/drawing/2014/main" xmlns="" id="{E41C5C64-88D9-4F5B-9112-C03BA4EAE66F}"/>
+                <a16:creationId xmlns="" xmlns:a16="http://schemas.microsoft.com/office/drawing/2014/main" id="{E41C5C64-88D9-4F5B-9112-C03BA4EAE66F}"/>
               </a:ext>
             </a:extLst>
           </p:cNvPr>
@@ -7137,13 +7286,20 @@
     </p:spTree>
     <p:extLst>
       <p:ext uri="{BB962C8B-B14F-4D97-AF65-F5344CB8AC3E}">
-        <p14:creationId xmlns:p14="http://schemas.microsoft.com/office/powerpoint/2010/main" xmlns="" val="1531075210"/>
+        <p14:creationId xmlns:p14="http://schemas.microsoft.com/office/powerpoint/2010/main" val="1531075210"/>
       </p:ext>
     </p:extLst>
   </p:cSld>
   <p:clrMapOvr>
     <a:masterClrMapping/>
   </p:clrMapOvr>
+  <p:timing>
+    <p:tnLst>
+      <p:par>
+        <p:cTn id="1" dur="indefinite" restart="never" nodeType="tmRoot"/>
+      </p:par>
+    </p:tnLst>
+  </p:timing>
 </p:sld>
 </file>
 
@@ -7402,7 +7558,7 @@
   <a:extraClrSchemeLst/>
   <a:extLst>
     <a:ext uri="{05A4C25C-085E-4340-85A3-A5531E510DB2}">
-      <thm15:themeFamily xmlns:thm15="http://schemas.microsoft.com/office/thememl/2012/main" xmlns="" name="Office Theme" id="{62F939B6-93AF-4DB8-9C6B-D6C7DFDC589F}" vid="{4A3C46E8-61CC-4603-A589-7422A47A8E4A}"/>
+      <thm15:themeFamily xmlns:thm15="http://schemas.microsoft.com/office/thememl/2012/main" name="Office Theme" id="{62F939B6-93AF-4DB8-9C6B-D6C7DFDC589F}" vid="{4A3C46E8-61CC-4603-A589-7422A47A8E4A}"/>
     </a:ext>
   </a:extLst>
 </a:theme>
